--- a/MakeVersionInfo/MakeVersionInfo.pptx
+++ b/MakeVersionInfo/MakeVersionInfo.pptx
@@ -3347,7 +3347,7 @@
           <a:p>
             <a:fld id="{857CC94D-E614-4874-A919-F25B27309A09}" type="datetimeFigureOut">
               <a:rPr lang="en-CA" smtClean="0"/>
-              <a:t>2024-08-15</a:t>
+              <a:t>2024-08-17</a:t>
             </a:fld>
             <a:endParaRPr lang="en-CA"/>
           </a:p>
@@ -6750,7 +6750,7 @@
           <a:noFill/>
           <a:extLst>
             <a:ext uri="{909E8E84-426E-40dd-AFC4-6F175D3DCCD1}">
-              <a14:hiddenFill xmlns="" xmlns:a14="http://schemas.microsoft.com/office/drawing/2010/main">
+              <a14:hiddenFill xmlns:a14="http://schemas.microsoft.com/office/drawing/2010/main" xmlns="">
                 <a:solidFill>
                   <a:srgbClr val="FFFFFF"/>
                 </a:solidFill>
@@ -6816,7 +6816,7 @@
             </a:ln>
             <a:extLst>
               <a:ext uri="{91240B29-F687-4f45-9708-019B960494DF}">
-                <a14:hiddenLine xmlns="" xmlns:a14="http://schemas.microsoft.com/office/drawing/2010/main" w="9525">
+                <a14:hiddenLine xmlns:a14="http://schemas.microsoft.com/office/drawing/2010/main" xmlns="" w="9525">
                   <a:solidFill>
                     <a:srgbClr val="000000"/>
                   </a:solidFill>
@@ -6906,7 +6906,7 @@
             </a:ln>
             <a:extLst>
               <a:ext uri="{91240B29-F687-4f45-9708-019B960494DF}">
-                <a14:hiddenLine xmlns="" xmlns:a14="http://schemas.microsoft.com/office/drawing/2010/main" w="9525">
+                <a14:hiddenLine xmlns:a14="http://schemas.microsoft.com/office/drawing/2010/main" xmlns="" w="9525">
                   <a:solidFill>
                     <a:srgbClr val="000000"/>
                   </a:solidFill>
@@ -6996,7 +6996,7 @@
             </a:ln>
             <a:extLst>
               <a:ext uri="{91240B29-F687-4f45-9708-019B960494DF}">
-                <a14:hiddenLine xmlns="" xmlns:a14="http://schemas.microsoft.com/office/drawing/2010/main" w="9525">
+                <a14:hiddenLine xmlns:a14="http://schemas.microsoft.com/office/drawing/2010/main" xmlns="" w="9525">
                   <a:solidFill>
                     <a:srgbClr val="000000"/>
                   </a:solidFill>
@@ -7030,7 +7030,7 @@
             </a:ln>
             <a:extLst>
               <a:ext uri="{91240B29-F687-4f45-9708-019B960494DF}">
-                <a14:hiddenLine xmlns="" xmlns:a14="http://schemas.microsoft.com/office/drawing/2010/main" w="9525">
+                <a14:hiddenLine xmlns:a14="http://schemas.microsoft.com/office/drawing/2010/main" xmlns="" w="9525">
                   <a:solidFill>
                     <a:srgbClr val="000000"/>
                   </a:solidFill>
@@ -7120,7 +7120,7 @@
             </a:ln>
             <a:extLst>
               <a:ext uri="{91240B29-F687-4f45-9708-019B960494DF}">
-                <a14:hiddenLine xmlns="" xmlns:a14="http://schemas.microsoft.com/office/drawing/2010/main" w="9525">
+                <a14:hiddenLine xmlns:a14="http://schemas.microsoft.com/office/drawing/2010/main" xmlns="" w="9525">
                   <a:solidFill>
                     <a:srgbClr val="000000"/>
                   </a:solidFill>
@@ -7182,7 +7182,7 @@
             </a:ln>
             <a:extLst>
               <a:ext uri="{91240B29-F687-4f45-9708-019B960494DF}">
-                <a14:hiddenLine xmlns="" xmlns:a14="http://schemas.microsoft.com/office/drawing/2010/main" w="9525">
+                <a14:hiddenLine xmlns:a14="http://schemas.microsoft.com/office/drawing/2010/main" xmlns="" w="9525">
                   <a:solidFill>
                     <a:srgbClr val="000000"/>
                   </a:solidFill>
@@ -7244,7 +7244,7 @@
             </a:ln>
             <a:extLst>
               <a:ext uri="{91240B29-F687-4f45-9708-019B960494DF}">
-                <a14:hiddenLine xmlns="" xmlns:a14="http://schemas.microsoft.com/office/drawing/2010/main" w="9525">
+                <a14:hiddenLine xmlns:a14="http://schemas.microsoft.com/office/drawing/2010/main" xmlns="" w="9525">
                   <a:solidFill>
                     <a:srgbClr val="000000"/>
                   </a:solidFill>
@@ -7334,7 +7334,7 @@
             </a:ln>
             <a:extLst>
               <a:ext uri="{91240B29-F687-4f45-9708-019B960494DF}">
-                <a14:hiddenLine xmlns="" xmlns:a14="http://schemas.microsoft.com/office/drawing/2010/main" w="9525">
+                <a14:hiddenLine xmlns:a14="http://schemas.microsoft.com/office/drawing/2010/main" xmlns="" w="9525">
                   <a:solidFill>
                     <a:srgbClr val="000000"/>
                   </a:solidFill>
@@ -7396,7 +7396,7 @@
             </a:ln>
             <a:extLst>
               <a:ext uri="{91240B29-F687-4f45-9708-019B960494DF}">
-                <a14:hiddenLine xmlns="" xmlns:a14="http://schemas.microsoft.com/office/drawing/2010/main" w="9525">
+                <a14:hiddenLine xmlns:a14="http://schemas.microsoft.com/office/drawing/2010/main" xmlns="" w="9525">
                   <a:solidFill>
                     <a:srgbClr val="000000"/>
                   </a:solidFill>
@@ -7458,7 +7458,7 @@
             </a:ln>
             <a:extLst>
               <a:ext uri="{91240B29-F687-4f45-9708-019B960494DF}">
-                <a14:hiddenLine xmlns="" xmlns:a14="http://schemas.microsoft.com/office/drawing/2010/main" w="9525">
+                <a14:hiddenLine xmlns:a14="http://schemas.microsoft.com/office/drawing/2010/main" xmlns="" w="9525">
                   <a:solidFill>
                     <a:srgbClr val="000000"/>
                   </a:solidFill>
@@ -7548,7 +7548,7 @@
             </a:ln>
             <a:extLst>
               <a:ext uri="{91240B29-F687-4f45-9708-019B960494DF}">
-                <a14:hiddenLine xmlns="" xmlns:a14="http://schemas.microsoft.com/office/drawing/2010/main" w="9525">
+                <a14:hiddenLine xmlns:a14="http://schemas.microsoft.com/office/drawing/2010/main" xmlns="" w="9525">
                   <a:solidFill>
                     <a:srgbClr val="000000"/>
                   </a:solidFill>
@@ -7638,7 +7638,7 @@
             </a:ln>
             <a:extLst>
               <a:ext uri="{91240B29-F687-4f45-9708-019B960494DF}">
-                <a14:hiddenLine xmlns="" xmlns:a14="http://schemas.microsoft.com/office/drawing/2010/main" w="9525">
+                <a14:hiddenLine xmlns:a14="http://schemas.microsoft.com/office/drawing/2010/main" xmlns="" w="9525">
                   <a:solidFill>
                     <a:srgbClr val="000000"/>
                   </a:solidFill>
@@ -7700,7 +7700,7 @@
             </a:ln>
             <a:extLst>
               <a:ext uri="{91240B29-F687-4f45-9708-019B960494DF}">
-                <a14:hiddenLine xmlns="" xmlns:a14="http://schemas.microsoft.com/office/drawing/2010/main" w="9525">
+                <a14:hiddenLine xmlns:a14="http://schemas.microsoft.com/office/drawing/2010/main" xmlns="" w="9525">
                   <a:solidFill>
                     <a:srgbClr val="000000"/>
                   </a:solidFill>
@@ -7810,7 +7810,7 @@
             </a:ln>
             <a:extLst>
               <a:ext uri="{91240B29-F687-4f45-9708-019B960494DF}">
-                <a14:hiddenLine xmlns="" xmlns:a14="http://schemas.microsoft.com/office/drawing/2010/main" w="9525">
+                <a14:hiddenLine xmlns:a14="http://schemas.microsoft.com/office/drawing/2010/main" xmlns="" w="9525">
                   <a:solidFill>
                     <a:srgbClr val="000000"/>
                   </a:solidFill>
@@ -7872,7 +7872,7 @@
             </a:ln>
             <a:extLst>
               <a:ext uri="{91240B29-F687-4f45-9708-019B960494DF}">
-                <a14:hiddenLine xmlns="" xmlns:a14="http://schemas.microsoft.com/office/drawing/2010/main" w="9525">
+                <a14:hiddenLine xmlns:a14="http://schemas.microsoft.com/office/drawing/2010/main" xmlns="" w="9525">
                   <a:solidFill>
                     <a:srgbClr val="000000"/>
                   </a:solidFill>
@@ -7962,7 +7962,7 @@
             </a:ln>
             <a:extLst>
               <a:ext uri="{91240B29-F687-4f45-9708-019B960494DF}">
-                <a14:hiddenLine xmlns="" xmlns:a14="http://schemas.microsoft.com/office/drawing/2010/main" w="9525">
+                <a14:hiddenLine xmlns:a14="http://schemas.microsoft.com/office/drawing/2010/main" xmlns="" w="9525">
                   <a:solidFill>
                     <a:srgbClr val="000000"/>
                   </a:solidFill>
@@ -8052,7 +8052,7 @@
             </a:ln>
             <a:extLst>
               <a:ext uri="{91240B29-F687-4f45-9708-019B960494DF}">
-                <a14:hiddenLine xmlns="" xmlns:a14="http://schemas.microsoft.com/office/drawing/2010/main" w="9525">
+                <a14:hiddenLine xmlns:a14="http://schemas.microsoft.com/office/drawing/2010/main" xmlns="" w="9525">
                   <a:solidFill>
                     <a:srgbClr val="000000"/>
                   </a:solidFill>
@@ -8114,7 +8114,7 @@
             </a:ln>
             <a:extLst>
               <a:ext uri="{91240B29-F687-4f45-9708-019B960494DF}">
-                <a14:hiddenLine xmlns="" xmlns:a14="http://schemas.microsoft.com/office/drawing/2010/main" w="9525">
+                <a14:hiddenLine xmlns:a14="http://schemas.microsoft.com/office/drawing/2010/main" xmlns="" w="9525">
                   <a:solidFill>
                     <a:srgbClr val="000000"/>
                   </a:solidFill>
@@ -8204,7 +8204,7 @@
             </a:ln>
             <a:extLst>
               <a:ext uri="{91240B29-F687-4f45-9708-019B960494DF}">
-                <a14:hiddenLine xmlns="" xmlns:a14="http://schemas.microsoft.com/office/drawing/2010/main" w="9525">
+                <a14:hiddenLine xmlns:a14="http://schemas.microsoft.com/office/drawing/2010/main" xmlns="" w="9525">
                   <a:solidFill>
                     <a:srgbClr val="000000"/>
                   </a:solidFill>
@@ -8294,7 +8294,7 @@
             </a:ln>
             <a:extLst>
               <a:ext uri="{91240B29-F687-4f45-9708-019B960494DF}">
-                <a14:hiddenLine xmlns="" xmlns:a14="http://schemas.microsoft.com/office/drawing/2010/main" w="9525">
+                <a14:hiddenLine xmlns:a14="http://schemas.microsoft.com/office/drawing/2010/main" xmlns="" w="9525">
                   <a:solidFill>
                     <a:srgbClr val="000000"/>
                   </a:solidFill>
@@ -8350,7 +8350,7 @@
             </a:ln>
             <a:extLst>
               <a:ext uri="{91240B29-F687-4f45-9708-019B960494DF}">
-                <a14:hiddenLine xmlns="" xmlns:a14="http://schemas.microsoft.com/office/drawing/2010/main" w="9525">
+                <a14:hiddenLine xmlns:a14="http://schemas.microsoft.com/office/drawing/2010/main" xmlns="" w="9525">
                   <a:solidFill>
                     <a:srgbClr val="000000"/>
                   </a:solidFill>
@@ -8440,7 +8440,7 @@
             </a:ln>
             <a:extLst>
               <a:ext uri="{91240B29-F687-4f45-9708-019B960494DF}">
-                <a14:hiddenLine xmlns="" xmlns:a14="http://schemas.microsoft.com/office/drawing/2010/main" w="9525">
+                <a14:hiddenLine xmlns:a14="http://schemas.microsoft.com/office/drawing/2010/main" xmlns="" w="9525">
                   <a:solidFill>
                     <a:srgbClr val="000000"/>
                   </a:solidFill>
@@ -8496,7 +8496,7 @@
             </a:ln>
             <a:extLst>
               <a:ext uri="{91240B29-F687-4f45-9708-019B960494DF}">
-                <a14:hiddenLine xmlns="" xmlns:a14="http://schemas.microsoft.com/office/drawing/2010/main" w="9525">
+                <a14:hiddenLine xmlns:a14="http://schemas.microsoft.com/office/drawing/2010/main" xmlns="" w="9525">
                   <a:solidFill>
                     <a:srgbClr val="000000"/>
                   </a:solidFill>
@@ -8586,7 +8586,7 @@
             </a:ln>
             <a:extLst>
               <a:ext uri="{91240B29-F687-4f45-9708-019B960494DF}">
-                <a14:hiddenLine xmlns="" xmlns:a14="http://schemas.microsoft.com/office/drawing/2010/main" w="9525">
+                <a14:hiddenLine xmlns:a14="http://schemas.microsoft.com/office/drawing/2010/main" xmlns="" w="9525">
                   <a:solidFill>
                     <a:srgbClr val="000000"/>
                   </a:solidFill>
@@ -8654,7 +8654,7 @@
             </a:ln>
             <a:extLst>
               <a:ext uri="{91240B29-F687-4f45-9708-019B960494DF}">
-                <a14:hiddenLine xmlns="" xmlns:a14="http://schemas.microsoft.com/office/drawing/2010/main" w="9525">
+                <a14:hiddenLine xmlns:a14="http://schemas.microsoft.com/office/drawing/2010/main" xmlns="" w="9525">
                   <a:solidFill>
                     <a:srgbClr val="000000"/>
                   </a:solidFill>
@@ -8744,7 +8744,7 @@
             </a:ln>
             <a:extLst>
               <a:ext uri="{91240B29-F687-4f45-9708-019B960494DF}">
-                <a14:hiddenLine xmlns="" xmlns:a14="http://schemas.microsoft.com/office/drawing/2010/main" w="9525">
+                <a14:hiddenLine xmlns:a14="http://schemas.microsoft.com/office/drawing/2010/main" xmlns="" w="9525">
                   <a:solidFill>
                     <a:srgbClr val="000000"/>
                   </a:solidFill>
@@ -8812,7 +8812,7 @@
             </a:ln>
             <a:extLst>
               <a:ext uri="{91240B29-F687-4f45-9708-019B960494DF}">
-                <a14:hiddenLine xmlns="" xmlns:a14="http://schemas.microsoft.com/office/drawing/2010/main" w="9525">
+                <a14:hiddenLine xmlns:a14="http://schemas.microsoft.com/office/drawing/2010/main" xmlns="" w="9525">
                   <a:solidFill>
                     <a:srgbClr val="000000"/>
                   </a:solidFill>
@@ -8902,7 +8902,7 @@
             </a:ln>
             <a:extLst>
               <a:ext uri="{91240B29-F687-4f45-9708-019B960494DF}">
-                <a14:hiddenLine xmlns="" xmlns:a14="http://schemas.microsoft.com/office/drawing/2010/main" w="9525">
+                <a14:hiddenLine xmlns:a14="http://schemas.microsoft.com/office/drawing/2010/main" xmlns="" w="9525">
                   <a:solidFill>
                     <a:srgbClr val="000000"/>
                   </a:solidFill>
@@ -8936,7 +8936,7 @@
             </a:ln>
             <a:extLst>
               <a:ext uri="{91240B29-F687-4f45-9708-019B960494DF}">
-                <a14:hiddenLine xmlns="" xmlns:a14="http://schemas.microsoft.com/office/drawing/2010/main" w="9525">
+                <a14:hiddenLine xmlns:a14="http://schemas.microsoft.com/office/drawing/2010/main" xmlns="" w="9525">
                   <a:solidFill>
                     <a:srgbClr val="000000"/>
                   </a:solidFill>
@@ -9026,7 +9026,7 @@
             </a:ln>
             <a:extLst>
               <a:ext uri="{91240B29-F687-4f45-9708-019B960494DF}">
-                <a14:hiddenLine xmlns="" xmlns:a14="http://schemas.microsoft.com/office/drawing/2010/main" w="9525">
+                <a14:hiddenLine xmlns:a14="http://schemas.microsoft.com/office/drawing/2010/main" xmlns="" w="9525">
                   <a:solidFill>
                     <a:srgbClr val="000000"/>
                   </a:solidFill>
@@ -9088,7 +9088,7 @@
             </a:ln>
             <a:extLst>
               <a:ext uri="{91240B29-F687-4f45-9708-019B960494DF}">
-                <a14:hiddenLine xmlns="" xmlns:a14="http://schemas.microsoft.com/office/drawing/2010/main" w="9525">
+                <a14:hiddenLine xmlns:a14="http://schemas.microsoft.com/office/drawing/2010/main" xmlns="" w="9525">
                   <a:solidFill>
                     <a:srgbClr val="000000"/>
                   </a:solidFill>
@@ -9150,7 +9150,7 @@
             </a:ln>
             <a:extLst>
               <a:ext uri="{91240B29-F687-4f45-9708-019B960494DF}">
-                <a14:hiddenLine xmlns="" xmlns:a14="http://schemas.microsoft.com/office/drawing/2010/main" w="9525">
+                <a14:hiddenLine xmlns:a14="http://schemas.microsoft.com/office/drawing/2010/main" xmlns="" w="9525">
                   <a:solidFill>
                     <a:srgbClr val="000000"/>
                   </a:solidFill>
@@ -9240,7 +9240,7 @@
             </a:ln>
             <a:extLst>
               <a:ext uri="{91240B29-F687-4f45-9708-019B960494DF}">
-                <a14:hiddenLine xmlns="" xmlns:a14="http://schemas.microsoft.com/office/drawing/2010/main" w="9525">
+                <a14:hiddenLine xmlns:a14="http://schemas.microsoft.com/office/drawing/2010/main" xmlns="" w="9525">
                   <a:solidFill>
                     <a:srgbClr val="000000"/>
                   </a:solidFill>
@@ -9308,7 +9308,7 @@
             </a:ln>
             <a:extLst>
               <a:ext uri="{91240B29-F687-4f45-9708-019B960494DF}">
-                <a14:hiddenLine xmlns="" xmlns:a14="http://schemas.microsoft.com/office/drawing/2010/main" w="9525">
+                <a14:hiddenLine xmlns:a14="http://schemas.microsoft.com/office/drawing/2010/main" xmlns="" w="9525">
                   <a:solidFill>
                     <a:srgbClr val="000000"/>
                   </a:solidFill>
@@ -9370,7 +9370,7 @@
             </a:ln>
             <a:extLst>
               <a:ext uri="{91240B29-F687-4f45-9708-019B960494DF}">
-                <a14:hiddenLine xmlns="" xmlns:a14="http://schemas.microsoft.com/office/drawing/2010/main" w="9525">
+                <a14:hiddenLine xmlns:a14="http://schemas.microsoft.com/office/drawing/2010/main" xmlns="" w="9525">
                   <a:solidFill>
                     <a:srgbClr val="000000"/>
                   </a:solidFill>
@@ -9460,7 +9460,7 @@
             </a:ln>
             <a:extLst>
               <a:ext uri="{91240B29-F687-4f45-9708-019B960494DF}">
-                <a14:hiddenLine xmlns="" xmlns:a14="http://schemas.microsoft.com/office/drawing/2010/main" w="9525">
+                <a14:hiddenLine xmlns:a14="http://schemas.microsoft.com/office/drawing/2010/main" xmlns="" w="9525">
                   <a:solidFill>
                     <a:srgbClr val="000000"/>
                   </a:solidFill>
@@ -9522,7 +9522,7 @@
             </a:ln>
             <a:extLst>
               <a:ext uri="{91240B29-F687-4f45-9708-019B960494DF}">
-                <a14:hiddenLine xmlns="" xmlns:a14="http://schemas.microsoft.com/office/drawing/2010/main" w="9525">
+                <a14:hiddenLine xmlns:a14="http://schemas.microsoft.com/office/drawing/2010/main" xmlns="" w="9525">
                   <a:solidFill>
                     <a:srgbClr val="000000"/>
                   </a:solidFill>
@@ -9612,7 +9612,7 @@
             </a:ln>
             <a:extLst>
               <a:ext uri="{91240B29-F687-4f45-9708-019B960494DF}">
-                <a14:hiddenLine xmlns="" xmlns:a14="http://schemas.microsoft.com/office/drawing/2010/main" w="9525">
+                <a14:hiddenLine xmlns:a14="http://schemas.microsoft.com/office/drawing/2010/main" xmlns="" w="9525">
                   <a:solidFill>
                     <a:srgbClr val="000000"/>
                   </a:solidFill>
@@ -9674,7 +9674,7 @@
             </a:ln>
             <a:extLst>
               <a:ext uri="{91240B29-F687-4f45-9708-019B960494DF}">
-                <a14:hiddenLine xmlns="" xmlns:a14="http://schemas.microsoft.com/office/drawing/2010/main" w="9525">
+                <a14:hiddenLine xmlns:a14="http://schemas.microsoft.com/office/drawing/2010/main" xmlns="" w="9525">
                   <a:solidFill>
                     <a:srgbClr val="000000"/>
                   </a:solidFill>
@@ -9764,7 +9764,7 @@
             </a:ln>
             <a:extLst>
               <a:ext uri="{91240B29-F687-4f45-9708-019B960494DF}">
-                <a14:hiddenLine xmlns="" xmlns:a14="http://schemas.microsoft.com/office/drawing/2010/main" w="9525">
+                <a14:hiddenLine xmlns:a14="http://schemas.microsoft.com/office/drawing/2010/main" xmlns="" w="9525">
                   <a:solidFill>
                     <a:srgbClr val="000000"/>
                   </a:solidFill>
@@ -9798,7 +9798,7 @@
             </a:ln>
             <a:extLst>
               <a:ext uri="{91240B29-F687-4f45-9708-019B960494DF}">
-                <a14:hiddenLine xmlns="" xmlns:a14="http://schemas.microsoft.com/office/drawing/2010/main" w="9525">
+                <a14:hiddenLine xmlns:a14="http://schemas.microsoft.com/office/drawing/2010/main" xmlns="" w="9525">
                   <a:solidFill>
                     <a:srgbClr val="000000"/>
                   </a:solidFill>
@@ -9863,7 +9863,7 @@
             </a:ln>
             <a:extLst>
               <a:ext uri="{91240B29-F687-4f45-9708-019B960494DF}">
-                <a14:hiddenLine xmlns="" xmlns:a14="http://schemas.microsoft.com/office/drawing/2010/main" w="9525">
+                <a14:hiddenLine xmlns:a14="http://schemas.microsoft.com/office/drawing/2010/main" xmlns="" w="9525">
                   <a:solidFill>
                     <a:srgbClr val="000000"/>
                   </a:solidFill>
@@ -9953,7 +9953,7 @@
             </a:ln>
             <a:extLst>
               <a:ext uri="{91240B29-F687-4f45-9708-019B960494DF}">
-                <a14:hiddenLine xmlns="" xmlns:a14="http://schemas.microsoft.com/office/drawing/2010/main" w="9525">
+                <a14:hiddenLine xmlns:a14="http://schemas.microsoft.com/office/drawing/2010/main" xmlns="" w="9525">
                   <a:solidFill>
                     <a:srgbClr val="000000"/>
                   </a:solidFill>
@@ -10015,7 +10015,7 @@
             </a:ln>
             <a:extLst>
               <a:ext uri="{91240B29-F687-4f45-9708-019B960494DF}">
-                <a14:hiddenLine xmlns="" xmlns:a14="http://schemas.microsoft.com/office/drawing/2010/main" w="9525">
+                <a14:hiddenLine xmlns:a14="http://schemas.microsoft.com/office/drawing/2010/main" xmlns="" w="9525">
                   <a:solidFill>
                     <a:srgbClr val="000000"/>
                   </a:solidFill>
@@ -10105,7 +10105,7 @@
             </a:ln>
             <a:extLst>
               <a:ext uri="{91240B29-F687-4f45-9708-019B960494DF}">
-                <a14:hiddenLine xmlns="" xmlns:a14="http://schemas.microsoft.com/office/drawing/2010/main" w="9525">
+                <a14:hiddenLine xmlns:a14="http://schemas.microsoft.com/office/drawing/2010/main" xmlns="" w="9525">
                   <a:solidFill>
                     <a:srgbClr val="000000"/>
                   </a:solidFill>
@@ -10195,7 +10195,7 @@
             </a:ln>
             <a:extLst>
               <a:ext uri="{91240B29-F687-4f45-9708-019B960494DF}">
-                <a14:hiddenLine xmlns="" xmlns:a14="http://schemas.microsoft.com/office/drawing/2010/main" w="9525">
+                <a14:hiddenLine xmlns:a14="http://schemas.microsoft.com/office/drawing/2010/main" xmlns="" w="9525">
                   <a:solidFill>
                     <a:srgbClr val="000000"/>
                   </a:solidFill>
@@ -10260,7 +10260,7 @@
             </a:ln>
             <a:extLst>
               <a:ext uri="{91240B29-F687-4f45-9708-019B960494DF}">
-                <a14:hiddenLine xmlns="" xmlns:a14="http://schemas.microsoft.com/office/drawing/2010/main" w="9525">
+                <a14:hiddenLine xmlns:a14="http://schemas.microsoft.com/office/drawing/2010/main" xmlns="" w="9525">
                   <a:solidFill>
                     <a:srgbClr val="000000"/>
                   </a:solidFill>
@@ -10322,7 +10322,7 @@
             </a:ln>
             <a:extLst>
               <a:ext uri="{91240B29-F687-4f45-9708-019B960494DF}">
-                <a14:hiddenLine xmlns="" xmlns:a14="http://schemas.microsoft.com/office/drawing/2010/main" w="9525">
+                <a14:hiddenLine xmlns:a14="http://schemas.microsoft.com/office/drawing/2010/main" xmlns="" w="9525">
                   <a:solidFill>
                     <a:srgbClr val="000000"/>
                   </a:solidFill>
@@ -10412,7 +10412,7 @@
             </a:ln>
             <a:extLst>
               <a:ext uri="{91240B29-F687-4f45-9708-019B960494DF}">
-                <a14:hiddenLine xmlns="" xmlns:a14="http://schemas.microsoft.com/office/drawing/2010/main" w="9525">
+                <a14:hiddenLine xmlns:a14="http://schemas.microsoft.com/office/drawing/2010/main" xmlns="" w="9525">
                   <a:solidFill>
                     <a:srgbClr val="000000"/>
                   </a:solidFill>
@@ -10502,7 +10502,7 @@
             </a:ln>
             <a:extLst>
               <a:ext uri="{91240B29-F687-4f45-9708-019B960494DF}">
-                <a14:hiddenLine xmlns="" xmlns:a14="http://schemas.microsoft.com/office/drawing/2010/main" w="9525">
+                <a14:hiddenLine xmlns:a14="http://schemas.microsoft.com/office/drawing/2010/main" xmlns="" w="9525">
                   <a:solidFill>
                     <a:srgbClr val="000000"/>
                   </a:solidFill>
@@ -10564,7 +10564,7 @@
             </a:ln>
             <a:extLst>
               <a:ext uri="{91240B29-F687-4f45-9708-019B960494DF}">
-                <a14:hiddenLine xmlns="" xmlns:a14="http://schemas.microsoft.com/office/drawing/2010/main" w="9525">
+                <a14:hiddenLine xmlns:a14="http://schemas.microsoft.com/office/drawing/2010/main" xmlns="" w="9525">
                   <a:solidFill>
                     <a:srgbClr val="000000"/>
                   </a:solidFill>
@@ -10684,7 +10684,7 @@
             </a:ln>
             <a:extLst>
               <a:ext uri="{91240B29-F687-4f45-9708-019B960494DF}">
-                <a14:hiddenLine xmlns="" xmlns:a14="http://schemas.microsoft.com/office/drawing/2010/main" w="9525">
+                <a14:hiddenLine xmlns:a14="http://schemas.microsoft.com/office/drawing/2010/main" xmlns="" w="9525">
                   <a:solidFill>
                     <a:srgbClr val="000000"/>
                   </a:solidFill>
@@ -10752,7 +10752,7 @@
             </a:ln>
             <a:extLst>
               <a:ext uri="{91240B29-F687-4f45-9708-019B960494DF}">
-                <a14:hiddenLine xmlns="" xmlns:a14="http://schemas.microsoft.com/office/drawing/2010/main" w="9525">
+                <a14:hiddenLine xmlns:a14="http://schemas.microsoft.com/office/drawing/2010/main" xmlns="" w="9525">
                   <a:solidFill>
                     <a:srgbClr val="000000"/>
                   </a:solidFill>
@@ -10842,7 +10842,7 @@
             </a:ln>
             <a:extLst>
               <a:ext uri="{91240B29-F687-4f45-9708-019B960494DF}">
-                <a14:hiddenLine xmlns="" xmlns:a14="http://schemas.microsoft.com/office/drawing/2010/main" w="9525">
+                <a14:hiddenLine xmlns:a14="http://schemas.microsoft.com/office/drawing/2010/main" xmlns="" w="9525">
                   <a:solidFill>
                     <a:srgbClr val="000000"/>
                   </a:solidFill>
@@ -16962,7 +16962,7 @@
           <a:noFill/>
           <a:extLst>
             <a:ext uri="{909E8E84-426E-40dd-AFC4-6F175D3DCCD1}">
-              <a14:hiddenFill xmlns="" xmlns:a14="http://schemas.microsoft.com/office/drawing/2010/main">
+              <a14:hiddenFill xmlns:a14="http://schemas.microsoft.com/office/drawing/2010/main" xmlns="">
                 <a:solidFill>
                   <a:srgbClr val="FFFFFF"/>
                 </a:solidFill>
@@ -17042,7 +17042,7 @@
               </a:ln>
               <a:extLst>
                 <a:ext uri="{91240B29-F687-4f45-9708-019B960494DF}">
-                  <a14:hiddenLine xmlns="" xmlns:a14="http://schemas.microsoft.com/office/drawing/2010/main" w="9525">
+                  <a14:hiddenLine xmlns:a14="http://schemas.microsoft.com/office/drawing/2010/main" xmlns="" w="9525">
                     <a:solidFill>
                       <a:srgbClr val="000000"/>
                     </a:solidFill>
@@ -17132,7 +17132,7 @@
               </a:ln>
               <a:extLst>
                 <a:ext uri="{91240B29-F687-4f45-9708-019B960494DF}">
-                  <a14:hiddenLine xmlns="" xmlns:a14="http://schemas.microsoft.com/office/drawing/2010/main" w="9525">
+                  <a14:hiddenLine xmlns:a14="http://schemas.microsoft.com/office/drawing/2010/main" xmlns="" w="9525">
                     <a:solidFill>
                       <a:srgbClr val="000000"/>
                     </a:solidFill>
@@ -17222,7 +17222,7 @@
               </a:ln>
               <a:extLst>
                 <a:ext uri="{91240B29-F687-4f45-9708-019B960494DF}">
-                  <a14:hiddenLine xmlns="" xmlns:a14="http://schemas.microsoft.com/office/drawing/2010/main" w="9525">
+                  <a14:hiddenLine xmlns:a14="http://schemas.microsoft.com/office/drawing/2010/main" xmlns="" w="9525">
                     <a:solidFill>
                       <a:srgbClr val="000000"/>
                     </a:solidFill>
@@ -17284,7 +17284,7 @@
               </a:ln>
               <a:extLst>
                 <a:ext uri="{91240B29-F687-4f45-9708-019B960494DF}">
-                  <a14:hiddenLine xmlns="" xmlns:a14="http://schemas.microsoft.com/office/drawing/2010/main" w="9525">
+                  <a14:hiddenLine xmlns:a14="http://schemas.microsoft.com/office/drawing/2010/main" xmlns="" w="9525">
                     <a:solidFill>
                       <a:srgbClr val="000000"/>
                     </a:solidFill>
@@ -17374,7 +17374,7 @@
               </a:ln>
               <a:extLst>
                 <a:ext uri="{91240B29-F687-4f45-9708-019B960494DF}">
-                  <a14:hiddenLine xmlns="" xmlns:a14="http://schemas.microsoft.com/office/drawing/2010/main" w="9525">
+                  <a14:hiddenLine xmlns:a14="http://schemas.microsoft.com/office/drawing/2010/main" xmlns="" w="9525">
                     <a:solidFill>
                       <a:srgbClr val="000000"/>
                     </a:solidFill>
@@ -17436,7 +17436,7 @@
               </a:ln>
               <a:extLst>
                 <a:ext uri="{91240B29-F687-4f45-9708-019B960494DF}">
-                  <a14:hiddenLine xmlns="" xmlns:a14="http://schemas.microsoft.com/office/drawing/2010/main" w="9525">
+                  <a14:hiddenLine xmlns:a14="http://schemas.microsoft.com/office/drawing/2010/main" xmlns="" w="9525">
                     <a:solidFill>
                       <a:srgbClr val="000000"/>
                     </a:solidFill>
@@ -17498,7 +17498,7 @@
               </a:ln>
               <a:extLst>
                 <a:ext uri="{91240B29-F687-4f45-9708-019B960494DF}">
-                  <a14:hiddenLine xmlns="" xmlns:a14="http://schemas.microsoft.com/office/drawing/2010/main" w="9525">
+                  <a14:hiddenLine xmlns:a14="http://schemas.microsoft.com/office/drawing/2010/main" xmlns="" w="9525">
                     <a:solidFill>
                       <a:srgbClr val="000000"/>
                     </a:solidFill>
@@ -17588,7 +17588,7 @@
               </a:ln>
               <a:extLst>
                 <a:ext uri="{91240B29-F687-4f45-9708-019B960494DF}">
-                  <a14:hiddenLine xmlns="" xmlns:a14="http://schemas.microsoft.com/office/drawing/2010/main" w="9525">
+                  <a14:hiddenLine xmlns:a14="http://schemas.microsoft.com/office/drawing/2010/main" xmlns="" w="9525">
                     <a:solidFill>
                       <a:srgbClr val="000000"/>
                     </a:solidFill>
@@ -17678,7 +17678,7 @@
               </a:ln>
               <a:extLst>
                 <a:ext uri="{91240B29-F687-4f45-9708-019B960494DF}">
-                  <a14:hiddenLine xmlns="" xmlns:a14="http://schemas.microsoft.com/office/drawing/2010/main" w="9525">
+                  <a14:hiddenLine xmlns:a14="http://schemas.microsoft.com/office/drawing/2010/main" xmlns="" w="9525">
                     <a:solidFill>
                       <a:srgbClr val="000000"/>
                     </a:solidFill>
@@ -17740,7 +17740,7 @@
               </a:ln>
               <a:extLst>
                 <a:ext uri="{91240B29-F687-4f45-9708-019B960494DF}">
-                  <a14:hiddenLine xmlns="" xmlns:a14="http://schemas.microsoft.com/office/drawing/2010/main" w="9525">
+                  <a14:hiddenLine xmlns:a14="http://schemas.microsoft.com/office/drawing/2010/main" xmlns="" w="9525">
                     <a:solidFill>
                       <a:srgbClr val="000000"/>
                     </a:solidFill>
@@ -17850,7 +17850,7 @@
               </a:ln>
               <a:extLst>
                 <a:ext uri="{91240B29-F687-4f45-9708-019B960494DF}">
-                  <a14:hiddenLine xmlns="" xmlns:a14="http://schemas.microsoft.com/office/drawing/2010/main" w="9525">
+                  <a14:hiddenLine xmlns:a14="http://schemas.microsoft.com/office/drawing/2010/main" xmlns="" w="9525">
                     <a:solidFill>
                       <a:srgbClr val="000000"/>
                     </a:solidFill>
@@ -17934,7 +17934,7 @@
               </a:ln>
               <a:extLst>
                 <a:ext uri="{91240B29-F687-4f45-9708-019B960494DF}">
-                  <a14:hiddenLine xmlns="" xmlns:a14="http://schemas.microsoft.com/office/drawing/2010/main" w="9525">
+                  <a14:hiddenLine xmlns:a14="http://schemas.microsoft.com/office/drawing/2010/main" xmlns="" w="9525">
                     <a:solidFill>
                       <a:srgbClr val="000000"/>
                     </a:solidFill>
@@ -17996,7 +17996,7 @@
               </a:ln>
               <a:extLst>
                 <a:ext uri="{91240B29-F687-4f45-9708-019B960494DF}">
-                  <a14:hiddenLine xmlns="" xmlns:a14="http://schemas.microsoft.com/office/drawing/2010/main" w="9525">
+                  <a14:hiddenLine xmlns:a14="http://schemas.microsoft.com/office/drawing/2010/main" xmlns="" w="9525">
                     <a:solidFill>
                       <a:srgbClr val="000000"/>
                     </a:solidFill>
@@ -18058,7 +18058,7 @@
               </a:ln>
               <a:extLst>
                 <a:ext uri="{91240B29-F687-4f45-9708-019B960494DF}">
-                  <a14:hiddenLine xmlns="" xmlns:a14="http://schemas.microsoft.com/office/drawing/2010/main" w="9525">
+                  <a14:hiddenLine xmlns:a14="http://schemas.microsoft.com/office/drawing/2010/main" xmlns="" w="9525">
                     <a:solidFill>
                       <a:srgbClr val="000000"/>
                     </a:solidFill>
@@ -18148,7 +18148,7 @@
               </a:ln>
               <a:extLst>
                 <a:ext uri="{91240B29-F687-4f45-9708-019B960494DF}">
-                  <a14:hiddenLine xmlns="" xmlns:a14="http://schemas.microsoft.com/office/drawing/2010/main" w="9525">
+                  <a14:hiddenLine xmlns:a14="http://schemas.microsoft.com/office/drawing/2010/main" xmlns="" w="9525">
                     <a:solidFill>
                       <a:srgbClr val="000000"/>
                     </a:solidFill>
@@ -18182,7 +18182,7 @@
               </a:ln>
               <a:extLst>
                 <a:ext uri="{91240B29-F687-4f45-9708-019B960494DF}">
-                  <a14:hiddenLine xmlns="" xmlns:a14="http://schemas.microsoft.com/office/drawing/2010/main" w="9525">
+                  <a14:hiddenLine xmlns:a14="http://schemas.microsoft.com/office/drawing/2010/main" xmlns="" w="9525">
                     <a:solidFill>
                       <a:srgbClr val="000000"/>
                     </a:solidFill>
@@ -18247,7 +18247,7 @@
               </a:ln>
               <a:extLst>
                 <a:ext uri="{91240B29-F687-4f45-9708-019B960494DF}">
-                  <a14:hiddenLine xmlns="" xmlns:a14="http://schemas.microsoft.com/office/drawing/2010/main" w="9525">
+                  <a14:hiddenLine xmlns:a14="http://schemas.microsoft.com/office/drawing/2010/main" xmlns="" w="9525">
                     <a:solidFill>
                       <a:srgbClr val="000000"/>
                     </a:solidFill>
@@ -18337,7 +18337,7 @@
               </a:ln>
               <a:extLst>
                 <a:ext uri="{91240B29-F687-4f45-9708-019B960494DF}">
-                  <a14:hiddenLine xmlns="" xmlns:a14="http://schemas.microsoft.com/office/drawing/2010/main" w="9525">
+                  <a14:hiddenLine xmlns:a14="http://schemas.microsoft.com/office/drawing/2010/main" xmlns="" w="9525">
                     <a:solidFill>
                       <a:srgbClr val="000000"/>
                     </a:solidFill>
@@ -18399,7 +18399,7 @@
               </a:ln>
               <a:extLst>
                 <a:ext uri="{91240B29-F687-4f45-9708-019B960494DF}">
-                  <a14:hiddenLine xmlns="" xmlns:a14="http://schemas.microsoft.com/office/drawing/2010/main" w="9525">
+                  <a14:hiddenLine xmlns:a14="http://schemas.microsoft.com/office/drawing/2010/main" xmlns="" w="9525">
                     <a:solidFill>
                       <a:srgbClr val="000000"/>
                     </a:solidFill>
@@ -18489,7 +18489,7 @@
               </a:ln>
               <a:extLst>
                 <a:ext uri="{91240B29-F687-4f45-9708-019B960494DF}">
-                  <a14:hiddenLine xmlns="" xmlns:a14="http://schemas.microsoft.com/office/drawing/2010/main" w="9525">
+                  <a14:hiddenLine xmlns:a14="http://schemas.microsoft.com/office/drawing/2010/main" xmlns="" w="9525">
                     <a:solidFill>
                       <a:srgbClr val="000000"/>
                     </a:solidFill>
@@ -18554,7 +18554,7 @@
               </a:ln>
               <a:extLst>
                 <a:ext uri="{91240B29-F687-4f45-9708-019B960494DF}">
-                  <a14:hiddenLine xmlns="" xmlns:a14="http://schemas.microsoft.com/office/drawing/2010/main" w="9525">
+                  <a14:hiddenLine xmlns:a14="http://schemas.microsoft.com/office/drawing/2010/main" xmlns="" w="9525">
                     <a:solidFill>
                       <a:srgbClr val="000000"/>
                     </a:solidFill>
@@ -18616,7 +18616,7 @@
               </a:ln>
               <a:extLst>
                 <a:ext uri="{91240B29-F687-4f45-9708-019B960494DF}">
-                  <a14:hiddenLine xmlns="" xmlns:a14="http://schemas.microsoft.com/office/drawing/2010/main" w="9525">
+                  <a14:hiddenLine xmlns:a14="http://schemas.microsoft.com/office/drawing/2010/main" xmlns="" w="9525">
                     <a:solidFill>
                       <a:srgbClr val="000000"/>
                     </a:solidFill>
@@ -18706,7 +18706,7 @@
               </a:ln>
               <a:extLst>
                 <a:ext uri="{91240B29-F687-4f45-9708-019B960494DF}">
-                  <a14:hiddenLine xmlns="" xmlns:a14="http://schemas.microsoft.com/office/drawing/2010/main" w="9525">
+                  <a14:hiddenLine xmlns:a14="http://schemas.microsoft.com/office/drawing/2010/main" xmlns="" w="9525">
                     <a:solidFill>
                       <a:srgbClr val="000000"/>
                     </a:solidFill>
@@ -18796,7 +18796,7 @@
               </a:ln>
               <a:extLst>
                 <a:ext uri="{91240B29-F687-4f45-9708-019B960494DF}">
-                  <a14:hiddenLine xmlns="" xmlns:a14="http://schemas.microsoft.com/office/drawing/2010/main" w="9525">
+                  <a14:hiddenLine xmlns:a14="http://schemas.microsoft.com/office/drawing/2010/main" xmlns="" w="9525">
                     <a:solidFill>
                       <a:srgbClr val="000000"/>
                     </a:solidFill>
@@ -18861,7 +18861,7 @@
               </a:ln>
               <a:extLst>
                 <a:ext uri="{91240B29-F687-4f45-9708-019B960494DF}">
-                  <a14:hiddenLine xmlns="" xmlns:a14="http://schemas.microsoft.com/office/drawing/2010/main" w="9525">
+                  <a14:hiddenLine xmlns:a14="http://schemas.microsoft.com/office/drawing/2010/main" xmlns="" w="9525">
                     <a:solidFill>
                       <a:srgbClr val="000000"/>
                     </a:solidFill>
@@ -18981,7 +18981,7 @@
               </a:ln>
               <a:extLst>
                 <a:ext uri="{91240B29-F687-4f45-9708-019B960494DF}">
-                  <a14:hiddenLine xmlns="" xmlns:a14="http://schemas.microsoft.com/office/drawing/2010/main" w="9525">
+                  <a14:hiddenLine xmlns:a14="http://schemas.microsoft.com/office/drawing/2010/main" xmlns="" w="9525">
                     <a:solidFill>
                       <a:srgbClr val="000000"/>
                     </a:solidFill>
@@ -19079,7 +19079,7 @@
               </a:ln>
               <a:extLst>
                 <a:ext uri="{91240B29-F687-4f45-9708-019B960494DF}">
-                  <a14:hiddenLine xmlns="" xmlns:a14="http://schemas.microsoft.com/office/drawing/2010/main" w="9525">
+                  <a14:hiddenLine xmlns:a14="http://schemas.microsoft.com/office/drawing/2010/main" xmlns="" w="9525">
                     <a:solidFill>
                       <a:srgbClr val="000000"/>
                     </a:solidFill>
@@ -19194,7 +19194,7 @@
               </a:ln>
               <a:extLst>
                 <a:ext uri="{91240B29-F687-4f45-9708-019B960494DF}">
-                  <a14:hiddenLine xmlns="" xmlns:a14="http://schemas.microsoft.com/office/drawing/2010/main" w="9525">
+                  <a14:hiddenLine xmlns:a14="http://schemas.microsoft.com/office/drawing/2010/main" xmlns="" w="9525">
                     <a:solidFill>
                       <a:srgbClr val="000000"/>
                     </a:solidFill>
@@ -19284,7 +19284,7 @@
               </a:ln>
               <a:extLst>
                 <a:ext uri="{91240B29-F687-4f45-9708-019B960494DF}">
-                  <a14:hiddenLine xmlns="" xmlns:a14="http://schemas.microsoft.com/office/drawing/2010/main" w="9525">
+                  <a14:hiddenLine xmlns:a14="http://schemas.microsoft.com/office/drawing/2010/main" xmlns="" w="9525">
                     <a:solidFill>
                       <a:srgbClr val="000000"/>
                     </a:solidFill>
@@ -19349,7 +19349,7 @@
               </a:ln>
               <a:extLst>
                 <a:ext uri="{91240B29-F687-4f45-9708-019B960494DF}">
-                  <a14:hiddenLine xmlns="" xmlns:a14="http://schemas.microsoft.com/office/drawing/2010/main" w="9525">
+                  <a14:hiddenLine xmlns:a14="http://schemas.microsoft.com/office/drawing/2010/main" xmlns="" w="9525">
                     <a:solidFill>
                       <a:srgbClr val="000000"/>
                     </a:solidFill>
@@ -19439,7 +19439,7 @@
               </a:ln>
               <a:extLst>
                 <a:ext uri="{91240B29-F687-4f45-9708-019B960494DF}">
-                  <a14:hiddenLine xmlns="" xmlns:a14="http://schemas.microsoft.com/office/drawing/2010/main" w="9525">
+                  <a14:hiddenLine xmlns:a14="http://schemas.microsoft.com/office/drawing/2010/main" xmlns="" w="9525">
                     <a:solidFill>
                       <a:srgbClr val="000000"/>
                     </a:solidFill>
@@ -19507,7 +19507,7 @@
               </a:ln>
               <a:extLst>
                 <a:ext uri="{91240B29-F687-4f45-9708-019B960494DF}">
-                  <a14:hiddenLine xmlns="" xmlns:a14="http://schemas.microsoft.com/office/drawing/2010/main" w="9525">
+                  <a14:hiddenLine xmlns:a14="http://schemas.microsoft.com/office/drawing/2010/main" xmlns="" w="9525">
                     <a:solidFill>
                       <a:srgbClr val="000000"/>
                     </a:solidFill>
@@ -19597,7 +19597,7 @@
               </a:ln>
               <a:extLst>
                 <a:ext uri="{91240B29-F687-4f45-9708-019B960494DF}">
-                  <a14:hiddenLine xmlns="" xmlns:a14="http://schemas.microsoft.com/office/drawing/2010/main" w="9525">
+                  <a14:hiddenLine xmlns:a14="http://schemas.microsoft.com/office/drawing/2010/main" xmlns="" w="9525">
                     <a:solidFill>
                       <a:srgbClr val="000000"/>
                     </a:solidFill>
@@ -19665,7 +19665,7 @@
               </a:ln>
               <a:extLst>
                 <a:ext uri="{91240B29-F687-4f45-9708-019B960494DF}">
-                  <a14:hiddenLine xmlns="" xmlns:a14="http://schemas.microsoft.com/office/drawing/2010/main" w="9525">
+                  <a14:hiddenLine xmlns:a14="http://schemas.microsoft.com/office/drawing/2010/main" xmlns="" w="9525">
                     <a:solidFill>
                       <a:srgbClr val="000000"/>
                     </a:solidFill>
@@ -19755,7 +19755,7 @@
               </a:ln>
               <a:extLst>
                 <a:ext uri="{91240B29-F687-4f45-9708-019B960494DF}">
-                  <a14:hiddenLine xmlns="" xmlns:a14="http://schemas.microsoft.com/office/drawing/2010/main" w="9525">
+                  <a14:hiddenLine xmlns:a14="http://schemas.microsoft.com/office/drawing/2010/main" xmlns="" w="9525">
                     <a:solidFill>
                       <a:srgbClr val="000000"/>
                     </a:solidFill>
@@ -19789,7 +19789,7 @@
               </a:ln>
               <a:extLst>
                 <a:ext uri="{91240B29-F687-4f45-9708-019B960494DF}">
-                  <a14:hiddenLine xmlns="" xmlns:a14="http://schemas.microsoft.com/office/drawing/2010/main" w="9525">
+                  <a14:hiddenLine xmlns:a14="http://schemas.microsoft.com/office/drawing/2010/main" xmlns="" w="9525">
                     <a:solidFill>
                       <a:srgbClr val="000000"/>
                     </a:solidFill>
@@ -23766,7 +23766,9 @@
           </a:xfrm>
         </p:spPr>
         <p:txBody>
-          <a:bodyPr/>
+          <a:bodyPr>
+            <a:normAutofit/>
+          </a:bodyPr>
           <a:lstStyle/>
           <a:p>
             <a:pPr lvl="0"/>
@@ -23799,8 +23801,20 @@
           <a:p>
             <a:pPr lvl="0"/>
             <a:r>
+              <a:rPr lang="en-US" dirty="0"/>
+              <a:t>For other projects I use VS Code</a:t>
+            </a:r>
+            <a:r>
               <a:rPr lang="en-CA" dirty="0"/>
-              <a:t>I also do this with VS Code / CMake projects (with a few changes)</a:t>
+              <a:t> </a:t>
+            </a:r>
+            <a:r>
+              <a:rPr lang="en-US" dirty="0"/>
+              <a:t>with make or CMake </a:t>
+            </a:r>
+            <a:r>
+              <a:rPr lang="en-CA" dirty="0"/>
+              <a:t>(with a few changes)</a:t>
             </a:r>
           </a:p>
           <a:p>
@@ -27937,6 +27951,78 @@
           </a:prstGeom>
         </p:spPr>
       </p:pic>
+      <p:pic>
+        <p:nvPicPr>
+          <p:cNvPr id="7" name="Picture 6">
+            <a:extLst>
+              <a:ext uri="{FF2B5EF4-FFF2-40B4-BE49-F238E27FC236}">
+                <a16:creationId xmlns:a16="http://schemas.microsoft.com/office/drawing/2014/main" id="{4B0CB636-7B1D-98CE-25CD-E3C4BFE10536}"/>
+              </a:ext>
+              <a:ext uri="{C183D7F6-B498-43B3-948B-1728B52AA6E4}">
+                <adec:decorative xmlns:adec="http://schemas.microsoft.com/office/drawing/2017/decorative" val="1"/>
+              </a:ext>
+            </a:extLst>
+          </p:cNvPr>
+          <p:cNvPicPr>
+            <a:picLocks noChangeAspect="1"/>
+          </p:cNvPicPr>
+          <p:nvPr/>
+        </p:nvPicPr>
+        <p:blipFill>
+          <a:blip r:embed="rId3"/>
+          <a:stretch>
+            <a:fillRect/>
+          </a:stretch>
+        </p:blipFill>
+        <p:spPr>
+          <a:xfrm rot="20974180">
+            <a:off x="2237077" y="2915326"/>
+            <a:ext cx="1313066" cy="567882"/>
+          </a:xfrm>
+          <a:prstGeom prst="rect">
+            <a:avLst/>
+          </a:prstGeom>
+        </p:spPr>
+      </p:pic>
+      <p:sp>
+        <p:nvSpPr>
+          <p:cNvPr id="8" name="TextBox 7">
+            <a:extLst>
+              <a:ext uri="{FF2B5EF4-FFF2-40B4-BE49-F238E27FC236}">
+                <a16:creationId xmlns:a16="http://schemas.microsoft.com/office/drawing/2014/main" id="{3C6A1AD9-7540-FCCE-8482-B2102539D68C}"/>
+              </a:ext>
+            </a:extLst>
+          </p:cNvPr>
+          <p:cNvSpPr txBox="1"/>
+          <p:nvPr/>
+        </p:nvSpPr>
+        <p:spPr>
+          <a:xfrm>
+            <a:off x="2429032" y="3307719"/>
+            <a:ext cx="809837" cy="369332"/>
+          </a:xfrm>
+          <a:prstGeom prst="rect">
+            <a:avLst/>
+          </a:prstGeom>
+          <a:noFill/>
+        </p:spPr>
+        <p:txBody>
+          <a:bodyPr wrap="none" rtlCol="0">
+            <a:spAutoFit/>
+          </a:bodyPr>
+          <a:lstStyle/>
+          <a:p>
+            <a:r>
+              <a:rPr lang="en-CA" dirty="0">
+                <a:solidFill>
+                  <a:schemeClr val="bg2"/>
+                </a:solidFill>
+              </a:rPr>
+              <a:t>commit</a:t>
+            </a:r>
+          </a:p>
+        </p:txBody>
+      </p:sp>
     </p:spTree>
     <p:extLst>
       <p:ext uri="{BB962C8B-B14F-4D97-AF65-F5344CB8AC3E}">
@@ -28386,7 +28472,7 @@
                                           </p:stCondLst>
                                         </p:cTn>
                                         <p:tgtEl>
-                                          <p:spTgt spid="14"/>
+                                          <p:spTgt spid="7"/>
                                         </p:tgtEl>
                                         <p:attrNameLst>
                                           <p:attrName>style.visibility</p:attrName>
@@ -28400,7 +28486,7 @@
                                       <p:cBhvr>
                                         <p:cTn id="36" dur="250"/>
                                         <p:tgtEl>
-                                          <p:spTgt spid="14"/>
+                                          <p:spTgt spid="7"/>
                                         </p:tgtEl>
                                       </p:cBhvr>
                                     </p:animEffect>
@@ -28410,7 +28496,7 @@
                                       <p:cBhvr override="childStyle">
                                         <p:cTn dur="1" fill="hold" display="0" masterRel="nextClick" afterEffect="1"/>
                                         <p:tgtEl>
-                                          <p:spTgt spid="14"/>
+                                          <p:spTgt spid="7"/>
                                         </p:tgtEl>
                                         <p:attrNameLst>
                                           <p:attrName>style.visibility</p:attrName>
@@ -28437,6 +28523,126 @@
                                           </p:stCondLst>
                                         </p:cTn>
                                         <p:tgtEl>
+                                          <p:spTgt spid="8"/>
+                                        </p:tgtEl>
+                                        <p:attrNameLst>
+                                          <p:attrName>style.visibility</p:attrName>
+                                        </p:attrNameLst>
+                                      </p:cBhvr>
+                                      <p:to>
+                                        <p:strVal val="visible"/>
+                                      </p:to>
+                                    </p:set>
+                                    <p:animEffect transition="in" filter="fade">
+                                      <p:cBhvr>
+                                        <p:cTn id="39" dur="250"/>
+                                        <p:tgtEl>
+                                          <p:spTgt spid="8"/>
+                                        </p:tgtEl>
+                                      </p:cBhvr>
+                                    </p:animEffect>
+                                  </p:childTnLst>
+                                  <p:subTnLst>
+                                    <p:set>
+                                      <p:cBhvr override="childStyle">
+                                        <p:cTn dur="1" fill="hold" display="0" masterRel="nextClick" afterEffect="1"/>
+                                        <p:tgtEl>
+                                          <p:spTgt spid="8"/>
+                                        </p:tgtEl>
+                                        <p:attrNameLst>
+                                          <p:attrName>style.visibility</p:attrName>
+                                        </p:attrNameLst>
+                                      </p:cBhvr>
+                                      <p:to>
+                                        <p:strVal val="hidden"/>
+                                      </p:to>
+                                    </p:set>
+                                  </p:subTnLst>
+                                </p:cTn>
+                              </p:par>
+                            </p:childTnLst>
+                          </p:cTn>
+                        </p:par>
+                      </p:childTnLst>
+                    </p:cTn>
+                  </p:par>
+                  <p:par>
+                    <p:cTn id="40" fill="hold">
+                      <p:stCondLst>
+                        <p:cond delay="indefinite"/>
+                      </p:stCondLst>
+                      <p:childTnLst>
+                        <p:par>
+                          <p:cTn id="41" fill="hold">
+                            <p:stCondLst>
+                              <p:cond delay="0"/>
+                            </p:stCondLst>
+                            <p:childTnLst>
+                              <p:par>
+                                <p:cTn id="42" presetID="10" presetClass="entr" presetSubtype="0" fill="hold" nodeType="clickEffect">
+                                  <p:stCondLst>
+                                    <p:cond delay="0"/>
+                                  </p:stCondLst>
+                                  <p:childTnLst>
+                                    <p:set>
+                                      <p:cBhvr>
+                                        <p:cTn id="43" dur="1" fill="hold">
+                                          <p:stCondLst>
+                                            <p:cond delay="0"/>
+                                          </p:stCondLst>
+                                        </p:cTn>
+                                        <p:tgtEl>
+                                          <p:spTgt spid="14"/>
+                                        </p:tgtEl>
+                                        <p:attrNameLst>
+                                          <p:attrName>style.visibility</p:attrName>
+                                        </p:attrNameLst>
+                                      </p:cBhvr>
+                                      <p:to>
+                                        <p:strVal val="visible"/>
+                                      </p:to>
+                                    </p:set>
+                                    <p:animEffect transition="in" filter="fade">
+                                      <p:cBhvr>
+                                        <p:cTn id="44" dur="250"/>
+                                        <p:tgtEl>
+                                          <p:spTgt spid="14"/>
+                                        </p:tgtEl>
+                                      </p:cBhvr>
+                                    </p:animEffect>
+                                  </p:childTnLst>
+                                  <p:subTnLst>
+                                    <p:set>
+                                      <p:cBhvr override="childStyle">
+                                        <p:cTn dur="1" fill="hold" display="0" masterRel="nextClick" afterEffect="1"/>
+                                        <p:tgtEl>
+                                          <p:spTgt spid="14"/>
+                                        </p:tgtEl>
+                                        <p:attrNameLst>
+                                          <p:attrName>style.visibility</p:attrName>
+                                        </p:attrNameLst>
+                                      </p:cBhvr>
+                                      <p:to>
+                                        <p:strVal val="hidden"/>
+                                      </p:to>
+                                    </p:set>
+                                  </p:subTnLst>
+                                </p:cTn>
+                              </p:par>
+                              <p:par>
+                                <p:cTn id="45" presetID="10" presetClass="entr" presetSubtype="0" fill="hold" grpId="0" nodeType="withEffect">
+                                  <p:stCondLst>
+                                    <p:cond delay="0"/>
+                                  </p:stCondLst>
+                                  <p:childTnLst>
+                                    <p:set>
+                                      <p:cBhvr>
+                                        <p:cTn id="46" dur="1" fill="hold">
+                                          <p:stCondLst>
+                                            <p:cond delay="0"/>
+                                          </p:stCondLst>
+                                        </p:cTn>
+                                        <p:tgtEl>
                                           <p:spTgt spid="15"/>
                                         </p:tgtEl>
                                         <p:attrNameLst>
@@ -28449,7 +28655,7 @@
                                     </p:set>
                                     <p:animEffect transition="in" filter="fade">
                                       <p:cBhvr>
-                                        <p:cTn id="39" dur="250"/>
+                                        <p:cTn id="47" dur="250"/>
                                         <p:tgtEl>
                                           <p:spTgt spid="15"/>
                                         </p:tgtEl>
@@ -28481,26 +28687,26 @@
                     </p:cTn>
                   </p:par>
                   <p:par>
-                    <p:cTn id="40" fill="hold">
+                    <p:cTn id="48" fill="hold">
                       <p:stCondLst>
                         <p:cond delay="indefinite"/>
                       </p:stCondLst>
                       <p:childTnLst>
                         <p:par>
-                          <p:cTn id="41" fill="hold">
+                          <p:cTn id="49" fill="hold">
                             <p:stCondLst>
                               <p:cond delay="0"/>
                             </p:stCondLst>
                             <p:childTnLst>
                               <p:par>
-                                <p:cTn id="42" presetID="10" presetClass="entr" presetSubtype="0" fill="hold" grpId="0" nodeType="clickEffect">
+                                <p:cTn id="50" presetID="10" presetClass="entr" presetSubtype="0" fill="hold" grpId="0" nodeType="clickEffect">
                                   <p:stCondLst>
                                     <p:cond delay="0"/>
                                   </p:stCondLst>
                                   <p:childTnLst>
                                     <p:set>
                                       <p:cBhvr>
-                                        <p:cTn id="43" dur="1" fill="hold">
+                                        <p:cTn id="51" dur="1" fill="hold">
                                           <p:stCondLst>
                                             <p:cond delay="0"/>
                                           </p:stCondLst>
@@ -28522,115 +28728,11 @@
                                     </p:set>
                                     <p:animEffect transition="in" filter="fade">
                                       <p:cBhvr>
-                                        <p:cTn id="44" dur="250"/>
+                                        <p:cTn id="52" dur="250"/>
                                         <p:tgtEl>
                                           <p:spTgt spid="3">
                                             <p:txEl>
                                               <p:pRg st="3" end="3"/>
-                                            </p:txEl>
-                                          </p:spTgt>
-                                        </p:tgtEl>
-                                      </p:cBhvr>
-                                    </p:animEffect>
-                                  </p:childTnLst>
-                                </p:cTn>
-                              </p:par>
-                            </p:childTnLst>
-                          </p:cTn>
-                        </p:par>
-                      </p:childTnLst>
-                    </p:cTn>
-                  </p:par>
-                  <p:par>
-                    <p:cTn id="45" fill="hold">
-                      <p:stCondLst>
-                        <p:cond delay="indefinite"/>
-                      </p:stCondLst>
-                      <p:childTnLst>
-                        <p:par>
-                          <p:cTn id="46" fill="hold">
-                            <p:stCondLst>
-                              <p:cond delay="0"/>
-                            </p:stCondLst>
-                            <p:childTnLst>
-                              <p:par>
-                                <p:cTn id="47" presetID="10" presetClass="entr" presetSubtype="0" fill="hold" grpId="0" nodeType="clickEffect">
-                                  <p:stCondLst>
-                                    <p:cond delay="0"/>
-                                  </p:stCondLst>
-                                  <p:childTnLst>
-                                    <p:set>
-                                      <p:cBhvr>
-                                        <p:cTn id="48" dur="1" fill="hold">
-                                          <p:stCondLst>
-                                            <p:cond delay="0"/>
-                                          </p:stCondLst>
-                                        </p:cTn>
-                                        <p:tgtEl>
-                                          <p:spTgt spid="3">
-                                            <p:txEl>
-                                              <p:pRg st="4" end="4"/>
-                                            </p:txEl>
-                                          </p:spTgt>
-                                        </p:tgtEl>
-                                        <p:attrNameLst>
-                                          <p:attrName>style.visibility</p:attrName>
-                                        </p:attrNameLst>
-                                      </p:cBhvr>
-                                      <p:to>
-                                        <p:strVal val="visible"/>
-                                      </p:to>
-                                    </p:set>
-                                    <p:animEffect transition="in" filter="fade">
-                                      <p:cBhvr>
-                                        <p:cTn id="49" dur="250"/>
-                                        <p:tgtEl>
-                                          <p:spTgt spid="3">
-                                            <p:txEl>
-                                              <p:pRg st="4" end="4"/>
-                                            </p:txEl>
-                                          </p:spTgt>
-                                        </p:tgtEl>
-                                      </p:cBhvr>
-                                    </p:animEffect>
-                                  </p:childTnLst>
-                                </p:cTn>
-                              </p:par>
-                              <p:par>
-                                <p:cTn id="50" presetID="10" presetClass="entr" presetSubtype="0" fill="hold" grpId="0" nodeType="withEffect">
-                                  <p:stCondLst>
-                                    <p:cond delay="0"/>
-                                  </p:stCondLst>
-                                  <p:childTnLst>
-                                    <p:set>
-                                      <p:cBhvr>
-                                        <p:cTn id="51" dur="1" fill="hold">
-                                          <p:stCondLst>
-                                            <p:cond delay="0"/>
-                                          </p:stCondLst>
-                                        </p:cTn>
-                                        <p:tgtEl>
-                                          <p:spTgt spid="3">
-                                            <p:txEl>
-                                              <p:pRg st="5" end="5"/>
-                                            </p:txEl>
-                                          </p:spTgt>
-                                        </p:tgtEl>
-                                        <p:attrNameLst>
-                                          <p:attrName>style.visibility</p:attrName>
-                                        </p:attrNameLst>
-                                      </p:cBhvr>
-                                      <p:to>
-                                        <p:strVal val="visible"/>
-                                      </p:to>
-                                    </p:set>
-                                    <p:animEffect transition="in" filter="fade">
-                                      <p:cBhvr>
-                                        <p:cTn id="52" dur="250"/>
-                                        <p:tgtEl>
-                                          <p:spTgt spid="3">
-                                            <p:txEl>
-                                              <p:pRg st="5" end="5"/>
                                             </p:txEl>
                                           </p:spTgt>
                                         </p:tgtEl>
@@ -28673,7 +28775,7 @@
                                         <p:tgtEl>
                                           <p:spTgt spid="3">
                                             <p:txEl>
-                                              <p:pRg st="6" end="6"/>
+                                              <p:pRg st="4" end="4"/>
                                             </p:txEl>
                                           </p:spTgt>
                                         </p:tgtEl>
@@ -28691,6 +28793,110 @@
                                         <p:tgtEl>
                                           <p:spTgt spid="3">
                                             <p:txEl>
+                                              <p:pRg st="4" end="4"/>
+                                            </p:txEl>
+                                          </p:spTgt>
+                                        </p:tgtEl>
+                                      </p:cBhvr>
+                                    </p:animEffect>
+                                  </p:childTnLst>
+                                </p:cTn>
+                              </p:par>
+                              <p:par>
+                                <p:cTn id="58" presetID="10" presetClass="entr" presetSubtype="0" fill="hold" grpId="0" nodeType="withEffect">
+                                  <p:stCondLst>
+                                    <p:cond delay="0"/>
+                                  </p:stCondLst>
+                                  <p:childTnLst>
+                                    <p:set>
+                                      <p:cBhvr>
+                                        <p:cTn id="59" dur="1" fill="hold">
+                                          <p:stCondLst>
+                                            <p:cond delay="0"/>
+                                          </p:stCondLst>
+                                        </p:cTn>
+                                        <p:tgtEl>
+                                          <p:spTgt spid="3">
+                                            <p:txEl>
+                                              <p:pRg st="5" end="5"/>
+                                            </p:txEl>
+                                          </p:spTgt>
+                                        </p:tgtEl>
+                                        <p:attrNameLst>
+                                          <p:attrName>style.visibility</p:attrName>
+                                        </p:attrNameLst>
+                                      </p:cBhvr>
+                                      <p:to>
+                                        <p:strVal val="visible"/>
+                                      </p:to>
+                                    </p:set>
+                                    <p:animEffect transition="in" filter="fade">
+                                      <p:cBhvr>
+                                        <p:cTn id="60" dur="250"/>
+                                        <p:tgtEl>
+                                          <p:spTgt spid="3">
+                                            <p:txEl>
+                                              <p:pRg st="5" end="5"/>
+                                            </p:txEl>
+                                          </p:spTgt>
+                                        </p:tgtEl>
+                                      </p:cBhvr>
+                                    </p:animEffect>
+                                  </p:childTnLst>
+                                </p:cTn>
+                              </p:par>
+                            </p:childTnLst>
+                          </p:cTn>
+                        </p:par>
+                      </p:childTnLst>
+                    </p:cTn>
+                  </p:par>
+                  <p:par>
+                    <p:cTn id="61" fill="hold">
+                      <p:stCondLst>
+                        <p:cond delay="indefinite"/>
+                      </p:stCondLst>
+                      <p:childTnLst>
+                        <p:par>
+                          <p:cTn id="62" fill="hold">
+                            <p:stCondLst>
+                              <p:cond delay="0"/>
+                            </p:stCondLst>
+                            <p:childTnLst>
+                              <p:par>
+                                <p:cTn id="63" presetID="10" presetClass="entr" presetSubtype="0" fill="hold" grpId="0" nodeType="clickEffect">
+                                  <p:stCondLst>
+                                    <p:cond delay="0"/>
+                                  </p:stCondLst>
+                                  <p:childTnLst>
+                                    <p:set>
+                                      <p:cBhvr>
+                                        <p:cTn id="64" dur="1" fill="hold">
+                                          <p:stCondLst>
+                                            <p:cond delay="0"/>
+                                          </p:stCondLst>
+                                        </p:cTn>
+                                        <p:tgtEl>
+                                          <p:spTgt spid="3">
+                                            <p:txEl>
+                                              <p:pRg st="6" end="6"/>
+                                            </p:txEl>
+                                          </p:spTgt>
+                                        </p:tgtEl>
+                                        <p:attrNameLst>
+                                          <p:attrName>style.visibility</p:attrName>
+                                        </p:attrNameLst>
+                                      </p:cBhvr>
+                                      <p:to>
+                                        <p:strVal val="visible"/>
+                                      </p:to>
+                                    </p:set>
+                                    <p:animEffect transition="in" filter="fade">
+                                      <p:cBhvr>
+                                        <p:cTn id="65" dur="250"/>
+                                        <p:tgtEl>
+                                          <p:spTgt spid="3">
+                                            <p:txEl>
                                               <p:pRg st="6" end="6"/>
                                             </p:txEl>
                                           </p:spTgt>
@@ -28701,14 +28907,14 @@
                                 </p:cTn>
                               </p:par>
                               <p:par>
-                                <p:cTn id="58" presetID="10" presetClass="entr" presetSubtype="0" fill="hold" nodeType="withEffect">
+                                <p:cTn id="66" presetID="10" presetClass="entr" presetSubtype="0" fill="hold" nodeType="withEffect">
                                   <p:stCondLst>
                                     <p:cond delay="0"/>
                                   </p:stCondLst>
                                   <p:childTnLst>
                                     <p:set>
                                       <p:cBhvr>
-                                        <p:cTn id="59" dur="1" fill="hold">
+                                        <p:cTn id="67" dur="1" fill="hold">
                                           <p:stCondLst>
                                             <p:cond delay="0"/>
                                           </p:stCondLst>
@@ -28726,7 +28932,7 @@
                                     </p:set>
                                     <p:animEffect transition="in" filter="fade">
                                       <p:cBhvr>
-                                        <p:cTn id="60" dur="250"/>
+                                        <p:cTn id="68" dur="250"/>
                                         <p:tgtEl>
                                           <p:spTgt spid="17"/>
                                         </p:tgtEl>
@@ -28767,6 +28973,7 @@
       <p:bldP spid="11" grpId="0"/>
       <p:bldP spid="13" grpId="0"/>
       <p:bldP spid="15" grpId="0"/>
+      <p:bldP spid="8" grpId="0"/>
     </p:bldLst>
   </p:timing>
 </p:sld>

--- a/MakeVersionInfo/MakeVersionInfo.pptx
+++ b/MakeVersionInfo/MakeVersionInfo.pptx
@@ -6750,7 +6750,7 @@
           <a:noFill/>
           <a:extLst>
             <a:ext uri="{909E8E84-426E-40dd-AFC4-6F175D3DCCD1}">
-              <a14:hiddenFill xmlns:a14="http://schemas.microsoft.com/office/drawing/2010/main" xmlns="">
+              <a14:hiddenFill xmlns="" xmlns:a14="http://schemas.microsoft.com/office/drawing/2010/main">
                 <a:solidFill>
                   <a:srgbClr val="FFFFFF"/>
                 </a:solidFill>
@@ -6816,7 +6816,7 @@
             </a:ln>
             <a:extLst>
               <a:ext uri="{91240B29-F687-4f45-9708-019B960494DF}">
-                <a14:hiddenLine xmlns:a14="http://schemas.microsoft.com/office/drawing/2010/main" xmlns="" w="9525">
+                <a14:hiddenLine xmlns="" xmlns:a14="http://schemas.microsoft.com/office/drawing/2010/main" w="9525">
                   <a:solidFill>
                     <a:srgbClr val="000000"/>
                   </a:solidFill>
@@ -6906,7 +6906,7 @@
             </a:ln>
             <a:extLst>
               <a:ext uri="{91240B29-F687-4f45-9708-019B960494DF}">
-                <a14:hiddenLine xmlns:a14="http://schemas.microsoft.com/office/drawing/2010/main" xmlns="" w="9525">
+                <a14:hiddenLine xmlns="" xmlns:a14="http://schemas.microsoft.com/office/drawing/2010/main" w="9525">
                   <a:solidFill>
                     <a:srgbClr val="000000"/>
                   </a:solidFill>
@@ -6996,7 +6996,7 @@
             </a:ln>
             <a:extLst>
               <a:ext uri="{91240B29-F687-4f45-9708-019B960494DF}">
-                <a14:hiddenLine xmlns:a14="http://schemas.microsoft.com/office/drawing/2010/main" xmlns="" w="9525">
+                <a14:hiddenLine xmlns="" xmlns:a14="http://schemas.microsoft.com/office/drawing/2010/main" w="9525">
                   <a:solidFill>
                     <a:srgbClr val="000000"/>
                   </a:solidFill>
@@ -7030,7 +7030,7 @@
             </a:ln>
             <a:extLst>
               <a:ext uri="{91240B29-F687-4f45-9708-019B960494DF}">
-                <a14:hiddenLine xmlns:a14="http://schemas.microsoft.com/office/drawing/2010/main" xmlns="" w="9525">
+                <a14:hiddenLine xmlns="" xmlns:a14="http://schemas.microsoft.com/office/drawing/2010/main" w="9525">
                   <a:solidFill>
                     <a:srgbClr val="000000"/>
                   </a:solidFill>
@@ -7120,7 +7120,7 @@
             </a:ln>
             <a:extLst>
               <a:ext uri="{91240B29-F687-4f45-9708-019B960494DF}">
-                <a14:hiddenLine xmlns:a14="http://schemas.microsoft.com/office/drawing/2010/main" xmlns="" w="9525">
+                <a14:hiddenLine xmlns="" xmlns:a14="http://schemas.microsoft.com/office/drawing/2010/main" w="9525">
                   <a:solidFill>
                     <a:srgbClr val="000000"/>
                   </a:solidFill>
@@ -7182,7 +7182,7 @@
             </a:ln>
             <a:extLst>
               <a:ext uri="{91240B29-F687-4f45-9708-019B960494DF}">
-                <a14:hiddenLine xmlns:a14="http://schemas.microsoft.com/office/drawing/2010/main" xmlns="" w="9525">
+                <a14:hiddenLine xmlns="" xmlns:a14="http://schemas.microsoft.com/office/drawing/2010/main" w="9525">
                   <a:solidFill>
                     <a:srgbClr val="000000"/>
                   </a:solidFill>
@@ -7244,7 +7244,7 @@
             </a:ln>
             <a:extLst>
               <a:ext uri="{91240B29-F687-4f45-9708-019B960494DF}">
-                <a14:hiddenLine xmlns:a14="http://schemas.microsoft.com/office/drawing/2010/main" xmlns="" w="9525">
+                <a14:hiddenLine xmlns="" xmlns:a14="http://schemas.microsoft.com/office/drawing/2010/main" w="9525">
                   <a:solidFill>
                     <a:srgbClr val="000000"/>
                   </a:solidFill>
@@ -7334,7 +7334,7 @@
             </a:ln>
             <a:extLst>
               <a:ext uri="{91240B29-F687-4f45-9708-019B960494DF}">
-                <a14:hiddenLine xmlns:a14="http://schemas.microsoft.com/office/drawing/2010/main" xmlns="" w="9525">
+                <a14:hiddenLine xmlns="" xmlns:a14="http://schemas.microsoft.com/office/drawing/2010/main" w="9525">
                   <a:solidFill>
                     <a:srgbClr val="000000"/>
                   </a:solidFill>
@@ -7396,7 +7396,7 @@
             </a:ln>
             <a:extLst>
               <a:ext uri="{91240B29-F687-4f45-9708-019B960494DF}">
-                <a14:hiddenLine xmlns:a14="http://schemas.microsoft.com/office/drawing/2010/main" xmlns="" w="9525">
+                <a14:hiddenLine xmlns="" xmlns:a14="http://schemas.microsoft.com/office/drawing/2010/main" w="9525">
                   <a:solidFill>
                     <a:srgbClr val="000000"/>
                   </a:solidFill>
@@ -7458,7 +7458,7 @@
             </a:ln>
             <a:extLst>
               <a:ext uri="{91240B29-F687-4f45-9708-019B960494DF}">
-                <a14:hiddenLine xmlns:a14="http://schemas.microsoft.com/office/drawing/2010/main" xmlns="" w="9525">
+                <a14:hiddenLine xmlns="" xmlns:a14="http://schemas.microsoft.com/office/drawing/2010/main" w="9525">
                   <a:solidFill>
                     <a:srgbClr val="000000"/>
                   </a:solidFill>
@@ -7548,7 +7548,7 @@
             </a:ln>
             <a:extLst>
               <a:ext uri="{91240B29-F687-4f45-9708-019B960494DF}">
-                <a14:hiddenLine xmlns:a14="http://schemas.microsoft.com/office/drawing/2010/main" xmlns="" w="9525">
+                <a14:hiddenLine xmlns="" xmlns:a14="http://schemas.microsoft.com/office/drawing/2010/main" w="9525">
                   <a:solidFill>
                     <a:srgbClr val="000000"/>
                   </a:solidFill>
@@ -7638,7 +7638,7 @@
             </a:ln>
             <a:extLst>
               <a:ext uri="{91240B29-F687-4f45-9708-019B960494DF}">
-                <a14:hiddenLine xmlns:a14="http://schemas.microsoft.com/office/drawing/2010/main" xmlns="" w="9525">
+                <a14:hiddenLine xmlns="" xmlns:a14="http://schemas.microsoft.com/office/drawing/2010/main" w="9525">
                   <a:solidFill>
                     <a:srgbClr val="000000"/>
                   </a:solidFill>
@@ -7700,7 +7700,7 @@
             </a:ln>
             <a:extLst>
               <a:ext uri="{91240B29-F687-4f45-9708-019B960494DF}">
-                <a14:hiddenLine xmlns:a14="http://schemas.microsoft.com/office/drawing/2010/main" xmlns="" w="9525">
+                <a14:hiddenLine xmlns="" xmlns:a14="http://schemas.microsoft.com/office/drawing/2010/main" w="9525">
                   <a:solidFill>
                     <a:srgbClr val="000000"/>
                   </a:solidFill>
@@ -7810,7 +7810,7 @@
             </a:ln>
             <a:extLst>
               <a:ext uri="{91240B29-F687-4f45-9708-019B960494DF}">
-                <a14:hiddenLine xmlns:a14="http://schemas.microsoft.com/office/drawing/2010/main" xmlns="" w="9525">
+                <a14:hiddenLine xmlns="" xmlns:a14="http://schemas.microsoft.com/office/drawing/2010/main" w="9525">
                   <a:solidFill>
                     <a:srgbClr val="000000"/>
                   </a:solidFill>
@@ -7872,7 +7872,7 @@
             </a:ln>
             <a:extLst>
               <a:ext uri="{91240B29-F687-4f45-9708-019B960494DF}">
-                <a14:hiddenLine xmlns:a14="http://schemas.microsoft.com/office/drawing/2010/main" xmlns="" w="9525">
+                <a14:hiddenLine xmlns="" xmlns:a14="http://schemas.microsoft.com/office/drawing/2010/main" w="9525">
                   <a:solidFill>
                     <a:srgbClr val="000000"/>
                   </a:solidFill>
@@ -7962,7 +7962,7 @@
             </a:ln>
             <a:extLst>
               <a:ext uri="{91240B29-F687-4f45-9708-019B960494DF}">
-                <a14:hiddenLine xmlns:a14="http://schemas.microsoft.com/office/drawing/2010/main" xmlns="" w="9525">
+                <a14:hiddenLine xmlns="" xmlns:a14="http://schemas.microsoft.com/office/drawing/2010/main" w="9525">
                   <a:solidFill>
                     <a:srgbClr val="000000"/>
                   </a:solidFill>
@@ -8052,7 +8052,7 @@
             </a:ln>
             <a:extLst>
               <a:ext uri="{91240B29-F687-4f45-9708-019B960494DF}">
-                <a14:hiddenLine xmlns:a14="http://schemas.microsoft.com/office/drawing/2010/main" xmlns="" w="9525">
+                <a14:hiddenLine xmlns="" xmlns:a14="http://schemas.microsoft.com/office/drawing/2010/main" w="9525">
                   <a:solidFill>
                     <a:srgbClr val="000000"/>
                   </a:solidFill>
@@ -8114,7 +8114,7 @@
             </a:ln>
             <a:extLst>
               <a:ext uri="{91240B29-F687-4f45-9708-019B960494DF}">
-                <a14:hiddenLine xmlns:a14="http://schemas.microsoft.com/office/drawing/2010/main" xmlns="" w="9525">
+                <a14:hiddenLine xmlns="" xmlns:a14="http://schemas.microsoft.com/office/drawing/2010/main" w="9525">
                   <a:solidFill>
                     <a:srgbClr val="000000"/>
                   </a:solidFill>
@@ -8204,7 +8204,7 @@
             </a:ln>
             <a:extLst>
               <a:ext uri="{91240B29-F687-4f45-9708-019B960494DF}">
-                <a14:hiddenLine xmlns:a14="http://schemas.microsoft.com/office/drawing/2010/main" xmlns="" w="9525">
+                <a14:hiddenLine xmlns="" xmlns:a14="http://schemas.microsoft.com/office/drawing/2010/main" w="9525">
                   <a:solidFill>
                     <a:srgbClr val="000000"/>
                   </a:solidFill>
@@ -8294,7 +8294,7 @@
             </a:ln>
             <a:extLst>
               <a:ext uri="{91240B29-F687-4f45-9708-019B960494DF}">
-                <a14:hiddenLine xmlns:a14="http://schemas.microsoft.com/office/drawing/2010/main" xmlns="" w="9525">
+                <a14:hiddenLine xmlns="" xmlns:a14="http://schemas.microsoft.com/office/drawing/2010/main" w="9525">
                   <a:solidFill>
                     <a:srgbClr val="000000"/>
                   </a:solidFill>
@@ -8350,7 +8350,7 @@
             </a:ln>
             <a:extLst>
               <a:ext uri="{91240B29-F687-4f45-9708-019B960494DF}">
-                <a14:hiddenLine xmlns:a14="http://schemas.microsoft.com/office/drawing/2010/main" xmlns="" w="9525">
+                <a14:hiddenLine xmlns="" xmlns:a14="http://schemas.microsoft.com/office/drawing/2010/main" w="9525">
                   <a:solidFill>
                     <a:srgbClr val="000000"/>
                   </a:solidFill>
@@ -8440,7 +8440,7 @@
             </a:ln>
             <a:extLst>
               <a:ext uri="{91240B29-F687-4f45-9708-019B960494DF}">
-                <a14:hiddenLine xmlns:a14="http://schemas.microsoft.com/office/drawing/2010/main" xmlns="" w="9525">
+                <a14:hiddenLine xmlns="" xmlns:a14="http://schemas.microsoft.com/office/drawing/2010/main" w="9525">
                   <a:solidFill>
                     <a:srgbClr val="000000"/>
                   </a:solidFill>
@@ -8496,7 +8496,7 @@
             </a:ln>
             <a:extLst>
               <a:ext uri="{91240B29-F687-4f45-9708-019B960494DF}">
-                <a14:hiddenLine xmlns:a14="http://schemas.microsoft.com/office/drawing/2010/main" xmlns="" w="9525">
+                <a14:hiddenLine xmlns="" xmlns:a14="http://schemas.microsoft.com/office/drawing/2010/main" w="9525">
                   <a:solidFill>
                     <a:srgbClr val="000000"/>
                   </a:solidFill>
@@ -8586,7 +8586,7 @@
             </a:ln>
             <a:extLst>
               <a:ext uri="{91240B29-F687-4f45-9708-019B960494DF}">
-                <a14:hiddenLine xmlns:a14="http://schemas.microsoft.com/office/drawing/2010/main" xmlns="" w="9525">
+                <a14:hiddenLine xmlns="" xmlns:a14="http://schemas.microsoft.com/office/drawing/2010/main" w="9525">
                   <a:solidFill>
                     <a:srgbClr val="000000"/>
                   </a:solidFill>
@@ -8654,7 +8654,7 @@
             </a:ln>
             <a:extLst>
               <a:ext uri="{91240B29-F687-4f45-9708-019B960494DF}">
-                <a14:hiddenLine xmlns:a14="http://schemas.microsoft.com/office/drawing/2010/main" xmlns="" w="9525">
+                <a14:hiddenLine xmlns="" xmlns:a14="http://schemas.microsoft.com/office/drawing/2010/main" w="9525">
                   <a:solidFill>
                     <a:srgbClr val="000000"/>
                   </a:solidFill>
@@ -8744,7 +8744,7 @@
             </a:ln>
             <a:extLst>
               <a:ext uri="{91240B29-F687-4f45-9708-019B960494DF}">
-                <a14:hiddenLine xmlns:a14="http://schemas.microsoft.com/office/drawing/2010/main" xmlns="" w="9525">
+                <a14:hiddenLine xmlns="" xmlns:a14="http://schemas.microsoft.com/office/drawing/2010/main" w="9525">
                   <a:solidFill>
                     <a:srgbClr val="000000"/>
                   </a:solidFill>
@@ -8812,7 +8812,7 @@
             </a:ln>
             <a:extLst>
               <a:ext uri="{91240B29-F687-4f45-9708-019B960494DF}">
-                <a14:hiddenLine xmlns:a14="http://schemas.microsoft.com/office/drawing/2010/main" xmlns="" w="9525">
+                <a14:hiddenLine xmlns="" xmlns:a14="http://schemas.microsoft.com/office/drawing/2010/main" w="9525">
                   <a:solidFill>
                     <a:srgbClr val="000000"/>
                   </a:solidFill>
@@ -8902,7 +8902,7 @@
             </a:ln>
             <a:extLst>
               <a:ext uri="{91240B29-F687-4f45-9708-019B960494DF}">
-                <a14:hiddenLine xmlns:a14="http://schemas.microsoft.com/office/drawing/2010/main" xmlns="" w="9525">
+                <a14:hiddenLine xmlns="" xmlns:a14="http://schemas.microsoft.com/office/drawing/2010/main" w="9525">
                   <a:solidFill>
                     <a:srgbClr val="000000"/>
                   </a:solidFill>
@@ -8936,7 +8936,7 @@
             </a:ln>
             <a:extLst>
               <a:ext uri="{91240B29-F687-4f45-9708-019B960494DF}">
-                <a14:hiddenLine xmlns:a14="http://schemas.microsoft.com/office/drawing/2010/main" xmlns="" w="9525">
+                <a14:hiddenLine xmlns="" xmlns:a14="http://schemas.microsoft.com/office/drawing/2010/main" w="9525">
                   <a:solidFill>
                     <a:srgbClr val="000000"/>
                   </a:solidFill>
@@ -9026,7 +9026,7 @@
             </a:ln>
             <a:extLst>
               <a:ext uri="{91240B29-F687-4f45-9708-019B960494DF}">
-                <a14:hiddenLine xmlns:a14="http://schemas.microsoft.com/office/drawing/2010/main" xmlns="" w="9525">
+                <a14:hiddenLine xmlns="" xmlns:a14="http://schemas.microsoft.com/office/drawing/2010/main" w="9525">
                   <a:solidFill>
                     <a:srgbClr val="000000"/>
                   </a:solidFill>
@@ -9088,7 +9088,7 @@
             </a:ln>
             <a:extLst>
               <a:ext uri="{91240B29-F687-4f45-9708-019B960494DF}">
-                <a14:hiddenLine xmlns:a14="http://schemas.microsoft.com/office/drawing/2010/main" xmlns="" w="9525">
+                <a14:hiddenLine xmlns="" xmlns:a14="http://schemas.microsoft.com/office/drawing/2010/main" w="9525">
                   <a:solidFill>
                     <a:srgbClr val="000000"/>
                   </a:solidFill>
@@ -9150,7 +9150,7 @@
             </a:ln>
             <a:extLst>
               <a:ext uri="{91240B29-F687-4f45-9708-019B960494DF}">
-                <a14:hiddenLine xmlns:a14="http://schemas.microsoft.com/office/drawing/2010/main" xmlns="" w="9525">
+                <a14:hiddenLine xmlns="" xmlns:a14="http://schemas.microsoft.com/office/drawing/2010/main" w="9525">
                   <a:solidFill>
                     <a:srgbClr val="000000"/>
                   </a:solidFill>
@@ -9240,7 +9240,7 @@
             </a:ln>
             <a:extLst>
               <a:ext uri="{91240B29-F687-4f45-9708-019B960494DF}">
-                <a14:hiddenLine xmlns:a14="http://schemas.microsoft.com/office/drawing/2010/main" xmlns="" w="9525">
+                <a14:hiddenLine xmlns="" xmlns:a14="http://schemas.microsoft.com/office/drawing/2010/main" w="9525">
                   <a:solidFill>
                     <a:srgbClr val="000000"/>
                   </a:solidFill>
@@ -9308,7 +9308,7 @@
             </a:ln>
             <a:extLst>
               <a:ext uri="{91240B29-F687-4f45-9708-019B960494DF}">
-                <a14:hiddenLine xmlns:a14="http://schemas.microsoft.com/office/drawing/2010/main" xmlns="" w="9525">
+                <a14:hiddenLine xmlns="" xmlns:a14="http://schemas.microsoft.com/office/drawing/2010/main" w="9525">
                   <a:solidFill>
                     <a:srgbClr val="000000"/>
                   </a:solidFill>
@@ -9370,7 +9370,7 @@
             </a:ln>
             <a:extLst>
               <a:ext uri="{91240B29-F687-4f45-9708-019B960494DF}">
-                <a14:hiddenLine xmlns:a14="http://schemas.microsoft.com/office/drawing/2010/main" xmlns="" w="9525">
+                <a14:hiddenLine xmlns="" xmlns:a14="http://schemas.microsoft.com/office/drawing/2010/main" w="9525">
                   <a:solidFill>
                     <a:srgbClr val="000000"/>
                   </a:solidFill>
@@ -9460,7 +9460,7 @@
             </a:ln>
             <a:extLst>
               <a:ext uri="{91240B29-F687-4f45-9708-019B960494DF}">
-                <a14:hiddenLine xmlns:a14="http://schemas.microsoft.com/office/drawing/2010/main" xmlns="" w="9525">
+                <a14:hiddenLine xmlns="" xmlns:a14="http://schemas.microsoft.com/office/drawing/2010/main" w="9525">
                   <a:solidFill>
                     <a:srgbClr val="000000"/>
                   </a:solidFill>
@@ -9522,7 +9522,7 @@
             </a:ln>
             <a:extLst>
               <a:ext uri="{91240B29-F687-4f45-9708-019B960494DF}">
-                <a14:hiddenLine xmlns:a14="http://schemas.microsoft.com/office/drawing/2010/main" xmlns="" w="9525">
+                <a14:hiddenLine xmlns="" xmlns:a14="http://schemas.microsoft.com/office/drawing/2010/main" w="9525">
                   <a:solidFill>
                     <a:srgbClr val="000000"/>
                   </a:solidFill>
@@ -9612,7 +9612,7 @@
             </a:ln>
             <a:extLst>
               <a:ext uri="{91240B29-F687-4f45-9708-019B960494DF}">
-                <a14:hiddenLine xmlns:a14="http://schemas.microsoft.com/office/drawing/2010/main" xmlns="" w="9525">
+                <a14:hiddenLine xmlns="" xmlns:a14="http://schemas.microsoft.com/office/drawing/2010/main" w="9525">
                   <a:solidFill>
                     <a:srgbClr val="000000"/>
                   </a:solidFill>
@@ -9674,7 +9674,7 @@
             </a:ln>
             <a:extLst>
               <a:ext uri="{91240B29-F687-4f45-9708-019B960494DF}">
-                <a14:hiddenLine xmlns:a14="http://schemas.microsoft.com/office/drawing/2010/main" xmlns="" w="9525">
+                <a14:hiddenLine xmlns="" xmlns:a14="http://schemas.microsoft.com/office/drawing/2010/main" w="9525">
                   <a:solidFill>
                     <a:srgbClr val="000000"/>
                   </a:solidFill>
@@ -9764,7 +9764,7 @@
             </a:ln>
             <a:extLst>
               <a:ext uri="{91240B29-F687-4f45-9708-019B960494DF}">
-                <a14:hiddenLine xmlns:a14="http://schemas.microsoft.com/office/drawing/2010/main" xmlns="" w="9525">
+                <a14:hiddenLine xmlns="" xmlns:a14="http://schemas.microsoft.com/office/drawing/2010/main" w="9525">
                   <a:solidFill>
                     <a:srgbClr val="000000"/>
                   </a:solidFill>
@@ -9798,7 +9798,7 @@
             </a:ln>
             <a:extLst>
               <a:ext uri="{91240B29-F687-4f45-9708-019B960494DF}">
-                <a14:hiddenLine xmlns:a14="http://schemas.microsoft.com/office/drawing/2010/main" xmlns="" w="9525">
+                <a14:hiddenLine xmlns="" xmlns:a14="http://schemas.microsoft.com/office/drawing/2010/main" w="9525">
                   <a:solidFill>
                     <a:srgbClr val="000000"/>
                   </a:solidFill>
@@ -9863,7 +9863,7 @@
             </a:ln>
             <a:extLst>
               <a:ext uri="{91240B29-F687-4f45-9708-019B960494DF}">
-                <a14:hiddenLine xmlns:a14="http://schemas.microsoft.com/office/drawing/2010/main" xmlns="" w="9525">
+                <a14:hiddenLine xmlns="" xmlns:a14="http://schemas.microsoft.com/office/drawing/2010/main" w="9525">
                   <a:solidFill>
                     <a:srgbClr val="000000"/>
                   </a:solidFill>
@@ -9953,7 +9953,7 @@
             </a:ln>
             <a:extLst>
               <a:ext uri="{91240B29-F687-4f45-9708-019B960494DF}">
-                <a14:hiddenLine xmlns:a14="http://schemas.microsoft.com/office/drawing/2010/main" xmlns="" w="9525">
+                <a14:hiddenLine xmlns="" xmlns:a14="http://schemas.microsoft.com/office/drawing/2010/main" w="9525">
                   <a:solidFill>
                     <a:srgbClr val="000000"/>
                   </a:solidFill>
@@ -10015,7 +10015,7 @@
             </a:ln>
             <a:extLst>
               <a:ext uri="{91240B29-F687-4f45-9708-019B960494DF}">
-                <a14:hiddenLine xmlns:a14="http://schemas.microsoft.com/office/drawing/2010/main" xmlns="" w="9525">
+                <a14:hiddenLine xmlns="" xmlns:a14="http://schemas.microsoft.com/office/drawing/2010/main" w="9525">
                   <a:solidFill>
                     <a:srgbClr val="000000"/>
                   </a:solidFill>
@@ -10105,7 +10105,7 @@
             </a:ln>
             <a:extLst>
               <a:ext uri="{91240B29-F687-4f45-9708-019B960494DF}">
-                <a14:hiddenLine xmlns:a14="http://schemas.microsoft.com/office/drawing/2010/main" xmlns="" w="9525">
+                <a14:hiddenLine xmlns="" xmlns:a14="http://schemas.microsoft.com/office/drawing/2010/main" w="9525">
                   <a:solidFill>
                     <a:srgbClr val="000000"/>
                   </a:solidFill>
@@ -10195,7 +10195,7 @@
             </a:ln>
             <a:extLst>
               <a:ext uri="{91240B29-F687-4f45-9708-019B960494DF}">
-                <a14:hiddenLine xmlns:a14="http://schemas.microsoft.com/office/drawing/2010/main" xmlns="" w="9525">
+                <a14:hiddenLine xmlns="" xmlns:a14="http://schemas.microsoft.com/office/drawing/2010/main" w="9525">
                   <a:solidFill>
                     <a:srgbClr val="000000"/>
                   </a:solidFill>
@@ -10260,7 +10260,7 @@
             </a:ln>
             <a:extLst>
               <a:ext uri="{91240B29-F687-4f45-9708-019B960494DF}">
-                <a14:hiddenLine xmlns:a14="http://schemas.microsoft.com/office/drawing/2010/main" xmlns="" w="9525">
+                <a14:hiddenLine xmlns="" xmlns:a14="http://schemas.microsoft.com/office/drawing/2010/main" w="9525">
                   <a:solidFill>
                     <a:srgbClr val="000000"/>
                   </a:solidFill>
@@ -10322,7 +10322,7 @@
             </a:ln>
             <a:extLst>
               <a:ext uri="{91240B29-F687-4f45-9708-019B960494DF}">
-                <a14:hiddenLine xmlns:a14="http://schemas.microsoft.com/office/drawing/2010/main" xmlns="" w="9525">
+                <a14:hiddenLine xmlns="" xmlns:a14="http://schemas.microsoft.com/office/drawing/2010/main" w="9525">
                   <a:solidFill>
                     <a:srgbClr val="000000"/>
                   </a:solidFill>
@@ -10412,7 +10412,7 @@
             </a:ln>
             <a:extLst>
               <a:ext uri="{91240B29-F687-4f45-9708-019B960494DF}">
-                <a14:hiddenLine xmlns:a14="http://schemas.microsoft.com/office/drawing/2010/main" xmlns="" w="9525">
+                <a14:hiddenLine xmlns="" xmlns:a14="http://schemas.microsoft.com/office/drawing/2010/main" w="9525">
                   <a:solidFill>
                     <a:srgbClr val="000000"/>
                   </a:solidFill>
@@ -10502,7 +10502,7 @@
             </a:ln>
             <a:extLst>
               <a:ext uri="{91240B29-F687-4f45-9708-019B960494DF}">
-                <a14:hiddenLine xmlns:a14="http://schemas.microsoft.com/office/drawing/2010/main" xmlns="" w="9525">
+                <a14:hiddenLine xmlns="" xmlns:a14="http://schemas.microsoft.com/office/drawing/2010/main" w="9525">
                   <a:solidFill>
                     <a:srgbClr val="000000"/>
                   </a:solidFill>
@@ -10564,7 +10564,7 @@
             </a:ln>
             <a:extLst>
               <a:ext uri="{91240B29-F687-4f45-9708-019B960494DF}">
-                <a14:hiddenLine xmlns:a14="http://schemas.microsoft.com/office/drawing/2010/main" xmlns="" w="9525">
+                <a14:hiddenLine xmlns="" xmlns:a14="http://schemas.microsoft.com/office/drawing/2010/main" w="9525">
                   <a:solidFill>
                     <a:srgbClr val="000000"/>
                   </a:solidFill>
@@ -10684,7 +10684,7 @@
             </a:ln>
             <a:extLst>
               <a:ext uri="{91240B29-F687-4f45-9708-019B960494DF}">
-                <a14:hiddenLine xmlns:a14="http://schemas.microsoft.com/office/drawing/2010/main" xmlns="" w="9525">
+                <a14:hiddenLine xmlns="" xmlns:a14="http://schemas.microsoft.com/office/drawing/2010/main" w="9525">
                   <a:solidFill>
                     <a:srgbClr val="000000"/>
                   </a:solidFill>
@@ -10752,7 +10752,7 @@
             </a:ln>
             <a:extLst>
               <a:ext uri="{91240B29-F687-4f45-9708-019B960494DF}">
-                <a14:hiddenLine xmlns:a14="http://schemas.microsoft.com/office/drawing/2010/main" xmlns="" w="9525">
+                <a14:hiddenLine xmlns="" xmlns:a14="http://schemas.microsoft.com/office/drawing/2010/main" w="9525">
                   <a:solidFill>
                     <a:srgbClr val="000000"/>
                   </a:solidFill>
@@ -10842,7 +10842,7 @@
             </a:ln>
             <a:extLst>
               <a:ext uri="{91240B29-F687-4f45-9708-019B960494DF}">
-                <a14:hiddenLine xmlns:a14="http://schemas.microsoft.com/office/drawing/2010/main" xmlns="" w="9525">
+                <a14:hiddenLine xmlns="" xmlns:a14="http://schemas.microsoft.com/office/drawing/2010/main" w="9525">
                   <a:solidFill>
                     <a:srgbClr val="000000"/>
                   </a:solidFill>
@@ -11030,7 +11030,7 @@
           <a:p>
             <a:r>
               <a:rPr lang="en-US"/>
-              <a:t>2024-07-24</a:t>
+              <a:t>2024-08-17</a:t>
             </a:r>
             <a:endParaRPr lang="en-US" dirty="0"/>
           </a:p>
@@ -11340,7 +11340,7 @@
           <a:p>
             <a:r>
               <a:rPr lang="en-US"/>
-              <a:t>2024-07-24</a:t>
+              <a:t>2024-08-17</a:t>
             </a:r>
             <a:endParaRPr lang="en-US" dirty="0"/>
           </a:p>
@@ -11613,7 +11613,7 @@
           <a:p>
             <a:r>
               <a:rPr lang="en-US"/>
-              <a:t>2024-07-24</a:t>
+              <a:t>2024-08-17</a:t>
             </a:r>
             <a:endParaRPr lang="en-US" dirty="0"/>
           </a:p>
@@ -11857,7 +11857,7 @@
           <a:p>
             <a:r>
               <a:rPr lang="en-US"/>
-              <a:t>2024-07-24</a:t>
+              <a:t>2024-08-17</a:t>
             </a:r>
             <a:endParaRPr lang="en-US" dirty="0"/>
           </a:p>
@@ -12145,7 +12145,7 @@
           <a:p>
             <a:r>
               <a:rPr lang="en-US"/>
-              <a:t>2024-07-24</a:t>
+              <a:t>2024-08-17</a:t>
             </a:r>
             <a:endParaRPr lang="en-US" dirty="0"/>
           </a:p>
@@ -12647,7 +12647,7 @@
           <a:p>
             <a:r>
               <a:rPr lang="en-US"/>
-              <a:t>2024-07-24</a:t>
+              <a:t>2024-08-17</a:t>
             </a:r>
             <a:endParaRPr lang="en-US" dirty="0"/>
           </a:p>
@@ -13305,7 +13305,7 @@
           <a:p>
             <a:r>
               <a:rPr lang="en-US"/>
-              <a:t>2024-07-24</a:t>
+              <a:t>2024-08-17</a:t>
             </a:r>
             <a:endParaRPr lang="en-US" dirty="0"/>
           </a:p>
@@ -14041,7 +14041,7 @@
           <a:p>
             <a:r>
               <a:rPr lang="en-US"/>
-              <a:t>2024-07-24</a:t>
+              <a:t>2024-08-17</a:t>
             </a:r>
             <a:endParaRPr lang="en-US" dirty="0"/>
           </a:p>
@@ -14227,7 +14227,7 @@
           <a:p>
             <a:r>
               <a:rPr lang="en-US"/>
-              <a:t>2024-07-24</a:t>
+              <a:t>2024-08-17</a:t>
             </a:r>
             <a:endParaRPr lang="en-US" dirty="0"/>
           </a:p>
@@ -14423,7 +14423,7 @@
           <a:p>
             <a:r>
               <a:rPr lang="en-US"/>
-              <a:t>2024-07-24</a:t>
+              <a:t>2024-08-17</a:t>
             </a:r>
             <a:endParaRPr lang="en-US" dirty="0"/>
           </a:p>
@@ -14632,7 +14632,7 @@
           <a:p>
             <a:r>
               <a:rPr lang="en-US"/>
-              <a:t>2024-07-24</a:t>
+              <a:t>2024-08-17</a:t>
             </a:r>
             <a:endParaRPr lang="en-CA"/>
           </a:p>
@@ -14812,7 +14812,7 @@
           <a:p>
             <a:r>
               <a:rPr lang="en-US"/>
-              <a:t>2024-07-24</a:t>
+              <a:t>2024-08-17</a:t>
             </a:r>
             <a:endParaRPr lang="en-US" dirty="0"/>
           </a:p>
@@ -15114,7 +15114,7 @@
           <a:p>
             <a:r>
               <a:rPr lang="en-US"/>
-              <a:t>2024-07-24</a:t>
+              <a:t>2024-08-17</a:t>
             </a:r>
             <a:endParaRPr lang="en-US" dirty="0"/>
           </a:p>
@@ -15371,7 +15371,7 @@
           <a:p>
             <a:r>
               <a:rPr lang="en-US"/>
-              <a:t>2024-07-24</a:t>
+              <a:t>2024-08-17</a:t>
             </a:r>
             <a:endParaRPr lang="en-US" dirty="0"/>
           </a:p>
@@ -15768,7 +15768,7 @@
           <a:p>
             <a:r>
               <a:rPr lang="en-US"/>
-              <a:t>2024-07-24</a:t>
+              <a:t>2024-08-17</a:t>
             </a:r>
             <a:endParaRPr lang="en-US" dirty="0"/>
           </a:p>
@@ -15934,7 +15934,7 @@
           <a:p>
             <a:r>
               <a:rPr lang="en-US"/>
-              <a:t>2024-07-24</a:t>
+              <a:t>2024-08-17</a:t>
             </a:r>
             <a:endParaRPr lang="en-US" dirty="0"/>
           </a:p>
@@ -16054,7 +16054,7 @@
           <a:p>
             <a:r>
               <a:rPr lang="en-US"/>
-              <a:t>2024-07-24</a:t>
+              <a:t>2024-08-17</a:t>
             </a:r>
             <a:endParaRPr lang="en-US" dirty="0"/>
           </a:p>
@@ -16319,7 +16319,7 @@
           <a:p>
             <a:r>
               <a:rPr lang="en-US"/>
-              <a:t>2024-07-24</a:t>
+              <a:t>2024-08-17</a:t>
             </a:r>
             <a:endParaRPr lang="en-US" dirty="0"/>
           </a:p>
@@ -16683,7 +16683,7 @@
           <a:p>
             <a:r>
               <a:rPr lang="en-US"/>
-              <a:t>2024-07-24</a:t>
+              <a:t>2024-08-17</a:t>
             </a:r>
             <a:endParaRPr lang="en-US" dirty="0"/>
           </a:p>
@@ -16962,7 +16962,7 @@
           <a:noFill/>
           <a:extLst>
             <a:ext uri="{909E8E84-426E-40dd-AFC4-6F175D3DCCD1}">
-              <a14:hiddenFill xmlns:a14="http://schemas.microsoft.com/office/drawing/2010/main" xmlns="">
+              <a14:hiddenFill xmlns="" xmlns:a14="http://schemas.microsoft.com/office/drawing/2010/main">
                 <a:solidFill>
                   <a:srgbClr val="FFFFFF"/>
                 </a:solidFill>
@@ -17042,7 +17042,7 @@
               </a:ln>
               <a:extLst>
                 <a:ext uri="{91240B29-F687-4f45-9708-019B960494DF}">
-                  <a14:hiddenLine xmlns:a14="http://schemas.microsoft.com/office/drawing/2010/main" xmlns="" w="9525">
+                  <a14:hiddenLine xmlns="" xmlns:a14="http://schemas.microsoft.com/office/drawing/2010/main" w="9525">
                     <a:solidFill>
                       <a:srgbClr val="000000"/>
                     </a:solidFill>
@@ -17132,7 +17132,7 @@
               </a:ln>
               <a:extLst>
                 <a:ext uri="{91240B29-F687-4f45-9708-019B960494DF}">
-                  <a14:hiddenLine xmlns:a14="http://schemas.microsoft.com/office/drawing/2010/main" xmlns="" w="9525">
+                  <a14:hiddenLine xmlns="" xmlns:a14="http://schemas.microsoft.com/office/drawing/2010/main" w="9525">
                     <a:solidFill>
                       <a:srgbClr val="000000"/>
                     </a:solidFill>
@@ -17222,7 +17222,7 @@
               </a:ln>
               <a:extLst>
                 <a:ext uri="{91240B29-F687-4f45-9708-019B960494DF}">
-                  <a14:hiddenLine xmlns:a14="http://schemas.microsoft.com/office/drawing/2010/main" xmlns="" w="9525">
+                  <a14:hiddenLine xmlns="" xmlns:a14="http://schemas.microsoft.com/office/drawing/2010/main" w="9525">
                     <a:solidFill>
                       <a:srgbClr val="000000"/>
                     </a:solidFill>
@@ -17284,7 +17284,7 @@
               </a:ln>
               <a:extLst>
                 <a:ext uri="{91240B29-F687-4f45-9708-019B960494DF}">
-                  <a14:hiddenLine xmlns:a14="http://schemas.microsoft.com/office/drawing/2010/main" xmlns="" w="9525">
+                  <a14:hiddenLine xmlns="" xmlns:a14="http://schemas.microsoft.com/office/drawing/2010/main" w="9525">
                     <a:solidFill>
                       <a:srgbClr val="000000"/>
                     </a:solidFill>
@@ -17374,7 +17374,7 @@
               </a:ln>
               <a:extLst>
                 <a:ext uri="{91240B29-F687-4f45-9708-019B960494DF}">
-                  <a14:hiddenLine xmlns:a14="http://schemas.microsoft.com/office/drawing/2010/main" xmlns="" w="9525">
+                  <a14:hiddenLine xmlns="" xmlns:a14="http://schemas.microsoft.com/office/drawing/2010/main" w="9525">
                     <a:solidFill>
                       <a:srgbClr val="000000"/>
                     </a:solidFill>
@@ -17436,7 +17436,7 @@
               </a:ln>
               <a:extLst>
                 <a:ext uri="{91240B29-F687-4f45-9708-019B960494DF}">
-                  <a14:hiddenLine xmlns:a14="http://schemas.microsoft.com/office/drawing/2010/main" xmlns="" w="9525">
+                  <a14:hiddenLine xmlns="" xmlns:a14="http://schemas.microsoft.com/office/drawing/2010/main" w="9525">
                     <a:solidFill>
                       <a:srgbClr val="000000"/>
                     </a:solidFill>
@@ -17498,7 +17498,7 @@
               </a:ln>
               <a:extLst>
                 <a:ext uri="{91240B29-F687-4f45-9708-019B960494DF}">
-                  <a14:hiddenLine xmlns:a14="http://schemas.microsoft.com/office/drawing/2010/main" xmlns="" w="9525">
+                  <a14:hiddenLine xmlns="" xmlns:a14="http://schemas.microsoft.com/office/drawing/2010/main" w="9525">
                     <a:solidFill>
                       <a:srgbClr val="000000"/>
                     </a:solidFill>
@@ -17588,7 +17588,7 @@
               </a:ln>
               <a:extLst>
                 <a:ext uri="{91240B29-F687-4f45-9708-019B960494DF}">
-                  <a14:hiddenLine xmlns:a14="http://schemas.microsoft.com/office/drawing/2010/main" xmlns="" w="9525">
+                  <a14:hiddenLine xmlns="" xmlns:a14="http://schemas.microsoft.com/office/drawing/2010/main" w="9525">
                     <a:solidFill>
                       <a:srgbClr val="000000"/>
                     </a:solidFill>
@@ -17678,7 +17678,7 @@
               </a:ln>
               <a:extLst>
                 <a:ext uri="{91240B29-F687-4f45-9708-019B960494DF}">
-                  <a14:hiddenLine xmlns:a14="http://schemas.microsoft.com/office/drawing/2010/main" xmlns="" w="9525">
+                  <a14:hiddenLine xmlns="" xmlns:a14="http://schemas.microsoft.com/office/drawing/2010/main" w="9525">
                     <a:solidFill>
                       <a:srgbClr val="000000"/>
                     </a:solidFill>
@@ -17740,7 +17740,7 @@
               </a:ln>
               <a:extLst>
                 <a:ext uri="{91240B29-F687-4f45-9708-019B960494DF}">
-                  <a14:hiddenLine xmlns:a14="http://schemas.microsoft.com/office/drawing/2010/main" xmlns="" w="9525">
+                  <a14:hiddenLine xmlns="" xmlns:a14="http://schemas.microsoft.com/office/drawing/2010/main" w="9525">
                     <a:solidFill>
                       <a:srgbClr val="000000"/>
                     </a:solidFill>
@@ -17850,7 +17850,7 @@
               </a:ln>
               <a:extLst>
                 <a:ext uri="{91240B29-F687-4f45-9708-019B960494DF}">
-                  <a14:hiddenLine xmlns:a14="http://schemas.microsoft.com/office/drawing/2010/main" xmlns="" w="9525">
+                  <a14:hiddenLine xmlns="" xmlns:a14="http://schemas.microsoft.com/office/drawing/2010/main" w="9525">
                     <a:solidFill>
                       <a:srgbClr val="000000"/>
                     </a:solidFill>
@@ -17934,7 +17934,7 @@
               </a:ln>
               <a:extLst>
                 <a:ext uri="{91240B29-F687-4f45-9708-019B960494DF}">
-                  <a14:hiddenLine xmlns:a14="http://schemas.microsoft.com/office/drawing/2010/main" xmlns="" w="9525">
+                  <a14:hiddenLine xmlns="" xmlns:a14="http://schemas.microsoft.com/office/drawing/2010/main" w="9525">
                     <a:solidFill>
                       <a:srgbClr val="000000"/>
                     </a:solidFill>
@@ -17996,7 +17996,7 @@
               </a:ln>
               <a:extLst>
                 <a:ext uri="{91240B29-F687-4f45-9708-019B960494DF}">
-                  <a14:hiddenLine xmlns:a14="http://schemas.microsoft.com/office/drawing/2010/main" xmlns="" w="9525">
+                  <a14:hiddenLine xmlns="" xmlns:a14="http://schemas.microsoft.com/office/drawing/2010/main" w="9525">
                     <a:solidFill>
                       <a:srgbClr val="000000"/>
                     </a:solidFill>
@@ -18058,7 +18058,7 @@
               </a:ln>
               <a:extLst>
                 <a:ext uri="{91240B29-F687-4f45-9708-019B960494DF}">
-                  <a14:hiddenLine xmlns:a14="http://schemas.microsoft.com/office/drawing/2010/main" xmlns="" w="9525">
+                  <a14:hiddenLine xmlns="" xmlns:a14="http://schemas.microsoft.com/office/drawing/2010/main" w="9525">
                     <a:solidFill>
                       <a:srgbClr val="000000"/>
                     </a:solidFill>
@@ -18148,7 +18148,7 @@
               </a:ln>
               <a:extLst>
                 <a:ext uri="{91240B29-F687-4f45-9708-019B960494DF}">
-                  <a14:hiddenLine xmlns:a14="http://schemas.microsoft.com/office/drawing/2010/main" xmlns="" w="9525">
+                  <a14:hiddenLine xmlns="" xmlns:a14="http://schemas.microsoft.com/office/drawing/2010/main" w="9525">
                     <a:solidFill>
                       <a:srgbClr val="000000"/>
                     </a:solidFill>
@@ -18182,7 +18182,7 @@
               </a:ln>
               <a:extLst>
                 <a:ext uri="{91240B29-F687-4f45-9708-019B960494DF}">
-                  <a14:hiddenLine xmlns:a14="http://schemas.microsoft.com/office/drawing/2010/main" xmlns="" w="9525">
+                  <a14:hiddenLine xmlns="" xmlns:a14="http://schemas.microsoft.com/office/drawing/2010/main" w="9525">
                     <a:solidFill>
                       <a:srgbClr val="000000"/>
                     </a:solidFill>
@@ -18247,7 +18247,7 @@
               </a:ln>
               <a:extLst>
                 <a:ext uri="{91240B29-F687-4f45-9708-019B960494DF}">
-                  <a14:hiddenLine xmlns:a14="http://schemas.microsoft.com/office/drawing/2010/main" xmlns="" w="9525">
+                  <a14:hiddenLine xmlns="" xmlns:a14="http://schemas.microsoft.com/office/drawing/2010/main" w="9525">
                     <a:solidFill>
                       <a:srgbClr val="000000"/>
                     </a:solidFill>
@@ -18337,7 +18337,7 @@
               </a:ln>
               <a:extLst>
                 <a:ext uri="{91240B29-F687-4f45-9708-019B960494DF}">
-                  <a14:hiddenLine xmlns:a14="http://schemas.microsoft.com/office/drawing/2010/main" xmlns="" w="9525">
+                  <a14:hiddenLine xmlns="" xmlns:a14="http://schemas.microsoft.com/office/drawing/2010/main" w="9525">
                     <a:solidFill>
                       <a:srgbClr val="000000"/>
                     </a:solidFill>
@@ -18399,7 +18399,7 @@
               </a:ln>
               <a:extLst>
                 <a:ext uri="{91240B29-F687-4f45-9708-019B960494DF}">
-                  <a14:hiddenLine xmlns:a14="http://schemas.microsoft.com/office/drawing/2010/main" xmlns="" w="9525">
+                  <a14:hiddenLine xmlns="" xmlns:a14="http://schemas.microsoft.com/office/drawing/2010/main" w="9525">
                     <a:solidFill>
                       <a:srgbClr val="000000"/>
                     </a:solidFill>
@@ -18489,7 +18489,7 @@
               </a:ln>
               <a:extLst>
                 <a:ext uri="{91240B29-F687-4f45-9708-019B960494DF}">
-                  <a14:hiddenLine xmlns:a14="http://schemas.microsoft.com/office/drawing/2010/main" xmlns="" w="9525">
+                  <a14:hiddenLine xmlns="" xmlns:a14="http://schemas.microsoft.com/office/drawing/2010/main" w="9525">
                     <a:solidFill>
                       <a:srgbClr val="000000"/>
                     </a:solidFill>
@@ -18554,7 +18554,7 @@
               </a:ln>
               <a:extLst>
                 <a:ext uri="{91240B29-F687-4f45-9708-019B960494DF}">
-                  <a14:hiddenLine xmlns:a14="http://schemas.microsoft.com/office/drawing/2010/main" xmlns="" w="9525">
+                  <a14:hiddenLine xmlns="" xmlns:a14="http://schemas.microsoft.com/office/drawing/2010/main" w="9525">
                     <a:solidFill>
                       <a:srgbClr val="000000"/>
                     </a:solidFill>
@@ -18616,7 +18616,7 @@
               </a:ln>
               <a:extLst>
                 <a:ext uri="{91240B29-F687-4f45-9708-019B960494DF}">
-                  <a14:hiddenLine xmlns:a14="http://schemas.microsoft.com/office/drawing/2010/main" xmlns="" w="9525">
+                  <a14:hiddenLine xmlns="" xmlns:a14="http://schemas.microsoft.com/office/drawing/2010/main" w="9525">
                     <a:solidFill>
                       <a:srgbClr val="000000"/>
                     </a:solidFill>
@@ -18706,7 +18706,7 @@
               </a:ln>
               <a:extLst>
                 <a:ext uri="{91240B29-F687-4f45-9708-019B960494DF}">
-                  <a14:hiddenLine xmlns:a14="http://schemas.microsoft.com/office/drawing/2010/main" xmlns="" w="9525">
+                  <a14:hiddenLine xmlns="" xmlns:a14="http://schemas.microsoft.com/office/drawing/2010/main" w="9525">
                     <a:solidFill>
                       <a:srgbClr val="000000"/>
                     </a:solidFill>
@@ -18796,7 +18796,7 @@
               </a:ln>
               <a:extLst>
                 <a:ext uri="{91240B29-F687-4f45-9708-019B960494DF}">
-                  <a14:hiddenLine xmlns:a14="http://schemas.microsoft.com/office/drawing/2010/main" xmlns="" w="9525">
+                  <a14:hiddenLine xmlns="" xmlns:a14="http://schemas.microsoft.com/office/drawing/2010/main" w="9525">
                     <a:solidFill>
                       <a:srgbClr val="000000"/>
                     </a:solidFill>
@@ -18861,7 +18861,7 @@
               </a:ln>
               <a:extLst>
                 <a:ext uri="{91240B29-F687-4f45-9708-019B960494DF}">
-                  <a14:hiddenLine xmlns:a14="http://schemas.microsoft.com/office/drawing/2010/main" xmlns="" w="9525">
+                  <a14:hiddenLine xmlns="" xmlns:a14="http://schemas.microsoft.com/office/drawing/2010/main" w="9525">
                     <a:solidFill>
                       <a:srgbClr val="000000"/>
                     </a:solidFill>
@@ -18981,7 +18981,7 @@
               </a:ln>
               <a:extLst>
                 <a:ext uri="{91240B29-F687-4f45-9708-019B960494DF}">
-                  <a14:hiddenLine xmlns:a14="http://schemas.microsoft.com/office/drawing/2010/main" xmlns="" w="9525">
+                  <a14:hiddenLine xmlns="" xmlns:a14="http://schemas.microsoft.com/office/drawing/2010/main" w="9525">
                     <a:solidFill>
                       <a:srgbClr val="000000"/>
                     </a:solidFill>
@@ -19079,7 +19079,7 @@
               </a:ln>
               <a:extLst>
                 <a:ext uri="{91240B29-F687-4f45-9708-019B960494DF}">
-                  <a14:hiddenLine xmlns:a14="http://schemas.microsoft.com/office/drawing/2010/main" xmlns="" w="9525">
+                  <a14:hiddenLine xmlns="" xmlns:a14="http://schemas.microsoft.com/office/drawing/2010/main" w="9525">
                     <a:solidFill>
                       <a:srgbClr val="000000"/>
                     </a:solidFill>
@@ -19194,7 +19194,7 @@
               </a:ln>
               <a:extLst>
                 <a:ext uri="{91240B29-F687-4f45-9708-019B960494DF}">
-                  <a14:hiddenLine xmlns:a14="http://schemas.microsoft.com/office/drawing/2010/main" xmlns="" w="9525">
+                  <a14:hiddenLine xmlns="" xmlns:a14="http://schemas.microsoft.com/office/drawing/2010/main" w="9525">
                     <a:solidFill>
                       <a:srgbClr val="000000"/>
                     </a:solidFill>
@@ -19284,7 +19284,7 @@
               </a:ln>
               <a:extLst>
                 <a:ext uri="{91240B29-F687-4f45-9708-019B960494DF}">
-                  <a14:hiddenLine xmlns:a14="http://schemas.microsoft.com/office/drawing/2010/main" xmlns="" w="9525">
+                  <a14:hiddenLine xmlns="" xmlns:a14="http://schemas.microsoft.com/office/drawing/2010/main" w="9525">
                     <a:solidFill>
                       <a:srgbClr val="000000"/>
                     </a:solidFill>
@@ -19349,7 +19349,7 @@
               </a:ln>
               <a:extLst>
                 <a:ext uri="{91240B29-F687-4f45-9708-019B960494DF}">
-                  <a14:hiddenLine xmlns:a14="http://schemas.microsoft.com/office/drawing/2010/main" xmlns="" w="9525">
+                  <a14:hiddenLine xmlns="" xmlns:a14="http://schemas.microsoft.com/office/drawing/2010/main" w="9525">
                     <a:solidFill>
                       <a:srgbClr val="000000"/>
                     </a:solidFill>
@@ -19439,7 +19439,7 @@
               </a:ln>
               <a:extLst>
                 <a:ext uri="{91240B29-F687-4f45-9708-019B960494DF}">
-                  <a14:hiddenLine xmlns:a14="http://schemas.microsoft.com/office/drawing/2010/main" xmlns="" w="9525">
+                  <a14:hiddenLine xmlns="" xmlns:a14="http://schemas.microsoft.com/office/drawing/2010/main" w="9525">
                     <a:solidFill>
                       <a:srgbClr val="000000"/>
                     </a:solidFill>
@@ -19507,7 +19507,7 @@
               </a:ln>
               <a:extLst>
                 <a:ext uri="{91240B29-F687-4f45-9708-019B960494DF}">
-                  <a14:hiddenLine xmlns:a14="http://schemas.microsoft.com/office/drawing/2010/main" xmlns="" w="9525">
+                  <a14:hiddenLine xmlns="" xmlns:a14="http://schemas.microsoft.com/office/drawing/2010/main" w="9525">
                     <a:solidFill>
                       <a:srgbClr val="000000"/>
                     </a:solidFill>
@@ -19597,7 +19597,7 @@
               </a:ln>
               <a:extLst>
                 <a:ext uri="{91240B29-F687-4f45-9708-019B960494DF}">
-                  <a14:hiddenLine xmlns:a14="http://schemas.microsoft.com/office/drawing/2010/main" xmlns="" w="9525">
+                  <a14:hiddenLine xmlns="" xmlns:a14="http://schemas.microsoft.com/office/drawing/2010/main" w="9525">
                     <a:solidFill>
                       <a:srgbClr val="000000"/>
                     </a:solidFill>
@@ -19665,7 +19665,7 @@
               </a:ln>
               <a:extLst>
                 <a:ext uri="{91240B29-F687-4f45-9708-019B960494DF}">
-                  <a14:hiddenLine xmlns:a14="http://schemas.microsoft.com/office/drawing/2010/main" xmlns="" w="9525">
+                  <a14:hiddenLine xmlns="" xmlns:a14="http://schemas.microsoft.com/office/drawing/2010/main" w="9525">
                     <a:solidFill>
                       <a:srgbClr val="000000"/>
                     </a:solidFill>
@@ -19755,7 +19755,7 @@
               </a:ln>
               <a:extLst>
                 <a:ext uri="{91240B29-F687-4f45-9708-019B960494DF}">
-                  <a14:hiddenLine xmlns:a14="http://schemas.microsoft.com/office/drawing/2010/main" xmlns="" w="9525">
+                  <a14:hiddenLine xmlns="" xmlns:a14="http://schemas.microsoft.com/office/drawing/2010/main" w="9525">
                     <a:solidFill>
                       <a:srgbClr val="000000"/>
                     </a:solidFill>
@@ -19789,7 +19789,7 @@
               </a:ln>
               <a:extLst>
                 <a:ext uri="{91240B29-F687-4f45-9708-019B960494DF}">
-                  <a14:hiddenLine xmlns:a14="http://schemas.microsoft.com/office/drawing/2010/main" xmlns="" w="9525">
+                  <a14:hiddenLine xmlns="" xmlns:a14="http://schemas.microsoft.com/office/drawing/2010/main" w="9525">
                     <a:solidFill>
                       <a:srgbClr val="000000"/>
                     </a:solidFill>
@@ -19965,7 +19965,7 @@
           <a:p>
             <a:r>
               <a:rPr lang="en-US"/>
-              <a:t>2024-07-24</a:t>
+              <a:t>2024-08-17</a:t>
             </a:r>
             <a:endParaRPr lang="en-US" dirty="0"/>
           </a:p>
@@ -21042,7 +21042,7 @@
           <a:p>
             <a:r>
               <a:rPr lang="en-US"/>
-              <a:t>2024-07-24</a:t>
+              <a:t>2024-08-17</a:t>
             </a:r>
             <a:endParaRPr lang="en-US" dirty="0"/>
           </a:p>
@@ -21461,7 +21461,7 @@
           <a:p>
             <a:r>
               <a:rPr lang="en-US"/>
-              <a:t>2024-07-24</a:t>
+              <a:t>2024-08-17</a:t>
             </a:r>
             <a:endParaRPr lang="en-CA"/>
           </a:p>
@@ -21687,7 +21687,7 @@
           <a:p>
             <a:r>
               <a:rPr lang="en-US"/>
-              <a:t>2024-07-24</a:t>
+              <a:t>2024-08-17</a:t>
             </a:r>
             <a:endParaRPr lang="en-CA"/>
           </a:p>
@@ -21880,7 +21880,7 @@
           <a:p>
             <a:r>
               <a:rPr lang="en-US"/>
-              <a:t>2024-07-24</a:t>
+              <a:t>2024-08-17</a:t>
             </a:r>
             <a:endParaRPr lang="en-CA"/>
           </a:p>
@@ -22135,7 +22135,7 @@
           <a:p>
             <a:r>
               <a:rPr lang="en-US"/>
-              <a:t>2024-07-24</a:t>
+              <a:t>2024-08-17</a:t>
             </a:r>
             <a:endParaRPr lang="en-CA"/>
           </a:p>
@@ -22905,7 +22905,7 @@
           <a:p>
             <a:r>
               <a:rPr lang="en-US"/>
-              <a:t>2024-07-24</a:t>
+              <a:t>2024-08-17</a:t>
             </a:r>
             <a:endParaRPr lang="en-CA"/>
           </a:p>
@@ -23627,7 +23627,7 @@
           <a:p>
             <a:r>
               <a:rPr lang="en-US"/>
-              <a:t>2024-07-24</a:t>
+              <a:t>2024-08-17</a:t>
             </a:r>
             <a:endParaRPr lang="en-CA"/>
           </a:p>
@@ -23887,7 +23887,7 @@
           <a:p>
             <a:r>
               <a:rPr lang="en-US"/>
-              <a:t>2024-07-24</a:t>
+              <a:t>2024-08-17</a:t>
             </a:r>
             <a:endParaRPr lang="en-CA"/>
           </a:p>
@@ -24121,7 +24121,7 @@
           <a:p>
             <a:r>
               <a:rPr lang="en-US"/>
-              <a:t>2024-07-24</a:t>
+              <a:t>2024-08-17</a:t>
             </a:r>
             <a:endParaRPr lang="en-CA"/>
           </a:p>
@@ -25126,7 +25126,7 @@
           <a:p>
             <a:r>
               <a:rPr lang="en-US"/>
-              <a:t>2024-07-24</a:t>
+              <a:t>2024-08-17</a:t>
             </a:r>
             <a:endParaRPr lang="en-CA"/>
           </a:p>
@@ -25437,7 +25437,7 @@
           <a:p>
             <a:r>
               <a:rPr lang="en-US"/>
-              <a:t>2024-07-24</a:t>
+              <a:t>2024-08-17</a:t>
             </a:r>
             <a:endParaRPr lang="en-US" dirty="0"/>
           </a:p>
@@ -25850,7 +25850,7 @@
           <a:p>
             <a:r>
               <a:rPr lang="en-US"/>
-              <a:t>2024-07-24</a:t>
+              <a:t>2024-08-17</a:t>
             </a:r>
             <a:endParaRPr lang="en-US" dirty="0"/>
           </a:p>
@@ -26390,7 +26390,7 @@
           <a:p>
             <a:r>
               <a:rPr lang="en-US"/>
-              <a:t>2024-07-24</a:t>
+              <a:t>2024-08-17</a:t>
             </a:r>
             <a:endParaRPr lang="en-CA"/>
           </a:p>
@@ -27401,7 +27401,7 @@
           <a:p>
             <a:r>
               <a:rPr lang="en-US"/>
-              <a:t>2024-07-24</a:t>
+              <a:t>2024-08-17</a:t>
             </a:r>
             <a:endParaRPr lang="en-CA"/>
           </a:p>
@@ -27883,7 +27883,7 @@
           <a:p>
             <a:r>
               <a:rPr lang="en-US"/>
-              <a:t>2024-07-24</a:t>
+              <a:t>2024-08-17</a:t>
             </a:r>
             <a:endParaRPr lang="en-CA"/>
           </a:p>
@@ -29207,7 +29207,7 @@
           <a:p>
             <a:r>
               <a:rPr lang="en-US"/>
-              <a:t>2024-07-24</a:t>
+              <a:t>2024-08-17</a:t>
             </a:r>
             <a:endParaRPr lang="en-CA"/>
           </a:p>
@@ -29432,7 +29432,7 @@
           <a:p>
             <a:r>
               <a:rPr lang="en-US"/>
-              <a:t>2024-07-24</a:t>
+              <a:t>2024-08-17</a:t>
             </a:r>
             <a:endParaRPr lang="en-CA"/>
           </a:p>
@@ -29925,7 +29925,7 @@
           <a:p>
             <a:r>
               <a:rPr lang="en-US"/>
-              <a:t>2024-07-24</a:t>
+              <a:t>2024-08-17</a:t>
             </a:r>
             <a:endParaRPr lang="en-CA"/>
           </a:p>
@@ -30745,7 +30745,7 @@
           <a:p>
             <a:r>
               <a:rPr lang="en-US"/>
-              <a:t>2024-07-24</a:t>
+              <a:t>2024-08-17</a:t>
             </a:r>
             <a:endParaRPr lang="en-CA"/>
           </a:p>
@@ -30944,7 +30944,7 @@
           <a:p>
             <a:r>
               <a:rPr lang="en-US"/>
-              <a:t>2024-07-24</a:t>
+              <a:t>2024-08-17</a:t>
             </a:r>
             <a:endParaRPr lang="en-US" dirty="0"/>
           </a:p>
@@ -31176,7 +31176,7 @@
           <a:p>
             <a:r>
               <a:rPr lang="en-US"/>
-              <a:t>2024-07-24</a:t>
+              <a:t>2024-08-17</a:t>
             </a:r>
             <a:endParaRPr lang="en-US" dirty="0"/>
           </a:p>
@@ -31378,7 +31378,7 @@
           <a:p>
             <a:r>
               <a:rPr lang="en-US"/>
-              <a:t>2024-07-24</a:t>
+              <a:t>2024-08-17</a:t>
             </a:r>
             <a:endParaRPr lang="en-CA"/>
           </a:p>
@@ -31575,7 +31575,7 @@
                   <a:schemeClr val="bg2"/>
                 </a:solidFill>
               </a:rPr>
-              <a:t>2024-07-24</a:t>
+              <a:t>2024-08-17</a:t>
             </a:r>
             <a:endParaRPr lang="en-CA">
               <a:solidFill>
@@ -32416,7 +32416,7 @@
           <a:p>
             <a:r>
               <a:rPr lang="en-US"/>
-              <a:t>2024-07-24</a:t>
+              <a:t>2024-08-17</a:t>
             </a:r>
             <a:endParaRPr lang="en-CA"/>
           </a:p>
@@ -32705,7 +32705,7 @@
           <a:p>
             <a:r>
               <a:rPr lang="en-US"/>
-              <a:t>2024-07-24</a:t>
+              <a:t>2024-08-17</a:t>
             </a:r>
             <a:endParaRPr lang="en-CA"/>
           </a:p>
@@ -33152,7 +33152,7 @@
           <a:p>
             <a:r>
               <a:rPr lang="en-US"/>
-              <a:t>2024-07-24</a:t>
+              <a:t>2024-08-17</a:t>
             </a:r>
             <a:endParaRPr lang="en-CA"/>
           </a:p>
@@ -33349,7 +33349,7 @@
           <a:p>
             <a:r>
               <a:rPr lang="en-US"/>
-              <a:t>2024-07-24</a:t>
+              <a:t>2024-08-17</a:t>
             </a:r>
             <a:endParaRPr lang="en-CA"/>
           </a:p>

--- a/MakeVersionInfo/MakeVersionInfo.pptx
+++ b/MakeVersionInfo/MakeVersionInfo.pptx
@@ -3347,7 +3347,7 @@
           <a:p>
             <a:fld id="{857CC94D-E614-4874-A919-F25B27309A09}" type="datetimeFigureOut">
               <a:rPr lang="en-CA" smtClean="0"/>
-              <a:t>2024-08-17</a:t>
+              <a:t>2024-08-30</a:t>
             </a:fld>
             <a:endParaRPr lang="en-CA"/>
           </a:p>
@@ -3863,7 +3863,7 @@
             </a:pPr>
             <a:r>
               <a:rPr lang="en-CA" dirty="0"/>
-              <a:t>Therefore the version number must be defined redundantly in multiple places</a:t>
+              <a:t>Therefore, the version number must be defined redundantly in multiple places</a:t>
             </a:r>
           </a:p>
           <a:p>
@@ -5035,19 +5035,6 @@
               <a:rPr lang="en-CA" dirty="0"/>
               <a:t> Systems for a long time; before that at Microsoft in Redmond for a few years.</a:t>
             </a:r>
-          </a:p>
-          <a:p>
-            <a:pPr marL="171450" indent="-171450">
-              <a:buFont typeface="Arial" panose="020B0604020202020204" pitchFamily="34" charset="0"/>
-              <a:buChar char="•"/>
-            </a:pPr>
-            <a:r>
-              <a:rPr lang="en-CA" dirty="0"/>
-              <a:t>I have written a lot of C++ code.</a:t>
-            </a:r>
-          </a:p>
-          <a:p>
-            <a:endParaRPr lang="en-CA" dirty="0"/>
           </a:p>
         </p:txBody>
       </p:sp>
@@ -20975,7 +20962,7 @@
             <a:pPr lvl="0"/>
             <a:r>
               <a:rPr lang="en-US" dirty="0"/>
-              <a:t>Version numbers are fun!</a:t>
+              <a:t>fun With Version numbers!</a:t>
             </a:r>
           </a:p>
         </p:txBody>
@@ -21342,7 +21329,7 @@
         </p:spPr>
         <p:txBody>
           <a:bodyPr>
-            <a:normAutofit fontScale="92500"/>
+            <a:normAutofit lnSpcReduction="10000"/>
           </a:bodyPr>
           <a:lstStyle/>
           <a:p>
@@ -21361,7 +21348,7 @@
             <a:pPr lvl="1"/>
             <a:r>
               <a:rPr lang="en-CA" dirty="0"/>
-              <a:t>Specific problems: multiple languages (e.g. C++ and C#), text files, installer, help files, git tags, etc.</a:t>
+              <a:t>Multiple languages (e.g. C++ and C#), text files, installer, help files, git tags, etc.</a:t>
             </a:r>
           </a:p>
           <a:p>

--- a/MakeVersionInfo/MakeVersionInfo.pptx
+++ b/MakeVersionInfo/MakeVersionInfo.pptx
@@ -3347,7 +3347,7 @@
           <a:p>
             <a:fld id="{857CC94D-E614-4874-A919-F25B27309A09}" type="datetimeFigureOut">
               <a:rPr lang="en-CA" smtClean="0"/>
-              <a:t>2024-08-30</a:t>
+              <a:t>2024-09-28</a:t>
             </a:fld>
             <a:endParaRPr lang="en-CA"/>
           </a:p>
@@ -6737,7 +6737,7 @@
           <a:noFill/>
           <a:extLst>
             <a:ext uri="{909E8E84-426E-40dd-AFC4-6F175D3DCCD1}">
-              <a14:hiddenFill xmlns="" xmlns:a14="http://schemas.microsoft.com/office/drawing/2010/main">
+              <a14:hiddenFill xmlns:a14="http://schemas.microsoft.com/office/drawing/2010/main" xmlns="">
                 <a:solidFill>
                   <a:srgbClr val="FFFFFF"/>
                 </a:solidFill>
@@ -6803,7 +6803,7 @@
             </a:ln>
             <a:extLst>
               <a:ext uri="{91240B29-F687-4f45-9708-019B960494DF}">
-                <a14:hiddenLine xmlns="" xmlns:a14="http://schemas.microsoft.com/office/drawing/2010/main" w="9525">
+                <a14:hiddenLine xmlns:a14="http://schemas.microsoft.com/office/drawing/2010/main" xmlns="" w="9525">
                   <a:solidFill>
                     <a:srgbClr val="000000"/>
                   </a:solidFill>
@@ -6893,7 +6893,7 @@
             </a:ln>
             <a:extLst>
               <a:ext uri="{91240B29-F687-4f45-9708-019B960494DF}">
-                <a14:hiddenLine xmlns="" xmlns:a14="http://schemas.microsoft.com/office/drawing/2010/main" w="9525">
+                <a14:hiddenLine xmlns:a14="http://schemas.microsoft.com/office/drawing/2010/main" xmlns="" w="9525">
                   <a:solidFill>
                     <a:srgbClr val="000000"/>
                   </a:solidFill>
@@ -6983,7 +6983,7 @@
             </a:ln>
             <a:extLst>
               <a:ext uri="{91240B29-F687-4f45-9708-019B960494DF}">
-                <a14:hiddenLine xmlns="" xmlns:a14="http://schemas.microsoft.com/office/drawing/2010/main" w="9525">
+                <a14:hiddenLine xmlns:a14="http://schemas.microsoft.com/office/drawing/2010/main" xmlns="" w="9525">
                   <a:solidFill>
                     <a:srgbClr val="000000"/>
                   </a:solidFill>
@@ -7017,7 +7017,7 @@
             </a:ln>
             <a:extLst>
               <a:ext uri="{91240B29-F687-4f45-9708-019B960494DF}">
-                <a14:hiddenLine xmlns="" xmlns:a14="http://schemas.microsoft.com/office/drawing/2010/main" w="9525">
+                <a14:hiddenLine xmlns:a14="http://schemas.microsoft.com/office/drawing/2010/main" xmlns="" w="9525">
                   <a:solidFill>
                     <a:srgbClr val="000000"/>
                   </a:solidFill>
@@ -7107,7 +7107,7 @@
             </a:ln>
             <a:extLst>
               <a:ext uri="{91240B29-F687-4f45-9708-019B960494DF}">
-                <a14:hiddenLine xmlns="" xmlns:a14="http://schemas.microsoft.com/office/drawing/2010/main" w="9525">
+                <a14:hiddenLine xmlns:a14="http://schemas.microsoft.com/office/drawing/2010/main" xmlns="" w="9525">
                   <a:solidFill>
                     <a:srgbClr val="000000"/>
                   </a:solidFill>
@@ -7169,7 +7169,7 @@
             </a:ln>
             <a:extLst>
               <a:ext uri="{91240B29-F687-4f45-9708-019B960494DF}">
-                <a14:hiddenLine xmlns="" xmlns:a14="http://schemas.microsoft.com/office/drawing/2010/main" w="9525">
+                <a14:hiddenLine xmlns:a14="http://schemas.microsoft.com/office/drawing/2010/main" xmlns="" w="9525">
                   <a:solidFill>
                     <a:srgbClr val="000000"/>
                   </a:solidFill>
@@ -7231,7 +7231,7 @@
             </a:ln>
             <a:extLst>
               <a:ext uri="{91240B29-F687-4f45-9708-019B960494DF}">
-                <a14:hiddenLine xmlns="" xmlns:a14="http://schemas.microsoft.com/office/drawing/2010/main" w="9525">
+                <a14:hiddenLine xmlns:a14="http://schemas.microsoft.com/office/drawing/2010/main" xmlns="" w="9525">
                   <a:solidFill>
                     <a:srgbClr val="000000"/>
                   </a:solidFill>
@@ -7321,7 +7321,7 @@
             </a:ln>
             <a:extLst>
               <a:ext uri="{91240B29-F687-4f45-9708-019B960494DF}">
-                <a14:hiddenLine xmlns="" xmlns:a14="http://schemas.microsoft.com/office/drawing/2010/main" w="9525">
+                <a14:hiddenLine xmlns:a14="http://schemas.microsoft.com/office/drawing/2010/main" xmlns="" w="9525">
                   <a:solidFill>
                     <a:srgbClr val="000000"/>
                   </a:solidFill>
@@ -7383,7 +7383,7 @@
             </a:ln>
             <a:extLst>
               <a:ext uri="{91240B29-F687-4f45-9708-019B960494DF}">
-                <a14:hiddenLine xmlns="" xmlns:a14="http://schemas.microsoft.com/office/drawing/2010/main" w="9525">
+                <a14:hiddenLine xmlns:a14="http://schemas.microsoft.com/office/drawing/2010/main" xmlns="" w="9525">
                   <a:solidFill>
                     <a:srgbClr val="000000"/>
                   </a:solidFill>
@@ -7445,7 +7445,7 @@
             </a:ln>
             <a:extLst>
               <a:ext uri="{91240B29-F687-4f45-9708-019B960494DF}">
-                <a14:hiddenLine xmlns="" xmlns:a14="http://schemas.microsoft.com/office/drawing/2010/main" w="9525">
+                <a14:hiddenLine xmlns:a14="http://schemas.microsoft.com/office/drawing/2010/main" xmlns="" w="9525">
                   <a:solidFill>
                     <a:srgbClr val="000000"/>
                   </a:solidFill>
@@ -7535,7 +7535,7 @@
             </a:ln>
             <a:extLst>
               <a:ext uri="{91240B29-F687-4f45-9708-019B960494DF}">
-                <a14:hiddenLine xmlns="" xmlns:a14="http://schemas.microsoft.com/office/drawing/2010/main" w="9525">
+                <a14:hiddenLine xmlns:a14="http://schemas.microsoft.com/office/drawing/2010/main" xmlns="" w="9525">
                   <a:solidFill>
                     <a:srgbClr val="000000"/>
                   </a:solidFill>
@@ -7625,7 +7625,7 @@
             </a:ln>
             <a:extLst>
               <a:ext uri="{91240B29-F687-4f45-9708-019B960494DF}">
-                <a14:hiddenLine xmlns="" xmlns:a14="http://schemas.microsoft.com/office/drawing/2010/main" w="9525">
+                <a14:hiddenLine xmlns:a14="http://schemas.microsoft.com/office/drawing/2010/main" xmlns="" w="9525">
                   <a:solidFill>
                     <a:srgbClr val="000000"/>
                   </a:solidFill>
@@ -7687,7 +7687,7 @@
             </a:ln>
             <a:extLst>
               <a:ext uri="{91240B29-F687-4f45-9708-019B960494DF}">
-                <a14:hiddenLine xmlns="" xmlns:a14="http://schemas.microsoft.com/office/drawing/2010/main" w="9525">
+                <a14:hiddenLine xmlns:a14="http://schemas.microsoft.com/office/drawing/2010/main" xmlns="" w="9525">
                   <a:solidFill>
                     <a:srgbClr val="000000"/>
                   </a:solidFill>
@@ -7797,7 +7797,7 @@
             </a:ln>
             <a:extLst>
               <a:ext uri="{91240B29-F687-4f45-9708-019B960494DF}">
-                <a14:hiddenLine xmlns="" xmlns:a14="http://schemas.microsoft.com/office/drawing/2010/main" w="9525">
+                <a14:hiddenLine xmlns:a14="http://schemas.microsoft.com/office/drawing/2010/main" xmlns="" w="9525">
                   <a:solidFill>
                     <a:srgbClr val="000000"/>
                   </a:solidFill>
@@ -7859,7 +7859,7 @@
             </a:ln>
             <a:extLst>
               <a:ext uri="{91240B29-F687-4f45-9708-019B960494DF}">
-                <a14:hiddenLine xmlns="" xmlns:a14="http://schemas.microsoft.com/office/drawing/2010/main" w="9525">
+                <a14:hiddenLine xmlns:a14="http://schemas.microsoft.com/office/drawing/2010/main" xmlns="" w="9525">
                   <a:solidFill>
                     <a:srgbClr val="000000"/>
                   </a:solidFill>
@@ -7949,7 +7949,7 @@
             </a:ln>
             <a:extLst>
               <a:ext uri="{91240B29-F687-4f45-9708-019B960494DF}">
-                <a14:hiddenLine xmlns="" xmlns:a14="http://schemas.microsoft.com/office/drawing/2010/main" w="9525">
+                <a14:hiddenLine xmlns:a14="http://schemas.microsoft.com/office/drawing/2010/main" xmlns="" w="9525">
                   <a:solidFill>
                     <a:srgbClr val="000000"/>
                   </a:solidFill>
@@ -8039,7 +8039,7 @@
             </a:ln>
             <a:extLst>
               <a:ext uri="{91240B29-F687-4f45-9708-019B960494DF}">
-                <a14:hiddenLine xmlns="" xmlns:a14="http://schemas.microsoft.com/office/drawing/2010/main" w="9525">
+                <a14:hiddenLine xmlns:a14="http://schemas.microsoft.com/office/drawing/2010/main" xmlns="" w="9525">
                   <a:solidFill>
                     <a:srgbClr val="000000"/>
                   </a:solidFill>
@@ -8101,7 +8101,7 @@
             </a:ln>
             <a:extLst>
               <a:ext uri="{91240B29-F687-4f45-9708-019B960494DF}">
-                <a14:hiddenLine xmlns="" xmlns:a14="http://schemas.microsoft.com/office/drawing/2010/main" w="9525">
+                <a14:hiddenLine xmlns:a14="http://schemas.microsoft.com/office/drawing/2010/main" xmlns="" w="9525">
                   <a:solidFill>
                     <a:srgbClr val="000000"/>
                   </a:solidFill>
@@ -8191,7 +8191,7 @@
             </a:ln>
             <a:extLst>
               <a:ext uri="{91240B29-F687-4f45-9708-019B960494DF}">
-                <a14:hiddenLine xmlns="" xmlns:a14="http://schemas.microsoft.com/office/drawing/2010/main" w="9525">
+                <a14:hiddenLine xmlns:a14="http://schemas.microsoft.com/office/drawing/2010/main" xmlns="" w="9525">
                   <a:solidFill>
                     <a:srgbClr val="000000"/>
                   </a:solidFill>
@@ -8281,7 +8281,7 @@
             </a:ln>
             <a:extLst>
               <a:ext uri="{91240B29-F687-4f45-9708-019B960494DF}">
-                <a14:hiddenLine xmlns="" xmlns:a14="http://schemas.microsoft.com/office/drawing/2010/main" w="9525">
+                <a14:hiddenLine xmlns:a14="http://schemas.microsoft.com/office/drawing/2010/main" xmlns="" w="9525">
                   <a:solidFill>
                     <a:srgbClr val="000000"/>
                   </a:solidFill>
@@ -8337,7 +8337,7 @@
             </a:ln>
             <a:extLst>
               <a:ext uri="{91240B29-F687-4f45-9708-019B960494DF}">
-                <a14:hiddenLine xmlns="" xmlns:a14="http://schemas.microsoft.com/office/drawing/2010/main" w="9525">
+                <a14:hiddenLine xmlns:a14="http://schemas.microsoft.com/office/drawing/2010/main" xmlns="" w="9525">
                   <a:solidFill>
                     <a:srgbClr val="000000"/>
                   </a:solidFill>
@@ -8427,7 +8427,7 @@
             </a:ln>
             <a:extLst>
               <a:ext uri="{91240B29-F687-4f45-9708-019B960494DF}">
-                <a14:hiddenLine xmlns="" xmlns:a14="http://schemas.microsoft.com/office/drawing/2010/main" w="9525">
+                <a14:hiddenLine xmlns:a14="http://schemas.microsoft.com/office/drawing/2010/main" xmlns="" w="9525">
                   <a:solidFill>
                     <a:srgbClr val="000000"/>
                   </a:solidFill>
@@ -8483,7 +8483,7 @@
             </a:ln>
             <a:extLst>
               <a:ext uri="{91240B29-F687-4f45-9708-019B960494DF}">
-                <a14:hiddenLine xmlns="" xmlns:a14="http://schemas.microsoft.com/office/drawing/2010/main" w="9525">
+                <a14:hiddenLine xmlns:a14="http://schemas.microsoft.com/office/drawing/2010/main" xmlns="" w="9525">
                   <a:solidFill>
                     <a:srgbClr val="000000"/>
                   </a:solidFill>
@@ -8573,7 +8573,7 @@
             </a:ln>
             <a:extLst>
               <a:ext uri="{91240B29-F687-4f45-9708-019B960494DF}">
-                <a14:hiddenLine xmlns="" xmlns:a14="http://schemas.microsoft.com/office/drawing/2010/main" w="9525">
+                <a14:hiddenLine xmlns:a14="http://schemas.microsoft.com/office/drawing/2010/main" xmlns="" w="9525">
                   <a:solidFill>
                     <a:srgbClr val="000000"/>
                   </a:solidFill>
@@ -8641,7 +8641,7 @@
             </a:ln>
             <a:extLst>
               <a:ext uri="{91240B29-F687-4f45-9708-019B960494DF}">
-                <a14:hiddenLine xmlns="" xmlns:a14="http://schemas.microsoft.com/office/drawing/2010/main" w="9525">
+                <a14:hiddenLine xmlns:a14="http://schemas.microsoft.com/office/drawing/2010/main" xmlns="" w="9525">
                   <a:solidFill>
                     <a:srgbClr val="000000"/>
                   </a:solidFill>
@@ -8731,7 +8731,7 @@
             </a:ln>
             <a:extLst>
               <a:ext uri="{91240B29-F687-4f45-9708-019B960494DF}">
-                <a14:hiddenLine xmlns="" xmlns:a14="http://schemas.microsoft.com/office/drawing/2010/main" w="9525">
+                <a14:hiddenLine xmlns:a14="http://schemas.microsoft.com/office/drawing/2010/main" xmlns="" w="9525">
                   <a:solidFill>
                     <a:srgbClr val="000000"/>
                   </a:solidFill>
@@ -8799,7 +8799,7 @@
             </a:ln>
             <a:extLst>
               <a:ext uri="{91240B29-F687-4f45-9708-019B960494DF}">
-                <a14:hiddenLine xmlns="" xmlns:a14="http://schemas.microsoft.com/office/drawing/2010/main" w="9525">
+                <a14:hiddenLine xmlns:a14="http://schemas.microsoft.com/office/drawing/2010/main" xmlns="" w="9525">
                   <a:solidFill>
                     <a:srgbClr val="000000"/>
                   </a:solidFill>
@@ -8889,7 +8889,7 @@
             </a:ln>
             <a:extLst>
               <a:ext uri="{91240B29-F687-4f45-9708-019B960494DF}">
-                <a14:hiddenLine xmlns="" xmlns:a14="http://schemas.microsoft.com/office/drawing/2010/main" w="9525">
+                <a14:hiddenLine xmlns:a14="http://schemas.microsoft.com/office/drawing/2010/main" xmlns="" w="9525">
                   <a:solidFill>
                     <a:srgbClr val="000000"/>
                   </a:solidFill>
@@ -8923,7 +8923,7 @@
             </a:ln>
             <a:extLst>
               <a:ext uri="{91240B29-F687-4f45-9708-019B960494DF}">
-                <a14:hiddenLine xmlns="" xmlns:a14="http://schemas.microsoft.com/office/drawing/2010/main" w="9525">
+                <a14:hiddenLine xmlns:a14="http://schemas.microsoft.com/office/drawing/2010/main" xmlns="" w="9525">
                   <a:solidFill>
                     <a:srgbClr val="000000"/>
                   </a:solidFill>
@@ -9013,7 +9013,7 @@
             </a:ln>
             <a:extLst>
               <a:ext uri="{91240B29-F687-4f45-9708-019B960494DF}">
-                <a14:hiddenLine xmlns="" xmlns:a14="http://schemas.microsoft.com/office/drawing/2010/main" w="9525">
+                <a14:hiddenLine xmlns:a14="http://schemas.microsoft.com/office/drawing/2010/main" xmlns="" w="9525">
                   <a:solidFill>
                     <a:srgbClr val="000000"/>
                   </a:solidFill>
@@ -9075,7 +9075,7 @@
             </a:ln>
             <a:extLst>
               <a:ext uri="{91240B29-F687-4f45-9708-019B960494DF}">
-                <a14:hiddenLine xmlns="" xmlns:a14="http://schemas.microsoft.com/office/drawing/2010/main" w="9525">
+                <a14:hiddenLine xmlns:a14="http://schemas.microsoft.com/office/drawing/2010/main" xmlns="" w="9525">
                   <a:solidFill>
                     <a:srgbClr val="000000"/>
                   </a:solidFill>
@@ -9137,7 +9137,7 @@
             </a:ln>
             <a:extLst>
               <a:ext uri="{91240B29-F687-4f45-9708-019B960494DF}">
-                <a14:hiddenLine xmlns="" xmlns:a14="http://schemas.microsoft.com/office/drawing/2010/main" w="9525">
+                <a14:hiddenLine xmlns:a14="http://schemas.microsoft.com/office/drawing/2010/main" xmlns="" w="9525">
                   <a:solidFill>
                     <a:srgbClr val="000000"/>
                   </a:solidFill>
@@ -9227,7 +9227,7 @@
             </a:ln>
             <a:extLst>
               <a:ext uri="{91240B29-F687-4f45-9708-019B960494DF}">
-                <a14:hiddenLine xmlns="" xmlns:a14="http://schemas.microsoft.com/office/drawing/2010/main" w="9525">
+                <a14:hiddenLine xmlns:a14="http://schemas.microsoft.com/office/drawing/2010/main" xmlns="" w="9525">
                   <a:solidFill>
                     <a:srgbClr val="000000"/>
                   </a:solidFill>
@@ -9295,7 +9295,7 @@
             </a:ln>
             <a:extLst>
               <a:ext uri="{91240B29-F687-4f45-9708-019B960494DF}">
-                <a14:hiddenLine xmlns="" xmlns:a14="http://schemas.microsoft.com/office/drawing/2010/main" w="9525">
+                <a14:hiddenLine xmlns:a14="http://schemas.microsoft.com/office/drawing/2010/main" xmlns="" w="9525">
                   <a:solidFill>
                     <a:srgbClr val="000000"/>
                   </a:solidFill>
@@ -9357,7 +9357,7 @@
             </a:ln>
             <a:extLst>
               <a:ext uri="{91240B29-F687-4f45-9708-019B960494DF}">
-                <a14:hiddenLine xmlns="" xmlns:a14="http://schemas.microsoft.com/office/drawing/2010/main" w="9525">
+                <a14:hiddenLine xmlns:a14="http://schemas.microsoft.com/office/drawing/2010/main" xmlns="" w="9525">
                   <a:solidFill>
                     <a:srgbClr val="000000"/>
                   </a:solidFill>
@@ -9447,7 +9447,7 @@
             </a:ln>
             <a:extLst>
               <a:ext uri="{91240B29-F687-4f45-9708-019B960494DF}">
-                <a14:hiddenLine xmlns="" xmlns:a14="http://schemas.microsoft.com/office/drawing/2010/main" w="9525">
+                <a14:hiddenLine xmlns:a14="http://schemas.microsoft.com/office/drawing/2010/main" xmlns="" w="9525">
                   <a:solidFill>
                     <a:srgbClr val="000000"/>
                   </a:solidFill>
@@ -9509,7 +9509,7 @@
             </a:ln>
             <a:extLst>
               <a:ext uri="{91240B29-F687-4f45-9708-019B960494DF}">
-                <a14:hiddenLine xmlns="" xmlns:a14="http://schemas.microsoft.com/office/drawing/2010/main" w="9525">
+                <a14:hiddenLine xmlns:a14="http://schemas.microsoft.com/office/drawing/2010/main" xmlns="" w="9525">
                   <a:solidFill>
                     <a:srgbClr val="000000"/>
                   </a:solidFill>
@@ -9599,7 +9599,7 @@
             </a:ln>
             <a:extLst>
               <a:ext uri="{91240B29-F687-4f45-9708-019B960494DF}">
-                <a14:hiddenLine xmlns="" xmlns:a14="http://schemas.microsoft.com/office/drawing/2010/main" w="9525">
+                <a14:hiddenLine xmlns:a14="http://schemas.microsoft.com/office/drawing/2010/main" xmlns="" w="9525">
                   <a:solidFill>
                     <a:srgbClr val="000000"/>
                   </a:solidFill>
@@ -9661,7 +9661,7 @@
             </a:ln>
             <a:extLst>
               <a:ext uri="{91240B29-F687-4f45-9708-019B960494DF}">
-                <a14:hiddenLine xmlns="" xmlns:a14="http://schemas.microsoft.com/office/drawing/2010/main" w="9525">
+                <a14:hiddenLine xmlns:a14="http://schemas.microsoft.com/office/drawing/2010/main" xmlns="" w="9525">
                   <a:solidFill>
                     <a:srgbClr val="000000"/>
                   </a:solidFill>
@@ -9751,7 +9751,7 @@
             </a:ln>
             <a:extLst>
               <a:ext uri="{91240B29-F687-4f45-9708-019B960494DF}">
-                <a14:hiddenLine xmlns="" xmlns:a14="http://schemas.microsoft.com/office/drawing/2010/main" w="9525">
+                <a14:hiddenLine xmlns:a14="http://schemas.microsoft.com/office/drawing/2010/main" xmlns="" w="9525">
                   <a:solidFill>
                     <a:srgbClr val="000000"/>
                   </a:solidFill>
@@ -9785,7 +9785,7 @@
             </a:ln>
             <a:extLst>
               <a:ext uri="{91240B29-F687-4f45-9708-019B960494DF}">
-                <a14:hiddenLine xmlns="" xmlns:a14="http://schemas.microsoft.com/office/drawing/2010/main" w="9525">
+                <a14:hiddenLine xmlns:a14="http://schemas.microsoft.com/office/drawing/2010/main" xmlns="" w="9525">
                   <a:solidFill>
                     <a:srgbClr val="000000"/>
                   </a:solidFill>
@@ -9850,7 +9850,7 @@
             </a:ln>
             <a:extLst>
               <a:ext uri="{91240B29-F687-4f45-9708-019B960494DF}">
-                <a14:hiddenLine xmlns="" xmlns:a14="http://schemas.microsoft.com/office/drawing/2010/main" w="9525">
+                <a14:hiddenLine xmlns:a14="http://schemas.microsoft.com/office/drawing/2010/main" xmlns="" w="9525">
                   <a:solidFill>
                     <a:srgbClr val="000000"/>
                   </a:solidFill>
@@ -9940,7 +9940,7 @@
             </a:ln>
             <a:extLst>
               <a:ext uri="{91240B29-F687-4f45-9708-019B960494DF}">
-                <a14:hiddenLine xmlns="" xmlns:a14="http://schemas.microsoft.com/office/drawing/2010/main" w="9525">
+                <a14:hiddenLine xmlns:a14="http://schemas.microsoft.com/office/drawing/2010/main" xmlns="" w="9525">
                   <a:solidFill>
                     <a:srgbClr val="000000"/>
                   </a:solidFill>
@@ -10002,7 +10002,7 @@
             </a:ln>
             <a:extLst>
               <a:ext uri="{91240B29-F687-4f45-9708-019B960494DF}">
-                <a14:hiddenLine xmlns="" xmlns:a14="http://schemas.microsoft.com/office/drawing/2010/main" w="9525">
+                <a14:hiddenLine xmlns:a14="http://schemas.microsoft.com/office/drawing/2010/main" xmlns="" w="9525">
                   <a:solidFill>
                     <a:srgbClr val="000000"/>
                   </a:solidFill>
@@ -10092,7 +10092,7 @@
             </a:ln>
             <a:extLst>
               <a:ext uri="{91240B29-F687-4f45-9708-019B960494DF}">
-                <a14:hiddenLine xmlns="" xmlns:a14="http://schemas.microsoft.com/office/drawing/2010/main" w="9525">
+                <a14:hiddenLine xmlns:a14="http://schemas.microsoft.com/office/drawing/2010/main" xmlns="" w="9525">
                   <a:solidFill>
                     <a:srgbClr val="000000"/>
                   </a:solidFill>
@@ -10182,7 +10182,7 @@
             </a:ln>
             <a:extLst>
               <a:ext uri="{91240B29-F687-4f45-9708-019B960494DF}">
-                <a14:hiddenLine xmlns="" xmlns:a14="http://schemas.microsoft.com/office/drawing/2010/main" w="9525">
+                <a14:hiddenLine xmlns:a14="http://schemas.microsoft.com/office/drawing/2010/main" xmlns="" w="9525">
                   <a:solidFill>
                     <a:srgbClr val="000000"/>
                   </a:solidFill>
@@ -10247,7 +10247,7 @@
             </a:ln>
             <a:extLst>
               <a:ext uri="{91240B29-F687-4f45-9708-019B960494DF}">
-                <a14:hiddenLine xmlns="" xmlns:a14="http://schemas.microsoft.com/office/drawing/2010/main" w="9525">
+                <a14:hiddenLine xmlns:a14="http://schemas.microsoft.com/office/drawing/2010/main" xmlns="" w="9525">
                   <a:solidFill>
                     <a:srgbClr val="000000"/>
                   </a:solidFill>
@@ -10309,7 +10309,7 @@
             </a:ln>
             <a:extLst>
               <a:ext uri="{91240B29-F687-4f45-9708-019B960494DF}">
-                <a14:hiddenLine xmlns="" xmlns:a14="http://schemas.microsoft.com/office/drawing/2010/main" w="9525">
+                <a14:hiddenLine xmlns:a14="http://schemas.microsoft.com/office/drawing/2010/main" xmlns="" w="9525">
                   <a:solidFill>
                     <a:srgbClr val="000000"/>
                   </a:solidFill>
@@ -10399,7 +10399,7 @@
             </a:ln>
             <a:extLst>
               <a:ext uri="{91240B29-F687-4f45-9708-019B960494DF}">
-                <a14:hiddenLine xmlns="" xmlns:a14="http://schemas.microsoft.com/office/drawing/2010/main" w="9525">
+                <a14:hiddenLine xmlns:a14="http://schemas.microsoft.com/office/drawing/2010/main" xmlns="" w="9525">
                   <a:solidFill>
                     <a:srgbClr val="000000"/>
                   </a:solidFill>
@@ -10489,7 +10489,7 @@
             </a:ln>
             <a:extLst>
               <a:ext uri="{91240B29-F687-4f45-9708-019B960494DF}">
-                <a14:hiddenLine xmlns="" xmlns:a14="http://schemas.microsoft.com/office/drawing/2010/main" w="9525">
+                <a14:hiddenLine xmlns:a14="http://schemas.microsoft.com/office/drawing/2010/main" xmlns="" w="9525">
                   <a:solidFill>
                     <a:srgbClr val="000000"/>
                   </a:solidFill>
@@ -10551,7 +10551,7 @@
             </a:ln>
             <a:extLst>
               <a:ext uri="{91240B29-F687-4f45-9708-019B960494DF}">
-                <a14:hiddenLine xmlns="" xmlns:a14="http://schemas.microsoft.com/office/drawing/2010/main" w="9525">
+                <a14:hiddenLine xmlns:a14="http://schemas.microsoft.com/office/drawing/2010/main" xmlns="" w="9525">
                   <a:solidFill>
                     <a:srgbClr val="000000"/>
                   </a:solidFill>
@@ -10671,7 +10671,7 @@
             </a:ln>
             <a:extLst>
               <a:ext uri="{91240B29-F687-4f45-9708-019B960494DF}">
-                <a14:hiddenLine xmlns="" xmlns:a14="http://schemas.microsoft.com/office/drawing/2010/main" w="9525">
+                <a14:hiddenLine xmlns:a14="http://schemas.microsoft.com/office/drawing/2010/main" xmlns="" w="9525">
                   <a:solidFill>
                     <a:srgbClr val="000000"/>
                   </a:solidFill>
@@ -10739,7 +10739,7 @@
             </a:ln>
             <a:extLst>
               <a:ext uri="{91240B29-F687-4f45-9708-019B960494DF}">
-                <a14:hiddenLine xmlns="" xmlns:a14="http://schemas.microsoft.com/office/drawing/2010/main" w="9525">
+                <a14:hiddenLine xmlns:a14="http://schemas.microsoft.com/office/drawing/2010/main" xmlns="" w="9525">
                   <a:solidFill>
                     <a:srgbClr val="000000"/>
                   </a:solidFill>
@@ -10829,7 +10829,7 @@
             </a:ln>
             <a:extLst>
               <a:ext uri="{91240B29-F687-4f45-9708-019B960494DF}">
-                <a14:hiddenLine xmlns="" xmlns:a14="http://schemas.microsoft.com/office/drawing/2010/main" w="9525">
+                <a14:hiddenLine xmlns:a14="http://schemas.microsoft.com/office/drawing/2010/main" xmlns="" w="9525">
                   <a:solidFill>
                     <a:srgbClr val="000000"/>
                   </a:solidFill>
@@ -10981,7 +10981,7 @@
           <a:p>
             <a:r>
               <a:rPr lang="en-US"/>
-              <a:t>https://lenp.net/presentations/</a:t>
+              <a:t>Len Popp – https://lenp.net/presentations/</a:t>
             </a:r>
             <a:endParaRPr lang="en-US" dirty="0"/>
           </a:p>
@@ -11304,7 +11304,7 @@
           <a:p>
             <a:r>
               <a:rPr lang="en-US"/>
-              <a:t>https://lenp.net/presentations/</a:t>
+              <a:t>Len Popp – https://lenp.net/presentations/</a:t>
             </a:r>
             <a:endParaRPr lang="en-US" dirty="0"/>
           </a:p>
@@ -11577,7 +11577,7 @@
           <a:p>
             <a:r>
               <a:rPr lang="en-US"/>
-              <a:t>https://lenp.net/presentations/</a:t>
+              <a:t>Len Popp – https://lenp.net/presentations/</a:t>
             </a:r>
             <a:endParaRPr lang="en-US" dirty="0"/>
           </a:p>
@@ -11813,7 +11813,7 @@
           <a:p>
             <a:r>
               <a:rPr lang="en-US"/>
-              <a:t>https://lenp.net/presentations/</a:t>
+              <a:t>Len Popp – https://lenp.net/presentations/</a:t>
             </a:r>
             <a:endParaRPr lang="en-US" dirty="0"/>
           </a:p>
@@ -12109,7 +12109,7 @@
           <a:p>
             <a:r>
               <a:rPr lang="en-US"/>
-              <a:t>https://lenp.net/presentations/</a:t>
+              <a:t>Len Popp – https://lenp.net/presentations/</a:t>
             </a:r>
             <a:endParaRPr lang="en-US" dirty="0"/>
           </a:p>
@@ -12611,7 +12611,7 @@
           <a:p>
             <a:r>
               <a:rPr lang="en-US"/>
-              <a:t>https://lenp.net/presentations/</a:t>
+              <a:t>Len Popp – https://lenp.net/presentations/</a:t>
             </a:r>
             <a:endParaRPr lang="en-US" dirty="0"/>
           </a:p>
@@ -13269,7 +13269,7 @@
           <a:p>
             <a:r>
               <a:rPr lang="en-US"/>
-              <a:t>https://lenp.net/presentations/</a:t>
+              <a:t>Len Popp – https://lenp.net/presentations/</a:t>
             </a:r>
             <a:endParaRPr lang="en-US" dirty="0"/>
           </a:p>
@@ -14005,7 +14005,7 @@
           <a:p>
             <a:r>
               <a:rPr lang="en-US"/>
-              <a:t>https://lenp.net/presentations/</a:t>
+              <a:t>Len Popp – https://lenp.net/presentations/</a:t>
             </a:r>
             <a:endParaRPr lang="en-US" dirty="0"/>
           </a:p>
@@ -14191,7 +14191,7 @@
           <a:p>
             <a:r>
               <a:rPr lang="en-US"/>
-              <a:t>https://lenp.net/presentations/</a:t>
+              <a:t>Len Popp – https://lenp.net/presentations/</a:t>
             </a:r>
             <a:endParaRPr lang="en-US" dirty="0"/>
           </a:p>
@@ -14387,7 +14387,7 @@
           <a:p>
             <a:r>
               <a:rPr lang="en-US"/>
-              <a:t>https://lenp.net/presentations/</a:t>
+              <a:t>Len Popp – https://lenp.net/presentations/</a:t>
             </a:r>
             <a:endParaRPr lang="en-US" dirty="0"/>
           </a:p>
@@ -14591,7 +14591,7 @@
           <a:p>
             <a:r>
               <a:rPr lang="en-CA"/>
-              <a:t>https://lenp.net/presentations/</a:t>
+              <a:t>Len Popp – https://lenp.net/presentations/</a:t>
             </a:r>
           </a:p>
         </p:txBody>
@@ -14776,7 +14776,7 @@
           <a:p>
             <a:r>
               <a:rPr lang="en-US"/>
-              <a:t>https://lenp.net/presentations/</a:t>
+              <a:t>Len Popp – https://lenp.net/presentations/</a:t>
             </a:r>
             <a:endParaRPr lang="en-US" dirty="0"/>
           </a:p>
@@ -15070,7 +15070,7 @@
           <a:p>
             <a:r>
               <a:rPr lang="en-US"/>
-              <a:t>https://lenp.net/presentations/</a:t>
+              <a:t>Len Popp – https://lenp.net/presentations/</a:t>
             </a:r>
             <a:endParaRPr lang="en-US" dirty="0"/>
           </a:p>
@@ -15335,7 +15335,7 @@
           <a:p>
             <a:r>
               <a:rPr lang="en-US"/>
-              <a:t>https://lenp.net/presentations/</a:t>
+              <a:t>Len Popp – https://lenp.net/presentations/</a:t>
             </a:r>
             <a:endParaRPr lang="en-US" dirty="0"/>
           </a:p>
@@ -15732,7 +15732,7 @@
           <a:p>
             <a:r>
               <a:rPr lang="en-US"/>
-              <a:t>https://lenp.net/presentations/</a:t>
+              <a:t>Len Popp – https://lenp.net/presentations/</a:t>
             </a:r>
             <a:endParaRPr lang="en-US" dirty="0"/>
           </a:p>
@@ -15890,7 +15890,7 @@
           <a:p>
             <a:r>
               <a:rPr lang="en-US"/>
-              <a:t>https://lenp.net/presentations/</a:t>
+              <a:t>Len Popp – https://lenp.net/presentations/</a:t>
             </a:r>
             <a:endParaRPr lang="en-US" dirty="0"/>
           </a:p>
@@ -16018,7 +16018,7 @@
           <a:p>
             <a:r>
               <a:rPr lang="en-US"/>
-              <a:t>https://lenp.net/presentations/</a:t>
+              <a:t>Len Popp – https://lenp.net/presentations/</a:t>
             </a:r>
             <a:endParaRPr lang="en-US" dirty="0"/>
           </a:p>
@@ -16283,7 +16283,7 @@
           <a:p>
             <a:r>
               <a:rPr lang="en-US"/>
-              <a:t>https://lenp.net/presentations/</a:t>
+              <a:t>Len Popp – https://lenp.net/presentations/</a:t>
             </a:r>
             <a:endParaRPr lang="en-US" dirty="0"/>
           </a:p>
@@ -16647,7 +16647,7 @@
           <a:p>
             <a:r>
               <a:rPr lang="en-US"/>
-              <a:t>https://lenp.net/presentations/</a:t>
+              <a:t>Len Popp – https://lenp.net/presentations/</a:t>
             </a:r>
             <a:endParaRPr lang="en-US" dirty="0"/>
           </a:p>
@@ -16949,7 +16949,7 @@
           <a:noFill/>
           <a:extLst>
             <a:ext uri="{909E8E84-426E-40dd-AFC4-6F175D3DCCD1}">
-              <a14:hiddenFill xmlns="" xmlns:a14="http://schemas.microsoft.com/office/drawing/2010/main">
+              <a14:hiddenFill xmlns:a14="http://schemas.microsoft.com/office/drawing/2010/main" xmlns="">
                 <a:solidFill>
                   <a:srgbClr val="FFFFFF"/>
                 </a:solidFill>
@@ -17029,7 +17029,7 @@
               </a:ln>
               <a:extLst>
                 <a:ext uri="{91240B29-F687-4f45-9708-019B960494DF}">
-                  <a14:hiddenLine xmlns="" xmlns:a14="http://schemas.microsoft.com/office/drawing/2010/main" w="9525">
+                  <a14:hiddenLine xmlns:a14="http://schemas.microsoft.com/office/drawing/2010/main" xmlns="" w="9525">
                     <a:solidFill>
                       <a:srgbClr val="000000"/>
                     </a:solidFill>
@@ -17119,7 +17119,7 @@
               </a:ln>
               <a:extLst>
                 <a:ext uri="{91240B29-F687-4f45-9708-019B960494DF}">
-                  <a14:hiddenLine xmlns="" xmlns:a14="http://schemas.microsoft.com/office/drawing/2010/main" w="9525">
+                  <a14:hiddenLine xmlns:a14="http://schemas.microsoft.com/office/drawing/2010/main" xmlns="" w="9525">
                     <a:solidFill>
                       <a:srgbClr val="000000"/>
                     </a:solidFill>
@@ -17209,7 +17209,7 @@
               </a:ln>
               <a:extLst>
                 <a:ext uri="{91240B29-F687-4f45-9708-019B960494DF}">
-                  <a14:hiddenLine xmlns="" xmlns:a14="http://schemas.microsoft.com/office/drawing/2010/main" w="9525">
+                  <a14:hiddenLine xmlns:a14="http://schemas.microsoft.com/office/drawing/2010/main" xmlns="" w="9525">
                     <a:solidFill>
                       <a:srgbClr val="000000"/>
                     </a:solidFill>
@@ -17271,7 +17271,7 @@
               </a:ln>
               <a:extLst>
                 <a:ext uri="{91240B29-F687-4f45-9708-019B960494DF}">
-                  <a14:hiddenLine xmlns="" xmlns:a14="http://schemas.microsoft.com/office/drawing/2010/main" w="9525">
+                  <a14:hiddenLine xmlns:a14="http://schemas.microsoft.com/office/drawing/2010/main" xmlns="" w="9525">
                     <a:solidFill>
                       <a:srgbClr val="000000"/>
                     </a:solidFill>
@@ -17361,7 +17361,7 @@
               </a:ln>
               <a:extLst>
                 <a:ext uri="{91240B29-F687-4f45-9708-019B960494DF}">
-                  <a14:hiddenLine xmlns="" xmlns:a14="http://schemas.microsoft.com/office/drawing/2010/main" w="9525">
+                  <a14:hiddenLine xmlns:a14="http://schemas.microsoft.com/office/drawing/2010/main" xmlns="" w="9525">
                     <a:solidFill>
                       <a:srgbClr val="000000"/>
                     </a:solidFill>
@@ -17423,7 +17423,7 @@
               </a:ln>
               <a:extLst>
                 <a:ext uri="{91240B29-F687-4f45-9708-019B960494DF}">
-                  <a14:hiddenLine xmlns="" xmlns:a14="http://schemas.microsoft.com/office/drawing/2010/main" w="9525">
+                  <a14:hiddenLine xmlns:a14="http://schemas.microsoft.com/office/drawing/2010/main" xmlns="" w="9525">
                     <a:solidFill>
                       <a:srgbClr val="000000"/>
                     </a:solidFill>
@@ -17485,7 +17485,7 @@
               </a:ln>
               <a:extLst>
                 <a:ext uri="{91240B29-F687-4f45-9708-019B960494DF}">
-                  <a14:hiddenLine xmlns="" xmlns:a14="http://schemas.microsoft.com/office/drawing/2010/main" w="9525">
+                  <a14:hiddenLine xmlns:a14="http://schemas.microsoft.com/office/drawing/2010/main" xmlns="" w="9525">
                     <a:solidFill>
                       <a:srgbClr val="000000"/>
                     </a:solidFill>
@@ -17575,7 +17575,7 @@
               </a:ln>
               <a:extLst>
                 <a:ext uri="{91240B29-F687-4f45-9708-019B960494DF}">
-                  <a14:hiddenLine xmlns="" xmlns:a14="http://schemas.microsoft.com/office/drawing/2010/main" w="9525">
+                  <a14:hiddenLine xmlns:a14="http://schemas.microsoft.com/office/drawing/2010/main" xmlns="" w="9525">
                     <a:solidFill>
                       <a:srgbClr val="000000"/>
                     </a:solidFill>
@@ -17665,7 +17665,7 @@
               </a:ln>
               <a:extLst>
                 <a:ext uri="{91240B29-F687-4f45-9708-019B960494DF}">
-                  <a14:hiddenLine xmlns="" xmlns:a14="http://schemas.microsoft.com/office/drawing/2010/main" w="9525">
+                  <a14:hiddenLine xmlns:a14="http://schemas.microsoft.com/office/drawing/2010/main" xmlns="" w="9525">
                     <a:solidFill>
                       <a:srgbClr val="000000"/>
                     </a:solidFill>
@@ -17727,7 +17727,7 @@
               </a:ln>
               <a:extLst>
                 <a:ext uri="{91240B29-F687-4f45-9708-019B960494DF}">
-                  <a14:hiddenLine xmlns="" xmlns:a14="http://schemas.microsoft.com/office/drawing/2010/main" w="9525">
+                  <a14:hiddenLine xmlns:a14="http://schemas.microsoft.com/office/drawing/2010/main" xmlns="" w="9525">
                     <a:solidFill>
                       <a:srgbClr val="000000"/>
                     </a:solidFill>
@@ -17837,7 +17837,7 @@
               </a:ln>
               <a:extLst>
                 <a:ext uri="{91240B29-F687-4f45-9708-019B960494DF}">
-                  <a14:hiddenLine xmlns="" xmlns:a14="http://schemas.microsoft.com/office/drawing/2010/main" w="9525">
+                  <a14:hiddenLine xmlns:a14="http://schemas.microsoft.com/office/drawing/2010/main" xmlns="" w="9525">
                     <a:solidFill>
                       <a:srgbClr val="000000"/>
                     </a:solidFill>
@@ -17921,7 +17921,7 @@
               </a:ln>
               <a:extLst>
                 <a:ext uri="{91240B29-F687-4f45-9708-019B960494DF}">
-                  <a14:hiddenLine xmlns="" xmlns:a14="http://schemas.microsoft.com/office/drawing/2010/main" w="9525">
+                  <a14:hiddenLine xmlns:a14="http://schemas.microsoft.com/office/drawing/2010/main" xmlns="" w="9525">
                     <a:solidFill>
                       <a:srgbClr val="000000"/>
                     </a:solidFill>
@@ -17983,7 +17983,7 @@
               </a:ln>
               <a:extLst>
                 <a:ext uri="{91240B29-F687-4f45-9708-019B960494DF}">
-                  <a14:hiddenLine xmlns="" xmlns:a14="http://schemas.microsoft.com/office/drawing/2010/main" w="9525">
+                  <a14:hiddenLine xmlns:a14="http://schemas.microsoft.com/office/drawing/2010/main" xmlns="" w="9525">
                     <a:solidFill>
                       <a:srgbClr val="000000"/>
                     </a:solidFill>
@@ -18045,7 +18045,7 @@
               </a:ln>
               <a:extLst>
                 <a:ext uri="{91240B29-F687-4f45-9708-019B960494DF}">
-                  <a14:hiddenLine xmlns="" xmlns:a14="http://schemas.microsoft.com/office/drawing/2010/main" w="9525">
+                  <a14:hiddenLine xmlns:a14="http://schemas.microsoft.com/office/drawing/2010/main" xmlns="" w="9525">
                     <a:solidFill>
                       <a:srgbClr val="000000"/>
                     </a:solidFill>
@@ -18135,7 +18135,7 @@
               </a:ln>
               <a:extLst>
                 <a:ext uri="{91240B29-F687-4f45-9708-019B960494DF}">
-                  <a14:hiddenLine xmlns="" xmlns:a14="http://schemas.microsoft.com/office/drawing/2010/main" w="9525">
+                  <a14:hiddenLine xmlns:a14="http://schemas.microsoft.com/office/drawing/2010/main" xmlns="" w="9525">
                     <a:solidFill>
                       <a:srgbClr val="000000"/>
                     </a:solidFill>
@@ -18169,7 +18169,7 @@
               </a:ln>
               <a:extLst>
                 <a:ext uri="{91240B29-F687-4f45-9708-019B960494DF}">
-                  <a14:hiddenLine xmlns="" xmlns:a14="http://schemas.microsoft.com/office/drawing/2010/main" w="9525">
+                  <a14:hiddenLine xmlns:a14="http://schemas.microsoft.com/office/drawing/2010/main" xmlns="" w="9525">
                     <a:solidFill>
                       <a:srgbClr val="000000"/>
                     </a:solidFill>
@@ -18234,7 +18234,7 @@
               </a:ln>
               <a:extLst>
                 <a:ext uri="{91240B29-F687-4f45-9708-019B960494DF}">
-                  <a14:hiddenLine xmlns="" xmlns:a14="http://schemas.microsoft.com/office/drawing/2010/main" w="9525">
+                  <a14:hiddenLine xmlns:a14="http://schemas.microsoft.com/office/drawing/2010/main" xmlns="" w="9525">
                     <a:solidFill>
                       <a:srgbClr val="000000"/>
                     </a:solidFill>
@@ -18324,7 +18324,7 @@
               </a:ln>
               <a:extLst>
                 <a:ext uri="{91240B29-F687-4f45-9708-019B960494DF}">
-                  <a14:hiddenLine xmlns="" xmlns:a14="http://schemas.microsoft.com/office/drawing/2010/main" w="9525">
+                  <a14:hiddenLine xmlns:a14="http://schemas.microsoft.com/office/drawing/2010/main" xmlns="" w="9525">
                     <a:solidFill>
                       <a:srgbClr val="000000"/>
                     </a:solidFill>
@@ -18386,7 +18386,7 @@
               </a:ln>
               <a:extLst>
                 <a:ext uri="{91240B29-F687-4f45-9708-019B960494DF}">
-                  <a14:hiddenLine xmlns="" xmlns:a14="http://schemas.microsoft.com/office/drawing/2010/main" w="9525">
+                  <a14:hiddenLine xmlns:a14="http://schemas.microsoft.com/office/drawing/2010/main" xmlns="" w="9525">
                     <a:solidFill>
                       <a:srgbClr val="000000"/>
                     </a:solidFill>
@@ -18476,7 +18476,7 @@
               </a:ln>
               <a:extLst>
                 <a:ext uri="{91240B29-F687-4f45-9708-019B960494DF}">
-                  <a14:hiddenLine xmlns="" xmlns:a14="http://schemas.microsoft.com/office/drawing/2010/main" w="9525">
+                  <a14:hiddenLine xmlns:a14="http://schemas.microsoft.com/office/drawing/2010/main" xmlns="" w="9525">
                     <a:solidFill>
                       <a:srgbClr val="000000"/>
                     </a:solidFill>
@@ -18541,7 +18541,7 @@
               </a:ln>
               <a:extLst>
                 <a:ext uri="{91240B29-F687-4f45-9708-019B960494DF}">
-                  <a14:hiddenLine xmlns="" xmlns:a14="http://schemas.microsoft.com/office/drawing/2010/main" w="9525">
+                  <a14:hiddenLine xmlns:a14="http://schemas.microsoft.com/office/drawing/2010/main" xmlns="" w="9525">
                     <a:solidFill>
                       <a:srgbClr val="000000"/>
                     </a:solidFill>
@@ -18603,7 +18603,7 @@
               </a:ln>
               <a:extLst>
                 <a:ext uri="{91240B29-F687-4f45-9708-019B960494DF}">
-                  <a14:hiddenLine xmlns="" xmlns:a14="http://schemas.microsoft.com/office/drawing/2010/main" w="9525">
+                  <a14:hiddenLine xmlns:a14="http://schemas.microsoft.com/office/drawing/2010/main" xmlns="" w="9525">
                     <a:solidFill>
                       <a:srgbClr val="000000"/>
                     </a:solidFill>
@@ -18693,7 +18693,7 @@
               </a:ln>
               <a:extLst>
                 <a:ext uri="{91240B29-F687-4f45-9708-019B960494DF}">
-                  <a14:hiddenLine xmlns="" xmlns:a14="http://schemas.microsoft.com/office/drawing/2010/main" w="9525">
+                  <a14:hiddenLine xmlns:a14="http://schemas.microsoft.com/office/drawing/2010/main" xmlns="" w="9525">
                     <a:solidFill>
                       <a:srgbClr val="000000"/>
                     </a:solidFill>
@@ -18783,7 +18783,7 @@
               </a:ln>
               <a:extLst>
                 <a:ext uri="{91240B29-F687-4f45-9708-019B960494DF}">
-                  <a14:hiddenLine xmlns="" xmlns:a14="http://schemas.microsoft.com/office/drawing/2010/main" w="9525">
+                  <a14:hiddenLine xmlns:a14="http://schemas.microsoft.com/office/drawing/2010/main" xmlns="" w="9525">
                     <a:solidFill>
                       <a:srgbClr val="000000"/>
                     </a:solidFill>
@@ -18848,7 +18848,7 @@
               </a:ln>
               <a:extLst>
                 <a:ext uri="{91240B29-F687-4f45-9708-019B960494DF}">
-                  <a14:hiddenLine xmlns="" xmlns:a14="http://schemas.microsoft.com/office/drawing/2010/main" w="9525">
+                  <a14:hiddenLine xmlns:a14="http://schemas.microsoft.com/office/drawing/2010/main" xmlns="" w="9525">
                     <a:solidFill>
                       <a:srgbClr val="000000"/>
                     </a:solidFill>
@@ -18968,7 +18968,7 @@
               </a:ln>
               <a:extLst>
                 <a:ext uri="{91240B29-F687-4f45-9708-019B960494DF}">
-                  <a14:hiddenLine xmlns="" xmlns:a14="http://schemas.microsoft.com/office/drawing/2010/main" w="9525">
+                  <a14:hiddenLine xmlns:a14="http://schemas.microsoft.com/office/drawing/2010/main" xmlns="" w="9525">
                     <a:solidFill>
                       <a:srgbClr val="000000"/>
                     </a:solidFill>
@@ -19066,7 +19066,7 @@
               </a:ln>
               <a:extLst>
                 <a:ext uri="{91240B29-F687-4f45-9708-019B960494DF}">
-                  <a14:hiddenLine xmlns="" xmlns:a14="http://schemas.microsoft.com/office/drawing/2010/main" w="9525">
+                  <a14:hiddenLine xmlns:a14="http://schemas.microsoft.com/office/drawing/2010/main" xmlns="" w="9525">
                     <a:solidFill>
                       <a:srgbClr val="000000"/>
                     </a:solidFill>
@@ -19181,7 +19181,7 @@
               </a:ln>
               <a:extLst>
                 <a:ext uri="{91240B29-F687-4f45-9708-019B960494DF}">
-                  <a14:hiddenLine xmlns="" xmlns:a14="http://schemas.microsoft.com/office/drawing/2010/main" w="9525">
+                  <a14:hiddenLine xmlns:a14="http://schemas.microsoft.com/office/drawing/2010/main" xmlns="" w="9525">
                     <a:solidFill>
                       <a:srgbClr val="000000"/>
                     </a:solidFill>
@@ -19271,7 +19271,7 @@
               </a:ln>
               <a:extLst>
                 <a:ext uri="{91240B29-F687-4f45-9708-019B960494DF}">
-                  <a14:hiddenLine xmlns="" xmlns:a14="http://schemas.microsoft.com/office/drawing/2010/main" w="9525">
+                  <a14:hiddenLine xmlns:a14="http://schemas.microsoft.com/office/drawing/2010/main" xmlns="" w="9525">
                     <a:solidFill>
                       <a:srgbClr val="000000"/>
                     </a:solidFill>
@@ -19336,7 +19336,7 @@
               </a:ln>
               <a:extLst>
                 <a:ext uri="{91240B29-F687-4f45-9708-019B960494DF}">
-                  <a14:hiddenLine xmlns="" xmlns:a14="http://schemas.microsoft.com/office/drawing/2010/main" w="9525">
+                  <a14:hiddenLine xmlns:a14="http://schemas.microsoft.com/office/drawing/2010/main" xmlns="" w="9525">
                     <a:solidFill>
                       <a:srgbClr val="000000"/>
                     </a:solidFill>
@@ -19426,7 +19426,7 @@
               </a:ln>
               <a:extLst>
                 <a:ext uri="{91240B29-F687-4f45-9708-019B960494DF}">
-                  <a14:hiddenLine xmlns="" xmlns:a14="http://schemas.microsoft.com/office/drawing/2010/main" w="9525">
+                  <a14:hiddenLine xmlns:a14="http://schemas.microsoft.com/office/drawing/2010/main" xmlns="" w="9525">
                     <a:solidFill>
                       <a:srgbClr val="000000"/>
                     </a:solidFill>
@@ -19494,7 +19494,7 @@
               </a:ln>
               <a:extLst>
                 <a:ext uri="{91240B29-F687-4f45-9708-019B960494DF}">
-                  <a14:hiddenLine xmlns="" xmlns:a14="http://schemas.microsoft.com/office/drawing/2010/main" w="9525">
+                  <a14:hiddenLine xmlns:a14="http://schemas.microsoft.com/office/drawing/2010/main" xmlns="" w="9525">
                     <a:solidFill>
                       <a:srgbClr val="000000"/>
                     </a:solidFill>
@@ -19584,7 +19584,7 @@
               </a:ln>
               <a:extLst>
                 <a:ext uri="{91240B29-F687-4f45-9708-019B960494DF}">
-                  <a14:hiddenLine xmlns="" xmlns:a14="http://schemas.microsoft.com/office/drawing/2010/main" w="9525">
+                  <a14:hiddenLine xmlns:a14="http://schemas.microsoft.com/office/drawing/2010/main" xmlns="" w="9525">
                     <a:solidFill>
                       <a:srgbClr val="000000"/>
                     </a:solidFill>
@@ -19652,7 +19652,7 @@
               </a:ln>
               <a:extLst>
                 <a:ext uri="{91240B29-F687-4f45-9708-019B960494DF}">
-                  <a14:hiddenLine xmlns="" xmlns:a14="http://schemas.microsoft.com/office/drawing/2010/main" w="9525">
+                  <a14:hiddenLine xmlns:a14="http://schemas.microsoft.com/office/drawing/2010/main" xmlns="" w="9525">
                     <a:solidFill>
                       <a:srgbClr val="000000"/>
                     </a:solidFill>
@@ -19742,7 +19742,7 @@
               </a:ln>
               <a:extLst>
                 <a:ext uri="{91240B29-F687-4f45-9708-019B960494DF}">
-                  <a14:hiddenLine xmlns="" xmlns:a14="http://schemas.microsoft.com/office/drawing/2010/main" w="9525">
+                  <a14:hiddenLine xmlns:a14="http://schemas.microsoft.com/office/drawing/2010/main" xmlns="" w="9525">
                     <a:solidFill>
                       <a:srgbClr val="000000"/>
                     </a:solidFill>
@@ -19776,7 +19776,7 @@
               </a:ln>
               <a:extLst>
                 <a:ext uri="{91240B29-F687-4f45-9708-019B960494DF}">
-                  <a14:hiddenLine xmlns="" xmlns:a14="http://schemas.microsoft.com/office/drawing/2010/main" w="9525">
+                  <a14:hiddenLine xmlns:a14="http://schemas.microsoft.com/office/drawing/2010/main" xmlns="" w="9525">
                     <a:solidFill>
                       <a:srgbClr val="000000"/>
                     </a:solidFill>
@@ -19913,7 +19913,7 @@
           <a:p>
             <a:r>
               <a:rPr lang="en-US"/>
-              <a:t>https://lenp.net/presentations/</a:t>
+              <a:t>Len Popp – https://lenp.net/presentations/</a:t>
             </a:r>
             <a:endParaRPr lang="en-US" dirty="0"/>
           </a:p>
@@ -20995,7 +20995,7 @@
           <a:p>
             <a:r>
               <a:rPr lang="en-US"/>
-              <a:t>https://lenp.net/presentations/</a:t>
+              <a:t>Len Popp – https://lenp.net/presentations/</a:t>
             </a:r>
             <a:endParaRPr lang="en-US" dirty="0"/>
           </a:p>
@@ -21415,7 +21415,7 @@
           <a:p>
             <a:r>
               <a:rPr lang="en-CA"/>
-              <a:t>https://lenp.net/presentations/</a:t>
+              <a:t>Len Popp – https://lenp.net/presentations/</a:t>
             </a:r>
           </a:p>
         </p:txBody>
@@ -21641,7 +21641,7 @@
           <a:p>
             <a:r>
               <a:rPr lang="en-CA"/>
-              <a:t>https://lenp.net/presentations/</a:t>
+              <a:t>Len Popp – https://lenp.net/presentations/</a:t>
             </a:r>
           </a:p>
         </p:txBody>
@@ -21834,7 +21834,7 @@
           <a:p>
             <a:r>
               <a:rPr lang="en-CA"/>
-              <a:t>https://lenp.net/presentations/</a:t>
+              <a:t>Len Popp – https://lenp.net/presentations/</a:t>
             </a:r>
           </a:p>
         </p:txBody>
@@ -22089,7 +22089,7 @@
           <a:p>
             <a:r>
               <a:rPr lang="en-CA"/>
-              <a:t>https://lenp.net/presentations/</a:t>
+              <a:t>Len Popp – https://lenp.net/presentations/</a:t>
             </a:r>
           </a:p>
         </p:txBody>
@@ -22859,7 +22859,7 @@
           <a:p>
             <a:r>
               <a:rPr lang="en-CA"/>
-              <a:t>https://lenp.net/presentations/</a:t>
+              <a:t>Len Popp – https://lenp.net/presentations/</a:t>
             </a:r>
           </a:p>
         </p:txBody>
@@ -23581,7 +23581,7 @@
           <a:p>
             <a:r>
               <a:rPr lang="en-CA"/>
-              <a:t>https://lenp.net/presentations/</a:t>
+              <a:t>Len Popp – https://lenp.net/presentations/</a:t>
             </a:r>
           </a:p>
         </p:txBody>
@@ -23841,7 +23841,7 @@
           <a:p>
             <a:r>
               <a:rPr lang="en-CA"/>
-              <a:t>https://lenp.net/presentations/</a:t>
+              <a:t>Len Popp – https://lenp.net/presentations/</a:t>
             </a:r>
           </a:p>
         </p:txBody>
@@ -24080,7 +24080,7 @@
           <a:p>
             <a:r>
               <a:rPr lang="en-CA"/>
-              <a:t>https://lenp.net/presentations/</a:t>
+              <a:t>Len Popp – https://lenp.net/presentations/</a:t>
             </a:r>
           </a:p>
         </p:txBody>
@@ -25079,9 +25079,10 @@
           <a:lstStyle/>
           <a:p>
             <a:r>
-              <a:rPr lang="en-CA" dirty="0"/>
-              <a:t>https://lenp.net/presentations/</a:t>
-            </a:r>
+              <a:rPr lang="en-CA"/>
+              <a:t>Len Popp – https://lenp.net/presentations/</a:t>
+            </a:r>
+            <a:endParaRPr lang="en-CA" dirty="0"/>
           </a:p>
         </p:txBody>
       </p:sp>
@@ -25395,7 +25396,7 @@
           <a:p>
             <a:r>
               <a:rPr lang="en-US"/>
-              <a:t>https://lenp.net/presentations/</a:t>
+              <a:t>Len Popp – https://lenp.net/presentations/</a:t>
             </a:r>
             <a:endParaRPr lang="en-US" dirty="0"/>
           </a:p>
@@ -25803,7 +25804,7 @@
           <a:p>
             <a:r>
               <a:rPr lang="en-US"/>
-              <a:t>https://lenp.net/presentations/</a:t>
+              <a:t>Len Popp – https://lenp.net/presentations/</a:t>
             </a:r>
             <a:endParaRPr lang="en-US" dirty="0"/>
           </a:p>
@@ -26349,7 +26350,7 @@
           <a:p>
             <a:r>
               <a:rPr lang="en-CA"/>
-              <a:t>https://lenp.net/presentations/</a:t>
+              <a:t>Len Popp – https://lenp.net/presentations/</a:t>
             </a:r>
           </a:p>
         </p:txBody>
@@ -27355,7 +27356,7 @@
           <a:p>
             <a:r>
               <a:rPr lang="en-CA"/>
-              <a:t>https://lenp.net/presentations/</a:t>
+              <a:t>Len Popp – https://lenp.net/presentations/</a:t>
             </a:r>
           </a:p>
         </p:txBody>
@@ -27842,7 +27843,7 @@
           <a:p>
             <a:r>
               <a:rPr lang="en-CA"/>
-              <a:t>https://lenp.net/presentations/</a:t>
+              <a:t>Len Popp – https://lenp.net/presentations/</a:t>
             </a:r>
           </a:p>
         </p:txBody>
@@ -29161,7 +29162,7 @@
           <a:p>
             <a:r>
               <a:rPr lang="en-CA"/>
-              <a:t>https://lenp.net/presentations/</a:t>
+              <a:t>Len Popp – https://lenp.net/presentations/</a:t>
             </a:r>
           </a:p>
         </p:txBody>
@@ -29391,7 +29392,7 @@
           <a:p>
             <a:r>
               <a:rPr lang="en-CA"/>
-              <a:t>https://lenp.net/presentations/</a:t>
+              <a:t>Len Popp – https://lenp.net/presentations/</a:t>
             </a:r>
           </a:p>
         </p:txBody>
@@ -29884,7 +29885,7 @@
           <a:p>
             <a:r>
               <a:rPr lang="en-CA"/>
-              <a:t>https://lenp.net/presentations/</a:t>
+              <a:t>Len Popp – https://lenp.net/presentations/</a:t>
             </a:r>
           </a:p>
         </p:txBody>
@@ -30699,7 +30700,7 @@
           <a:p>
             <a:r>
               <a:rPr lang="en-CA"/>
-              <a:t>https://lenp.net/presentations/</a:t>
+              <a:t>Len Popp – https://lenp.net/presentations/</a:t>
             </a:r>
           </a:p>
         </p:txBody>
@@ -30897,7 +30898,7 @@
           <a:p>
             <a:r>
               <a:rPr lang="en-US"/>
-              <a:t>https://lenp.net/presentations/</a:t>
+              <a:t>Len Popp – https://lenp.net/presentations/</a:t>
             </a:r>
             <a:endParaRPr lang="en-US" dirty="0"/>
           </a:p>
@@ -31129,7 +31130,7 @@
           <a:p>
             <a:r>
               <a:rPr lang="en-US"/>
-              <a:t>https://lenp.net/presentations/</a:t>
+              <a:t>Len Popp – https://lenp.net/presentations/</a:t>
             </a:r>
             <a:endParaRPr lang="en-US" dirty="0"/>
           </a:p>
@@ -31332,7 +31333,7 @@
           <a:p>
             <a:r>
               <a:rPr lang="en-CA"/>
-              <a:t>https://lenp.net/presentations/</a:t>
+              <a:t>Len Popp – https://lenp.net/presentations/</a:t>
             </a:r>
           </a:p>
         </p:txBody>
@@ -31520,13 +31521,18 @@
           <a:lstStyle/>
           <a:p>
             <a:r>
-              <a:rPr lang="en-CA" dirty="0">
+              <a:rPr lang="en-CA">
                 <a:solidFill>
                   <a:schemeClr val="bg2"/>
                 </a:solidFill>
               </a:rPr>
-              <a:t>https://lenp.net/presentations/</a:t>
-            </a:r>
+              <a:t>Len Popp – https://lenp.net/presentations/</a:t>
+            </a:r>
+            <a:endParaRPr lang="en-CA" dirty="0">
+              <a:solidFill>
+                <a:schemeClr val="bg2"/>
+              </a:solidFill>
+            </a:endParaRPr>
           </a:p>
         </p:txBody>
       </p:sp>
@@ -32370,7 +32376,7 @@
           <a:p>
             <a:r>
               <a:rPr lang="en-CA"/>
-              <a:t>https://lenp.net/presentations/</a:t>
+              <a:t>Len Popp – https://lenp.net/presentations/</a:t>
             </a:r>
           </a:p>
         </p:txBody>
@@ -32659,7 +32665,7 @@
           <a:p>
             <a:r>
               <a:rPr lang="en-CA"/>
-              <a:t>https://lenp.net/presentations/</a:t>
+              <a:t>Len Popp – https://lenp.net/presentations/</a:t>
             </a:r>
           </a:p>
         </p:txBody>
@@ -33111,7 +33117,7 @@
           <a:p>
             <a:r>
               <a:rPr lang="en-CA"/>
-              <a:t>https://lenp.net/presentations/</a:t>
+              <a:t>Len Popp – https://lenp.net/presentations/</a:t>
             </a:r>
           </a:p>
         </p:txBody>
@@ -33303,7 +33309,7 @@
           <a:p>
             <a:r>
               <a:rPr lang="en-CA"/>
-              <a:t>https://lenp.net/presentations/</a:t>
+              <a:t>Len Popp – https://lenp.net/presentations/</a:t>
             </a:r>
           </a:p>
         </p:txBody>

--- a/MakeVersionInfo/MakeVersionInfo.pptx
+++ b/MakeVersionInfo/MakeVersionInfo.pptx
@@ -3347,7 +3347,7 @@
           <a:p>
             <a:fld id="{857CC94D-E614-4874-A919-F25B27309A09}" type="datetimeFigureOut">
               <a:rPr lang="en-CA" smtClean="0"/>
-              <a:t>2024-09-28</a:t>
+              <a:t>2025-01-05</a:t>
             </a:fld>
             <a:endParaRPr lang="en-CA"/>
           </a:p>
@@ -5812,7 +5812,7 @@
           <a:bodyPr/>
           <a:lstStyle/>
           <a:p>
-            <a:endParaRPr lang="en-CA"/>
+            <a:endParaRPr lang="en-CA" dirty="0"/>
           </a:p>
         </p:txBody>
       </p:sp>
@@ -6737,7 +6737,7 @@
           <a:noFill/>
           <a:extLst>
             <a:ext uri="{909E8E84-426E-40dd-AFC4-6F175D3DCCD1}">
-              <a14:hiddenFill xmlns:a14="http://schemas.microsoft.com/office/drawing/2010/main" xmlns="">
+              <a14:hiddenFill xmlns="" xmlns:a14="http://schemas.microsoft.com/office/drawing/2010/main">
                 <a:solidFill>
                   <a:srgbClr val="FFFFFF"/>
                 </a:solidFill>
@@ -6803,7 +6803,7 @@
             </a:ln>
             <a:extLst>
               <a:ext uri="{91240B29-F687-4f45-9708-019B960494DF}">
-                <a14:hiddenLine xmlns:a14="http://schemas.microsoft.com/office/drawing/2010/main" xmlns="" w="9525">
+                <a14:hiddenLine xmlns="" xmlns:a14="http://schemas.microsoft.com/office/drawing/2010/main" w="9525">
                   <a:solidFill>
                     <a:srgbClr val="000000"/>
                   </a:solidFill>
@@ -6893,7 +6893,7 @@
             </a:ln>
             <a:extLst>
               <a:ext uri="{91240B29-F687-4f45-9708-019B960494DF}">
-                <a14:hiddenLine xmlns:a14="http://schemas.microsoft.com/office/drawing/2010/main" xmlns="" w="9525">
+                <a14:hiddenLine xmlns="" xmlns:a14="http://schemas.microsoft.com/office/drawing/2010/main" w="9525">
                   <a:solidFill>
                     <a:srgbClr val="000000"/>
                   </a:solidFill>
@@ -6983,7 +6983,7 @@
             </a:ln>
             <a:extLst>
               <a:ext uri="{91240B29-F687-4f45-9708-019B960494DF}">
-                <a14:hiddenLine xmlns:a14="http://schemas.microsoft.com/office/drawing/2010/main" xmlns="" w="9525">
+                <a14:hiddenLine xmlns="" xmlns:a14="http://schemas.microsoft.com/office/drawing/2010/main" w="9525">
                   <a:solidFill>
                     <a:srgbClr val="000000"/>
                   </a:solidFill>
@@ -7017,7 +7017,7 @@
             </a:ln>
             <a:extLst>
               <a:ext uri="{91240B29-F687-4f45-9708-019B960494DF}">
-                <a14:hiddenLine xmlns:a14="http://schemas.microsoft.com/office/drawing/2010/main" xmlns="" w="9525">
+                <a14:hiddenLine xmlns="" xmlns:a14="http://schemas.microsoft.com/office/drawing/2010/main" w="9525">
                   <a:solidFill>
                     <a:srgbClr val="000000"/>
                   </a:solidFill>
@@ -7107,7 +7107,7 @@
             </a:ln>
             <a:extLst>
               <a:ext uri="{91240B29-F687-4f45-9708-019B960494DF}">
-                <a14:hiddenLine xmlns:a14="http://schemas.microsoft.com/office/drawing/2010/main" xmlns="" w="9525">
+                <a14:hiddenLine xmlns="" xmlns:a14="http://schemas.microsoft.com/office/drawing/2010/main" w="9525">
                   <a:solidFill>
                     <a:srgbClr val="000000"/>
                   </a:solidFill>
@@ -7169,7 +7169,7 @@
             </a:ln>
             <a:extLst>
               <a:ext uri="{91240B29-F687-4f45-9708-019B960494DF}">
-                <a14:hiddenLine xmlns:a14="http://schemas.microsoft.com/office/drawing/2010/main" xmlns="" w="9525">
+                <a14:hiddenLine xmlns="" xmlns:a14="http://schemas.microsoft.com/office/drawing/2010/main" w="9525">
                   <a:solidFill>
                     <a:srgbClr val="000000"/>
                   </a:solidFill>
@@ -7231,7 +7231,7 @@
             </a:ln>
             <a:extLst>
               <a:ext uri="{91240B29-F687-4f45-9708-019B960494DF}">
-                <a14:hiddenLine xmlns:a14="http://schemas.microsoft.com/office/drawing/2010/main" xmlns="" w="9525">
+                <a14:hiddenLine xmlns="" xmlns:a14="http://schemas.microsoft.com/office/drawing/2010/main" w="9525">
                   <a:solidFill>
                     <a:srgbClr val="000000"/>
                   </a:solidFill>
@@ -7321,7 +7321,7 @@
             </a:ln>
             <a:extLst>
               <a:ext uri="{91240B29-F687-4f45-9708-019B960494DF}">
-                <a14:hiddenLine xmlns:a14="http://schemas.microsoft.com/office/drawing/2010/main" xmlns="" w="9525">
+                <a14:hiddenLine xmlns="" xmlns:a14="http://schemas.microsoft.com/office/drawing/2010/main" w="9525">
                   <a:solidFill>
                     <a:srgbClr val="000000"/>
                   </a:solidFill>
@@ -7383,7 +7383,7 @@
             </a:ln>
             <a:extLst>
               <a:ext uri="{91240B29-F687-4f45-9708-019B960494DF}">
-                <a14:hiddenLine xmlns:a14="http://schemas.microsoft.com/office/drawing/2010/main" xmlns="" w="9525">
+                <a14:hiddenLine xmlns="" xmlns:a14="http://schemas.microsoft.com/office/drawing/2010/main" w="9525">
                   <a:solidFill>
                     <a:srgbClr val="000000"/>
                   </a:solidFill>
@@ -7445,7 +7445,7 @@
             </a:ln>
             <a:extLst>
               <a:ext uri="{91240B29-F687-4f45-9708-019B960494DF}">
-                <a14:hiddenLine xmlns:a14="http://schemas.microsoft.com/office/drawing/2010/main" xmlns="" w="9525">
+                <a14:hiddenLine xmlns="" xmlns:a14="http://schemas.microsoft.com/office/drawing/2010/main" w="9525">
                   <a:solidFill>
                     <a:srgbClr val="000000"/>
                   </a:solidFill>
@@ -7535,7 +7535,7 @@
             </a:ln>
             <a:extLst>
               <a:ext uri="{91240B29-F687-4f45-9708-019B960494DF}">
-                <a14:hiddenLine xmlns:a14="http://schemas.microsoft.com/office/drawing/2010/main" xmlns="" w="9525">
+                <a14:hiddenLine xmlns="" xmlns:a14="http://schemas.microsoft.com/office/drawing/2010/main" w="9525">
                   <a:solidFill>
                     <a:srgbClr val="000000"/>
                   </a:solidFill>
@@ -7625,7 +7625,7 @@
             </a:ln>
             <a:extLst>
               <a:ext uri="{91240B29-F687-4f45-9708-019B960494DF}">
-                <a14:hiddenLine xmlns:a14="http://schemas.microsoft.com/office/drawing/2010/main" xmlns="" w="9525">
+                <a14:hiddenLine xmlns="" xmlns:a14="http://schemas.microsoft.com/office/drawing/2010/main" w="9525">
                   <a:solidFill>
                     <a:srgbClr val="000000"/>
                   </a:solidFill>
@@ -7687,7 +7687,7 @@
             </a:ln>
             <a:extLst>
               <a:ext uri="{91240B29-F687-4f45-9708-019B960494DF}">
-                <a14:hiddenLine xmlns:a14="http://schemas.microsoft.com/office/drawing/2010/main" xmlns="" w="9525">
+                <a14:hiddenLine xmlns="" xmlns:a14="http://schemas.microsoft.com/office/drawing/2010/main" w="9525">
                   <a:solidFill>
                     <a:srgbClr val="000000"/>
                   </a:solidFill>
@@ -7797,7 +7797,7 @@
             </a:ln>
             <a:extLst>
               <a:ext uri="{91240B29-F687-4f45-9708-019B960494DF}">
-                <a14:hiddenLine xmlns:a14="http://schemas.microsoft.com/office/drawing/2010/main" xmlns="" w="9525">
+                <a14:hiddenLine xmlns="" xmlns:a14="http://schemas.microsoft.com/office/drawing/2010/main" w="9525">
                   <a:solidFill>
                     <a:srgbClr val="000000"/>
                   </a:solidFill>
@@ -7859,7 +7859,7 @@
             </a:ln>
             <a:extLst>
               <a:ext uri="{91240B29-F687-4f45-9708-019B960494DF}">
-                <a14:hiddenLine xmlns:a14="http://schemas.microsoft.com/office/drawing/2010/main" xmlns="" w="9525">
+                <a14:hiddenLine xmlns="" xmlns:a14="http://schemas.microsoft.com/office/drawing/2010/main" w="9525">
                   <a:solidFill>
                     <a:srgbClr val="000000"/>
                   </a:solidFill>
@@ -7949,7 +7949,7 @@
             </a:ln>
             <a:extLst>
               <a:ext uri="{91240B29-F687-4f45-9708-019B960494DF}">
-                <a14:hiddenLine xmlns:a14="http://schemas.microsoft.com/office/drawing/2010/main" xmlns="" w="9525">
+                <a14:hiddenLine xmlns="" xmlns:a14="http://schemas.microsoft.com/office/drawing/2010/main" w="9525">
                   <a:solidFill>
                     <a:srgbClr val="000000"/>
                   </a:solidFill>
@@ -8039,7 +8039,7 @@
             </a:ln>
             <a:extLst>
               <a:ext uri="{91240B29-F687-4f45-9708-019B960494DF}">
-                <a14:hiddenLine xmlns:a14="http://schemas.microsoft.com/office/drawing/2010/main" xmlns="" w="9525">
+                <a14:hiddenLine xmlns="" xmlns:a14="http://schemas.microsoft.com/office/drawing/2010/main" w="9525">
                   <a:solidFill>
                     <a:srgbClr val="000000"/>
                   </a:solidFill>
@@ -8101,7 +8101,7 @@
             </a:ln>
             <a:extLst>
               <a:ext uri="{91240B29-F687-4f45-9708-019B960494DF}">
-                <a14:hiddenLine xmlns:a14="http://schemas.microsoft.com/office/drawing/2010/main" xmlns="" w="9525">
+                <a14:hiddenLine xmlns="" xmlns:a14="http://schemas.microsoft.com/office/drawing/2010/main" w="9525">
                   <a:solidFill>
                     <a:srgbClr val="000000"/>
                   </a:solidFill>
@@ -8191,7 +8191,7 @@
             </a:ln>
             <a:extLst>
               <a:ext uri="{91240B29-F687-4f45-9708-019B960494DF}">
-                <a14:hiddenLine xmlns:a14="http://schemas.microsoft.com/office/drawing/2010/main" xmlns="" w="9525">
+                <a14:hiddenLine xmlns="" xmlns:a14="http://schemas.microsoft.com/office/drawing/2010/main" w="9525">
                   <a:solidFill>
                     <a:srgbClr val="000000"/>
                   </a:solidFill>
@@ -8281,7 +8281,7 @@
             </a:ln>
             <a:extLst>
               <a:ext uri="{91240B29-F687-4f45-9708-019B960494DF}">
-                <a14:hiddenLine xmlns:a14="http://schemas.microsoft.com/office/drawing/2010/main" xmlns="" w="9525">
+                <a14:hiddenLine xmlns="" xmlns:a14="http://schemas.microsoft.com/office/drawing/2010/main" w="9525">
                   <a:solidFill>
                     <a:srgbClr val="000000"/>
                   </a:solidFill>
@@ -8337,7 +8337,7 @@
             </a:ln>
             <a:extLst>
               <a:ext uri="{91240B29-F687-4f45-9708-019B960494DF}">
-                <a14:hiddenLine xmlns:a14="http://schemas.microsoft.com/office/drawing/2010/main" xmlns="" w="9525">
+                <a14:hiddenLine xmlns="" xmlns:a14="http://schemas.microsoft.com/office/drawing/2010/main" w="9525">
                   <a:solidFill>
                     <a:srgbClr val="000000"/>
                   </a:solidFill>
@@ -8427,7 +8427,7 @@
             </a:ln>
             <a:extLst>
               <a:ext uri="{91240B29-F687-4f45-9708-019B960494DF}">
-                <a14:hiddenLine xmlns:a14="http://schemas.microsoft.com/office/drawing/2010/main" xmlns="" w="9525">
+                <a14:hiddenLine xmlns="" xmlns:a14="http://schemas.microsoft.com/office/drawing/2010/main" w="9525">
                   <a:solidFill>
                     <a:srgbClr val="000000"/>
                   </a:solidFill>
@@ -8483,7 +8483,7 @@
             </a:ln>
             <a:extLst>
               <a:ext uri="{91240B29-F687-4f45-9708-019B960494DF}">
-                <a14:hiddenLine xmlns:a14="http://schemas.microsoft.com/office/drawing/2010/main" xmlns="" w="9525">
+                <a14:hiddenLine xmlns="" xmlns:a14="http://schemas.microsoft.com/office/drawing/2010/main" w="9525">
                   <a:solidFill>
                     <a:srgbClr val="000000"/>
                   </a:solidFill>
@@ -8573,7 +8573,7 @@
             </a:ln>
             <a:extLst>
               <a:ext uri="{91240B29-F687-4f45-9708-019B960494DF}">
-                <a14:hiddenLine xmlns:a14="http://schemas.microsoft.com/office/drawing/2010/main" xmlns="" w="9525">
+                <a14:hiddenLine xmlns="" xmlns:a14="http://schemas.microsoft.com/office/drawing/2010/main" w="9525">
                   <a:solidFill>
                     <a:srgbClr val="000000"/>
                   </a:solidFill>
@@ -8641,7 +8641,7 @@
             </a:ln>
             <a:extLst>
               <a:ext uri="{91240B29-F687-4f45-9708-019B960494DF}">
-                <a14:hiddenLine xmlns:a14="http://schemas.microsoft.com/office/drawing/2010/main" xmlns="" w="9525">
+                <a14:hiddenLine xmlns="" xmlns:a14="http://schemas.microsoft.com/office/drawing/2010/main" w="9525">
                   <a:solidFill>
                     <a:srgbClr val="000000"/>
                   </a:solidFill>
@@ -8731,7 +8731,7 @@
             </a:ln>
             <a:extLst>
               <a:ext uri="{91240B29-F687-4f45-9708-019B960494DF}">
-                <a14:hiddenLine xmlns:a14="http://schemas.microsoft.com/office/drawing/2010/main" xmlns="" w="9525">
+                <a14:hiddenLine xmlns="" xmlns:a14="http://schemas.microsoft.com/office/drawing/2010/main" w="9525">
                   <a:solidFill>
                     <a:srgbClr val="000000"/>
                   </a:solidFill>
@@ -8799,7 +8799,7 @@
             </a:ln>
             <a:extLst>
               <a:ext uri="{91240B29-F687-4f45-9708-019B960494DF}">
-                <a14:hiddenLine xmlns:a14="http://schemas.microsoft.com/office/drawing/2010/main" xmlns="" w="9525">
+                <a14:hiddenLine xmlns="" xmlns:a14="http://schemas.microsoft.com/office/drawing/2010/main" w="9525">
                   <a:solidFill>
                     <a:srgbClr val="000000"/>
                   </a:solidFill>
@@ -8889,7 +8889,7 @@
             </a:ln>
             <a:extLst>
               <a:ext uri="{91240B29-F687-4f45-9708-019B960494DF}">
-                <a14:hiddenLine xmlns:a14="http://schemas.microsoft.com/office/drawing/2010/main" xmlns="" w="9525">
+                <a14:hiddenLine xmlns="" xmlns:a14="http://schemas.microsoft.com/office/drawing/2010/main" w="9525">
                   <a:solidFill>
                     <a:srgbClr val="000000"/>
                   </a:solidFill>
@@ -8923,7 +8923,7 @@
             </a:ln>
             <a:extLst>
               <a:ext uri="{91240B29-F687-4f45-9708-019B960494DF}">
-                <a14:hiddenLine xmlns:a14="http://schemas.microsoft.com/office/drawing/2010/main" xmlns="" w="9525">
+                <a14:hiddenLine xmlns="" xmlns:a14="http://schemas.microsoft.com/office/drawing/2010/main" w="9525">
                   <a:solidFill>
                     <a:srgbClr val="000000"/>
                   </a:solidFill>
@@ -9013,7 +9013,7 @@
             </a:ln>
             <a:extLst>
               <a:ext uri="{91240B29-F687-4f45-9708-019B960494DF}">
-                <a14:hiddenLine xmlns:a14="http://schemas.microsoft.com/office/drawing/2010/main" xmlns="" w="9525">
+                <a14:hiddenLine xmlns="" xmlns:a14="http://schemas.microsoft.com/office/drawing/2010/main" w="9525">
                   <a:solidFill>
                     <a:srgbClr val="000000"/>
                   </a:solidFill>
@@ -9075,7 +9075,7 @@
             </a:ln>
             <a:extLst>
               <a:ext uri="{91240B29-F687-4f45-9708-019B960494DF}">
-                <a14:hiddenLine xmlns:a14="http://schemas.microsoft.com/office/drawing/2010/main" xmlns="" w="9525">
+                <a14:hiddenLine xmlns="" xmlns:a14="http://schemas.microsoft.com/office/drawing/2010/main" w="9525">
                   <a:solidFill>
                     <a:srgbClr val="000000"/>
                   </a:solidFill>
@@ -9137,7 +9137,7 @@
             </a:ln>
             <a:extLst>
               <a:ext uri="{91240B29-F687-4f45-9708-019B960494DF}">
-                <a14:hiddenLine xmlns:a14="http://schemas.microsoft.com/office/drawing/2010/main" xmlns="" w="9525">
+                <a14:hiddenLine xmlns="" xmlns:a14="http://schemas.microsoft.com/office/drawing/2010/main" w="9525">
                   <a:solidFill>
                     <a:srgbClr val="000000"/>
                   </a:solidFill>
@@ -9227,7 +9227,7 @@
             </a:ln>
             <a:extLst>
               <a:ext uri="{91240B29-F687-4f45-9708-019B960494DF}">
-                <a14:hiddenLine xmlns:a14="http://schemas.microsoft.com/office/drawing/2010/main" xmlns="" w="9525">
+                <a14:hiddenLine xmlns="" xmlns:a14="http://schemas.microsoft.com/office/drawing/2010/main" w="9525">
                   <a:solidFill>
                     <a:srgbClr val="000000"/>
                   </a:solidFill>
@@ -9295,7 +9295,7 @@
             </a:ln>
             <a:extLst>
               <a:ext uri="{91240B29-F687-4f45-9708-019B960494DF}">
-                <a14:hiddenLine xmlns:a14="http://schemas.microsoft.com/office/drawing/2010/main" xmlns="" w="9525">
+                <a14:hiddenLine xmlns="" xmlns:a14="http://schemas.microsoft.com/office/drawing/2010/main" w="9525">
                   <a:solidFill>
                     <a:srgbClr val="000000"/>
                   </a:solidFill>
@@ -9357,7 +9357,7 @@
             </a:ln>
             <a:extLst>
               <a:ext uri="{91240B29-F687-4f45-9708-019B960494DF}">
-                <a14:hiddenLine xmlns:a14="http://schemas.microsoft.com/office/drawing/2010/main" xmlns="" w="9525">
+                <a14:hiddenLine xmlns="" xmlns:a14="http://schemas.microsoft.com/office/drawing/2010/main" w="9525">
                   <a:solidFill>
                     <a:srgbClr val="000000"/>
                   </a:solidFill>
@@ -9447,7 +9447,7 @@
             </a:ln>
             <a:extLst>
               <a:ext uri="{91240B29-F687-4f45-9708-019B960494DF}">
-                <a14:hiddenLine xmlns:a14="http://schemas.microsoft.com/office/drawing/2010/main" xmlns="" w="9525">
+                <a14:hiddenLine xmlns="" xmlns:a14="http://schemas.microsoft.com/office/drawing/2010/main" w="9525">
                   <a:solidFill>
                     <a:srgbClr val="000000"/>
                   </a:solidFill>
@@ -9509,7 +9509,7 @@
             </a:ln>
             <a:extLst>
               <a:ext uri="{91240B29-F687-4f45-9708-019B960494DF}">
-                <a14:hiddenLine xmlns:a14="http://schemas.microsoft.com/office/drawing/2010/main" xmlns="" w="9525">
+                <a14:hiddenLine xmlns="" xmlns:a14="http://schemas.microsoft.com/office/drawing/2010/main" w="9525">
                   <a:solidFill>
                     <a:srgbClr val="000000"/>
                   </a:solidFill>
@@ -9599,7 +9599,7 @@
             </a:ln>
             <a:extLst>
               <a:ext uri="{91240B29-F687-4f45-9708-019B960494DF}">
-                <a14:hiddenLine xmlns:a14="http://schemas.microsoft.com/office/drawing/2010/main" xmlns="" w="9525">
+                <a14:hiddenLine xmlns="" xmlns:a14="http://schemas.microsoft.com/office/drawing/2010/main" w="9525">
                   <a:solidFill>
                     <a:srgbClr val="000000"/>
                   </a:solidFill>
@@ -9661,7 +9661,7 @@
             </a:ln>
             <a:extLst>
               <a:ext uri="{91240B29-F687-4f45-9708-019B960494DF}">
-                <a14:hiddenLine xmlns:a14="http://schemas.microsoft.com/office/drawing/2010/main" xmlns="" w="9525">
+                <a14:hiddenLine xmlns="" xmlns:a14="http://schemas.microsoft.com/office/drawing/2010/main" w="9525">
                   <a:solidFill>
                     <a:srgbClr val="000000"/>
                   </a:solidFill>
@@ -9751,7 +9751,7 @@
             </a:ln>
             <a:extLst>
               <a:ext uri="{91240B29-F687-4f45-9708-019B960494DF}">
-                <a14:hiddenLine xmlns:a14="http://schemas.microsoft.com/office/drawing/2010/main" xmlns="" w="9525">
+                <a14:hiddenLine xmlns="" xmlns:a14="http://schemas.microsoft.com/office/drawing/2010/main" w="9525">
                   <a:solidFill>
                     <a:srgbClr val="000000"/>
                   </a:solidFill>
@@ -9785,7 +9785,7 @@
             </a:ln>
             <a:extLst>
               <a:ext uri="{91240B29-F687-4f45-9708-019B960494DF}">
-                <a14:hiddenLine xmlns:a14="http://schemas.microsoft.com/office/drawing/2010/main" xmlns="" w="9525">
+                <a14:hiddenLine xmlns="" xmlns:a14="http://schemas.microsoft.com/office/drawing/2010/main" w="9525">
                   <a:solidFill>
                     <a:srgbClr val="000000"/>
                   </a:solidFill>
@@ -9850,7 +9850,7 @@
             </a:ln>
             <a:extLst>
               <a:ext uri="{91240B29-F687-4f45-9708-019B960494DF}">
-                <a14:hiddenLine xmlns:a14="http://schemas.microsoft.com/office/drawing/2010/main" xmlns="" w="9525">
+                <a14:hiddenLine xmlns="" xmlns:a14="http://schemas.microsoft.com/office/drawing/2010/main" w="9525">
                   <a:solidFill>
                     <a:srgbClr val="000000"/>
                   </a:solidFill>
@@ -9940,7 +9940,7 @@
             </a:ln>
             <a:extLst>
               <a:ext uri="{91240B29-F687-4f45-9708-019B960494DF}">
-                <a14:hiddenLine xmlns:a14="http://schemas.microsoft.com/office/drawing/2010/main" xmlns="" w="9525">
+                <a14:hiddenLine xmlns="" xmlns:a14="http://schemas.microsoft.com/office/drawing/2010/main" w="9525">
                   <a:solidFill>
                     <a:srgbClr val="000000"/>
                   </a:solidFill>
@@ -10002,7 +10002,7 @@
             </a:ln>
             <a:extLst>
               <a:ext uri="{91240B29-F687-4f45-9708-019B960494DF}">
-                <a14:hiddenLine xmlns:a14="http://schemas.microsoft.com/office/drawing/2010/main" xmlns="" w="9525">
+                <a14:hiddenLine xmlns="" xmlns:a14="http://schemas.microsoft.com/office/drawing/2010/main" w="9525">
                   <a:solidFill>
                     <a:srgbClr val="000000"/>
                   </a:solidFill>
@@ -10092,7 +10092,7 @@
             </a:ln>
             <a:extLst>
               <a:ext uri="{91240B29-F687-4f45-9708-019B960494DF}">
-                <a14:hiddenLine xmlns:a14="http://schemas.microsoft.com/office/drawing/2010/main" xmlns="" w="9525">
+                <a14:hiddenLine xmlns="" xmlns:a14="http://schemas.microsoft.com/office/drawing/2010/main" w="9525">
                   <a:solidFill>
                     <a:srgbClr val="000000"/>
                   </a:solidFill>
@@ -10182,7 +10182,7 @@
             </a:ln>
             <a:extLst>
               <a:ext uri="{91240B29-F687-4f45-9708-019B960494DF}">
-                <a14:hiddenLine xmlns:a14="http://schemas.microsoft.com/office/drawing/2010/main" xmlns="" w="9525">
+                <a14:hiddenLine xmlns="" xmlns:a14="http://schemas.microsoft.com/office/drawing/2010/main" w="9525">
                   <a:solidFill>
                     <a:srgbClr val="000000"/>
                   </a:solidFill>
@@ -10247,7 +10247,7 @@
             </a:ln>
             <a:extLst>
               <a:ext uri="{91240B29-F687-4f45-9708-019B960494DF}">
-                <a14:hiddenLine xmlns:a14="http://schemas.microsoft.com/office/drawing/2010/main" xmlns="" w="9525">
+                <a14:hiddenLine xmlns="" xmlns:a14="http://schemas.microsoft.com/office/drawing/2010/main" w="9525">
                   <a:solidFill>
                     <a:srgbClr val="000000"/>
                   </a:solidFill>
@@ -10309,7 +10309,7 @@
             </a:ln>
             <a:extLst>
               <a:ext uri="{91240B29-F687-4f45-9708-019B960494DF}">
-                <a14:hiddenLine xmlns:a14="http://schemas.microsoft.com/office/drawing/2010/main" xmlns="" w="9525">
+                <a14:hiddenLine xmlns="" xmlns:a14="http://schemas.microsoft.com/office/drawing/2010/main" w="9525">
                   <a:solidFill>
                     <a:srgbClr val="000000"/>
                   </a:solidFill>
@@ -10399,7 +10399,7 @@
             </a:ln>
             <a:extLst>
               <a:ext uri="{91240B29-F687-4f45-9708-019B960494DF}">
-                <a14:hiddenLine xmlns:a14="http://schemas.microsoft.com/office/drawing/2010/main" xmlns="" w="9525">
+                <a14:hiddenLine xmlns="" xmlns:a14="http://schemas.microsoft.com/office/drawing/2010/main" w="9525">
                   <a:solidFill>
                     <a:srgbClr val="000000"/>
                   </a:solidFill>
@@ -10489,7 +10489,7 @@
             </a:ln>
             <a:extLst>
               <a:ext uri="{91240B29-F687-4f45-9708-019B960494DF}">
-                <a14:hiddenLine xmlns:a14="http://schemas.microsoft.com/office/drawing/2010/main" xmlns="" w="9525">
+                <a14:hiddenLine xmlns="" xmlns:a14="http://schemas.microsoft.com/office/drawing/2010/main" w="9525">
                   <a:solidFill>
                     <a:srgbClr val="000000"/>
                   </a:solidFill>
@@ -10551,7 +10551,7 @@
             </a:ln>
             <a:extLst>
               <a:ext uri="{91240B29-F687-4f45-9708-019B960494DF}">
-                <a14:hiddenLine xmlns:a14="http://schemas.microsoft.com/office/drawing/2010/main" xmlns="" w="9525">
+                <a14:hiddenLine xmlns="" xmlns:a14="http://schemas.microsoft.com/office/drawing/2010/main" w="9525">
                   <a:solidFill>
                     <a:srgbClr val="000000"/>
                   </a:solidFill>
@@ -10671,7 +10671,7 @@
             </a:ln>
             <a:extLst>
               <a:ext uri="{91240B29-F687-4f45-9708-019B960494DF}">
-                <a14:hiddenLine xmlns:a14="http://schemas.microsoft.com/office/drawing/2010/main" xmlns="" w="9525">
+                <a14:hiddenLine xmlns="" xmlns:a14="http://schemas.microsoft.com/office/drawing/2010/main" w="9525">
                   <a:solidFill>
                     <a:srgbClr val="000000"/>
                   </a:solidFill>
@@ -10739,7 +10739,7 @@
             </a:ln>
             <a:extLst>
               <a:ext uri="{91240B29-F687-4f45-9708-019B960494DF}">
-                <a14:hiddenLine xmlns:a14="http://schemas.microsoft.com/office/drawing/2010/main" xmlns="" w="9525">
+                <a14:hiddenLine xmlns="" xmlns:a14="http://schemas.microsoft.com/office/drawing/2010/main" w="9525">
                   <a:solidFill>
                     <a:srgbClr val="000000"/>
                   </a:solidFill>
@@ -10829,7 +10829,7 @@
             </a:ln>
             <a:extLst>
               <a:ext uri="{91240B29-F687-4f45-9708-019B960494DF}">
-                <a14:hiddenLine xmlns:a14="http://schemas.microsoft.com/office/drawing/2010/main" xmlns="" w="9525">
+                <a14:hiddenLine xmlns="" xmlns:a14="http://schemas.microsoft.com/office/drawing/2010/main" w="9525">
                   <a:solidFill>
                     <a:srgbClr val="000000"/>
                   </a:solidFill>
@@ -16949,7 +16949,7 @@
           <a:noFill/>
           <a:extLst>
             <a:ext uri="{909E8E84-426E-40dd-AFC4-6F175D3DCCD1}">
-              <a14:hiddenFill xmlns:a14="http://schemas.microsoft.com/office/drawing/2010/main" xmlns="">
+              <a14:hiddenFill xmlns="" xmlns:a14="http://schemas.microsoft.com/office/drawing/2010/main">
                 <a:solidFill>
                   <a:srgbClr val="FFFFFF"/>
                 </a:solidFill>
@@ -17029,7 +17029,7 @@
               </a:ln>
               <a:extLst>
                 <a:ext uri="{91240B29-F687-4f45-9708-019B960494DF}">
-                  <a14:hiddenLine xmlns:a14="http://schemas.microsoft.com/office/drawing/2010/main" xmlns="" w="9525">
+                  <a14:hiddenLine xmlns="" xmlns:a14="http://schemas.microsoft.com/office/drawing/2010/main" w="9525">
                     <a:solidFill>
                       <a:srgbClr val="000000"/>
                     </a:solidFill>
@@ -17119,7 +17119,7 @@
               </a:ln>
               <a:extLst>
                 <a:ext uri="{91240B29-F687-4f45-9708-019B960494DF}">
-                  <a14:hiddenLine xmlns:a14="http://schemas.microsoft.com/office/drawing/2010/main" xmlns="" w="9525">
+                  <a14:hiddenLine xmlns="" xmlns:a14="http://schemas.microsoft.com/office/drawing/2010/main" w="9525">
                     <a:solidFill>
                       <a:srgbClr val="000000"/>
                     </a:solidFill>
@@ -17209,7 +17209,7 @@
               </a:ln>
               <a:extLst>
                 <a:ext uri="{91240B29-F687-4f45-9708-019B960494DF}">
-                  <a14:hiddenLine xmlns:a14="http://schemas.microsoft.com/office/drawing/2010/main" xmlns="" w="9525">
+                  <a14:hiddenLine xmlns="" xmlns:a14="http://schemas.microsoft.com/office/drawing/2010/main" w="9525">
                     <a:solidFill>
                       <a:srgbClr val="000000"/>
                     </a:solidFill>
@@ -17271,7 +17271,7 @@
               </a:ln>
               <a:extLst>
                 <a:ext uri="{91240B29-F687-4f45-9708-019B960494DF}">
-                  <a14:hiddenLine xmlns:a14="http://schemas.microsoft.com/office/drawing/2010/main" xmlns="" w="9525">
+                  <a14:hiddenLine xmlns="" xmlns:a14="http://schemas.microsoft.com/office/drawing/2010/main" w="9525">
                     <a:solidFill>
                       <a:srgbClr val="000000"/>
                     </a:solidFill>
@@ -17361,7 +17361,7 @@
               </a:ln>
               <a:extLst>
                 <a:ext uri="{91240B29-F687-4f45-9708-019B960494DF}">
-                  <a14:hiddenLine xmlns:a14="http://schemas.microsoft.com/office/drawing/2010/main" xmlns="" w="9525">
+                  <a14:hiddenLine xmlns="" xmlns:a14="http://schemas.microsoft.com/office/drawing/2010/main" w="9525">
                     <a:solidFill>
                       <a:srgbClr val="000000"/>
                     </a:solidFill>
@@ -17423,7 +17423,7 @@
               </a:ln>
               <a:extLst>
                 <a:ext uri="{91240B29-F687-4f45-9708-019B960494DF}">
-                  <a14:hiddenLine xmlns:a14="http://schemas.microsoft.com/office/drawing/2010/main" xmlns="" w="9525">
+                  <a14:hiddenLine xmlns="" xmlns:a14="http://schemas.microsoft.com/office/drawing/2010/main" w="9525">
                     <a:solidFill>
                       <a:srgbClr val="000000"/>
                     </a:solidFill>
@@ -17485,7 +17485,7 @@
               </a:ln>
               <a:extLst>
                 <a:ext uri="{91240B29-F687-4f45-9708-019B960494DF}">
-                  <a14:hiddenLine xmlns:a14="http://schemas.microsoft.com/office/drawing/2010/main" xmlns="" w="9525">
+                  <a14:hiddenLine xmlns="" xmlns:a14="http://schemas.microsoft.com/office/drawing/2010/main" w="9525">
                     <a:solidFill>
                       <a:srgbClr val="000000"/>
                     </a:solidFill>
@@ -17575,7 +17575,7 @@
               </a:ln>
               <a:extLst>
                 <a:ext uri="{91240B29-F687-4f45-9708-019B960494DF}">
-                  <a14:hiddenLine xmlns:a14="http://schemas.microsoft.com/office/drawing/2010/main" xmlns="" w="9525">
+                  <a14:hiddenLine xmlns="" xmlns:a14="http://schemas.microsoft.com/office/drawing/2010/main" w="9525">
                     <a:solidFill>
                       <a:srgbClr val="000000"/>
                     </a:solidFill>
@@ -17665,7 +17665,7 @@
               </a:ln>
               <a:extLst>
                 <a:ext uri="{91240B29-F687-4f45-9708-019B960494DF}">
-                  <a14:hiddenLine xmlns:a14="http://schemas.microsoft.com/office/drawing/2010/main" xmlns="" w="9525">
+                  <a14:hiddenLine xmlns="" xmlns:a14="http://schemas.microsoft.com/office/drawing/2010/main" w="9525">
                     <a:solidFill>
                       <a:srgbClr val="000000"/>
                     </a:solidFill>
@@ -17727,7 +17727,7 @@
               </a:ln>
               <a:extLst>
                 <a:ext uri="{91240B29-F687-4f45-9708-019B960494DF}">
-                  <a14:hiddenLine xmlns:a14="http://schemas.microsoft.com/office/drawing/2010/main" xmlns="" w="9525">
+                  <a14:hiddenLine xmlns="" xmlns:a14="http://schemas.microsoft.com/office/drawing/2010/main" w="9525">
                     <a:solidFill>
                       <a:srgbClr val="000000"/>
                     </a:solidFill>
@@ -17837,7 +17837,7 @@
               </a:ln>
               <a:extLst>
                 <a:ext uri="{91240B29-F687-4f45-9708-019B960494DF}">
-                  <a14:hiddenLine xmlns:a14="http://schemas.microsoft.com/office/drawing/2010/main" xmlns="" w="9525">
+                  <a14:hiddenLine xmlns="" xmlns:a14="http://schemas.microsoft.com/office/drawing/2010/main" w="9525">
                     <a:solidFill>
                       <a:srgbClr val="000000"/>
                     </a:solidFill>
@@ -17921,7 +17921,7 @@
               </a:ln>
               <a:extLst>
                 <a:ext uri="{91240B29-F687-4f45-9708-019B960494DF}">
-                  <a14:hiddenLine xmlns:a14="http://schemas.microsoft.com/office/drawing/2010/main" xmlns="" w="9525">
+                  <a14:hiddenLine xmlns="" xmlns:a14="http://schemas.microsoft.com/office/drawing/2010/main" w="9525">
                     <a:solidFill>
                       <a:srgbClr val="000000"/>
                     </a:solidFill>
@@ -17983,7 +17983,7 @@
               </a:ln>
               <a:extLst>
                 <a:ext uri="{91240B29-F687-4f45-9708-019B960494DF}">
-                  <a14:hiddenLine xmlns:a14="http://schemas.microsoft.com/office/drawing/2010/main" xmlns="" w="9525">
+                  <a14:hiddenLine xmlns="" xmlns:a14="http://schemas.microsoft.com/office/drawing/2010/main" w="9525">
                     <a:solidFill>
                       <a:srgbClr val="000000"/>
                     </a:solidFill>
@@ -18045,7 +18045,7 @@
               </a:ln>
               <a:extLst>
                 <a:ext uri="{91240B29-F687-4f45-9708-019B960494DF}">
-                  <a14:hiddenLine xmlns:a14="http://schemas.microsoft.com/office/drawing/2010/main" xmlns="" w="9525">
+                  <a14:hiddenLine xmlns="" xmlns:a14="http://schemas.microsoft.com/office/drawing/2010/main" w="9525">
                     <a:solidFill>
                       <a:srgbClr val="000000"/>
                     </a:solidFill>
@@ -18135,7 +18135,7 @@
               </a:ln>
               <a:extLst>
                 <a:ext uri="{91240B29-F687-4f45-9708-019B960494DF}">
-                  <a14:hiddenLine xmlns:a14="http://schemas.microsoft.com/office/drawing/2010/main" xmlns="" w="9525">
+                  <a14:hiddenLine xmlns="" xmlns:a14="http://schemas.microsoft.com/office/drawing/2010/main" w="9525">
                     <a:solidFill>
                       <a:srgbClr val="000000"/>
                     </a:solidFill>
@@ -18169,7 +18169,7 @@
               </a:ln>
               <a:extLst>
                 <a:ext uri="{91240B29-F687-4f45-9708-019B960494DF}">
-                  <a14:hiddenLine xmlns:a14="http://schemas.microsoft.com/office/drawing/2010/main" xmlns="" w="9525">
+                  <a14:hiddenLine xmlns="" xmlns:a14="http://schemas.microsoft.com/office/drawing/2010/main" w="9525">
                     <a:solidFill>
                       <a:srgbClr val="000000"/>
                     </a:solidFill>
@@ -18234,7 +18234,7 @@
               </a:ln>
               <a:extLst>
                 <a:ext uri="{91240B29-F687-4f45-9708-019B960494DF}">
-                  <a14:hiddenLine xmlns:a14="http://schemas.microsoft.com/office/drawing/2010/main" xmlns="" w="9525">
+                  <a14:hiddenLine xmlns="" xmlns:a14="http://schemas.microsoft.com/office/drawing/2010/main" w="9525">
                     <a:solidFill>
                       <a:srgbClr val="000000"/>
                     </a:solidFill>
@@ -18324,7 +18324,7 @@
               </a:ln>
               <a:extLst>
                 <a:ext uri="{91240B29-F687-4f45-9708-019B960494DF}">
-                  <a14:hiddenLine xmlns:a14="http://schemas.microsoft.com/office/drawing/2010/main" xmlns="" w="9525">
+                  <a14:hiddenLine xmlns="" xmlns:a14="http://schemas.microsoft.com/office/drawing/2010/main" w="9525">
                     <a:solidFill>
                       <a:srgbClr val="000000"/>
                     </a:solidFill>
@@ -18386,7 +18386,7 @@
               </a:ln>
               <a:extLst>
                 <a:ext uri="{91240B29-F687-4f45-9708-019B960494DF}">
-                  <a14:hiddenLine xmlns:a14="http://schemas.microsoft.com/office/drawing/2010/main" xmlns="" w="9525">
+                  <a14:hiddenLine xmlns="" xmlns:a14="http://schemas.microsoft.com/office/drawing/2010/main" w="9525">
                     <a:solidFill>
                       <a:srgbClr val="000000"/>
                     </a:solidFill>
@@ -18476,7 +18476,7 @@
               </a:ln>
               <a:extLst>
                 <a:ext uri="{91240B29-F687-4f45-9708-019B960494DF}">
-                  <a14:hiddenLine xmlns:a14="http://schemas.microsoft.com/office/drawing/2010/main" xmlns="" w="9525">
+                  <a14:hiddenLine xmlns="" xmlns:a14="http://schemas.microsoft.com/office/drawing/2010/main" w="9525">
                     <a:solidFill>
                       <a:srgbClr val="000000"/>
                     </a:solidFill>
@@ -18541,7 +18541,7 @@
               </a:ln>
               <a:extLst>
                 <a:ext uri="{91240B29-F687-4f45-9708-019B960494DF}">
-                  <a14:hiddenLine xmlns:a14="http://schemas.microsoft.com/office/drawing/2010/main" xmlns="" w="9525">
+                  <a14:hiddenLine xmlns="" xmlns:a14="http://schemas.microsoft.com/office/drawing/2010/main" w="9525">
                     <a:solidFill>
                       <a:srgbClr val="000000"/>
                     </a:solidFill>
@@ -18603,7 +18603,7 @@
               </a:ln>
               <a:extLst>
                 <a:ext uri="{91240B29-F687-4f45-9708-019B960494DF}">
-                  <a14:hiddenLine xmlns:a14="http://schemas.microsoft.com/office/drawing/2010/main" xmlns="" w="9525">
+                  <a14:hiddenLine xmlns="" xmlns:a14="http://schemas.microsoft.com/office/drawing/2010/main" w="9525">
                     <a:solidFill>
                       <a:srgbClr val="000000"/>
                     </a:solidFill>
@@ -18693,7 +18693,7 @@
               </a:ln>
               <a:extLst>
                 <a:ext uri="{91240B29-F687-4f45-9708-019B960494DF}">
-                  <a14:hiddenLine xmlns:a14="http://schemas.microsoft.com/office/drawing/2010/main" xmlns="" w="9525">
+                  <a14:hiddenLine xmlns="" xmlns:a14="http://schemas.microsoft.com/office/drawing/2010/main" w="9525">
                     <a:solidFill>
                       <a:srgbClr val="000000"/>
                     </a:solidFill>
@@ -18783,7 +18783,7 @@
               </a:ln>
               <a:extLst>
                 <a:ext uri="{91240B29-F687-4f45-9708-019B960494DF}">
-                  <a14:hiddenLine xmlns:a14="http://schemas.microsoft.com/office/drawing/2010/main" xmlns="" w="9525">
+                  <a14:hiddenLine xmlns="" xmlns:a14="http://schemas.microsoft.com/office/drawing/2010/main" w="9525">
                     <a:solidFill>
                       <a:srgbClr val="000000"/>
                     </a:solidFill>
@@ -18848,7 +18848,7 @@
               </a:ln>
               <a:extLst>
                 <a:ext uri="{91240B29-F687-4f45-9708-019B960494DF}">
-                  <a14:hiddenLine xmlns:a14="http://schemas.microsoft.com/office/drawing/2010/main" xmlns="" w="9525">
+                  <a14:hiddenLine xmlns="" xmlns:a14="http://schemas.microsoft.com/office/drawing/2010/main" w="9525">
                     <a:solidFill>
                       <a:srgbClr val="000000"/>
                     </a:solidFill>
@@ -18968,7 +18968,7 @@
               </a:ln>
               <a:extLst>
                 <a:ext uri="{91240B29-F687-4f45-9708-019B960494DF}">
-                  <a14:hiddenLine xmlns:a14="http://schemas.microsoft.com/office/drawing/2010/main" xmlns="" w="9525">
+                  <a14:hiddenLine xmlns="" xmlns:a14="http://schemas.microsoft.com/office/drawing/2010/main" w="9525">
                     <a:solidFill>
                       <a:srgbClr val="000000"/>
                     </a:solidFill>
@@ -19066,7 +19066,7 @@
               </a:ln>
               <a:extLst>
                 <a:ext uri="{91240B29-F687-4f45-9708-019B960494DF}">
-                  <a14:hiddenLine xmlns:a14="http://schemas.microsoft.com/office/drawing/2010/main" xmlns="" w="9525">
+                  <a14:hiddenLine xmlns="" xmlns:a14="http://schemas.microsoft.com/office/drawing/2010/main" w="9525">
                     <a:solidFill>
                       <a:srgbClr val="000000"/>
                     </a:solidFill>
@@ -19181,7 +19181,7 @@
               </a:ln>
               <a:extLst>
                 <a:ext uri="{91240B29-F687-4f45-9708-019B960494DF}">
-                  <a14:hiddenLine xmlns:a14="http://schemas.microsoft.com/office/drawing/2010/main" xmlns="" w="9525">
+                  <a14:hiddenLine xmlns="" xmlns:a14="http://schemas.microsoft.com/office/drawing/2010/main" w="9525">
                     <a:solidFill>
                       <a:srgbClr val="000000"/>
                     </a:solidFill>
@@ -19271,7 +19271,7 @@
               </a:ln>
               <a:extLst>
                 <a:ext uri="{91240B29-F687-4f45-9708-019B960494DF}">
-                  <a14:hiddenLine xmlns:a14="http://schemas.microsoft.com/office/drawing/2010/main" xmlns="" w="9525">
+                  <a14:hiddenLine xmlns="" xmlns:a14="http://schemas.microsoft.com/office/drawing/2010/main" w="9525">
                     <a:solidFill>
                       <a:srgbClr val="000000"/>
                     </a:solidFill>
@@ -19336,7 +19336,7 @@
               </a:ln>
               <a:extLst>
                 <a:ext uri="{91240B29-F687-4f45-9708-019B960494DF}">
-                  <a14:hiddenLine xmlns:a14="http://schemas.microsoft.com/office/drawing/2010/main" xmlns="" w="9525">
+                  <a14:hiddenLine xmlns="" xmlns:a14="http://schemas.microsoft.com/office/drawing/2010/main" w="9525">
                     <a:solidFill>
                       <a:srgbClr val="000000"/>
                     </a:solidFill>
@@ -19426,7 +19426,7 @@
               </a:ln>
               <a:extLst>
                 <a:ext uri="{91240B29-F687-4f45-9708-019B960494DF}">
-                  <a14:hiddenLine xmlns:a14="http://schemas.microsoft.com/office/drawing/2010/main" xmlns="" w="9525">
+                  <a14:hiddenLine xmlns="" xmlns:a14="http://schemas.microsoft.com/office/drawing/2010/main" w="9525">
                     <a:solidFill>
                       <a:srgbClr val="000000"/>
                     </a:solidFill>
@@ -19494,7 +19494,7 @@
               </a:ln>
               <a:extLst>
                 <a:ext uri="{91240B29-F687-4f45-9708-019B960494DF}">
-                  <a14:hiddenLine xmlns:a14="http://schemas.microsoft.com/office/drawing/2010/main" xmlns="" w="9525">
+                  <a14:hiddenLine xmlns="" xmlns:a14="http://schemas.microsoft.com/office/drawing/2010/main" w="9525">
                     <a:solidFill>
                       <a:srgbClr val="000000"/>
                     </a:solidFill>
@@ -19584,7 +19584,7 @@
               </a:ln>
               <a:extLst>
                 <a:ext uri="{91240B29-F687-4f45-9708-019B960494DF}">
-                  <a14:hiddenLine xmlns:a14="http://schemas.microsoft.com/office/drawing/2010/main" xmlns="" w="9525">
+                  <a14:hiddenLine xmlns="" xmlns:a14="http://schemas.microsoft.com/office/drawing/2010/main" w="9525">
                     <a:solidFill>
                       <a:srgbClr val="000000"/>
                     </a:solidFill>
@@ -19652,7 +19652,7 @@
               </a:ln>
               <a:extLst>
                 <a:ext uri="{91240B29-F687-4f45-9708-019B960494DF}">
-                  <a14:hiddenLine xmlns:a14="http://schemas.microsoft.com/office/drawing/2010/main" xmlns="" w="9525">
+                  <a14:hiddenLine xmlns="" xmlns:a14="http://schemas.microsoft.com/office/drawing/2010/main" w="9525">
                     <a:solidFill>
                       <a:srgbClr val="000000"/>
                     </a:solidFill>
@@ -19742,7 +19742,7 @@
               </a:ln>
               <a:extLst>
                 <a:ext uri="{91240B29-F687-4f45-9708-019B960494DF}">
-                  <a14:hiddenLine xmlns:a14="http://schemas.microsoft.com/office/drawing/2010/main" xmlns="" w="9525">
+                  <a14:hiddenLine xmlns="" xmlns:a14="http://schemas.microsoft.com/office/drawing/2010/main" w="9525">
                     <a:solidFill>
                       <a:srgbClr val="000000"/>
                     </a:solidFill>
@@ -19776,7 +19776,7 @@
               </a:ln>
               <a:extLst>
                 <a:ext uri="{91240B29-F687-4f45-9708-019B960494DF}">
-                  <a14:hiddenLine xmlns:a14="http://schemas.microsoft.com/office/drawing/2010/main" xmlns="" w="9525">
+                  <a14:hiddenLine xmlns="" xmlns:a14="http://schemas.microsoft.com/office/drawing/2010/main" w="9525">
                     <a:solidFill>
                       <a:srgbClr val="000000"/>
                     </a:solidFill>
@@ -30832,7 +30832,7 @@
           <a:p>
             <a:r>
               <a:rPr lang="en-CA" dirty="0"/>
-              <a:t>FIN</a:t>
+              <a:t>\0</a:t>
             </a:r>
           </a:p>
         </p:txBody>

--- a/MakeVersionInfo/MakeVersionInfo.pptx
+++ b/MakeVersionInfo/MakeVersionInfo.pptx
@@ -3347,7 +3347,7 @@
           <a:p>
             <a:fld id="{857CC94D-E614-4874-A919-F25B27309A09}" type="datetimeFigureOut">
               <a:rPr lang="en-CA" smtClean="0"/>
-              <a:t>2025-01-05</a:t>
+              <a:t>2025-05-15</a:t>
             </a:fld>
             <a:endParaRPr lang="en-CA"/>
           </a:p>
@@ -6737,7 +6737,7 @@
           <a:noFill/>
           <a:extLst>
             <a:ext uri="{909E8E84-426E-40dd-AFC4-6F175D3DCCD1}">
-              <a14:hiddenFill xmlns="" xmlns:a14="http://schemas.microsoft.com/office/drawing/2010/main">
+              <a14:hiddenFill xmlns:a14="http://schemas.microsoft.com/office/drawing/2010/main" xmlns="">
                 <a:solidFill>
                   <a:srgbClr val="FFFFFF"/>
                 </a:solidFill>
@@ -6803,7 +6803,7 @@
             </a:ln>
             <a:extLst>
               <a:ext uri="{91240B29-F687-4f45-9708-019B960494DF}">
-                <a14:hiddenLine xmlns="" xmlns:a14="http://schemas.microsoft.com/office/drawing/2010/main" w="9525">
+                <a14:hiddenLine xmlns:a14="http://schemas.microsoft.com/office/drawing/2010/main" xmlns="" w="9525">
                   <a:solidFill>
                     <a:srgbClr val="000000"/>
                   </a:solidFill>
@@ -6893,7 +6893,7 @@
             </a:ln>
             <a:extLst>
               <a:ext uri="{91240B29-F687-4f45-9708-019B960494DF}">
-                <a14:hiddenLine xmlns="" xmlns:a14="http://schemas.microsoft.com/office/drawing/2010/main" w="9525">
+                <a14:hiddenLine xmlns:a14="http://schemas.microsoft.com/office/drawing/2010/main" xmlns="" w="9525">
                   <a:solidFill>
                     <a:srgbClr val="000000"/>
                   </a:solidFill>
@@ -6983,7 +6983,7 @@
             </a:ln>
             <a:extLst>
               <a:ext uri="{91240B29-F687-4f45-9708-019B960494DF}">
-                <a14:hiddenLine xmlns="" xmlns:a14="http://schemas.microsoft.com/office/drawing/2010/main" w="9525">
+                <a14:hiddenLine xmlns:a14="http://schemas.microsoft.com/office/drawing/2010/main" xmlns="" w="9525">
                   <a:solidFill>
                     <a:srgbClr val="000000"/>
                   </a:solidFill>
@@ -7017,7 +7017,7 @@
             </a:ln>
             <a:extLst>
               <a:ext uri="{91240B29-F687-4f45-9708-019B960494DF}">
-                <a14:hiddenLine xmlns="" xmlns:a14="http://schemas.microsoft.com/office/drawing/2010/main" w="9525">
+                <a14:hiddenLine xmlns:a14="http://schemas.microsoft.com/office/drawing/2010/main" xmlns="" w="9525">
                   <a:solidFill>
                     <a:srgbClr val="000000"/>
                   </a:solidFill>
@@ -7107,7 +7107,7 @@
             </a:ln>
             <a:extLst>
               <a:ext uri="{91240B29-F687-4f45-9708-019B960494DF}">
-                <a14:hiddenLine xmlns="" xmlns:a14="http://schemas.microsoft.com/office/drawing/2010/main" w="9525">
+                <a14:hiddenLine xmlns:a14="http://schemas.microsoft.com/office/drawing/2010/main" xmlns="" w="9525">
                   <a:solidFill>
                     <a:srgbClr val="000000"/>
                   </a:solidFill>
@@ -7169,7 +7169,7 @@
             </a:ln>
             <a:extLst>
               <a:ext uri="{91240B29-F687-4f45-9708-019B960494DF}">
-                <a14:hiddenLine xmlns="" xmlns:a14="http://schemas.microsoft.com/office/drawing/2010/main" w="9525">
+                <a14:hiddenLine xmlns:a14="http://schemas.microsoft.com/office/drawing/2010/main" xmlns="" w="9525">
                   <a:solidFill>
                     <a:srgbClr val="000000"/>
                   </a:solidFill>
@@ -7231,7 +7231,7 @@
             </a:ln>
             <a:extLst>
               <a:ext uri="{91240B29-F687-4f45-9708-019B960494DF}">
-                <a14:hiddenLine xmlns="" xmlns:a14="http://schemas.microsoft.com/office/drawing/2010/main" w="9525">
+                <a14:hiddenLine xmlns:a14="http://schemas.microsoft.com/office/drawing/2010/main" xmlns="" w="9525">
                   <a:solidFill>
                     <a:srgbClr val="000000"/>
                   </a:solidFill>
@@ -7321,7 +7321,7 @@
             </a:ln>
             <a:extLst>
               <a:ext uri="{91240B29-F687-4f45-9708-019B960494DF}">
-                <a14:hiddenLine xmlns="" xmlns:a14="http://schemas.microsoft.com/office/drawing/2010/main" w="9525">
+                <a14:hiddenLine xmlns:a14="http://schemas.microsoft.com/office/drawing/2010/main" xmlns="" w="9525">
                   <a:solidFill>
                     <a:srgbClr val="000000"/>
                   </a:solidFill>
@@ -7383,7 +7383,7 @@
             </a:ln>
             <a:extLst>
               <a:ext uri="{91240B29-F687-4f45-9708-019B960494DF}">
-                <a14:hiddenLine xmlns="" xmlns:a14="http://schemas.microsoft.com/office/drawing/2010/main" w="9525">
+                <a14:hiddenLine xmlns:a14="http://schemas.microsoft.com/office/drawing/2010/main" xmlns="" w="9525">
                   <a:solidFill>
                     <a:srgbClr val="000000"/>
                   </a:solidFill>
@@ -7445,7 +7445,7 @@
             </a:ln>
             <a:extLst>
               <a:ext uri="{91240B29-F687-4f45-9708-019B960494DF}">
-                <a14:hiddenLine xmlns="" xmlns:a14="http://schemas.microsoft.com/office/drawing/2010/main" w="9525">
+                <a14:hiddenLine xmlns:a14="http://schemas.microsoft.com/office/drawing/2010/main" xmlns="" w="9525">
                   <a:solidFill>
                     <a:srgbClr val="000000"/>
                   </a:solidFill>
@@ -7535,7 +7535,7 @@
             </a:ln>
             <a:extLst>
               <a:ext uri="{91240B29-F687-4f45-9708-019B960494DF}">
-                <a14:hiddenLine xmlns="" xmlns:a14="http://schemas.microsoft.com/office/drawing/2010/main" w="9525">
+                <a14:hiddenLine xmlns:a14="http://schemas.microsoft.com/office/drawing/2010/main" xmlns="" w="9525">
                   <a:solidFill>
                     <a:srgbClr val="000000"/>
                   </a:solidFill>
@@ -7625,7 +7625,7 @@
             </a:ln>
             <a:extLst>
               <a:ext uri="{91240B29-F687-4f45-9708-019B960494DF}">
-                <a14:hiddenLine xmlns="" xmlns:a14="http://schemas.microsoft.com/office/drawing/2010/main" w="9525">
+                <a14:hiddenLine xmlns:a14="http://schemas.microsoft.com/office/drawing/2010/main" xmlns="" w="9525">
                   <a:solidFill>
                     <a:srgbClr val="000000"/>
                   </a:solidFill>
@@ -7687,7 +7687,7 @@
             </a:ln>
             <a:extLst>
               <a:ext uri="{91240B29-F687-4f45-9708-019B960494DF}">
-                <a14:hiddenLine xmlns="" xmlns:a14="http://schemas.microsoft.com/office/drawing/2010/main" w="9525">
+                <a14:hiddenLine xmlns:a14="http://schemas.microsoft.com/office/drawing/2010/main" xmlns="" w="9525">
                   <a:solidFill>
                     <a:srgbClr val="000000"/>
                   </a:solidFill>
@@ -7797,7 +7797,7 @@
             </a:ln>
             <a:extLst>
               <a:ext uri="{91240B29-F687-4f45-9708-019B960494DF}">
-                <a14:hiddenLine xmlns="" xmlns:a14="http://schemas.microsoft.com/office/drawing/2010/main" w="9525">
+                <a14:hiddenLine xmlns:a14="http://schemas.microsoft.com/office/drawing/2010/main" xmlns="" w="9525">
                   <a:solidFill>
                     <a:srgbClr val="000000"/>
                   </a:solidFill>
@@ -7859,7 +7859,7 @@
             </a:ln>
             <a:extLst>
               <a:ext uri="{91240B29-F687-4f45-9708-019B960494DF}">
-                <a14:hiddenLine xmlns="" xmlns:a14="http://schemas.microsoft.com/office/drawing/2010/main" w="9525">
+                <a14:hiddenLine xmlns:a14="http://schemas.microsoft.com/office/drawing/2010/main" xmlns="" w="9525">
                   <a:solidFill>
                     <a:srgbClr val="000000"/>
                   </a:solidFill>
@@ -7949,7 +7949,7 @@
             </a:ln>
             <a:extLst>
               <a:ext uri="{91240B29-F687-4f45-9708-019B960494DF}">
-                <a14:hiddenLine xmlns="" xmlns:a14="http://schemas.microsoft.com/office/drawing/2010/main" w="9525">
+                <a14:hiddenLine xmlns:a14="http://schemas.microsoft.com/office/drawing/2010/main" xmlns="" w="9525">
                   <a:solidFill>
                     <a:srgbClr val="000000"/>
                   </a:solidFill>
@@ -8039,7 +8039,7 @@
             </a:ln>
             <a:extLst>
               <a:ext uri="{91240B29-F687-4f45-9708-019B960494DF}">
-                <a14:hiddenLine xmlns="" xmlns:a14="http://schemas.microsoft.com/office/drawing/2010/main" w="9525">
+                <a14:hiddenLine xmlns:a14="http://schemas.microsoft.com/office/drawing/2010/main" xmlns="" w="9525">
                   <a:solidFill>
                     <a:srgbClr val="000000"/>
                   </a:solidFill>
@@ -8101,7 +8101,7 @@
             </a:ln>
             <a:extLst>
               <a:ext uri="{91240B29-F687-4f45-9708-019B960494DF}">
-                <a14:hiddenLine xmlns="" xmlns:a14="http://schemas.microsoft.com/office/drawing/2010/main" w="9525">
+                <a14:hiddenLine xmlns:a14="http://schemas.microsoft.com/office/drawing/2010/main" xmlns="" w="9525">
                   <a:solidFill>
                     <a:srgbClr val="000000"/>
                   </a:solidFill>
@@ -8191,7 +8191,7 @@
             </a:ln>
             <a:extLst>
               <a:ext uri="{91240B29-F687-4f45-9708-019B960494DF}">
-                <a14:hiddenLine xmlns="" xmlns:a14="http://schemas.microsoft.com/office/drawing/2010/main" w="9525">
+                <a14:hiddenLine xmlns:a14="http://schemas.microsoft.com/office/drawing/2010/main" xmlns="" w="9525">
                   <a:solidFill>
                     <a:srgbClr val="000000"/>
                   </a:solidFill>
@@ -8281,7 +8281,7 @@
             </a:ln>
             <a:extLst>
               <a:ext uri="{91240B29-F687-4f45-9708-019B960494DF}">
-                <a14:hiddenLine xmlns="" xmlns:a14="http://schemas.microsoft.com/office/drawing/2010/main" w="9525">
+                <a14:hiddenLine xmlns:a14="http://schemas.microsoft.com/office/drawing/2010/main" xmlns="" w="9525">
                   <a:solidFill>
                     <a:srgbClr val="000000"/>
                   </a:solidFill>
@@ -8337,7 +8337,7 @@
             </a:ln>
             <a:extLst>
               <a:ext uri="{91240B29-F687-4f45-9708-019B960494DF}">
-                <a14:hiddenLine xmlns="" xmlns:a14="http://schemas.microsoft.com/office/drawing/2010/main" w="9525">
+                <a14:hiddenLine xmlns:a14="http://schemas.microsoft.com/office/drawing/2010/main" xmlns="" w="9525">
                   <a:solidFill>
                     <a:srgbClr val="000000"/>
                   </a:solidFill>
@@ -8427,7 +8427,7 @@
             </a:ln>
             <a:extLst>
               <a:ext uri="{91240B29-F687-4f45-9708-019B960494DF}">
-                <a14:hiddenLine xmlns="" xmlns:a14="http://schemas.microsoft.com/office/drawing/2010/main" w="9525">
+                <a14:hiddenLine xmlns:a14="http://schemas.microsoft.com/office/drawing/2010/main" xmlns="" w="9525">
                   <a:solidFill>
                     <a:srgbClr val="000000"/>
                   </a:solidFill>
@@ -8483,7 +8483,7 @@
             </a:ln>
             <a:extLst>
               <a:ext uri="{91240B29-F687-4f45-9708-019B960494DF}">
-                <a14:hiddenLine xmlns="" xmlns:a14="http://schemas.microsoft.com/office/drawing/2010/main" w="9525">
+                <a14:hiddenLine xmlns:a14="http://schemas.microsoft.com/office/drawing/2010/main" xmlns="" w="9525">
                   <a:solidFill>
                     <a:srgbClr val="000000"/>
                   </a:solidFill>
@@ -8573,7 +8573,7 @@
             </a:ln>
             <a:extLst>
               <a:ext uri="{91240B29-F687-4f45-9708-019B960494DF}">
-                <a14:hiddenLine xmlns="" xmlns:a14="http://schemas.microsoft.com/office/drawing/2010/main" w="9525">
+                <a14:hiddenLine xmlns:a14="http://schemas.microsoft.com/office/drawing/2010/main" xmlns="" w="9525">
                   <a:solidFill>
                     <a:srgbClr val="000000"/>
                   </a:solidFill>
@@ -8641,7 +8641,7 @@
             </a:ln>
             <a:extLst>
               <a:ext uri="{91240B29-F687-4f45-9708-019B960494DF}">
-                <a14:hiddenLine xmlns="" xmlns:a14="http://schemas.microsoft.com/office/drawing/2010/main" w="9525">
+                <a14:hiddenLine xmlns:a14="http://schemas.microsoft.com/office/drawing/2010/main" xmlns="" w="9525">
                   <a:solidFill>
                     <a:srgbClr val="000000"/>
                   </a:solidFill>
@@ -8731,7 +8731,7 @@
             </a:ln>
             <a:extLst>
               <a:ext uri="{91240B29-F687-4f45-9708-019B960494DF}">
-                <a14:hiddenLine xmlns="" xmlns:a14="http://schemas.microsoft.com/office/drawing/2010/main" w="9525">
+                <a14:hiddenLine xmlns:a14="http://schemas.microsoft.com/office/drawing/2010/main" xmlns="" w="9525">
                   <a:solidFill>
                     <a:srgbClr val="000000"/>
                   </a:solidFill>
@@ -8799,7 +8799,7 @@
             </a:ln>
             <a:extLst>
               <a:ext uri="{91240B29-F687-4f45-9708-019B960494DF}">
-                <a14:hiddenLine xmlns="" xmlns:a14="http://schemas.microsoft.com/office/drawing/2010/main" w="9525">
+                <a14:hiddenLine xmlns:a14="http://schemas.microsoft.com/office/drawing/2010/main" xmlns="" w="9525">
                   <a:solidFill>
                     <a:srgbClr val="000000"/>
                   </a:solidFill>
@@ -8889,7 +8889,7 @@
             </a:ln>
             <a:extLst>
               <a:ext uri="{91240B29-F687-4f45-9708-019B960494DF}">
-                <a14:hiddenLine xmlns="" xmlns:a14="http://schemas.microsoft.com/office/drawing/2010/main" w="9525">
+                <a14:hiddenLine xmlns:a14="http://schemas.microsoft.com/office/drawing/2010/main" xmlns="" w="9525">
                   <a:solidFill>
                     <a:srgbClr val="000000"/>
                   </a:solidFill>
@@ -8923,7 +8923,7 @@
             </a:ln>
             <a:extLst>
               <a:ext uri="{91240B29-F687-4f45-9708-019B960494DF}">
-                <a14:hiddenLine xmlns="" xmlns:a14="http://schemas.microsoft.com/office/drawing/2010/main" w="9525">
+                <a14:hiddenLine xmlns:a14="http://schemas.microsoft.com/office/drawing/2010/main" xmlns="" w="9525">
                   <a:solidFill>
                     <a:srgbClr val="000000"/>
                   </a:solidFill>
@@ -9013,7 +9013,7 @@
             </a:ln>
             <a:extLst>
               <a:ext uri="{91240B29-F687-4f45-9708-019B960494DF}">
-                <a14:hiddenLine xmlns="" xmlns:a14="http://schemas.microsoft.com/office/drawing/2010/main" w="9525">
+                <a14:hiddenLine xmlns:a14="http://schemas.microsoft.com/office/drawing/2010/main" xmlns="" w="9525">
                   <a:solidFill>
                     <a:srgbClr val="000000"/>
                   </a:solidFill>
@@ -9075,7 +9075,7 @@
             </a:ln>
             <a:extLst>
               <a:ext uri="{91240B29-F687-4f45-9708-019B960494DF}">
-                <a14:hiddenLine xmlns="" xmlns:a14="http://schemas.microsoft.com/office/drawing/2010/main" w="9525">
+                <a14:hiddenLine xmlns:a14="http://schemas.microsoft.com/office/drawing/2010/main" xmlns="" w="9525">
                   <a:solidFill>
                     <a:srgbClr val="000000"/>
                   </a:solidFill>
@@ -9137,7 +9137,7 @@
             </a:ln>
             <a:extLst>
               <a:ext uri="{91240B29-F687-4f45-9708-019B960494DF}">
-                <a14:hiddenLine xmlns="" xmlns:a14="http://schemas.microsoft.com/office/drawing/2010/main" w="9525">
+                <a14:hiddenLine xmlns:a14="http://schemas.microsoft.com/office/drawing/2010/main" xmlns="" w="9525">
                   <a:solidFill>
                     <a:srgbClr val="000000"/>
                   </a:solidFill>
@@ -9227,7 +9227,7 @@
             </a:ln>
             <a:extLst>
               <a:ext uri="{91240B29-F687-4f45-9708-019B960494DF}">
-                <a14:hiddenLine xmlns="" xmlns:a14="http://schemas.microsoft.com/office/drawing/2010/main" w="9525">
+                <a14:hiddenLine xmlns:a14="http://schemas.microsoft.com/office/drawing/2010/main" xmlns="" w="9525">
                   <a:solidFill>
                     <a:srgbClr val="000000"/>
                   </a:solidFill>
@@ -9295,7 +9295,7 @@
             </a:ln>
             <a:extLst>
               <a:ext uri="{91240B29-F687-4f45-9708-019B960494DF}">
-                <a14:hiddenLine xmlns="" xmlns:a14="http://schemas.microsoft.com/office/drawing/2010/main" w="9525">
+                <a14:hiddenLine xmlns:a14="http://schemas.microsoft.com/office/drawing/2010/main" xmlns="" w="9525">
                   <a:solidFill>
                     <a:srgbClr val="000000"/>
                   </a:solidFill>
@@ -9357,7 +9357,7 @@
             </a:ln>
             <a:extLst>
               <a:ext uri="{91240B29-F687-4f45-9708-019B960494DF}">
-                <a14:hiddenLine xmlns="" xmlns:a14="http://schemas.microsoft.com/office/drawing/2010/main" w="9525">
+                <a14:hiddenLine xmlns:a14="http://schemas.microsoft.com/office/drawing/2010/main" xmlns="" w="9525">
                   <a:solidFill>
                     <a:srgbClr val="000000"/>
                   </a:solidFill>
@@ -9447,7 +9447,7 @@
             </a:ln>
             <a:extLst>
               <a:ext uri="{91240B29-F687-4f45-9708-019B960494DF}">
-                <a14:hiddenLine xmlns="" xmlns:a14="http://schemas.microsoft.com/office/drawing/2010/main" w="9525">
+                <a14:hiddenLine xmlns:a14="http://schemas.microsoft.com/office/drawing/2010/main" xmlns="" w="9525">
                   <a:solidFill>
                     <a:srgbClr val="000000"/>
                   </a:solidFill>
@@ -9509,7 +9509,7 @@
             </a:ln>
             <a:extLst>
               <a:ext uri="{91240B29-F687-4f45-9708-019B960494DF}">
-                <a14:hiddenLine xmlns="" xmlns:a14="http://schemas.microsoft.com/office/drawing/2010/main" w="9525">
+                <a14:hiddenLine xmlns:a14="http://schemas.microsoft.com/office/drawing/2010/main" xmlns="" w="9525">
                   <a:solidFill>
                     <a:srgbClr val="000000"/>
                   </a:solidFill>
@@ -9599,7 +9599,7 @@
             </a:ln>
             <a:extLst>
               <a:ext uri="{91240B29-F687-4f45-9708-019B960494DF}">
-                <a14:hiddenLine xmlns="" xmlns:a14="http://schemas.microsoft.com/office/drawing/2010/main" w="9525">
+                <a14:hiddenLine xmlns:a14="http://schemas.microsoft.com/office/drawing/2010/main" xmlns="" w="9525">
                   <a:solidFill>
                     <a:srgbClr val="000000"/>
                   </a:solidFill>
@@ -9661,7 +9661,7 @@
             </a:ln>
             <a:extLst>
               <a:ext uri="{91240B29-F687-4f45-9708-019B960494DF}">
-                <a14:hiddenLine xmlns="" xmlns:a14="http://schemas.microsoft.com/office/drawing/2010/main" w="9525">
+                <a14:hiddenLine xmlns:a14="http://schemas.microsoft.com/office/drawing/2010/main" xmlns="" w="9525">
                   <a:solidFill>
                     <a:srgbClr val="000000"/>
                   </a:solidFill>
@@ -9751,7 +9751,7 @@
             </a:ln>
             <a:extLst>
               <a:ext uri="{91240B29-F687-4f45-9708-019B960494DF}">
-                <a14:hiddenLine xmlns="" xmlns:a14="http://schemas.microsoft.com/office/drawing/2010/main" w="9525">
+                <a14:hiddenLine xmlns:a14="http://schemas.microsoft.com/office/drawing/2010/main" xmlns="" w="9525">
                   <a:solidFill>
                     <a:srgbClr val="000000"/>
                   </a:solidFill>
@@ -9785,7 +9785,7 @@
             </a:ln>
             <a:extLst>
               <a:ext uri="{91240B29-F687-4f45-9708-019B960494DF}">
-                <a14:hiddenLine xmlns="" xmlns:a14="http://schemas.microsoft.com/office/drawing/2010/main" w="9525">
+                <a14:hiddenLine xmlns:a14="http://schemas.microsoft.com/office/drawing/2010/main" xmlns="" w="9525">
                   <a:solidFill>
                     <a:srgbClr val="000000"/>
                   </a:solidFill>
@@ -9850,7 +9850,7 @@
             </a:ln>
             <a:extLst>
               <a:ext uri="{91240B29-F687-4f45-9708-019B960494DF}">
-                <a14:hiddenLine xmlns="" xmlns:a14="http://schemas.microsoft.com/office/drawing/2010/main" w="9525">
+                <a14:hiddenLine xmlns:a14="http://schemas.microsoft.com/office/drawing/2010/main" xmlns="" w="9525">
                   <a:solidFill>
                     <a:srgbClr val="000000"/>
                   </a:solidFill>
@@ -9940,7 +9940,7 @@
             </a:ln>
             <a:extLst>
               <a:ext uri="{91240B29-F687-4f45-9708-019B960494DF}">
-                <a14:hiddenLine xmlns="" xmlns:a14="http://schemas.microsoft.com/office/drawing/2010/main" w="9525">
+                <a14:hiddenLine xmlns:a14="http://schemas.microsoft.com/office/drawing/2010/main" xmlns="" w="9525">
                   <a:solidFill>
                     <a:srgbClr val="000000"/>
                   </a:solidFill>
@@ -10002,7 +10002,7 @@
             </a:ln>
             <a:extLst>
               <a:ext uri="{91240B29-F687-4f45-9708-019B960494DF}">
-                <a14:hiddenLine xmlns="" xmlns:a14="http://schemas.microsoft.com/office/drawing/2010/main" w="9525">
+                <a14:hiddenLine xmlns:a14="http://schemas.microsoft.com/office/drawing/2010/main" xmlns="" w="9525">
                   <a:solidFill>
                     <a:srgbClr val="000000"/>
                   </a:solidFill>
@@ -10092,7 +10092,7 @@
             </a:ln>
             <a:extLst>
               <a:ext uri="{91240B29-F687-4f45-9708-019B960494DF}">
-                <a14:hiddenLine xmlns="" xmlns:a14="http://schemas.microsoft.com/office/drawing/2010/main" w="9525">
+                <a14:hiddenLine xmlns:a14="http://schemas.microsoft.com/office/drawing/2010/main" xmlns="" w="9525">
                   <a:solidFill>
                     <a:srgbClr val="000000"/>
                   </a:solidFill>
@@ -10182,7 +10182,7 @@
             </a:ln>
             <a:extLst>
               <a:ext uri="{91240B29-F687-4f45-9708-019B960494DF}">
-                <a14:hiddenLine xmlns="" xmlns:a14="http://schemas.microsoft.com/office/drawing/2010/main" w="9525">
+                <a14:hiddenLine xmlns:a14="http://schemas.microsoft.com/office/drawing/2010/main" xmlns="" w="9525">
                   <a:solidFill>
                     <a:srgbClr val="000000"/>
                   </a:solidFill>
@@ -10247,7 +10247,7 @@
             </a:ln>
             <a:extLst>
               <a:ext uri="{91240B29-F687-4f45-9708-019B960494DF}">
-                <a14:hiddenLine xmlns="" xmlns:a14="http://schemas.microsoft.com/office/drawing/2010/main" w="9525">
+                <a14:hiddenLine xmlns:a14="http://schemas.microsoft.com/office/drawing/2010/main" xmlns="" w="9525">
                   <a:solidFill>
                     <a:srgbClr val="000000"/>
                   </a:solidFill>
@@ -10309,7 +10309,7 @@
             </a:ln>
             <a:extLst>
               <a:ext uri="{91240B29-F687-4f45-9708-019B960494DF}">
-                <a14:hiddenLine xmlns="" xmlns:a14="http://schemas.microsoft.com/office/drawing/2010/main" w="9525">
+                <a14:hiddenLine xmlns:a14="http://schemas.microsoft.com/office/drawing/2010/main" xmlns="" w="9525">
                   <a:solidFill>
                     <a:srgbClr val="000000"/>
                   </a:solidFill>
@@ -10399,7 +10399,7 @@
             </a:ln>
             <a:extLst>
               <a:ext uri="{91240B29-F687-4f45-9708-019B960494DF}">
-                <a14:hiddenLine xmlns="" xmlns:a14="http://schemas.microsoft.com/office/drawing/2010/main" w="9525">
+                <a14:hiddenLine xmlns:a14="http://schemas.microsoft.com/office/drawing/2010/main" xmlns="" w="9525">
                   <a:solidFill>
                     <a:srgbClr val="000000"/>
                   </a:solidFill>
@@ -10489,7 +10489,7 @@
             </a:ln>
             <a:extLst>
               <a:ext uri="{91240B29-F687-4f45-9708-019B960494DF}">
-                <a14:hiddenLine xmlns="" xmlns:a14="http://schemas.microsoft.com/office/drawing/2010/main" w="9525">
+                <a14:hiddenLine xmlns:a14="http://schemas.microsoft.com/office/drawing/2010/main" xmlns="" w="9525">
                   <a:solidFill>
                     <a:srgbClr val="000000"/>
                   </a:solidFill>
@@ -10551,7 +10551,7 @@
             </a:ln>
             <a:extLst>
               <a:ext uri="{91240B29-F687-4f45-9708-019B960494DF}">
-                <a14:hiddenLine xmlns="" xmlns:a14="http://schemas.microsoft.com/office/drawing/2010/main" w="9525">
+                <a14:hiddenLine xmlns:a14="http://schemas.microsoft.com/office/drawing/2010/main" xmlns="" w="9525">
                   <a:solidFill>
                     <a:srgbClr val="000000"/>
                   </a:solidFill>
@@ -10671,7 +10671,7 @@
             </a:ln>
             <a:extLst>
               <a:ext uri="{91240B29-F687-4f45-9708-019B960494DF}">
-                <a14:hiddenLine xmlns="" xmlns:a14="http://schemas.microsoft.com/office/drawing/2010/main" w="9525">
+                <a14:hiddenLine xmlns:a14="http://schemas.microsoft.com/office/drawing/2010/main" xmlns="" w="9525">
                   <a:solidFill>
                     <a:srgbClr val="000000"/>
                   </a:solidFill>
@@ -10739,7 +10739,7 @@
             </a:ln>
             <a:extLst>
               <a:ext uri="{91240B29-F687-4f45-9708-019B960494DF}">
-                <a14:hiddenLine xmlns="" xmlns:a14="http://schemas.microsoft.com/office/drawing/2010/main" w="9525">
+                <a14:hiddenLine xmlns:a14="http://schemas.microsoft.com/office/drawing/2010/main" xmlns="" w="9525">
                   <a:solidFill>
                     <a:srgbClr val="000000"/>
                   </a:solidFill>
@@ -10829,7 +10829,7 @@
             </a:ln>
             <a:extLst>
               <a:ext uri="{91240B29-F687-4f45-9708-019B960494DF}">
-                <a14:hiddenLine xmlns="" xmlns:a14="http://schemas.microsoft.com/office/drawing/2010/main" w="9525">
+                <a14:hiddenLine xmlns:a14="http://schemas.microsoft.com/office/drawing/2010/main" xmlns="" w="9525">
                   <a:solidFill>
                     <a:srgbClr val="000000"/>
                   </a:solidFill>
@@ -11016,8 +11016,8 @@
           </a:lstStyle>
           <a:p>
             <a:r>
-              <a:rPr lang="en-US"/>
-              <a:t>2024-08-17</a:t>
+              <a:rPr lang="en-CA"/>
+              <a:t>2025-05-15</a:t>
             </a:r>
             <a:endParaRPr lang="en-US" dirty="0"/>
           </a:p>
@@ -11326,8 +11326,8 @@
           <a:lstStyle/>
           <a:p>
             <a:r>
-              <a:rPr lang="en-US"/>
-              <a:t>2024-08-17</a:t>
+              <a:rPr lang="en-CA"/>
+              <a:t>2025-05-15</a:t>
             </a:r>
             <a:endParaRPr lang="en-US" dirty="0"/>
           </a:p>
@@ -11599,8 +11599,8 @@
           <a:lstStyle/>
           <a:p>
             <a:r>
-              <a:rPr lang="en-US"/>
-              <a:t>2024-08-17</a:t>
+              <a:rPr lang="en-CA"/>
+              <a:t>2025-05-15</a:t>
             </a:r>
             <a:endParaRPr lang="en-US" dirty="0"/>
           </a:p>
@@ -11843,8 +11843,8 @@
           </a:lstStyle>
           <a:p>
             <a:r>
-              <a:rPr lang="en-US"/>
-              <a:t>2024-08-17</a:t>
+              <a:rPr lang="en-CA"/>
+              <a:t>2025-05-15</a:t>
             </a:r>
             <a:endParaRPr lang="en-US" dirty="0"/>
           </a:p>
@@ -12131,8 +12131,8 @@
           <a:lstStyle/>
           <a:p>
             <a:r>
-              <a:rPr lang="en-US"/>
-              <a:t>2024-08-17</a:t>
+              <a:rPr lang="en-CA"/>
+              <a:t>2025-05-15</a:t>
             </a:r>
             <a:endParaRPr lang="en-US" dirty="0"/>
           </a:p>
@@ -12633,8 +12633,8 @@
           <a:lstStyle/>
           <a:p>
             <a:r>
-              <a:rPr lang="en-US"/>
-              <a:t>2024-08-17</a:t>
+              <a:rPr lang="en-CA"/>
+              <a:t>2025-05-15</a:t>
             </a:r>
             <a:endParaRPr lang="en-US" dirty="0"/>
           </a:p>
@@ -13291,8 +13291,8 @@
           <a:lstStyle/>
           <a:p>
             <a:r>
-              <a:rPr lang="en-US"/>
-              <a:t>2024-08-17</a:t>
+              <a:rPr lang="en-CA"/>
+              <a:t>2025-05-15</a:t>
             </a:r>
             <a:endParaRPr lang="en-US" dirty="0"/>
           </a:p>
@@ -14027,8 +14027,8 @@
           <a:lstStyle/>
           <a:p>
             <a:r>
-              <a:rPr lang="en-US"/>
-              <a:t>2024-08-17</a:t>
+              <a:rPr lang="en-CA"/>
+              <a:t>2025-05-15</a:t>
             </a:r>
             <a:endParaRPr lang="en-US" dirty="0"/>
           </a:p>
@@ -14213,8 +14213,8 @@
           <a:lstStyle/>
           <a:p>
             <a:r>
-              <a:rPr lang="en-US"/>
-              <a:t>2024-08-17</a:t>
+              <a:rPr lang="en-CA"/>
+              <a:t>2025-05-15</a:t>
             </a:r>
             <a:endParaRPr lang="en-US" dirty="0"/>
           </a:p>
@@ -14409,8 +14409,8 @@
           <a:lstStyle/>
           <a:p>
             <a:r>
-              <a:rPr lang="en-US"/>
-              <a:t>2024-08-17</a:t>
+              <a:rPr lang="en-CA"/>
+              <a:t>2025-05-15</a:t>
             </a:r>
             <a:endParaRPr lang="en-US" dirty="0"/>
           </a:p>
@@ -14618,10 +14618,9 @@
           <a:lstStyle/>
           <a:p>
             <a:r>
-              <a:rPr lang="en-US"/>
-              <a:t>2024-08-17</a:t>
-            </a:r>
-            <a:endParaRPr lang="en-CA"/>
+              <a:rPr lang="en-CA"/>
+              <a:t>2025-05-15</a:t>
+            </a:r>
           </a:p>
         </p:txBody>
       </p:sp>
@@ -14798,8 +14797,8 @@
           <a:lstStyle/>
           <a:p>
             <a:r>
-              <a:rPr lang="en-US"/>
-              <a:t>2024-08-17</a:t>
+              <a:rPr lang="en-CA"/>
+              <a:t>2025-05-15</a:t>
             </a:r>
             <a:endParaRPr lang="en-US" dirty="0"/>
           </a:p>
@@ -15100,8 +15099,8 @@
           </a:lstStyle>
           <a:p>
             <a:r>
-              <a:rPr lang="en-US"/>
-              <a:t>2024-08-17</a:t>
+              <a:rPr lang="en-CA"/>
+              <a:t>2025-05-15</a:t>
             </a:r>
             <a:endParaRPr lang="en-US" dirty="0"/>
           </a:p>
@@ -15357,8 +15356,8 @@
           <a:lstStyle/>
           <a:p>
             <a:r>
-              <a:rPr lang="en-US"/>
-              <a:t>2024-08-17</a:t>
+              <a:rPr lang="en-CA"/>
+              <a:t>2025-05-15</a:t>
             </a:r>
             <a:endParaRPr lang="en-US" dirty="0"/>
           </a:p>
@@ -15754,8 +15753,8 @@
           <a:lstStyle/>
           <a:p>
             <a:r>
-              <a:rPr lang="en-US"/>
-              <a:t>2024-08-17</a:t>
+              <a:rPr lang="en-CA"/>
+              <a:t>2025-05-15</a:t>
             </a:r>
             <a:endParaRPr lang="en-US" dirty="0"/>
           </a:p>
@@ -15920,8 +15919,8 @@
           </a:lstStyle>
           <a:p>
             <a:r>
-              <a:rPr lang="en-US"/>
-              <a:t>2024-08-17</a:t>
+              <a:rPr lang="en-CA"/>
+              <a:t>2025-05-15</a:t>
             </a:r>
             <a:endParaRPr lang="en-US" dirty="0"/>
           </a:p>
@@ -16040,8 +16039,8 @@
           <a:lstStyle/>
           <a:p>
             <a:r>
-              <a:rPr lang="en-US"/>
-              <a:t>2024-08-17</a:t>
+              <a:rPr lang="en-CA"/>
+              <a:t>2025-05-15</a:t>
             </a:r>
             <a:endParaRPr lang="en-US" dirty="0"/>
           </a:p>
@@ -16305,8 +16304,8 @@
           <a:lstStyle/>
           <a:p>
             <a:r>
-              <a:rPr lang="en-US"/>
-              <a:t>2024-08-17</a:t>
+              <a:rPr lang="en-CA"/>
+              <a:t>2025-05-15</a:t>
             </a:r>
             <a:endParaRPr lang="en-US" dirty="0"/>
           </a:p>
@@ -16669,8 +16668,8 @@
           <a:lstStyle/>
           <a:p>
             <a:r>
-              <a:rPr lang="en-US"/>
-              <a:t>2024-08-17</a:t>
+              <a:rPr lang="en-CA"/>
+              <a:t>2025-05-15</a:t>
             </a:r>
             <a:endParaRPr lang="en-US" dirty="0"/>
           </a:p>
@@ -16949,7 +16948,7 @@
           <a:noFill/>
           <a:extLst>
             <a:ext uri="{909E8E84-426E-40dd-AFC4-6F175D3DCCD1}">
-              <a14:hiddenFill xmlns="" xmlns:a14="http://schemas.microsoft.com/office/drawing/2010/main">
+              <a14:hiddenFill xmlns:a14="http://schemas.microsoft.com/office/drawing/2010/main" xmlns="">
                 <a:solidFill>
                   <a:srgbClr val="FFFFFF"/>
                 </a:solidFill>
@@ -17029,7 +17028,7 @@
               </a:ln>
               <a:extLst>
                 <a:ext uri="{91240B29-F687-4f45-9708-019B960494DF}">
-                  <a14:hiddenLine xmlns="" xmlns:a14="http://schemas.microsoft.com/office/drawing/2010/main" w="9525">
+                  <a14:hiddenLine xmlns:a14="http://schemas.microsoft.com/office/drawing/2010/main" xmlns="" w="9525">
                     <a:solidFill>
                       <a:srgbClr val="000000"/>
                     </a:solidFill>
@@ -17119,7 +17118,7 @@
               </a:ln>
               <a:extLst>
                 <a:ext uri="{91240B29-F687-4f45-9708-019B960494DF}">
-                  <a14:hiddenLine xmlns="" xmlns:a14="http://schemas.microsoft.com/office/drawing/2010/main" w="9525">
+                  <a14:hiddenLine xmlns:a14="http://schemas.microsoft.com/office/drawing/2010/main" xmlns="" w="9525">
                     <a:solidFill>
                       <a:srgbClr val="000000"/>
                     </a:solidFill>
@@ -17209,7 +17208,7 @@
               </a:ln>
               <a:extLst>
                 <a:ext uri="{91240B29-F687-4f45-9708-019B960494DF}">
-                  <a14:hiddenLine xmlns="" xmlns:a14="http://schemas.microsoft.com/office/drawing/2010/main" w="9525">
+                  <a14:hiddenLine xmlns:a14="http://schemas.microsoft.com/office/drawing/2010/main" xmlns="" w="9525">
                     <a:solidFill>
                       <a:srgbClr val="000000"/>
                     </a:solidFill>
@@ -17271,7 +17270,7 @@
               </a:ln>
               <a:extLst>
                 <a:ext uri="{91240B29-F687-4f45-9708-019B960494DF}">
-                  <a14:hiddenLine xmlns="" xmlns:a14="http://schemas.microsoft.com/office/drawing/2010/main" w="9525">
+                  <a14:hiddenLine xmlns:a14="http://schemas.microsoft.com/office/drawing/2010/main" xmlns="" w="9525">
                     <a:solidFill>
                       <a:srgbClr val="000000"/>
                     </a:solidFill>
@@ -17361,7 +17360,7 @@
               </a:ln>
               <a:extLst>
                 <a:ext uri="{91240B29-F687-4f45-9708-019B960494DF}">
-                  <a14:hiddenLine xmlns="" xmlns:a14="http://schemas.microsoft.com/office/drawing/2010/main" w="9525">
+                  <a14:hiddenLine xmlns:a14="http://schemas.microsoft.com/office/drawing/2010/main" xmlns="" w="9525">
                     <a:solidFill>
                       <a:srgbClr val="000000"/>
                     </a:solidFill>
@@ -17423,7 +17422,7 @@
               </a:ln>
               <a:extLst>
                 <a:ext uri="{91240B29-F687-4f45-9708-019B960494DF}">
-                  <a14:hiddenLine xmlns="" xmlns:a14="http://schemas.microsoft.com/office/drawing/2010/main" w="9525">
+                  <a14:hiddenLine xmlns:a14="http://schemas.microsoft.com/office/drawing/2010/main" xmlns="" w="9525">
                     <a:solidFill>
                       <a:srgbClr val="000000"/>
                     </a:solidFill>
@@ -17485,7 +17484,7 @@
               </a:ln>
               <a:extLst>
                 <a:ext uri="{91240B29-F687-4f45-9708-019B960494DF}">
-                  <a14:hiddenLine xmlns="" xmlns:a14="http://schemas.microsoft.com/office/drawing/2010/main" w="9525">
+                  <a14:hiddenLine xmlns:a14="http://schemas.microsoft.com/office/drawing/2010/main" xmlns="" w="9525">
                     <a:solidFill>
                       <a:srgbClr val="000000"/>
                     </a:solidFill>
@@ -17575,7 +17574,7 @@
               </a:ln>
               <a:extLst>
                 <a:ext uri="{91240B29-F687-4f45-9708-019B960494DF}">
-                  <a14:hiddenLine xmlns="" xmlns:a14="http://schemas.microsoft.com/office/drawing/2010/main" w="9525">
+                  <a14:hiddenLine xmlns:a14="http://schemas.microsoft.com/office/drawing/2010/main" xmlns="" w="9525">
                     <a:solidFill>
                       <a:srgbClr val="000000"/>
                     </a:solidFill>
@@ -17665,7 +17664,7 @@
               </a:ln>
               <a:extLst>
                 <a:ext uri="{91240B29-F687-4f45-9708-019B960494DF}">
-                  <a14:hiddenLine xmlns="" xmlns:a14="http://schemas.microsoft.com/office/drawing/2010/main" w="9525">
+                  <a14:hiddenLine xmlns:a14="http://schemas.microsoft.com/office/drawing/2010/main" xmlns="" w="9525">
                     <a:solidFill>
                       <a:srgbClr val="000000"/>
                     </a:solidFill>
@@ -17727,7 +17726,7 @@
               </a:ln>
               <a:extLst>
                 <a:ext uri="{91240B29-F687-4f45-9708-019B960494DF}">
-                  <a14:hiddenLine xmlns="" xmlns:a14="http://schemas.microsoft.com/office/drawing/2010/main" w="9525">
+                  <a14:hiddenLine xmlns:a14="http://schemas.microsoft.com/office/drawing/2010/main" xmlns="" w="9525">
                     <a:solidFill>
                       <a:srgbClr val="000000"/>
                     </a:solidFill>
@@ -17837,7 +17836,7 @@
               </a:ln>
               <a:extLst>
                 <a:ext uri="{91240B29-F687-4f45-9708-019B960494DF}">
-                  <a14:hiddenLine xmlns="" xmlns:a14="http://schemas.microsoft.com/office/drawing/2010/main" w="9525">
+                  <a14:hiddenLine xmlns:a14="http://schemas.microsoft.com/office/drawing/2010/main" xmlns="" w="9525">
                     <a:solidFill>
                       <a:srgbClr val="000000"/>
                     </a:solidFill>
@@ -17921,7 +17920,7 @@
               </a:ln>
               <a:extLst>
                 <a:ext uri="{91240B29-F687-4f45-9708-019B960494DF}">
-                  <a14:hiddenLine xmlns="" xmlns:a14="http://schemas.microsoft.com/office/drawing/2010/main" w="9525">
+                  <a14:hiddenLine xmlns:a14="http://schemas.microsoft.com/office/drawing/2010/main" xmlns="" w="9525">
                     <a:solidFill>
                       <a:srgbClr val="000000"/>
                     </a:solidFill>
@@ -17983,7 +17982,7 @@
               </a:ln>
               <a:extLst>
                 <a:ext uri="{91240B29-F687-4f45-9708-019B960494DF}">
-                  <a14:hiddenLine xmlns="" xmlns:a14="http://schemas.microsoft.com/office/drawing/2010/main" w="9525">
+                  <a14:hiddenLine xmlns:a14="http://schemas.microsoft.com/office/drawing/2010/main" xmlns="" w="9525">
                     <a:solidFill>
                       <a:srgbClr val="000000"/>
                     </a:solidFill>
@@ -18045,7 +18044,7 @@
               </a:ln>
               <a:extLst>
                 <a:ext uri="{91240B29-F687-4f45-9708-019B960494DF}">
-                  <a14:hiddenLine xmlns="" xmlns:a14="http://schemas.microsoft.com/office/drawing/2010/main" w="9525">
+                  <a14:hiddenLine xmlns:a14="http://schemas.microsoft.com/office/drawing/2010/main" xmlns="" w="9525">
                     <a:solidFill>
                       <a:srgbClr val="000000"/>
                     </a:solidFill>
@@ -18135,7 +18134,7 @@
               </a:ln>
               <a:extLst>
                 <a:ext uri="{91240B29-F687-4f45-9708-019B960494DF}">
-                  <a14:hiddenLine xmlns="" xmlns:a14="http://schemas.microsoft.com/office/drawing/2010/main" w="9525">
+                  <a14:hiddenLine xmlns:a14="http://schemas.microsoft.com/office/drawing/2010/main" xmlns="" w="9525">
                     <a:solidFill>
                       <a:srgbClr val="000000"/>
                     </a:solidFill>
@@ -18169,7 +18168,7 @@
               </a:ln>
               <a:extLst>
                 <a:ext uri="{91240B29-F687-4f45-9708-019B960494DF}">
-                  <a14:hiddenLine xmlns="" xmlns:a14="http://schemas.microsoft.com/office/drawing/2010/main" w="9525">
+                  <a14:hiddenLine xmlns:a14="http://schemas.microsoft.com/office/drawing/2010/main" xmlns="" w="9525">
                     <a:solidFill>
                       <a:srgbClr val="000000"/>
                     </a:solidFill>
@@ -18234,7 +18233,7 @@
               </a:ln>
               <a:extLst>
                 <a:ext uri="{91240B29-F687-4f45-9708-019B960494DF}">
-                  <a14:hiddenLine xmlns="" xmlns:a14="http://schemas.microsoft.com/office/drawing/2010/main" w="9525">
+                  <a14:hiddenLine xmlns:a14="http://schemas.microsoft.com/office/drawing/2010/main" xmlns="" w="9525">
                     <a:solidFill>
                       <a:srgbClr val="000000"/>
                     </a:solidFill>
@@ -18324,7 +18323,7 @@
               </a:ln>
               <a:extLst>
                 <a:ext uri="{91240B29-F687-4f45-9708-019B960494DF}">
-                  <a14:hiddenLine xmlns="" xmlns:a14="http://schemas.microsoft.com/office/drawing/2010/main" w="9525">
+                  <a14:hiddenLine xmlns:a14="http://schemas.microsoft.com/office/drawing/2010/main" xmlns="" w="9525">
                     <a:solidFill>
                       <a:srgbClr val="000000"/>
                     </a:solidFill>
@@ -18386,7 +18385,7 @@
               </a:ln>
               <a:extLst>
                 <a:ext uri="{91240B29-F687-4f45-9708-019B960494DF}">
-                  <a14:hiddenLine xmlns="" xmlns:a14="http://schemas.microsoft.com/office/drawing/2010/main" w="9525">
+                  <a14:hiddenLine xmlns:a14="http://schemas.microsoft.com/office/drawing/2010/main" xmlns="" w="9525">
                     <a:solidFill>
                       <a:srgbClr val="000000"/>
                     </a:solidFill>
@@ -18476,7 +18475,7 @@
               </a:ln>
               <a:extLst>
                 <a:ext uri="{91240B29-F687-4f45-9708-019B960494DF}">
-                  <a14:hiddenLine xmlns="" xmlns:a14="http://schemas.microsoft.com/office/drawing/2010/main" w="9525">
+                  <a14:hiddenLine xmlns:a14="http://schemas.microsoft.com/office/drawing/2010/main" xmlns="" w="9525">
                     <a:solidFill>
                       <a:srgbClr val="000000"/>
                     </a:solidFill>
@@ -18541,7 +18540,7 @@
               </a:ln>
               <a:extLst>
                 <a:ext uri="{91240B29-F687-4f45-9708-019B960494DF}">
-                  <a14:hiddenLine xmlns="" xmlns:a14="http://schemas.microsoft.com/office/drawing/2010/main" w="9525">
+                  <a14:hiddenLine xmlns:a14="http://schemas.microsoft.com/office/drawing/2010/main" xmlns="" w="9525">
                     <a:solidFill>
                       <a:srgbClr val="000000"/>
                     </a:solidFill>
@@ -18603,7 +18602,7 @@
               </a:ln>
               <a:extLst>
                 <a:ext uri="{91240B29-F687-4f45-9708-019B960494DF}">
-                  <a14:hiddenLine xmlns="" xmlns:a14="http://schemas.microsoft.com/office/drawing/2010/main" w="9525">
+                  <a14:hiddenLine xmlns:a14="http://schemas.microsoft.com/office/drawing/2010/main" xmlns="" w="9525">
                     <a:solidFill>
                       <a:srgbClr val="000000"/>
                     </a:solidFill>
@@ -18693,7 +18692,7 @@
               </a:ln>
               <a:extLst>
                 <a:ext uri="{91240B29-F687-4f45-9708-019B960494DF}">
-                  <a14:hiddenLine xmlns="" xmlns:a14="http://schemas.microsoft.com/office/drawing/2010/main" w="9525">
+                  <a14:hiddenLine xmlns:a14="http://schemas.microsoft.com/office/drawing/2010/main" xmlns="" w="9525">
                     <a:solidFill>
                       <a:srgbClr val="000000"/>
                     </a:solidFill>
@@ -18783,7 +18782,7 @@
               </a:ln>
               <a:extLst>
                 <a:ext uri="{91240B29-F687-4f45-9708-019B960494DF}">
-                  <a14:hiddenLine xmlns="" xmlns:a14="http://schemas.microsoft.com/office/drawing/2010/main" w="9525">
+                  <a14:hiddenLine xmlns:a14="http://schemas.microsoft.com/office/drawing/2010/main" xmlns="" w="9525">
                     <a:solidFill>
                       <a:srgbClr val="000000"/>
                     </a:solidFill>
@@ -18848,7 +18847,7 @@
               </a:ln>
               <a:extLst>
                 <a:ext uri="{91240B29-F687-4f45-9708-019B960494DF}">
-                  <a14:hiddenLine xmlns="" xmlns:a14="http://schemas.microsoft.com/office/drawing/2010/main" w="9525">
+                  <a14:hiddenLine xmlns:a14="http://schemas.microsoft.com/office/drawing/2010/main" xmlns="" w="9525">
                     <a:solidFill>
                       <a:srgbClr val="000000"/>
                     </a:solidFill>
@@ -18968,7 +18967,7 @@
               </a:ln>
               <a:extLst>
                 <a:ext uri="{91240B29-F687-4f45-9708-019B960494DF}">
-                  <a14:hiddenLine xmlns="" xmlns:a14="http://schemas.microsoft.com/office/drawing/2010/main" w="9525">
+                  <a14:hiddenLine xmlns:a14="http://schemas.microsoft.com/office/drawing/2010/main" xmlns="" w="9525">
                     <a:solidFill>
                       <a:srgbClr val="000000"/>
                     </a:solidFill>
@@ -19066,7 +19065,7 @@
               </a:ln>
               <a:extLst>
                 <a:ext uri="{91240B29-F687-4f45-9708-019B960494DF}">
-                  <a14:hiddenLine xmlns="" xmlns:a14="http://schemas.microsoft.com/office/drawing/2010/main" w="9525">
+                  <a14:hiddenLine xmlns:a14="http://schemas.microsoft.com/office/drawing/2010/main" xmlns="" w="9525">
                     <a:solidFill>
                       <a:srgbClr val="000000"/>
                     </a:solidFill>
@@ -19181,7 +19180,7 @@
               </a:ln>
               <a:extLst>
                 <a:ext uri="{91240B29-F687-4f45-9708-019B960494DF}">
-                  <a14:hiddenLine xmlns="" xmlns:a14="http://schemas.microsoft.com/office/drawing/2010/main" w="9525">
+                  <a14:hiddenLine xmlns:a14="http://schemas.microsoft.com/office/drawing/2010/main" xmlns="" w="9525">
                     <a:solidFill>
                       <a:srgbClr val="000000"/>
                     </a:solidFill>
@@ -19271,7 +19270,7 @@
               </a:ln>
               <a:extLst>
                 <a:ext uri="{91240B29-F687-4f45-9708-019B960494DF}">
-                  <a14:hiddenLine xmlns="" xmlns:a14="http://schemas.microsoft.com/office/drawing/2010/main" w="9525">
+                  <a14:hiddenLine xmlns:a14="http://schemas.microsoft.com/office/drawing/2010/main" xmlns="" w="9525">
                     <a:solidFill>
                       <a:srgbClr val="000000"/>
                     </a:solidFill>
@@ -19336,7 +19335,7 @@
               </a:ln>
               <a:extLst>
                 <a:ext uri="{91240B29-F687-4f45-9708-019B960494DF}">
-                  <a14:hiddenLine xmlns="" xmlns:a14="http://schemas.microsoft.com/office/drawing/2010/main" w="9525">
+                  <a14:hiddenLine xmlns:a14="http://schemas.microsoft.com/office/drawing/2010/main" xmlns="" w="9525">
                     <a:solidFill>
                       <a:srgbClr val="000000"/>
                     </a:solidFill>
@@ -19426,7 +19425,7 @@
               </a:ln>
               <a:extLst>
                 <a:ext uri="{91240B29-F687-4f45-9708-019B960494DF}">
-                  <a14:hiddenLine xmlns="" xmlns:a14="http://schemas.microsoft.com/office/drawing/2010/main" w="9525">
+                  <a14:hiddenLine xmlns:a14="http://schemas.microsoft.com/office/drawing/2010/main" xmlns="" w="9525">
                     <a:solidFill>
                       <a:srgbClr val="000000"/>
                     </a:solidFill>
@@ -19494,7 +19493,7 @@
               </a:ln>
               <a:extLst>
                 <a:ext uri="{91240B29-F687-4f45-9708-019B960494DF}">
-                  <a14:hiddenLine xmlns="" xmlns:a14="http://schemas.microsoft.com/office/drawing/2010/main" w="9525">
+                  <a14:hiddenLine xmlns:a14="http://schemas.microsoft.com/office/drawing/2010/main" xmlns="" w="9525">
                     <a:solidFill>
                       <a:srgbClr val="000000"/>
                     </a:solidFill>
@@ -19584,7 +19583,7 @@
               </a:ln>
               <a:extLst>
                 <a:ext uri="{91240B29-F687-4f45-9708-019B960494DF}">
-                  <a14:hiddenLine xmlns="" xmlns:a14="http://schemas.microsoft.com/office/drawing/2010/main" w="9525">
+                  <a14:hiddenLine xmlns:a14="http://schemas.microsoft.com/office/drawing/2010/main" xmlns="" w="9525">
                     <a:solidFill>
                       <a:srgbClr val="000000"/>
                     </a:solidFill>
@@ -19652,7 +19651,7 @@
               </a:ln>
               <a:extLst>
                 <a:ext uri="{91240B29-F687-4f45-9708-019B960494DF}">
-                  <a14:hiddenLine xmlns="" xmlns:a14="http://schemas.microsoft.com/office/drawing/2010/main" w="9525">
+                  <a14:hiddenLine xmlns:a14="http://schemas.microsoft.com/office/drawing/2010/main" xmlns="" w="9525">
                     <a:solidFill>
                       <a:srgbClr val="000000"/>
                     </a:solidFill>
@@ -19742,7 +19741,7 @@
               </a:ln>
               <a:extLst>
                 <a:ext uri="{91240B29-F687-4f45-9708-019B960494DF}">
-                  <a14:hiddenLine xmlns="" xmlns:a14="http://schemas.microsoft.com/office/drawing/2010/main" w="9525">
+                  <a14:hiddenLine xmlns:a14="http://schemas.microsoft.com/office/drawing/2010/main" xmlns="" w="9525">
                     <a:solidFill>
                       <a:srgbClr val="000000"/>
                     </a:solidFill>
@@ -19776,7 +19775,7 @@
               </a:ln>
               <a:extLst>
                 <a:ext uri="{91240B29-F687-4f45-9708-019B960494DF}">
-                  <a14:hiddenLine xmlns="" xmlns:a14="http://schemas.microsoft.com/office/drawing/2010/main" w="9525">
+                  <a14:hiddenLine xmlns:a14="http://schemas.microsoft.com/office/drawing/2010/main" xmlns="" w="9525">
                     <a:solidFill>
                       <a:srgbClr val="000000"/>
                     </a:solidFill>
@@ -19951,8 +19950,8 @@
           </a:lstStyle>
           <a:p>
             <a:r>
-              <a:rPr lang="en-US"/>
-              <a:t>2024-08-17</a:t>
+              <a:rPr lang="en-CA"/>
+              <a:t>2025-05-15</a:t>
             </a:r>
             <a:endParaRPr lang="en-US" dirty="0"/>
           </a:p>
@@ -21028,8 +21027,8 @@
           <a:lstStyle/>
           <a:p>
             <a:r>
-              <a:rPr lang="en-US"/>
-              <a:t>2024-08-17</a:t>
+              <a:rPr lang="en-CA"/>
+              <a:t>2025-05-15</a:t>
             </a:r>
             <a:endParaRPr lang="en-US" dirty="0"/>
           </a:p>
@@ -21447,10 +21446,9 @@
           <a:lstStyle/>
           <a:p>
             <a:r>
-              <a:rPr lang="en-US"/>
-              <a:t>2024-08-17</a:t>
-            </a:r>
-            <a:endParaRPr lang="en-CA"/>
+              <a:rPr lang="en-CA"/>
+              <a:t>2025-05-15</a:t>
+            </a:r>
           </a:p>
         </p:txBody>
       </p:sp>
@@ -21673,10 +21671,9 @@
           <a:lstStyle/>
           <a:p>
             <a:r>
-              <a:rPr lang="en-US"/>
-              <a:t>2024-08-17</a:t>
-            </a:r>
-            <a:endParaRPr lang="en-CA"/>
+              <a:rPr lang="en-CA"/>
+              <a:t>2025-05-15</a:t>
+            </a:r>
           </a:p>
         </p:txBody>
       </p:sp>
@@ -21866,10 +21863,9 @@
           <a:lstStyle/>
           <a:p>
             <a:r>
-              <a:rPr lang="en-US"/>
-              <a:t>2024-08-17</a:t>
-            </a:r>
-            <a:endParaRPr lang="en-CA"/>
+              <a:rPr lang="en-CA"/>
+              <a:t>2025-05-15</a:t>
+            </a:r>
           </a:p>
         </p:txBody>
       </p:sp>
@@ -22121,10 +22117,9 @@
           <a:lstStyle/>
           <a:p>
             <a:r>
-              <a:rPr lang="en-US"/>
-              <a:t>2024-08-17</a:t>
-            </a:r>
-            <a:endParaRPr lang="en-CA"/>
+              <a:rPr lang="en-CA"/>
+              <a:t>2025-05-15</a:t>
+            </a:r>
           </a:p>
         </p:txBody>
       </p:sp>
@@ -22891,10 +22886,9 @@
           <a:lstStyle/>
           <a:p>
             <a:r>
-              <a:rPr lang="en-US"/>
-              <a:t>2024-08-17</a:t>
-            </a:r>
-            <a:endParaRPr lang="en-CA"/>
+              <a:rPr lang="en-CA"/>
+              <a:t>2025-05-15</a:t>
+            </a:r>
           </a:p>
         </p:txBody>
       </p:sp>
@@ -23613,10 +23607,9 @@
           <a:lstStyle/>
           <a:p>
             <a:r>
-              <a:rPr lang="en-US"/>
-              <a:t>2024-08-17</a:t>
-            </a:r>
-            <a:endParaRPr lang="en-CA"/>
+              <a:rPr lang="en-CA"/>
+              <a:t>2025-05-15</a:t>
+            </a:r>
           </a:p>
         </p:txBody>
       </p:sp>
@@ -23873,10 +23866,9 @@
           <a:lstStyle/>
           <a:p>
             <a:r>
-              <a:rPr lang="en-US"/>
-              <a:t>2024-08-17</a:t>
-            </a:r>
-            <a:endParaRPr lang="en-CA"/>
+              <a:rPr lang="en-CA"/>
+              <a:t>2025-05-15</a:t>
+            </a:r>
           </a:p>
         </p:txBody>
       </p:sp>
@@ -24107,10 +24099,9 @@
           <a:lstStyle/>
           <a:p>
             <a:r>
-              <a:rPr lang="en-US"/>
-              <a:t>2024-08-17</a:t>
-            </a:r>
-            <a:endParaRPr lang="en-CA"/>
+              <a:rPr lang="en-CA"/>
+              <a:t>2025-05-15</a:t>
+            </a:r>
           </a:p>
         </p:txBody>
       </p:sp>
@@ -25113,10 +25104,9 @@
           <a:lstStyle/>
           <a:p>
             <a:r>
-              <a:rPr lang="en-US"/>
-              <a:t>2024-08-17</a:t>
-            </a:r>
-            <a:endParaRPr lang="en-CA"/>
+              <a:rPr lang="en-CA"/>
+              <a:t>2025-05-15</a:t>
+            </a:r>
           </a:p>
         </p:txBody>
       </p:sp>
@@ -25424,8 +25414,8 @@
           <a:lstStyle/>
           <a:p>
             <a:r>
-              <a:rPr lang="en-US"/>
-              <a:t>2024-08-17</a:t>
+              <a:rPr lang="en-CA"/>
+              <a:t>2025-05-15</a:t>
             </a:r>
             <a:endParaRPr lang="en-US" dirty="0"/>
           </a:p>
@@ -25837,8 +25827,8 @@
           <a:lstStyle/>
           <a:p>
             <a:r>
-              <a:rPr lang="en-US"/>
-              <a:t>2024-08-17</a:t>
+              <a:rPr lang="en-CA"/>
+              <a:t>2025-05-15</a:t>
             </a:r>
             <a:endParaRPr lang="en-US" dirty="0"/>
           </a:p>
@@ -26377,10 +26367,9 @@
           <a:lstStyle/>
           <a:p>
             <a:r>
-              <a:rPr lang="en-US"/>
-              <a:t>2024-08-17</a:t>
-            </a:r>
-            <a:endParaRPr lang="en-CA"/>
+              <a:rPr lang="en-CA"/>
+              <a:t>2025-05-15</a:t>
+            </a:r>
           </a:p>
         </p:txBody>
       </p:sp>
@@ -27388,10 +27377,9 @@
           <a:lstStyle/>
           <a:p>
             <a:r>
-              <a:rPr lang="en-US"/>
-              <a:t>2024-08-17</a:t>
-            </a:r>
-            <a:endParaRPr lang="en-CA"/>
+              <a:rPr lang="en-CA"/>
+              <a:t>2025-05-15</a:t>
+            </a:r>
           </a:p>
         </p:txBody>
       </p:sp>
@@ -27870,10 +27858,9 @@
           <a:lstStyle/>
           <a:p>
             <a:r>
-              <a:rPr lang="en-US"/>
-              <a:t>2024-08-17</a:t>
-            </a:r>
-            <a:endParaRPr lang="en-CA"/>
+              <a:rPr lang="en-CA"/>
+              <a:t>2025-05-15</a:t>
+            </a:r>
           </a:p>
         </p:txBody>
       </p:sp>
@@ -29194,10 +29181,9 @@
           <a:lstStyle/>
           <a:p>
             <a:r>
-              <a:rPr lang="en-US"/>
-              <a:t>2024-08-17</a:t>
-            </a:r>
-            <a:endParaRPr lang="en-CA"/>
+              <a:rPr lang="en-CA"/>
+              <a:t>2025-05-15</a:t>
+            </a:r>
           </a:p>
         </p:txBody>
       </p:sp>
@@ -29419,10 +29405,9 @@
           <a:lstStyle/>
           <a:p>
             <a:r>
-              <a:rPr lang="en-US"/>
-              <a:t>2024-08-17</a:t>
-            </a:r>
-            <a:endParaRPr lang="en-CA"/>
+              <a:rPr lang="en-CA"/>
+              <a:t>2025-05-15</a:t>
+            </a:r>
           </a:p>
         </p:txBody>
       </p:sp>
@@ -29912,10 +29897,9 @@
           <a:lstStyle/>
           <a:p>
             <a:r>
-              <a:rPr lang="en-US"/>
-              <a:t>2024-08-17</a:t>
-            </a:r>
-            <a:endParaRPr lang="en-CA"/>
+              <a:rPr lang="en-CA"/>
+              <a:t>2025-05-15</a:t>
+            </a:r>
           </a:p>
         </p:txBody>
       </p:sp>
@@ -30636,6 +30620,10 @@
           <a:p>
             <a:pPr lvl="0"/>
             <a:r>
+              <a:rPr lang="en-CA" dirty="0"/>
+              <a:t>Visual Studio implementation: </a:t>
+            </a:r>
+            <a:r>
               <a:rPr lang="en-US" dirty="0">
                 <a:hlinkClick r:id="rId3"/>
               </a:rPr>
@@ -30660,11 +30648,25 @@
             <a:pPr lvl="0"/>
             <a:r>
               <a:rPr lang="en-CA" dirty="0"/>
-              <a:t>Or just </a:t>
+              <a:t>Makefile implementation: </a:t>
             </a:r>
             <a:r>
               <a:rPr lang="en-CA" dirty="0">
                 <a:hlinkClick r:id="rId5"/>
+              </a:rPr>
+              <a:t>https://github.com/Len42/dat-ting/tree/main/lib/MakeVersionInfo</a:t>
+            </a:r>
+            <a:endParaRPr lang="en-CA" dirty="0"/>
+          </a:p>
+          <a:p>
+            <a:pPr lvl="0"/>
+            <a:r>
+              <a:rPr lang="en-CA" dirty="0"/>
+              <a:t>Or just </a:t>
+            </a:r>
+            <a:r>
+              <a:rPr lang="en-CA" dirty="0">
+                <a:hlinkClick r:id="rId6"/>
               </a:rPr>
               <a:t>lenp.net</a:t>
             </a:r>
@@ -30732,10 +30734,9 @@
           <a:lstStyle/>
           <a:p>
             <a:r>
-              <a:rPr lang="en-US"/>
-              <a:t>2024-08-17</a:t>
-            </a:r>
-            <a:endParaRPr lang="en-CA"/>
+              <a:rPr lang="en-CA"/>
+              <a:t>2025-05-15</a:t>
+            </a:r>
           </a:p>
         </p:txBody>
       </p:sp>
@@ -30931,8 +30932,8 @@
           <a:lstStyle/>
           <a:p>
             <a:r>
-              <a:rPr lang="en-US"/>
-              <a:t>2024-08-17</a:t>
+              <a:rPr lang="en-CA"/>
+              <a:t>2025-05-15</a:t>
             </a:r>
             <a:endParaRPr lang="en-US" dirty="0"/>
           </a:p>
@@ -31163,8 +31164,8 @@
           <a:lstStyle/>
           <a:p>
             <a:r>
-              <a:rPr lang="en-US"/>
-              <a:t>2024-08-17</a:t>
+              <a:rPr lang="en-CA"/>
+              <a:t>2025-05-15</a:t>
             </a:r>
             <a:endParaRPr lang="en-US" dirty="0"/>
           </a:p>
@@ -31365,10 +31366,9 @@
           <a:lstStyle/>
           <a:p>
             <a:r>
-              <a:rPr lang="en-US"/>
-              <a:t>2024-08-17</a:t>
-            </a:r>
-            <a:endParaRPr lang="en-CA"/>
+              <a:rPr lang="en-CA"/>
+              <a:t>2025-05-15</a:t>
+            </a:r>
           </a:p>
         </p:txBody>
       </p:sp>
@@ -31563,18 +31563,13 @@
           <a:lstStyle/>
           <a:p>
             <a:r>
-              <a:rPr lang="en-US">
+              <a:rPr lang="en-CA">
                 <a:solidFill>
                   <a:schemeClr val="bg2"/>
                 </a:solidFill>
               </a:rPr>
-              <a:t>2024-08-17</a:t>
-            </a:r>
-            <a:endParaRPr lang="en-CA">
-              <a:solidFill>
-                <a:schemeClr val="bg2"/>
-              </a:solidFill>
-            </a:endParaRPr>
+              <a:t>2025-05-15</a:t>
+            </a:r>
           </a:p>
         </p:txBody>
       </p:sp>
@@ -32408,10 +32403,9 @@
           <a:lstStyle/>
           <a:p>
             <a:r>
-              <a:rPr lang="en-US"/>
-              <a:t>2024-08-17</a:t>
-            </a:r>
-            <a:endParaRPr lang="en-CA"/>
+              <a:rPr lang="en-CA"/>
+              <a:t>2025-05-15</a:t>
+            </a:r>
           </a:p>
         </p:txBody>
       </p:sp>
@@ -32697,10 +32691,9 @@
           <a:lstStyle/>
           <a:p>
             <a:r>
-              <a:rPr lang="en-US"/>
-              <a:t>2024-08-17</a:t>
-            </a:r>
-            <a:endParaRPr lang="en-CA"/>
+              <a:rPr lang="en-CA"/>
+              <a:t>2025-05-15</a:t>
+            </a:r>
           </a:p>
         </p:txBody>
       </p:sp>
@@ -33144,10 +33137,9 @@
           <a:lstStyle/>
           <a:p>
             <a:r>
-              <a:rPr lang="en-US"/>
-              <a:t>2024-08-17</a:t>
-            </a:r>
-            <a:endParaRPr lang="en-CA"/>
+              <a:rPr lang="en-CA"/>
+              <a:t>2025-05-15</a:t>
+            </a:r>
           </a:p>
         </p:txBody>
       </p:sp>
@@ -33341,10 +33333,9 @@
           <a:lstStyle/>
           <a:p>
             <a:r>
-              <a:rPr lang="en-US"/>
-              <a:t>2024-08-17</a:t>
-            </a:r>
-            <a:endParaRPr lang="en-CA"/>
+              <a:rPr lang="en-CA"/>
+              <a:t>2025-05-15</a:t>
+            </a:r>
           </a:p>
         </p:txBody>
       </p:sp>

--- a/MakeVersionInfo/MakeVersionInfo.pptx
+++ b/MakeVersionInfo/MakeVersionInfo.pptx
@@ -3347,7 +3347,7 @@
           <a:p>
             <a:fld id="{857CC94D-E614-4874-A919-F25B27309A09}" type="datetimeFigureOut">
               <a:rPr lang="en-CA" smtClean="0"/>
-              <a:t>2025-05-15</a:t>
+              <a:t>2025-07-28</a:t>
             </a:fld>
             <a:endParaRPr lang="en-CA"/>
           </a:p>
@@ -4485,7 +4485,10 @@
           <a:bodyPr/>
           <a:lstStyle/>
           <a:p>
-            <a:endParaRPr lang="en-CA"/>
+            <a:r>
+              <a:rPr lang="en-CA" dirty="0"/>
+              <a:t>[build] is generated automatically to ensure that different versions of the software have different version numbers, even when I don’t explicitly update the version numbers.</a:t>
+            </a:r>
           </a:p>
         </p:txBody>
       </p:sp>
@@ -6737,7 +6740,7 @@
           <a:noFill/>
           <a:extLst>
             <a:ext uri="{909E8E84-426E-40dd-AFC4-6F175D3DCCD1}">
-              <a14:hiddenFill xmlns:a14="http://schemas.microsoft.com/office/drawing/2010/main" xmlns="">
+              <a14:hiddenFill xmlns="" xmlns:a14="http://schemas.microsoft.com/office/drawing/2010/main">
                 <a:solidFill>
                   <a:srgbClr val="FFFFFF"/>
                 </a:solidFill>
@@ -6803,7 +6806,7 @@
             </a:ln>
             <a:extLst>
               <a:ext uri="{91240B29-F687-4f45-9708-019B960494DF}">
-                <a14:hiddenLine xmlns:a14="http://schemas.microsoft.com/office/drawing/2010/main" xmlns="" w="9525">
+                <a14:hiddenLine xmlns="" xmlns:a14="http://schemas.microsoft.com/office/drawing/2010/main" w="9525">
                   <a:solidFill>
                     <a:srgbClr val="000000"/>
                   </a:solidFill>
@@ -6893,7 +6896,7 @@
             </a:ln>
             <a:extLst>
               <a:ext uri="{91240B29-F687-4f45-9708-019B960494DF}">
-                <a14:hiddenLine xmlns:a14="http://schemas.microsoft.com/office/drawing/2010/main" xmlns="" w="9525">
+                <a14:hiddenLine xmlns="" xmlns:a14="http://schemas.microsoft.com/office/drawing/2010/main" w="9525">
                   <a:solidFill>
                     <a:srgbClr val="000000"/>
                   </a:solidFill>
@@ -6983,7 +6986,7 @@
             </a:ln>
             <a:extLst>
               <a:ext uri="{91240B29-F687-4f45-9708-019B960494DF}">
-                <a14:hiddenLine xmlns:a14="http://schemas.microsoft.com/office/drawing/2010/main" xmlns="" w="9525">
+                <a14:hiddenLine xmlns="" xmlns:a14="http://schemas.microsoft.com/office/drawing/2010/main" w="9525">
                   <a:solidFill>
                     <a:srgbClr val="000000"/>
                   </a:solidFill>
@@ -7017,7 +7020,7 @@
             </a:ln>
             <a:extLst>
               <a:ext uri="{91240B29-F687-4f45-9708-019B960494DF}">
-                <a14:hiddenLine xmlns:a14="http://schemas.microsoft.com/office/drawing/2010/main" xmlns="" w="9525">
+                <a14:hiddenLine xmlns="" xmlns:a14="http://schemas.microsoft.com/office/drawing/2010/main" w="9525">
                   <a:solidFill>
                     <a:srgbClr val="000000"/>
                   </a:solidFill>
@@ -7107,7 +7110,7 @@
             </a:ln>
             <a:extLst>
               <a:ext uri="{91240B29-F687-4f45-9708-019B960494DF}">
-                <a14:hiddenLine xmlns:a14="http://schemas.microsoft.com/office/drawing/2010/main" xmlns="" w="9525">
+                <a14:hiddenLine xmlns="" xmlns:a14="http://schemas.microsoft.com/office/drawing/2010/main" w="9525">
                   <a:solidFill>
                     <a:srgbClr val="000000"/>
                   </a:solidFill>
@@ -7169,7 +7172,7 @@
             </a:ln>
             <a:extLst>
               <a:ext uri="{91240B29-F687-4f45-9708-019B960494DF}">
-                <a14:hiddenLine xmlns:a14="http://schemas.microsoft.com/office/drawing/2010/main" xmlns="" w="9525">
+                <a14:hiddenLine xmlns="" xmlns:a14="http://schemas.microsoft.com/office/drawing/2010/main" w="9525">
                   <a:solidFill>
                     <a:srgbClr val="000000"/>
                   </a:solidFill>
@@ -7231,7 +7234,7 @@
             </a:ln>
             <a:extLst>
               <a:ext uri="{91240B29-F687-4f45-9708-019B960494DF}">
-                <a14:hiddenLine xmlns:a14="http://schemas.microsoft.com/office/drawing/2010/main" xmlns="" w="9525">
+                <a14:hiddenLine xmlns="" xmlns:a14="http://schemas.microsoft.com/office/drawing/2010/main" w="9525">
                   <a:solidFill>
                     <a:srgbClr val="000000"/>
                   </a:solidFill>
@@ -7321,7 +7324,7 @@
             </a:ln>
             <a:extLst>
               <a:ext uri="{91240B29-F687-4f45-9708-019B960494DF}">
-                <a14:hiddenLine xmlns:a14="http://schemas.microsoft.com/office/drawing/2010/main" xmlns="" w="9525">
+                <a14:hiddenLine xmlns="" xmlns:a14="http://schemas.microsoft.com/office/drawing/2010/main" w="9525">
                   <a:solidFill>
                     <a:srgbClr val="000000"/>
                   </a:solidFill>
@@ -7383,7 +7386,7 @@
             </a:ln>
             <a:extLst>
               <a:ext uri="{91240B29-F687-4f45-9708-019B960494DF}">
-                <a14:hiddenLine xmlns:a14="http://schemas.microsoft.com/office/drawing/2010/main" xmlns="" w="9525">
+                <a14:hiddenLine xmlns="" xmlns:a14="http://schemas.microsoft.com/office/drawing/2010/main" w="9525">
                   <a:solidFill>
                     <a:srgbClr val="000000"/>
                   </a:solidFill>
@@ -7445,7 +7448,7 @@
             </a:ln>
             <a:extLst>
               <a:ext uri="{91240B29-F687-4f45-9708-019B960494DF}">
-                <a14:hiddenLine xmlns:a14="http://schemas.microsoft.com/office/drawing/2010/main" xmlns="" w="9525">
+                <a14:hiddenLine xmlns="" xmlns:a14="http://schemas.microsoft.com/office/drawing/2010/main" w="9525">
                   <a:solidFill>
                     <a:srgbClr val="000000"/>
                   </a:solidFill>
@@ -7535,7 +7538,7 @@
             </a:ln>
             <a:extLst>
               <a:ext uri="{91240B29-F687-4f45-9708-019B960494DF}">
-                <a14:hiddenLine xmlns:a14="http://schemas.microsoft.com/office/drawing/2010/main" xmlns="" w="9525">
+                <a14:hiddenLine xmlns="" xmlns:a14="http://schemas.microsoft.com/office/drawing/2010/main" w="9525">
                   <a:solidFill>
                     <a:srgbClr val="000000"/>
                   </a:solidFill>
@@ -7625,7 +7628,7 @@
             </a:ln>
             <a:extLst>
               <a:ext uri="{91240B29-F687-4f45-9708-019B960494DF}">
-                <a14:hiddenLine xmlns:a14="http://schemas.microsoft.com/office/drawing/2010/main" xmlns="" w="9525">
+                <a14:hiddenLine xmlns="" xmlns:a14="http://schemas.microsoft.com/office/drawing/2010/main" w="9525">
                   <a:solidFill>
                     <a:srgbClr val="000000"/>
                   </a:solidFill>
@@ -7687,7 +7690,7 @@
             </a:ln>
             <a:extLst>
               <a:ext uri="{91240B29-F687-4f45-9708-019B960494DF}">
-                <a14:hiddenLine xmlns:a14="http://schemas.microsoft.com/office/drawing/2010/main" xmlns="" w="9525">
+                <a14:hiddenLine xmlns="" xmlns:a14="http://schemas.microsoft.com/office/drawing/2010/main" w="9525">
                   <a:solidFill>
                     <a:srgbClr val="000000"/>
                   </a:solidFill>
@@ -7797,7 +7800,7 @@
             </a:ln>
             <a:extLst>
               <a:ext uri="{91240B29-F687-4f45-9708-019B960494DF}">
-                <a14:hiddenLine xmlns:a14="http://schemas.microsoft.com/office/drawing/2010/main" xmlns="" w="9525">
+                <a14:hiddenLine xmlns="" xmlns:a14="http://schemas.microsoft.com/office/drawing/2010/main" w="9525">
                   <a:solidFill>
                     <a:srgbClr val="000000"/>
                   </a:solidFill>
@@ -7859,7 +7862,7 @@
             </a:ln>
             <a:extLst>
               <a:ext uri="{91240B29-F687-4f45-9708-019B960494DF}">
-                <a14:hiddenLine xmlns:a14="http://schemas.microsoft.com/office/drawing/2010/main" xmlns="" w="9525">
+                <a14:hiddenLine xmlns="" xmlns:a14="http://schemas.microsoft.com/office/drawing/2010/main" w="9525">
                   <a:solidFill>
                     <a:srgbClr val="000000"/>
                   </a:solidFill>
@@ -7949,7 +7952,7 @@
             </a:ln>
             <a:extLst>
               <a:ext uri="{91240B29-F687-4f45-9708-019B960494DF}">
-                <a14:hiddenLine xmlns:a14="http://schemas.microsoft.com/office/drawing/2010/main" xmlns="" w="9525">
+                <a14:hiddenLine xmlns="" xmlns:a14="http://schemas.microsoft.com/office/drawing/2010/main" w="9525">
                   <a:solidFill>
                     <a:srgbClr val="000000"/>
                   </a:solidFill>
@@ -8039,7 +8042,7 @@
             </a:ln>
             <a:extLst>
               <a:ext uri="{91240B29-F687-4f45-9708-019B960494DF}">
-                <a14:hiddenLine xmlns:a14="http://schemas.microsoft.com/office/drawing/2010/main" xmlns="" w="9525">
+                <a14:hiddenLine xmlns="" xmlns:a14="http://schemas.microsoft.com/office/drawing/2010/main" w="9525">
                   <a:solidFill>
                     <a:srgbClr val="000000"/>
                   </a:solidFill>
@@ -8101,7 +8104,7 @@
             </a:ln>
             <a:extLst>
               <a:ext uri="{91240B29-F687-4f45-9708-019B960494DF}">
-                <a14:hiddenLine xmlns:a14="http://schemas.microsoft.com/office/drawing/2010/main" xmlns="" w="9525">
+                <a14:hiddenLine xmlns="" xmlns:a14="http://schemas.microsoft.com/office/drawing/2010/main" w="9525">
                   <a:solidFill>
                     <a:srgbClr val="000000"/>
                   </a:solidFill>
@@ -8191,7 +8194,7 @@
             </a:ln>
             <a:extLst>
               <a:ext uri="{91240B29-F687-4f45-9708-019B960494DF}">
-                <a14:hiddenLine xmlns:a14="http://schemas.microsoft.com/office/drawing/2010/main" xmlns="" w="9525">
+                <a14:hiddenLine xmlns="" xmlns:a14="http://schemas.microsoft.com/office/drawing/2010/main" w="9525">
                   <a:solidFill>
                     <a:srgbClr val="000000"/>
                   </a:solidFill>
@@ -8281,7 +8284,7 @@
             </a:ln>
             <a:extLst>
               <a:ext uri="{91240B29-F687-4f45-9708-019B960494DF}">
-                <a14:hiddenLine xmlns:a14="http://schemas.microsoft.com/office/drawing/2010/main" xmlns="" w="9525">
+                <a14:hiddenLine xmlns="" xmlns:a14="http://schemas.microsoft.com/office/drawing/2010/main" w="9525">
                   <a:solidFill>
                     <a:srgbClr val="000000"/>
                   </a:solidFill>
@@ -8337,7 +8340,7 @@
             </a:ln>
             <a:extLst>
               <a:ext uri="{91240B29-F687-4f45-9708-019B960494DF}">
-                <a14:hiddenLine xmlns:a14="http://schemas.microsoft.com/office/drawing/2010/main" xmlns="" w="9525">
+                <a14:hiddenLine xmlns="" xmlns:a14="http://schemas.microsoft.com/office/drawing/2010/main" w="9525">
                   <a:solidFill>
                     <a:srgbClr val="000000"/>
                   </a:solidFill>
@@ -8427,7 +8430,7 @@
             </a:ln>
             <a:extLst>
               <a:ext uri="{91240B29-F687-4f45-9708-019B960494DF}">
-                <a14:hiddenLine xmlns:a14="http://schemas.microsoft.com/office/drawing/2010/main" xmlns="" w="9525">
+                <a14:hiddenLine xmlns="" xmlns:a14="http://schemas.microsoft.com/office/drawing/2010/main" w="9525">
                   <a:solidFill>
                     <a:srgbClr val="000000"/>
                   </a:solidFill>
@@ -8483,7 +8486,7 @@
             </a:ln>
             <a:extLst>
               <a:ext uri="{91240B29-F687-4f45-9708-019B960494DF}">
-                <a14:hiddenLine xmlns:a14="http://schemas.microsoft.com/office/drawing/2010/main" xmlns="" w="9525">
+                <a14:hiddenLine xmlns="" xmlns:a14="http://schemas.microsoft.com/office/drawing/2010/main" w="9525">
                   <a:solidFill>
                     <a:srgbClr val="000000"/>
                   </a:solidFill>
@@ -8573,7 +8576,7 @@
             </a:ln>
             <a:extLst>
               <a:ext uri="{91240B29-F687-4f45-9708-019B960494DF}">
-                <a14:hiddenLine xmlns:a14="http://schemas.microsoft.com/office/drawing/2010/main" xmlns="" w="9525">
+                <a14:hiddenLine xmlns="" xmlns:a14="http://schemas.microsoft.com/office/drawing/2010/main" w="9525">
                   <a:solidFill>
                     <a:srgbClr val="000000"/>
                   </a:solidFill>
@@ -8641,7 +8644,7 @@
             </a:ln>
             <a:extLst>
               <a:ext uri="{91240B29-F687-4f45-9708-019B960494DF}">
-                <a14:hiddenLine xmlns:a14="http://schemas.microsoft.com/office/drawing/2010/main" xmlns="" w="9525">
+                <a14:hiddenLine xmlns="" xmlns:a14="http://schemas.microsoft.com/office/drawing/2010/main" w="9525">
                   <a:solidFill>
                     <a:srgbClr val="000000"/>
                   </a:solidFill>
@@ -8731,7 +8734,7 @@
             </a:ln>
             <a:extLst>
               <a:ext uri="{91240B29-F687-4f45-9708-019B960494DF}">
-                <a14:hiddenLine xmlns:a14="http://schemas.microsoft.com/office/drawing/2010/main" xmlns="" w="9525">
+                <a14:hiddenLine xmlns="" xmlns:a14="http://schemas.microsoft.com/office/drawing/2010/main" w="9525">
                   <a:solidFill>
                     <a:srgbClr val="000000"/>
                   </a:solidFill>
@@ -8799,7 +8802,7 @@
             </a:ln>
             <a:extLst>
               <a:ext uri="{91240B29-F687-4f45-9708-019B960494DF}">
-                <a14:hiddenLine xmlns:a14="http://schemas.microsoft.com/office/drawing/2010/main" xmlns="" w="9525">
+                <a14:hiddenLine xmlns="" xmlns:a14="http://schemas.microsoft.com/office/drawing/2010/main" w="9525">
                   <a:solidFill>
                     <a:srgbClr val="000000"/>
                   </a:solidFill>
@@ -8889,7 +8892,7 @@
             </a:ln>
             <a:extLst>
               <a:ext uri="{91240B29-F687-4f45-9708-019B960494DF}">
-                <a14:hiddenLine xmlns:a14="http://schemas.microsoft.com/office/drawing/2010/main" xmlns="" w="9525">
+                <a14:hiddenLine xmlns="" xmlns:a14="http://schemas.microsoft.com/office/drawing/2010/main" w="9525">
                   <a:solidFill>
                     <a:srgbClr val="000000"/>
                   </a:solidFill>
@@ -8923,7 +8926,7 @@
             </a:ln>
             <a:extLst>
               <a:ext uri="{91240B29-F687-4f45-9708-019B960494DF}">
-                <a14:hiddenLine xmlns:a14="http://schemas.microsoft.com/office/drawing/2010/main" xmlns="" w="9525">
+                <a14:hiddenLine xmlns="" xmlns:a14="http://schemas.microsoft.com/office/drawing/2010/main" w="9525">
                   <a:solidFill>
                     <a:srgbClr val="000000"/>
                   </a:solidFill>
@@ -9013,7 +9016,7 @@
             </a:ln>
             <a:extLst>
               <a:ext uri="{91240B29-F687-4f45-9708-019B960494DF}">
-                <a14:hiddenLine xmlns:a14="http://schemas.microsoft.com/office/drawing/2010/main" xmlns="" w="9525">
+                <a14:hiddenLine xmlns="" xmlns:a14="http://schemas.microsoft.com/office/drawing/2010/main" w="9525">
                   <a:solidFill>
                     <a:srgbClr val="000000"/>
                   </a:solidFill>
@@ -9075,7 +9078,7 @@
             </a:ln>
             <a:extLst>
               <a:ext uri="{91240B29-F687-4f45-9708-019B960494DF}">
-                <a14:hiddenLine xmlns:a14="http://schemas.microsoft.com/office/drawing/2010/main" xmlns="" w="9525">
+                <a14:hiddenLine xmlns="" xmlns:a14="http://schemas.microsoft.com/office/drawing/2010/main" w="9525">
                   <a:solidFill>
                     <a:srgbClr val="000000"/>
                   </a:solidFill>
@@ -9137,7 +9140,7 @@
             </a:ln>
             <a:extLst>
               <a:ext uri="{91240B29-F687-4f45-9708-019B960494DF}">
-                <a14:hiddenLine xmlns:a14="http://schemas.microsoft.com/office/drawing/2010/main" xmlns="" w="9525">
+                <a14:hiddenLine xmlns="" xmlns:a14="http://schemas.microsoft.com/office/drawing/2010/main" w="9525">
                   <a:solidFill>
                     <a:srgbClr val="000000"/>
                   </a:solidFill>
@@ -9227,7 +9230,7 @@
             </a:ln>
             <a:extLst>
               <a:ext uri="{91240B29-F687-4f45-9708-019B960494DF}">
-                <a14:hiddenLine xmlns:a14="http://schemas.microsoft.com/office/drawing/2010/main" xmlns="" w="9525">
+                <a14:hiddenLine xmlns="" xmlns:a14="http://schemas.microsoft.com/office/drawing/2010/main" w="9525">
                   <a:solidFill>
                     <a:srgbClr val="000000"/>
                   </a:solidFill>
@@ -9295,7 +9298,7 @@
             </a:ln>
             <a:extLst>
               <a:ext uri="{91240B29-F687-4f45-9708-019B960494DF}">
-                <a14:hiddenLine xmlns:a14="http://schemas.microsoft.com/office/drawing/2010/main" xmlns="" w="9525">
+                <a14:hiddenLine xmlns="" xmlns:a14="http://schemas.microsoft.com/office/drawing/2010/main" w="9525">
                   <a:solidFill>
                     <a:srgbClr val="000000"/>
                   </a:solidFill>
@@ -9357,7 +9360,7 @@
             </a:ln>
             <a:extLst>
               <a:ext uri="{91240B29-F687-4f45-9708-019B960494DF}">
-                <a14:hiddenLine xmlns:a14="http://schemas.microsoft.com/office/drawing/2010/main" xmlns="" w="9525">
+                <a14:hiddenLine xmlns="" xmlns:a14="http://schemas.microsoft.com/office/drawing/2010/main" w="9525">
                   <a:solidFill>
                     <a:srgbClr val="000000"/>
                   </a:solidFill>
@@ -9447,7 +9450,7 @@
             </a:ln>
             <a:extLst>
               <a:ext uri="{91240B29-F687-4f45-9708-019B960494DF}">
-                <a14:hiddenLine xmlns:a14="http://schemas.microsoft.com/office/drawing/2010/main" xmlns="" w="9525">
+                <a14:hiddenLine xmlns="" xmlns:a14="http://schemas.microsoft.com/office/drawing/2010/main" w="9525">
                   <a:solidFill>
                     <a:srgbClr val="000000"/>
                   </a:solidFill>
@@ -9509,7 +9512,7 @@
             </a:ln>
             <a:extLst>
               <a:ext uri="{91240B29-F687-4f45-9708-019B960494DF}">
-                <a14:hiddenLine xmlns:a14="http://schemas.microsoft.com/office/drawing/2010/main" xmlns="" w="9525">
+                <a14:hiddenLine xmlns="" xmlns:a14="http://schemas.microsoft.com/office/drawing/2010/main" w="9525">
                   <a:solidFill>
                     <a:srgbClr val="000000"/>
                   </a:solidFill>
@@ -9599,7 +9602,7 @@
             </a:ln>
             <a:extLst>
               <a:ext uri="{91240B29-F687-4f45-9708-019B960494DF}">
-                <a14:hiddenLine xmlns:a14="http://schemas.microsoft.com/office/drawing/2010/main" xmlns="" w="9525">
+                <a14:hiddenLine xmlns="" xmlns:a14="http://schemas.microsoft.com/office/drawing/2010/main" w="9525">
                   <a:solidFill>
                     <a:srgbClr val="000000"/>
                   </a:solidFill>
@@ -9661,7 +9664,7 @@
             </a:ln>
             <a:extLst>
               <a:ext uri="{91240B29-F687-4f45-9708-019B960494DF}">
-                <a14:hiddenLine xmlns:a14="http://schemas.microsoft.com/office/drawing/2010/main" xmlns="" w="9525">
+                <a14:hiddenLine xmlns="" xmlns:a14="http://schemas.microsoft.com/office/drawing/2010/main" w="9525">
                   <a:solidFill>
                     <a:srgbClr val="000000"/>
                   </a:solidFill>
@@ -9751,7 +9754,7 @@
             </a:ln>
             <a:extLst>
               <a:ext uri="{91240B29-F687-4f45-9708-019B960494DF}">
-                <a14:hiddenLine xmlns:a14="http://schemas.microsoft.com/office/drawing/2010/main" xmlns="" w="9525">
+                <a14:hiddenLine xmlns="" xmlns:a14="http://schemas.microsoft.com/office/drawing/2010/main" w="9525">
                   <a:solidFill>
                     <a:srgbClr val="000000"/>
                   </a:solidFill>
@@ -9785,7 +9788,7 @@
             </a:ln>
             <a:extLst>
               <a:ext uri="{91240B29-F687-4f45-9708-019B960494DF}">
-                <a14:hiddenLine xmlns:a14="http://schemas.microsoft.com/office/drawing/2010/main" xmlns="" w="9525">
+                <a14:hiddenLine xmlns="" xmlns:a14="http://schemas.microsoft.com/office/drawing/2010/main" w="9525">
                   <a:solidFill>
                     <a:srgbClr val="000000"/>
                   </a:solidFill>
@@ -9850,7 +9853,7 @@
             </a:ln>
             <a:extLst>
               <a:ext uri="{91240B29-F687-4f45-9708-019B960494DF}">
-                <a14:hiddenLine xmlns:a14="http://schemas.microsoft.com/office/drawing/2010/main" xmlns="" w="9525">
+                <a14:hiddenLine xmlns="" xmlns:a14="http://schemas.microsoft.com/office/drawing/2010/main" w="9525">
                   <a:solidFill>
                     <a:srgbClr val="000000"/>
                   </a:solidFill>
@@ -9940,7 +9943,7 @@
             </a:ln>
             <a:extLst>
               <a:ext uri="{91240B29-F687-4f45-9708-019B960494DF}">
-                <a14:hiddenLine xmlns:a14="http://schemas.microsoft.com/office/drawing/2010/main" xmlns="" w="9525">
+                <a14:hiddenLine xmlns="" xmlns:a14="http://schemas.microsoft.com/office/drawing/2010/main" w="9525">
                   <a:solidFill>
                     <a:srgbClr val="000000"/>
                   </a:solidFill>
@@ -10002,7 +10005,7 @@
             </a:ln>
             <a:extLst>
               <a:ext uri="{91240B29-F687-4f45-9708-019B960494DF}">
-                <a14:hiddenLine xmlns:a14="http://schemas.microsoft.com/office/drawing/2010/main" xmlns="" w="9525">
+                <a14:hiddenLine xmlns="" xmlns:a14="http://schemas.microsoft.com/office/drawing/2010/main" w="9525">
                   <a:solidFill>
                     <a:srgbClr val="000000"/>
                   </a:solidFill>
@@ -10092,7 +10095,7 @@
             </a:ln>
             <a:extLst>
               <a:ext uri="{91240B29-F687-4f45-9708-019B960494DF}">
-                <a14:hiddenLine xmlns:a14="http://schemas.microsoft.com/office/drawing/2010/main" xmlns="" w="9525">
+                <a14:hiddenLine xmlns="" xmlns:a14="http://schemas.microsoft.com/office/drawing/2010/main" w="9525">
                   <a:solidFill>
                     <a:srgbClr val="000000"/>
                   </a:solidFill>
@@ -10182,7 +10185,7 @@
             </a:ln>
             <a:extLst>
               <a:ext uri="{91240B29-F687-4f45-9708-019B960494DF}">
-                <a14:hiddenLine xmlns:a14="http://schemas.microsoft.com/office/drawing/2010/main" xmlns="" w="9525">
+                <a14:hiddenLine xmlns="" xmlns:a14="http://schemas.microsoft.com/office/drawing/2010/main" w="9525">
                   <a:solidFill>
                     <a:srgbClr val="000000"/>
                   </a:solidFill>
@@ -10247,7 +10250,7 @@
             </a:ln>
             <a:extLst>
               <a:ext uri="{91240B29-F687-4f45-9708-019B960494DF}">
-                <a14:hiddenLine xmlns:a14="http://schemas.microsoft.com/office/drawing/2010/main" xmlns="" w="9525">
+                <a14:hiddenLine xmlns="" xmlns:a14="http://schemas.microsoft.com/office/drawing/2010/main" w="9525">
                   <a:solidFill>
                     <a:srgbClr val="000000"/>
                   </a:solidFill>
@@ -10309,7 +10312,7 @@
             </a:ln>
             <a:extLst>
               <a:ext uri="{91240B29-F687-4f45-9708-019B960494DF}">
-                <a14:hiddenLine xmlns:a14="http://schemas.microsoft.com/office/drawing/2010/main" xmlns="" w="9525">
+                <a14:hiddenLine xmlns="" xmlns:a14="http://schemas.microsoft.com/office/drawing/2010/main" w="9525">
                   <a:solidFill>
                     <a:srgbClr val="000000"/>
                   </a:solidFill>
@@ -10399,7 +10402,7 @@
             </a:ln>
             <a:extLst>
               <a:ext uri="{91240B29-F687-4f45-9708-019B960494DF}">
-                <a14:hiddenLine xmlns:a14="http://schemas.microsoft.com/office/drawing/2010/main" xmlns="" w="9525">
+                <a14:hiddenLine xmlns="" xmlns:a14="http://schemas.microsoft.com/office/drawing/2010/main" w="9525">
                   <a:solidFill>
                     <a:srgbClr val="000000"/>
                   </a:solidFill>
@@ -10489,7 +10492,7 @@
             </a:ln>
             <a:extLst>
               <a:ext uri="{91240B29-F687-4f45-9708-019B960494DF}">
-                <a14:hiddenLine xmlns:a14="http://schemas.microsoft.com/office/drawing/2010/main" xmlns="" w="9525">
+                <a14:hiddenLine xmlns="" xmlns:a14="http://schemas.microsoft.com/office/drawing/2010/main" w="9525">
                   <a:solidFill>
                     <a:srgbClr val="000000"/>
                   </a:solidFill>
@@ -10551,7 +10554,7 @@
             </a:ln>
             <a:extLst>
               <a:ext uri="{91240B29-F687-4f45-9708-019B960494DF}">
-                <a14:hiddenLine xmlns:a14="http://schemas.microsoft.com/office/drawing/2010/main" xmlns="" w="9525">
+                <a14:hiddenLine xmlns="" xmlns:a14="http://schemas.microsoft.com/office/drawing/2010/main" w="9525">
                   <a:solidFill>
                     <a:srgbClr val="000000"/>
                   </a:solidFill>
@@ -10671,7 +10674,7 @@
             </a:ln>
             <a:extLst>
               <a:ext uri="{91240B29-F687-4f45-9708-019B960494DF}">
-                <a14:hiddenLine xmlns:a14="http://schemas.microsoft.com/office/drawing/2010/main" xmlns="" w="9525">
+                <a14:hiddenLine xmlns="" xmlns:a14="http://schemas.microsoft.com/office/drawing/2010/main" w="9525">
                   <a:solidFill>
                     <a:srgbClr val="000000"/>
                   </a:solidFill>
@@ -10739,7 +10742,7 @@
             </a:ln>
             <a:extLst>
               <a:ext uri="{91240B29-F687-4f45-9708-019B960494DF}">
-                <a14:hiddenLine xmlns:a14="http://schemas.microsoft.com/office/drawing/2010/main" xmlns="" w="9525">
+                <a14:hiddenLine xmlns="" xmlns:a14="http://schemas.microsoft.com/office/drawing/2010/main" w="9525">
                   <a:solidFill>
                     <a:srgbClr val="000000"/>
                   </a:solidFill>
@@ -10829,7 +10832,7 @@
             </a:ln>
             <a:extLst>
               <a:ext uri="{91240B29-F687-4f45-9708-019B960494DF}">
-                <a14:hiddenLine xmlns:a14="http://schemas.microsoft.com/office/drawing/2010/main" xmlns="" w="9525">
+                <a14:hiddenLine xmlns="" xmlns:a14="http://schemas.microsoft.com/office/drawing/2010/main" w="9525">
                   <a:solidFill>
                     <a:srgbClr val="000000"/>
                   </a:solidFill>
@@ -16948,7 +16951,7 @@
           <a:noFill/>
           <a:extLst>
             <a:ext uri="{909E8E84-426E-40dd-AFC4-6F175D3DCCD1}">
-              <a14:hiddenFill xmlns:a14="http://schemas.microsoft.com/office/drawing/2010/main" xmlns="">
+              <a14:hiddenFill xmlns="" xmlns:a14="http://schemas.microsoft.com/office/drawing/2010/main">
                 <a:solidFill>
                   <a:srgbClr val="FFFFFF"/>
                 </a:solidFill>
@@ -17028,7 +17031,7 @@
               </a:ln>
               <a:extLst>
                 <a:ext uri="{91240B29-F687-4f45-9708-019B960494DF}">
-                  <a14:hiddenLine xmlns:a14="http://schemas.microsoft.com/office/drawing/2010/main" xmlns="" w="9525">
+                  <a14:hiddenLine xmlns="" xmlns:a14="http://schemas.microsoft.com/office/drawing/2010/main" w="9525">
                     <a:solidFill>
                       <a:srgbClr val="000000"/>
                     </a:solidFill>
@@ -17118,7 +17121,7 @@
               </a:ln>
               <a:extLst>
                 <a:ext uri="{91240B29-F687-4f45-9708-019B960494DF}">
-                  <a14:hiddenLine xmlns:a14="http://schemas.microsoft.com/office/drawing/2010/main" xmlns="" w="9525">
+                  <a14:hiddenLine xmlns="" xmlns:a14="http://schemas.microsoft.com/office/drawing/2010/main" w="9525">
                     <a:solidFill>
                       <a:srgbClr val="000000"/>
                     </a:solidFill>
@@ -17208,7 +17211,7 @@
               </a:ln>
               <a:extLst>
                 <a:ext uri="{91240B29-F687-4f45-9708-019B960494DF}">
-                  <a14:hiddenLine xmlns:a14="http://schemas.microsoft.com/office/drawing/2010/main" xmlns="" w="9525">
+                  <a14:hiddenLine xmlns="" xmlns:a14="http://schemas.microsoft.com/office/drawing/2010/main" w="9525">
                     <a:solidFill>
                       <a:srgbClr val="000000"/>
                     </a:solidFill>
@@ -17270,7 +17273,7 @@
               </a:ln>
               <a:extLst>
                 <a:ext uri="{91240B29-F687-4f45-9708-019B960494DF}">
-                  <a14:hiddenLine xmlns:a14="http://schemas.microsoft.com/office/drawing/2010/main" xmlns="" w="9525">
+                  <a14:hiddenLine xmlns="" xmlns:a14="http://schemas.microsoft.com/office/drawing/2010/main" w="9525">
                     <a:solidFill>
                       <a:srgbClr val="000000"/>
                     </a:solidFill>
@@ -17360,7 +17363,7 @@
               </a:ln>
               <a:extLst>
                 <a:ext uri="{91240B29-F687-4f45-9708-019B960494DF}">
-                  <a14:hiddenLine xmlns:a14="http://schemas.microsoft.com/office/drawing/2010/main" xmlns="" w="9525">
+                  <a14:hiddenLine xmlns="" xmlns:a14="http://schemas.microsoft.com/office/drawing/2010/main" w="9525">
                     <a:solidFill>
                       <a:srgbClr val="000000"/>
                     </a:solidFill>
@@ -17422,7 +17425,7 @@
               </a:ln>
               <a:extLst>
                 <a:ext uri="{91240B29-F687-4f45-9708-019B960494DF}">
-                  <a14:hiddenLine xmlns:a14="http://schemas.microsoft.com/office/drawing/2010/main" xmlns="" w="9525">
+                  <a14:hiddenLine xmlns="" xmlns:a14="http://schemas.microsoft.com/office/drawing/2010/main" w="9525">
                     <a:solidFill>
                       <a:srgbClr val="000000"/>
                     </a:solidFill>
@@ -17484,7 +17487,7 @@
               </a:ln>
               <a:extLst>
                 <a:ext uri="{91240B29-F687-4f45-9708-019B960494DF}">
-                  <a14:hiddenLine xmlns:a14="http://schemas.microsoft.com/office/drawing/2010/main" xmlns="" w="9525">
+                  <a14:hiddenLine xmlns="" xmlns:a14="http://schemas.microsoft.com/office/drawing/2010/main" w="9525">
                     <a:solidFill>
                       <a:srgbClr val="000000"/>
                     </a:solidFill>
@@ -17574,7 +17577,7 @@
               </a:ln>
               <a:extLst>
                 <a:ext uri="{91240B29-F687-4f45-9708-019B960494DF}">
-                  <a14:hiddenLine xmlns:a14="http://schemas.microsoft.com/office/drawing/2010/main" xmlns="" w="9525">
+                  <a14:hiddenLine xmlns="" xmlns:a14="http://schemas.microsoft.com/office/drawing/2010/main" w="9525">
                     <a:solidFill>
                       <a:srgbClr val="000000"/>
                     </a:solidFill>
@@ -17664,7 +17667,7 @@
               </a:ln>
               <a:extLst>
                 <a:ext uri="{91240B29-F687-4f45-9708-019B960494DF}">
-                  <a14:hiddenLine xmlns:a14="http://schemas.microsoft.com/office/drawing/2010/main" xmlns="" w="9525">
+                  <a14:hiddenLine xmlns="" xmlns:a14="http://schemas.microsoft.com/office/drawing/2010/main" w="9525">
                     <a:solidFill>
                       <a:srgbClr val="000000"/>
                     </a:solidFill>
@@ -17726,7 +17729,7 @@
               </a:ln>
               <a:extLst>
                 <a:ext uri="{91240B29-F687-4f45-9708-019B960494DF}">
-                  <a14:hiddenLine xmlns:a14="http://schemas.microsoft.com/office/drawing/2010/main" xmlns="" w="9525">
+                  <a14:hiddenLine xmlns="" xmlns:a14="http://schemas.microsoft.com/office/drawing/2010/main" w="9525">
                     <a:solidFill>
                       <a:srgbClr val="000000"/>
                     </a:solidFill>
@@ -17836,7 +17839,7 @@
               </a:ln>
               <a:extLst>
                 <a:ext uri="{91240B29-F687-4f45-9708-019B960494DF}">
-                  <a14:hiddenLine xmlns:a14="http://schemas.microsoft.com/office/drawing/2010/main" xmlns="" w="9525">
+                  <a14:hiddenLine xmlns="" xmlns:a14="http://schemas.microsoft.com/office/drawing/2010/main" w="9525">
                     <a:solidFill>
                       <a:srgbClr val="000000"/>
                     </a:solidFill>
@@ -17920,7 +17923,7 @@
               </a:ln>
               <a:extLst>
                 <a:ext uri="{91240B29-F687-4f45-9708-019B960494DF}">
-                  <a14:hiddenLine xmlns:a14="http://schemas.microsoft.com/office/drawing/2010/main" xmlns="" w="9525">
+                  <a14:hiddenLine xmlns="" xmlns:a14="http://schemas.microsoft.com/office/drawing/2010/main" w="9525">
                     <a:solidFill>
                       <a:srgbClr val="000000"/>
                     </a:solidFill>
@@ -17982,7 +17985,7 @@
               </a:ln>
               <a:extLst>
                 <a:ext uri="{91240B29-F687-4f45-9708-019B960494DF}">
-                  <a14:hiddenLine xmlns:a14="http://schemas.microsoft.com/office/drawing/2010/main" xmlns="" w="9525">
+                  <a14:hiddenLine xmlns="" xmlns:a14="http://schemas.microsoft.com/office/drawing/2010/main" w="9525">
                     <a:solidFill>
                       <a:srgbClr val="000000"/>
                     </a:solidFill>
@@ -18044,7 +18047,7 @@
               </a:ln>
               <a:extLst>
                 <a:ext uri="{91240B29-F687-4f45-9708-019B960494DF}">
-                  <a14:hiddenLine xmlns:a14="http://schemas.microsoft.com/office/drawing/2010/main" xmlns="" w="9525">
+                  <a14:hiddenLine xmlns="" xmlns:a14="http://schemas.microsoft.com/office/drawing/2010/main" w="9525">
                     <a:solidFill>
                       <a:srgbClr val="000000"/>
                     </a:solidFill>
@@ -18134,7 +18137,7 @@
               </a:ln>
               <a:extLst>
                 <a:ext uri="{91240B29-F687-4f45-9708-019B960494DF}">
-                  <a14:hiddenLine xmlns:a14="http://schemas.microsoft.com/office/drawing/2010/main" xmlns="" w="9525">
+                  <a14:hiddenLine xmlns="" xmlns:a14="http://schemas.microsoft.com/office/drawing/2010/main" w="9525">
                     <a:solidFill>
                       <a:srgbClr val="000000"/>
                     </a:solidFill>
@@ -18168,7 +18171,7 @@
               </a:ln>
               <a:extLst>
                 <a:ext uri="{91240B29-F687-4f45-9708-019B960494DF}">
-                  <a14:hiddenLine xmlns:a14="http://schemas.microsoft.com/office/drawing/2010/main" xmlns="" w="9525">
+                  <a14:hiddenLine xmlns="" xmlns:a14="http://schemas.microsoft.com/office/drawing/2010/main" w="9525">
                     <a:solidFill>
                       <a:srgbClr val="000000"/>
                     </a:solidFill>
@@ -18233,7 +18236,7 @@
               </a:ln>
               <a:extLst>
                 <a:ext uri="{91240B29-F687-4f45-9708-019B960494DF}">
-                  <a14:hiddenLine xmlns:a14="http://schemas.microsoft.com/office/drawing/2010/main" xmlns="" w="9525">
+                  <a14:hiddenLine xmlns="" xmlns:a14="http://schemas.microsoft.com/office/drawing/2010/main" w="9525">
                     <a:solidFill>
                       <a:srgbClr val="000000"/>
                     </a:solidFill>
@@ -18323,7 +18326,7 @@
               </a:ln>
               <a:extLst>
                 <a:ext uri="{91240B29-F687-4f45-9708-019B960494DF}">
-                  <a14:hiddenLine xmlns:a14="http://schemas.microsoft.com/office/drawing/2010/main" xmlns="" w="9525">
+                  <a14:hiddenLine xmlns="" xmlns:a14="http://schemas.microsoft.com/office/drawing/2010/main" w="9525">
                     <a:solidFill>
                       <a:srgbClr val="000000"/>
                     </a:solidFill>
@@ -18385,7 +18388,7 @@
               </a:ln>
               <a:extLst>
                 <a:ext uri="{91240B29-F687-4f45-9708-019B960494DF}">
-                  <a14:hiddenLine xmlns:a14="http://schemas.microsoft.com/office/drawing/2010/main" xmlns="" w="9525">
+                  <a14:hiddenLine xmlns="" xmlns:a14="http://schemas.microsoft.com/office/drawing/2010/main" w="9525">
                     <a:solidFill>
                       <a:srgbClr val="000000"/>
                     </a:solidFill>
@@ -18475,7 +18478,7 @@
               </a:ln>
               <a:extLst>
                 <a:ext uri="{91240B29-F687-4f45-9708-019B960494DF}">
-                  <a14:hiddenLine xmlns:a14="http://schemas.microsoft.com/office/drawing/2010/main" xmlns="" w="9525">
+                  <a14:hiddenLine xmlns="" xmlns:a14="http://schemas.microsoft.com/office/drawing/2010/main" w="9525">
                     <a:solidFill>
                       <a:srgbClr val="000000"/>
                     </a:solidFill>
@@ -18540,7 +18543,7 @@
               </a:ln>
               <a:extLst>
                 <a:ext uri="{91240B29-F687-4f45-9708-019B960494DF}">
-                  <a14:hiddenLine xmlns:a14="http://schemas.microsoft.com/office/drawing/2010/main" xmlns="" w="9525">
+                  <a14:hiddenLine xmlns="" xmlns:a14="http://schemas.microsoft.com/office/drawing/2010/main" w="9525">
                     <a:solidFill>
                       <a:srgbClr val="000000"/>
                     </a:solidFill>
@@ -18602,7 +18605,7 @@
               </a:ln>
               <a:extLst>
                 <a:ext uri="{91240B29-F687-4f45-9708-019B960494DF}">
-                  <a14:hiddenLine xmlns:a14="http://schemas.microsoft.com/office/drawing/2010/main" xmlns="" w="9525">
+                  <a14:hiddenLine xmlns="" xmlns:a14="http://schemas.microsoft.com/office/drawing/2010/main" w="9525">
                     <a:solidFill>
                       <a:srgbClr val="000000"/>
                     </a:solidFill>
@@ -18692,7 +18695,7 @@
               </a:ln>
               <a:extLst>
                 <a:ext uri="{91240B29-F687-4f45-9708-019B960494DF}">
-                  <a14:hiddenLine xmlns:a14="http://schemas.microsoft.com/office/drawing/2010/main" xmlns="" w="9525">
+                  <a14:hiddenLine xmlns="" xmlns:a14="http://schemas.microsoft.com/office/drawing/2010/main" w="9525">
                     <a:solidFill>
                       <a:srgbClr val="000000"/>
                     </a:solidFill>
@@ -18782,7 +18785,7 @@
               </a:ln>
               <a:extLst>
                 <a:ext uri="{91240B29-F687-4f45-9708-019B960494DF}">
-                  <a14:hiddenLine xmlns:a14="http://schemas.microsoft.com/office/drawing/2010/main" xmlns="" w="9525">
+                  <a14:hiddenLine xmlns="" xmlns:a14="http://schemas.microsoft.com/office/drawing/2010/main" w="9525">
                     <a:solidFill>
                       <a:srgbClr val="000000"/>
                     </a:solidFill>
@@ -18847,7 +18850,7 @@
               </a:ln>
               <a:extLst>
                 <a:ext uri="{91240B29-F687-4f45-9708-019B960494DF}">
-                  <a14:hiddenLine xmlns:a14="http://schemas.microsoft.com/office/drawing/2010/main" xmlns="" w="9525">
+                  <a14:hiddenLine xmlns="" xmlns:a14="http://schemas.microsoft.com/office/drawing/2010/main" w="9525">
                     <a:solidFill>
                       <a:srgbClr val="000000"/>
                     </a:solidFill>
@@ -18967,7 +18970,7 @@
               </a:ln>
               <a:extLst>
                 <a:ext uri="{91240B29-F687-4f45-9708-019B960494DF}">
-                  <a14:hiddenLine xmlns:a14="http://schemas.microsoft.com/office/drawing/2010/main" xmlns="" w="9525">
+                  <a14:hiddenLine xmlns="" xmlns:a14="http://schemas.microsoft.com/office/drawing/2010/main" w="9525">
                     <a:solidFill>
                       <a:srgbClr val="000000"/>
                     </a:solidFill>
@@ -19065,7 +19068,7 @@
               </a:ln>
               <a:extLst>
                 <a:ext uri="{91240B29-F687-4f45-9708-019B960494DF}">
-                  <a14:hiddenLine xmlns:a14="http://schemas.microsoft.com/office/drawing/2010/main" xmlns="" w="9525">
+                  <a14:hiddenLine xmlns="" xmlns:a14="http://schemas.microsoft.com/office/drawing/2010/main" w="9525">
                     <a:solidFill>
                       <a:srgbClr val="000000"/>
                     </a:solidFill>
@@ -19180,7 +19183,7 @@
               </a:ln>
               <a:extLst>
                 <a:ext uri="{91240B29-F687-4f45-9708-019B960494DF}">
-                  <a14:hiddenLine xmlns:a14="http://schemas.microsoft.com/office/drawing/2010/main" xmlns="" w="9525">
+                  <a14:hiddenLine xmlns="" xmlns:a14="http://schemas.microsoft.com/office/drawing/2010/main" w="9525">
                     <a:solidFill>
                       <a:srgbClr val="000000"/>
                     </a:solidFill>
@@ -19270,7 +19273,7 @@
               </a:ln>
               <a:extLst>
                 <a:ext uri="{91240B29-F687-4f45-9708-019B960494DF}">
-                  <a14:hiddenLine xmlns:a14="http://schemas.microsoft.com/office/drawing/2010/main" xmlns="" w="9525">
+                  <a14:hiddenLine xmlns="" xmlns:a14="http://schemas.microsoft.com/office/drawing/2010/main" w="9525">
                     <a:solidFill>
                       <a:srgbClr val="000000"/>
                     </a:solidFill>
@@ -19335,7 +19338,7 @@
               </a:ln>
               <a:extLst>
                 <a:ext uri="{91240B29-F687-4f45-9708-019B960494DF}">
-                  <a14:hiddenLine xmlns:a14="http://schemas.microsoft.com/office/drawing/2010/main" xmlns="" w="9525">
+                  <a14:hiddenLine xmlns="" xmlns:a14="http://schemas.microsoft.com/office/drawing/2010/main" w="9525">
                     <a:solidFill>
                       <a:srgbClr val="000000"/>
                     </a:solidFill>
@@ -19425,7 +19428,7 @@
               </a:ln>
               <a:extLst>
                 <a:ext uri="{91240B29-F687-4f45-9708-019B960494DF}">
-                  <a14:hiddenLine xmlns:a14="http://schemas.microsoft.com/office/drawing/2010/main" xmlns="" w="9525">
+                  <a14:hiddenLine xmlns="" xmlns:a14="http://schemas.microsoft.com/office/drawing/2010/main" w="9525">
                     <a:solidFill>
                       <a:srgbClr val="000000"/>
                     </a:solidFill>
@@ -19493,7 +19496,7 @@
               </a:ln>
               <a:extLst>
                 <a:ext uri="{91240B29-F687-4f45-9708-019B960494DF}">
-                  <a14:hiddenLine xmlns:a14="http://schemas.microsoft.com/office/drawing/2010/main" xmlns="" w="9525">
+                  <a14:hiddenLine xmlns="" xmlns:a14="http://schemas.microsoft.com/office/drawing/2010/main" w="9525">
                     <a:solidFill>
                       <a:srgbClr val="000000"/>
                     </a:solidFill>
@@ -19583,7 +19586,7 @@
               </a:ln>
               <a:extLst>
                 <a:ext uri="{91240B29-F687-4f45-9708-019B960494DF}">
-                  <a14:hiddenLine xmlns:a14="http://schemas.microsoft.com/office/drawing/2010/main" xmlns="" w="9525">
+                  <a14:hiddenLine xmlns="" xmlns:a14="http://schemas.microsoft.com/office/drawing/2010/main" w="9525">
                     <a:solidFill>
                       <a:srgbClr val="000000"/>
                     </a:solidFill>
@@ -19651,7 +19654,7 @@
               </a:ln>
               <a:extLst>
                 <a:ext uri="{91240B29-F687-4f45-9708-019B960494DF}">
-                  <a14:hiddenLine xmlns:a14="http://schemas.microsoft.com/office/drawing/2010/main" xmlns="" w="9525">
+                  <a14:hiddenLine xmlns="" xmlns:a14="http://schemas.microsoft.com/office/drawing/2010/main" w="9525">
                     <a:solidFill>
                       <a:srgbClr val="000000"/>
                     </a:solidFill>
@@ -19741,7 +19744,7 @@
               </a:ln>
               <a:extLst>
                 <a:ext uri="{91240B29-F687-4f45-9708-019B960494DF}">
-                  <a14:hiddenLine xmlns:a14="http://schemas.microsoft.com/office/drawing/2010/main" xmlns="" w="9525">
+                  <a14:hiddenLine xmlns="" xmlns:a14="http://schemas.microsoft.com/office/drawing/2010/main" w="9525">
                     <a:solidFill>
                       <a:srgbClr val="000000"/>
                     </a:solidFill>
@@ -19775,7 +19778,7 @@
               </a:ln>
               <a:extLst>
                 <a:ext uri="{91240B29-F687-4f45-9708-019B960494DF}">
-                  <a14:hiddenLine xmlns:a14="http://schemas.microsoft.com/office/drawing/2010/main" xmlns="" w="9525">
+                  <a14:hiddenLine xmlns="" xmlns:a14="http://schemas.microsoft.com/office/drawing/2010/main" w="9525">
                     <a:solidFill>
                       <a:srgbClr val="000000"/>
                     </a:solidFill>

--- a/MakeVersionInfo/MakeVersionInfo.pptx
+++ b/MakeVersionInfo/MakeVersionInfo.pptx
@@ -3347,7 +3347,7 @@
           <a:p>
             <a:fld id="{857CC94D-E614-4874-A919-F25B27309A09}" type="datetimeFigureOut">
               <a:rPr lang="en-CA" smtClean="0"/>
-              <a:t>2025-07-28</a:t>
+              <a:t>2025-08-01</a:t>
             </a:fld>
             <a:endParaRPr lang="en-CA"/>
           </a:p>
@@ -6740,7 +6740,7 @@
           <a:noFill/>
           <a:extLst>
             <a:ext uri="{909E8E84-426E-40dd-AFC4-6F175D3DCCD1}">
-              <a14:hiddenFill xmlns="" xmlns:a14="http://schemas.microsoft.com/office/drawing/2010/main">
+              <a14:hiddenFill xmlns:a14="http://schemas.microsoft.com/office/drawing/2010/main" xmlns="">
                 <a:solidFill>
                   <a:srgbClr val="FFFFFF"/>
                 </a:solidFill>
@@ -6806,7 +6806,7 @@
             </a:ln>
             <a:extLst>
               <a:ext uri="{91240B29-F687-4f45-9708-019B960494DF}">
-                <a14:hiddenLine xmlns="" xmlns:a14="http://schemas.microsoft.com/office/drawing/2010/main" w="9525">
+                <a14:hiddenLine xmlns:a14="http://schemas.microsoft.com/office/drawing/2010/main" xmlns="" w="9525">
                   <a:solidFill>
                     <a:srgbClr val="000000"/>
                   </a:solidFill>
@@ -6896,7 +6896,7 @@
             </a:ln>
             <a:extLst>
               <a:ext uri="{91240B29-F687-4f45-9708-019B960494DF}">
-                <a14:hiddenLine xmlns="" xmlns:a14="http://schemas.microsoft.com/office/drawing/2010/main" w="9525">
+                <a14:hiddenLine xmlns:a14="http://schemas.microsoft.com/office/drawing/2010/main" xmlns="" w="9525">
                   <a:solidFill>
                     <a:srgbClr val="000000"/>
                   </a:solidFill>
@@ -6986,7 +6986,7 @@
             </a:ln>
             <a:extLst>
               <a:ext uri="{91240B29-F687-4f45-9708-019B960494DF}">
-                <a14:hiddenLine xmlns="" xmlns:a14="http://schemas.microsoft.com/office/drawing/2010/main" w="9525">
+                <a14:hiddenLine xmlns:a14="http://schemas.microsoft.com/office/drawing/2010/main" xmlns="" w="9525">
                   <a:solidFill>
                     <a:srgbClr val="000000"/>
                   </a:solidFill>
@@ -7020,7 +7020,7 @@
             </a:ln>
             <a:extLst>
               <a:ext uri="{91240B29-F687-4f45-9708-019B960494DF}">
-                <a14:hiddenLine xmlns="" xmlns:a14="http://schemas.microsoft.com/office/drawing/2010/main" w="9525">
+                <a14:hiddenLine xmlns:a14="http://schemas.microsoft.com/office/drawing/2010/main" xmlns="" w="9525">
                   <a:solidFill>
                     <a:srgbClr val="000000"/>
                   </a:solidFill>
@@ -7110,7 +7110,7 @@
             </a:ln>
             <a:extLst>
               <a:ext uri="{91240B29-F687-4f45-9708-019B960494DF}">
-                <a14:hiddenLine xmlns="" xmlns:a14="http://schemas.microsoft.com/office/drawing/2010/main" w="9525">
+                <a14:hiddenLine xmlns:a14="http://schemas.microsoft.com/office/drawing/2010/main" xmlns="" w="9525">
                   <a:solidFill>
                     <a:srgbClr val="000000"/>
                   </a:solidFill>
@@ -7172,7 +7172,7 @@
             </a:ln>
             <a:extLst>
               <a:ext uri="{91240B29-F687-4f45-9708-019B960494DF}">
-                <a14:hiddenLine xmlns="" xmlns:a14="http://schemas.microsoft.com/office/drawing/2010/main" w="9525">
+                <a14:hiddenLine xmlns:a14="http://schemas.microsoft.com/office/drawing/2010/main" xmlns="" w="9525">
                   <a:solidFill>
                     <a:srgbClr val="000000"/>
                   </a:solidFill>
@@ -7234,7 +7234,7 @@
             </a:ln>
             <a:extLst>
               <a:ext uri="{91240B29-F687-4f45-9708-019B960494DF}">
-                <a14:hiddenLine xmlns="" xmlns:a14="http://schemas.microsoft.com/office/drawing/2010/main" w="9525">
+                <a14:hiddenLine xmlns:a14="http://schemas.microsoft.com/office/drawing/2010/main" xmlns="" w="9525">
                   <a:solidFill>
                     <a:srgbClr val="000000"/>
                   </a:solidFill>
@@ -7324,7 +7324,7 @@
             </a:ln>
             <a:extLst>
               <a:ext uri="{91240B29-F687-4f45-9708-019B960494DF}">
-                <a14:hiddenLine xmlns="" xmlns:a14="http://schemas.microsoft.com/office/drawing/2010/main" w="9525">
+                <a14:hiddenLine xmlns:a14="http://schemas.microsoft.com/office/drawing/2010/main" xmlns="" w="9525">
                   <a:solidFill>
                     <a:srgbClr val="000000"/>
                   </a:solidFill>
@@ -7386,7 +7386,7 @@
             </a:ln>
             <a:extLst>
               <a:ext uri="{91240B29-F687-4f45-9708-019B960494DF}">
-                <a14:hiddenLine xmlns="" xmlns:a14="http://schemas.microsoft.com/office/drawing/2010/main" w="9525">
+                <a14:hiddenLine xmlns:a14="http://schemas.microsoft.com/office/drawing/2010/main" xmlns="" w="9525">
                   <a:solidFill>
                     <a:srgbClr val="000000"/>
                   </a:solidFill>
@@ -7448,7 +7448,7 @@
             </a:ln>
             <a:extLst>
               <a:ext uri="{91240B29-F687-4f45-9708-019B960494DF}">
-                <a14:hiddenLine xmlns="" xmlns:a14="http://schemas.microsoft.com/office/drawing/2010/main" w="9525">
+                <a14:hiddenLine xmlns:a14="http://schemas.microsoft.com/office/drawing/2010/main" xmlns="" w="9525">
                   <a:solidFill>
                     <a:srgbClr val="000000"/>
                   </a:solidFill>
@@ -7538,7 +7538,7 @@
             </a:ln>
             <a:extLst>
               <a:ext uri="{91240B29-F687-4f45-9708-019B960494DF}">
-                <a14:hiddenLine xmlns="" xmlns:a14="http://schemas.microsoft.com/office/drawing/2010/main" w="9525">
+                <a14:hiddenLine xmlns:a14="http://schemas.microsoft.com/office/drawing/2010/main" xmlns="" w="9525">
                   <a:solidFill>
                     <a:srgbClr val="000000"/>
                   </a:solidFill>
@@ -7628,7 +7628,7 @@
             </a:ln>
             <a:extLst>
               <a:ext uri="{91240B29-F687-4f45-9708-019B960494DF}">
-                <a14:hiddenLine xmlns="" xmlns:a14="http://schemas.microsoft.com/office/drawing/2010/main" w="9525">
+                <a14:hiddenLine xmlns:a14="http://schemas.microsoft.com/office/drawing/2010/main" xmlns="" w="9525">
                   <a:solidFill>
                     <a:srgbClr val="000000"/>
                   </a:solidFill>
@@ -7690,7 +7690,7 @@
             </a:ln>
             <a:extLst>
               <a:ext uri="{91240B29-F687-4f45-9708-019B960494DF}">
-                <a14:hiddenLine xmlns="" xmlns:a14="http://schemas.microsoft.com/office/drawing/2010/main" w="9525">
+                <a14:hiddenLine xmlns:a14="http://schemas.microsoft.com/office/drawing/2010/main" xmlns="" w="9525">
                   <a:solidFill>
                     <a:srgbClr val="000000"/>
                   </a:solidFill>
@@ -7800,7 +7800,7 @@
             </a:ln>
             <a:extLst>
               <a:ext uri="{91240B29-F687-4f45-9708-019B960494DF}">
-                <a14:hiddenLine xmlns="" xmlns:a14="http://schemas.microsoft.com/office/drawing/2010/main" w="9525">
+                <a14:hiddenLine xmlns:a14="http://schemas.microsoft.com/office/drawing/2010/main" xmlns="" w="9525">
                   <a:solidFill>
                     <a:srgbClr val="000000"/>
                   </a:solidFill>
@@ -7862,7 +7862,7 @@
             </a:ln>
             <a:extLst>
               <a:ext uri="{91240B29-F687-4f45-9708-019B960494DF}">
-                <a14:hiddenLine xmlns="" xmlns:a14="http://schemas.microsoft.com/office/drawing/2010/main" w="9525">
+                <a14:hiddenLine xmlns:a14="http://schemas.microsoft.com/office/drawing/2010/main" xmlns="" w="9525">
                   <a:solidFill>
                     <a:srgbClr val="000000"/>
                   </a:solidFill>
@@ -7952,7 +7952,7 @@
             </a:ln>
             <a:extLst>
               <a:ext uri="{91240B29-F687-4f45-9708-019B960494DF}">
-                <a14:hiddenLine xmlns="" xmlns:a14="http://schemas.microsoft.com/office/drawing/2010/main" w="9525">
+                <a14:hiddenLine xmlns:a14="http://schemas.microsoft.com/office/drawing/2010/main" xmlns="" w="9525">
                   <a:solidFill>
                     <a:srgbClr val="000000"/>
                   </a:solidFill>
@@ -8042,7 +8042,7 @@
             </a:ln>
             <a:extLst>
               <a:ext uri="{91240B29-F687-4f45-9708-019B960494DF}">
-                <a14:hiddenLine xmlns="" xmlns:a14="http://schemas.microsoft.com/office/drawing/2010/main" w="9525">
+                <a14:hiddenLine xmlns:a14="http://schemas.microsoft.com/office/drawing/2010/main" xmlns="" w="9525">
                   <a:solidFill>
                     <a:srgbClr val="000000"/>
                   </a:solidFill>
@@ -8104,7 +8104,7 @@
             </a:ln>
             <a:extLst>
               <a:ext uri="{91240B29-F687-4f45-9708-019B960494DF}">
-                <a14:hiddenLine xmlns="" xmlns:a14="http://schemas.microsoft.com/office/drawing/2010/main" w="9525">
+                <a14:hiddenLine xmlns:a14="http://schemas.microsoft.com/office/drawing/2010/main" xmlns="" w="9525">
                   <a:solidFill>
                     <a:srgbClr val="000000"/>
                   </a:solidFill>
@@ -8194,7 +8194,7 @@
             </a:ln>
             <a:extLst>
               <a:ext uri="{91240B29-F687-4f45-9708-019B960494DF}">
-                <a14:hiddenLine xmlns="" xmlns:a14="http://schemas.microsoft.com/office/drawing/2010/main" w="9525">
+                <a14:hiddenLine xmlns:a14="http://schemas.microsoft.com/office/drawing/2010/main" xmlns="" w="9525">
                   <a:solidFill>
                     <a:srgbClr val="000000"/>
                   </a:solidFill>
@@ -8284,7 +8284,7 @@
             </a:ln>
             <a:extLst>
               <a:ext uri="{91240B29-F687-4f45-9708-019B960494DF}">
-                <a14:hiddenLine xmlns="" xmlns:a14="http://schemas.microsoft.com/office/drawing/2010/main" w="9525">
+                <a14:hiddenLine xmlns:a14="http://schemas.microsoft.com/office/drawing/2010/main" xmlns="" w="9525">
                   <a:solidFill>
                     <a:srgbClr val="000000"/>
                   </a:solidFill>
@@ -8340,7 +8340,7 @@
             </a:ln>
             <a:extLst>
               <a:ext uri="{91240B29-F687-4f45-9708-019B960494DF}">
-                <a14:hiddenLine xmlns="" xmlns:a14="http://schemas.microsoft.com/office/drawing/2010/main" w="9525">
+                <a14:hiddenLine xmlns:a14="http://schemas.microsoft.com/office/drawing/2010/main" xmlns="" w="9525">
                   <a:solidFill>
                     <a:srgbClr val="000000"/>
                   </a:solidFill>
@@ -8430,7 +8430,7 @@
             </a:ln>
             <a:extLst>
               <a:ext uri="{91240B29-F687-4f45-9708-019B960494DF}">
-                <a14:hiddenLine xmlns="" xmlns:a14="http://schemas.microsoft.com/office/drawing/2010/main" w="9525">
+                <a14:hiddenLine xmlns:a14="http://schemas.microsoft.com/office/drawing/2010/main" xmlns="" w="9525">
                   <a:solidFill>
                     <a:srgbClr val="000000"/>
                   </a:solidFill>
@@ -8486,7 +8486,7 @@
             </a:ln>
             <a:extLst>
               <a:ext uri="{91240B29-F687-4f45-9708-019B960494DF}">
-                <a14:hiddenLine xmlns="" xmlns:a14="http://schemas.microsoft.com/office/drawing/2010/main" w="9525">
+                <a14:hiddenLine xmlns:a14="http://schemas.microsoft.com/office/drawing/2010/main" xmlns="" w="9525">
                   <a:solidFill>
                     <a:srgbClr val="000000"/>
                   </a:solidFill>
@@ -8576,7 +8576,7 @@
             </a:ln>
             <a:extLst>
               <a:ext uri="{91240B29-F687-4f45-9708-019B960494DF}">
-                <a14:hiddenLine xmlns="" xmlns:a14="http://schemas.microsoft.com/office/drawing/2010/main" w="9525">
+                <a14:hiddenLine xmlns:a14="http://schemas.microsoft.com/office/drawing/2010/main" xmlns="" w="9525">
                   <a:solidFill>
                     <a:srgbClr val="000000"/>
                   </a:solidFill>
@@ -8644,7 +8644,7 @@
             </a:ln>
             <a:extLst>
               <a:ext uri="{91240B29-F687-4f45-9708-019B960494DF}">
-                <a14:hiddenLine xmlns="" xmlns:a14="http://schemas.microsoft.com/office/drawing/2010/main" w="9525">
+                <a14:hiddenLine xmlns:a14="http://schemas.microsoft.com/office/drawing/2010/main" xmlns="" w="9525">
                   <a:solidFill>
                     <a:srgbClr val="000000"/>
                   </a:solidFill>
@@ -8734,7 +8734,7 @@
             </a:ln>
             <a:extLst>
               <a:ext uri="{91240B29-F687-4f45-9708-019B960494DF}">
-                <a14:hiddenLine xmlns="" xmlns:a14="http://schemas.microsoft.com/office/drawing/2010/main" w="9525">
+                <a14:hiddenLine xmlns:a14="http://schemas.microsoft.com/office/drawing/2010/main" xmlns="" w="9525">
                   <a:solidFill>
                     <a:srgbClr val="000000"/>
                   </a:solidFill>
@@ -8802,7 +8802,7 @@
             </a:ln>
             <a:extLst>
               <a:ext uri="{91240B29-F687-4f45-9708-019B960494DF}">
-                <a14:hiddenLine xmlns="" xmlns:a14="http://schemas.microsoft.com/office/drawing/2010/main" w="9525">
+                <a14:hiddenLine xmlns:a14="http://schemas.microsoft.com/office/drawing/2010/main" xmlns="" w="9525">
                   <a:solidFill>
                     <a:srgbClr val="000000"/>
                   </a:solidFill>
@@ -8892,7 +8892,7 @@
             </a:ln>
             <a:extLst>
               <a:ext uri="{91240B29-F687-4f45-9708-019B960494DF}">
-                <a14:hiddenLine xmlns="" xmlns:a14="http://schemas.microsoft.com/office/drawing/2010/main" w="9525">
+                <a14:hiddenLine xmlns:a14="http://schemas.microsoft.com/office/drawing/2010/main" xmlns="" w="9525">
                   <a:solidFill>
                     <a:srgbClr val="000000"/>
                   </a:solidFill>
@@ -8926,7 +8926,7 @@
             </a:ln>
             <a:extLst>
               <a:ext uri="{91240B29-F687-4f45-9708-019B960494DF}">
-                <a14:hiddenLine xmlns="" xmlns:a14="http://schemas.microsoft.com/office/drawing/2010/main" w="9525">
+                <a14:hiddenLine xmlns:a14="http://schemas.microsoft.com/office/drawing/2010/main" xmlns="" w="9525">
                   <a:solidFill>
                     <a:srgbClr val="000000"/>
                   </a:solidFill>
@@ -9016,7 +9016,7 @@
             </a:ln>
             <a:extLst>
               <a:ext uri="{91240B29-F687-4f45-9708-019B960494DF}">
-                <a14:hiddenLine xmlns="" xmlns:a14="http://schemas.microsoft.com/office/drawing/2010/main" w="9525">
+                <a14:hiddenLine xmlns:a14="http://schemas.microsoft.com/office/drawing/2010/main" xmlns="" w="9525">
                   <a:solidFill>
                     <a:srgbClr val="000000"/>
                   </a:solidFill>
@@ -9078,7 +9078,7 @@
             </a:ln>
             <a:extLst>
               <a:ext uri="{91240B29-F687-4f45-9708-019B960494DF}">
-                <a14:hiddenLine xmlns="" xmlns:a14="http://schemas.microsoft.com/office/drawing/2010/main" w="9525">
+                <a14:hiddenLine xmlns:a14="http://schemas.microsoft.com/office/drawing/2010/main" xmlns="" w="9525">
                   <a:solidFill>
                     <a:srgbClr val="000000"/>
                   </a:solidFill>
@@ -9140,7 +9140,7 @@
             </a:ln>
             <a:extLst>
               <a:ext uri="{91240B29-F687-4f45-9708-019B960494DF}">
-                <a14:hiddenLine xmlns="" xmlns:a14="http://schemas.microsoft.com/office/drawing/2010/main" w="9525">
+                <a14:hiddenLine xmlns:a14="http://schemas.microsoft.com/office/drawing/2010/main" xmlns="" w="9525">
                   <a:solidFill>
                     <a:srgbClr val="000000"/>
                   </a:solidFill>
@@ -9230,7 +9230,7 @@
             </a:ln>
             <a:extLst>
               <a:ext uri="{91240B29-F687-4f45-9708-019B960494DF}">
-                <a14:hiddenLine xmlns="" xmlns:a14="http://schemas.microsoft.com/office/drawing/2010/main" w="9525">
+                <a14:hiddenLine xmlns:a14="http://schemas.microsoft.com/office/drawing/2010/main" xmlns="" w="9525">
                   <a:solidFill>
                     <a:srgbClr val="000000"/>
                   </a:solidFill>
@@ -9298,7 +9298,7 @@
             </a:ln>
             <a:extLst>
               <a:ext uri="{91240B29-F687-4f45-9708-019B960494DF}">
-                <a14:hiddenLine xmlns="" xmlns:a14="http://schemas.microsoft.com/office/drawing/2010/main" w="9525">
+                <a14:hiddenLine xmlns:a14="http://schemas.microsoft.com/office/drawing/2010/main" xmlns="" w="9525">
                   <a:solidFill>
                     <a:srgbClr val="000000"/>
                   </a:solidFill>
@@ -9360,7 +9360,7 @@
             </a:ln>
             <a:extLst>
               <a:ext uri="{91240B29-F687-4f45-9708-019B960494DF}">
-                <a14:hiddenLine xmlns="" xmlns:a14="http://schemas.microsoft.com/office/drawing/2010/main" w="9525">
+                <a14:hiddenLine xmlns:a14="http://schemas.microsoft.com/office/drawing/2010/main" xmlns="" w="9525">
                   <a:solidFill>
                     <a:srgbClr val="000000"/>
                   </a:solidFill>
@@ -9450,7 +9450,7 @@
             </a:ln>
             <a:extLst>
               <a:ext uri="{91240B29-F687-4f45-9708-019B960494DF}">
-                <a14:hiddenLine xmlns="" xmlns:a14="http://schemas.microsoft.com/office/drawing/2010/main" w="9525">
+                <a14:hiddenLine xmlns:a14="http://schemas.microsoft.com/office/drawing/2010/main" xmlns="" w="9525">
                   <a:solidFill>
                     <a:srgbClr val="000000"/>
                   </a:solidFill>
@@ -9512,7 +9512,7 @@
             </a:ln>
             <a:extLst>
               <a:ext uri="{91240B29-F687-4f45-9708-019B960494DF}">
-                <a14:hiddenLine xmlns="" xmlns:a14="http://schemas.microsoft.com/office/drawing/2010/main" w="9525">
+                <a14:hiddenLine xmlns:a14="http://schemas.microsoft.com/office/drawing/2010/main" xmlns="" w="9525">
                   <a:solidFill>
                     <a:srgbClr val="000000"/>
                   </a:solidFill>
@@ -9602,7 +9602,7 @@
             </a:ln>
             <a:extLst>
               <a:ext uri="{91240B29-F687-4f45-9708-019B960494DF}">
-                <a14:hiddenLine xmlns="" xmlns:a14="http://schemas.microsoft.com/office/drawing/2010/main" w="9525">
+                <a14:hiddenLine xmlns:a14="http://schemas.microsoft.com/office/drawing/2010/main" xmlns="" w="9525">
                   <a:solidFill>
                     <a:srgbClr val="000000"/>
                   </a:solidFill>
@@ -9664,7 +9664,7 @@
             </a:ln>
             <a:extLst>
               <a:ext uri="{91240B29-F687-4f45-9708-019B960494DF}">
-                <a14:hiddenLine xmlns="" xmlns:a14="http://schemas.microsoft.com/office/drawing/2010/main" w="9525">
+                <a14:hiddenLine xmlns:a14="http://schemas.microsoft.com/office/drawing/2010/main" xmlns="" w="9525">
                   <a:solidFill>
                     <a:srgbClr val="000000"/>
                   </a:solidFill>
@@ -9754,7 +9754,7 @@
             </a:ln>
             <a:extLst>
               <a:ext uri="{91240B29-F687-4f45-9708-019B960494DF}">
-                <a14:hiddenLine xmlns="" xmlns:a14="http://schemas.microsoft.com/office/drawing/2010/main" w="9525">
+                <a14:hiddenLine xmlns:a14="http://schemas.microsoft.com/office/drawing/2010/main" xmlns="" w="9525">
                   <a:solidFill>
                     <a:srgbClr val="000000"/>
                   </a:solidFill>
@@ -9788,7 +9788,7 @@
             </a:ln>
             <a:extLst>
               <a:ext uri="{91240B29-F687-4f45-9708-019B960494DF}">
-                <a14:hiddenLine xmlns="" xmlns:a14="http://schemas.microsoft.com/office/drawing/2010/main" w="9525">
+                <a14:hiddenLine xmlns:a14="http://schemas.microsoft.com/office/drawing/2010/main" xmlns="" w="9525">
                   <a:solidFill>
                     <a:srgbClr val="000000"/>
                   </a:solidFill>
@@ -9853,7 +9853,7 @@
             </a:ln>
             <a:extLst>
               <a:ext uri="{91240B29-F687-4f45-9708-019B960494DF}">
-                <a14:hiddenLine xmlns="" xmlns:a14="http://schemas.microsoft.com/office/drawing/2010/main" w="9525">
+                <a14:hiddenLine xmlns:a14="http://schemas.microsoft.com/office/drawing/2010/main" xmlns="" w="9525">
                   <a:solidFill>
                     <a:srgbClr val="000000"/>
                   </a:solidFill>
@@ -9943,7 +9943,7 @@
             </a:ln>
             <a:extLst>
               <a:ext uri="{91240B29-F687-4f45-9708-019B960494DF}">
-                <a14:hiddenLine xmlns="" xmlns:a14="http://schemas.microsoft.com/office/drawing/2010/main" w="9525">
+                <a14:hiddenLine xmlns:a14="http://schemas.microsoft.com/office/drawing/2010/main" xmlns="" w="9525">
                   <a:solidFill>
                     <a:srgbClr val="000000"/>
                   </a:solidFill>
@@ -10005,7 +10005,7 @@
             </a:ln>
             <a:extLst>
               <a:ext uri="{91240B29-F687-4f45-9708-019B960494DF}">
-                <a14:hiddenLine xmlns="" xmlns:a14="http://schemas.microsoft.com/office/drawing/2010/main" w="9525">
+                <a14:hiddenLine xmlns:a14="http://schemas.microsoft.com/office/drawing/2010/main" xmlns="" w="9525">
                   <a:solidFill>
                     <a:srgbClr val="000000"/>
                   </a:solidFill>
@@ -10095,7 +10095,7 @@
             </a:ln>
             <a:extLst>
               <a:ext uri="{91240B29-F687-4f45-9708-019B960494DF}">
-                <a14:hiddenLine xmlns="" xmlns:a14="http://schemas.microsoft.com/office/drawing/2010/main" w="9525">
+                <a14:hiddenLine xmlns:a14="http://schemas.microsoft.com/office/drawing/2010/main" xmlns="" w="9525">
                   <a:solidFill>
                     <a:srgbClr val="000000"/>
                   </a:solidFill>
@@ -10185,7 +10185,7 @@
             </a:ln>
             <a:extLst>
               <a:ext uri="{91240B29-F687-4f45-9708-019B960494DF}">
-                <a14:hiddenLine xmlns="" xmlns:a14="http://schemas.microsoft.com/office/drawing/2010/main" w="9525">
+                <a14:hiddenLine xmlns:a14="http://schemas.microsoft.com/office/drawing/2010/main" xmlns="" w="9525">
                   <a:solidFill>
                     <a:srgbClr val="000000"/>
                   </a:solidFill>
@@ -10250,7 +10250,7 @@
             </a:ln>
             <a:extLst>
               <a:ext uri="{91240B29-F687-4f45-9708-019B960494DF}">
-                <a14:hiddenLine xmlns="" xmlns:a14="http://schemas.microsoft.com/office/drawing/2010/main" w="9525">
+                <a14:hiddenLine xmlns:a14="http://schemas.microsoft.com/office/drawing/2010/main" xmlns="" w="9525">
                   <a:solidFill>
                     <a:srgbClr val="000000"/>
                   </a:solidFill>
@@ -10312,7 +10312,7 @@
             </a:ln>
             <a:extLst>
               <a:ext uri="{91240B29-F687-4f45-9708-019B960494DF}">
-                <a14:hiddenLine xmlns="" xmlns:a14="http://schemas.microsoft.com/office/drawing/2010/main" w="9525">
+                <a14:hiddenLine xmlns:a14="http://schemas.microsoft.com/office/drawing/2010/main" xmlns="" w="9525">
                   <a:solidFill>
                     <a:srgbClr val="000000"/>
                   </a:solidFill>
@@ -10402,7 +10402,7 @@
             </a:ln>
             <a:extLst>
               <a:ext uri="{91240B29-F687-4f45-9708-019B960494DF}">
-                <a14:hiddenLine xmlns="" xmlns:a14="http://schemas.microsoft.com/office/drawing/2010/main" w="9525">
+                <a14:hiddenLine xmlns:a14="http://schemas.microsoft.com/office/drawing/2010/main" xmlns="" w="9525">
                   <a:solidFill>
                     <a:srgbClr val="000000"/>
                   </a:solidFill>
@@ -10492,7 +10492,7 @@
             </a:ln>
             <a:extLst>
               <a:ext uri="{91240B29-F687-4f45-9708-019B960494DF}">
-                <a14:hiddenLine xmlns="" xmlns:a14="http://schemas.microsoft.com/office/drawing/2010/main" w="9525">
+                <a14:hiddenLine xmlns:a14="http://schemas.microsoft.com/office/drawing/2010/main" xmlns="" w="9525">
                   <a:solidFill>
                     <a:srgbClr val="000000"/>
                   </a:solidFill>
@@ -10554,7 +10554,7 @@
             </a:ln>
             <a:extLst>
               <a:ext uri="{91240B29-F687-4f45-9708-019B960494DF}">
-                <a14:hiddenLine xmlns="" xmlns:a14="http://schemas.microsoft.com/office/drawing/2010/main" w="9525">
+                <a14:hiddenLine xmlns:a14="http://schemas.microsoft.com/office/drawing/2010/main" xmlns="" w="9525">
                   <a:solidFill>
                     <a:srgbClr val="000000"/>
                   </a:solidFill>
@@ -10674,7 +10674,7 @@
             </a:ln>
             <a:extLst>
               <a:ext uri="{91240B29-F687-4f45-9708-019B960494DF}">
-                <a14:hiddenLine xmlns="" xmlns:a14="http://schemas.microsoft.com/office/drawing/2010/main" w="9525">
+                <a14:hiddenLine xmlns:a14="http://schemas.microsoft.com/office/drawing/2010/main" xmlns="" w="9525">
                   <a:solidFill>
                     <a:srgbClr val="000000"/>
                   </a:solidFill>
@@ -10742,7 +10742,7 @@
             </a:ln>
             <a:extLst>
               <a:ext uri="{91240B29-F687-4f45-9708-019B960494DF}">
-                <a14:hiddenLine xmlns="" xmlns:a14="http://schemas.microsoft.com/office/drawing/2010/main" w="9525">
+                <a14:hiddenLine xmlns:a14="http://schemas.microsoft.com/office/drawing/2010/main" xmlns="" w="9525">
                   <a:solidFill>
                     <a:srgbClr val="000000"/>
                   </a:solidFill>
@@ -10832,7 +10832,7 @@
             </a:ln>
             <a:extLst>
               <a:ext uri="{91240B29-F687-4f45-9708-019B960494DF}">
-                <a14:hiddenLine xmlns="" xmlns:a14="http://schemas.microsoft.com/office/drawing/2010/main" w="9525">
+                <a14:hiddenLine xmlns:a14="http://schemas.microsoft.com/office/drawing/2010/main" xmlns="" w="9525">
                   <a:solidFill>
                     <a:srgbClr val="000000"/>
                   </a:solidFill>
@@ -16951,7 +16951,7 @@
           <a:noFill/>
           <a:extLst>
             <a:ext uri="{909E8E84-426E-40dd-AFC4-6F175D3DCCD1}">
-              <a14:hiddenFill xmlns="" xmlns:a14="http://schemas.microsoft.com/office/drawing/2010/main">
+              <a14:hiddenFill xmlns:a14="http://schemas.microsoft.com/office/drawing/2010/main" xmlns="">
                 <a:solidFill>
                   <a:srgbClr val="FFFFFF"/>
                 </a:solidFill>
@@ -17031,7 +17031,7 @@
               </a:ln>
               <a:extLst>
                 <a:ext uri="{91240B29-F687-4f45-9708-019B960494DF}">
-                  <a14:hiddenLine xmlns="" xmlns:a14="http://schemas.microsoft.com/office/drawing/2010/main" w="9525">
+                  <a14:hiddenLine xmlns:a14="http://schemas.microsoft.com/office/drawing/2010/main" xmlns="" w="9525">
                     <a:solidFill>
                       <a:srgbClr val="000000"/>
                     </a:solidFill>
@@ -17121,7 +17121,7 @@
               </a:ln>
               <a:extLst>
                 <a:ext uri="{91240B29-F687-4f45-9708-019B960494DF}">
-                  <a14:hiddenLine xmlns="" xmlns:a14="http://schemas.microsoft.com/office/drawing/2010/main" w="9525">
+                  <a14:hiddenLine xmlns:a14="http://schemas.microsoft.com/office/drawing/2010/main" xmlns="" w="9525">
                     <a:solidFill>
                       <a:srgbClr val="000000"/>
                     </a:solidFill>
@@ -17211,7 +17211,7 @@
               </a:ln>
               <a:extLst>
                 <a:ext uri="{91240B29-F687-4f45-9708-019B960494DF}">
-                  <a14:hiddenLine xmlns="" xmlns:a14="http://schemas.microsoft.com/office/drawing/2010/main" w="9525">
+                  <a14:hiddenLine xmlns:a14="http://schemas.microsoft.com/office/drawing/2010/main" xmlns="" w="9525">
                     <a:solidFill>
                       <a:srgbClr val="000000"/>
                     </a:solidFill>
@@ -17273,7 +17273,7 @@
               </a:ln>
               <a:extLst>
                 <a:ext uri="{91240B29-F687-4f45-9708-019B960494DF}">
-                  <a14:hiddenLine xmlns="" xmlns:a14="http://schemas.microsoft.com/office/drawing/2010/main" w="9525">
+                  <a14:hiddenLine xmlns:a14="http://schemas.microsoft.com/office/drawing/2010/main" xmlns="" w="9525">
                     <a:solidFill>
                       <a:srgbClr val="000000"/>
                     </a:solidFill>
@@ -17363,7 +17363,7 @@
               </a:ln>
               <a:extLst>
                 <a:ext uri="{91240B29-F687-4f45-9708-019B960494DF}">
-                  <a14:hiddenLine xmlns="" xmlns:a14="http://schemas.microsoft.com/office/drawing/2010/main" w="9525">
+                  <a14:hiddenLine xmlns:a14="http://schemas.microsoft.com/office/drawing/2010/main" xmlns="" w="9525">
                     <a:solidFill>
                       <a:srgbClr val="000000"/>
                     </a:solidFill>
@@ -17425,7 +17425,7 @@
               </a:ln>
               <a:extLst>
                 <a:ext uri="{91240B29-F687-4f45-9708-019B960494DF}">
-                  <a14:hiddenLine xmlns="" xmlns:a14="http://schemas.microsoft.com/office/drawing/2010/main" w="9525">
+                  <a14:hiddenLine xmlns:a14="http://schemas.microsoft.com/office/drawing/2010/main" xmlns="" w="9525">
                     <a:solidFill>
                       <a:srgbClr val="000000"/>
                     </a:solidFill>
@@ -17487,7 +17487,7 @@
               </a:ln>
               <a:extLst>
                 <a:ext uri="{91240B29-F687-4f45-9708-019B960494DF}">
-                  <a14:hiddenLine xmlns="" xmlns:a14="http://schemas.microsoft.com/office/drawing/2010/main" w="9525">
+                  <a14:hiddenLine xmlns:a14="http://schemas.microsoft.com/office/drawing/2010/main" xmlns="" w="9525">
                     <a:solidFill>
                       <a:srgbClr val="000000"/>
                     </a:solidFill>
@@ -17577,7 +17577,7 @@
               </a:ln>
               <a:extLst>
                 <a:ext uri="{91240B29-F687-4f45-9708-019B960494DF}">
-                  <a14:hiddenLine xmlns="" xmlns:a14="http://schemas.microsoft.com/office/drawing/2010/main" w="9525">
+                  <a14:hiddenLine xmlns:a14="http://schemas.microsoft.com/office/drawing/2010/main" xmlns="" w="9525">
                     <a:solidFill>
                       <a:srgbClr val="000000"/>
                     </a:solidFill>
@@ -17667,7 +17667,7 @@
               </a:ln>
               <a:extLst>
                 <a:ext uri="{91240B29-F687-4f45-9708-019B960494DF}">
-                  <a14:hiddenLine xmlns="" xmlns:a14="http://schemas.microsoft.com/office/drawing/2010/main" w="9525">
+                  <a14:hiddenLine xmlns:a14="http://schemas.microsoft.com/office/drawing/2010/main" xmlns="" w="9525">
                     <a:solidFill>
                       <a:srgbClr val="000000"/>
                     </a:solidFill>
@@ -17729,7 +17729,7 @@
               </a:ln>
               <a:extLst>
                 <a:ext uri="{91240B29-F687-4f45-9708-019B960494DF}">
-                  <a14:hiddenLine xmlns="" xmlns:a14="http://schemas.microsoft.com/office/drawing/2010/main" w="9525">
+                  <a14:hiddenLine xmlns:a14="http://schemas.microsoft.com/office/drawing/2010/main" xmlns="" w="9525">
                     <a:solidFill>
                       <a:srgbClr val="000000"/>
                     </a:solidFill>
@@ -17839,7 +17839,7 @@
               </a:ln>
               <a:extLst>
                 <a:ext uri="{91240B29-F687-4f45-9708-019B960494DF}">
-                  <a14:hiddenLine xmlns="" xmlns:a14="http://schemas.microsoft.com/office/drawing/2010/main" w="9525">
+                  <a14:hiddenLine xmlns:a14="http://schemas.microsoft.com/office/drawing/2010/main" xmlns="" w="9525">
                     <a:solidFill>
                       <a:srgbClr val="000000"/>
                     </a:solidFill>
@@ -17923,7 +17923,7 @@
               </a:ln>
               <a:extLst>
                 <a:ext uri="{91240B29-F687-4f45-9708-019B960494DF}">
-                  <a14:hiddenLine xmlns="" xmlns:a14="http://schemas.microsoft.com/office/drawing/2010/main" w="9525">
+                  <a14:hiddenLine xmlns:a14="http://schemas.microsoft.com/office/drawing/2010/main" xmlns="" w="9525">
                     <a:solidFill>
                       <a:srgbClr val="000000"/>
                     </a:solidFill>
@@ -17985,7 +17985,7 @@
               </a:ln>
               <a:extLst>
                 <a:ext uri="{91240B29-F687-4f45-9708-019B960494DF}">
-                  <a14:hiddenLine xmlns="" xmlns:a14="http://schemas.microsoft.com/office/drawing/2010/main" w="9525">
+                  <a14:hiddenLine xmlns:a14="http://schemas.microsoft.com/office/drawing/2010/main" xmlns="" w="9525">
                     <a:solidFill>
                       <a:srgbClr val="000000"/>
                     </a:solidFill>
@@ -18047,7 +18047,7 @@
               </a:ln>
               <a:extLst>
                 <a:ext uri="{91240B29-F687-4f45-9708-019B960494DF}">
-                  <a14:hiddenLine xmlns="" xmlns:a14="http://schemas.microsoft.com/office/drawing/2010/main" w="9525">
+                  <a14:hiddenLine xmlns:a14="http://schemas.microsoft.com/office/drawing/2010/main" xmlns="" w="9525">
                     <a:solidFill>
                       <a:srgbClr val="000000"/>
                     </a:solidFill>
@@ -18137,7 +18137,7 @@
               </a:ln>
               <a:extLst>
                 <a:ext uri="{91240B29-F687-4f45-9708-019B960494DF}">
-                  <a14:hiddenLine xmlns="" xmlns:a14="http://schemas.microsoft.com/office/drawing/2010/main" w="9525">
+                  <a14:hiddenLine xmlns:a14="http://schemas.microsoft.com/office/drawing/2010/main" xmlns="" w="9525">
                     <a:solidFill>
                       <a:srgbClr val="000000"/>
                     </a:solidFill>
@@ -18171,7 +18171,7 @@
               </a:ln>
               <a:extLst>
                 <a:ext uri="{91240B29-F687-4f45-9708-019B960494DF}">
-                  <a14:hiddenLine xmlns="" xmlns:a14="http://schemas.microsoft.com/office/drawing/2010/main" w="9525">
+                  <a14:hiddenLine xmlns:a14="http://schemas.microsoft.com/office/drawing/2010/main" xmlns="" w="9525">
                     <a:solidFill>
                       <a:srgbClr val="000000"/>
                     </a:solidFill>
@@ -18236,7 +18236,7 @@
               </a:ln>
               <a:extLst>
                 <a:ext uri="{91240B29-F687-4f45-9708-019B960494DF}">
-                  <a14:hiddenLine xmlns="" xmlns:a14="http://schemas.microsoft.com/office/drawing/2010/main" w="9525">
+                  <a14:hiddenLine xmlns:a14="http://schemas.microsoft.com/office/drawing/2010/main" xmlns="" w="9525">
                     <a:solidFill>
                       <a:srgbClr val="000000"/>
                     </a:solidFill>
@@ -18326,7 +18326,7 @@
               </a:ln>
               <a:extLst>
                 <a:ext uri="{91240B29-F687-4f45-9708-019B960494DF}">
-                  <a14:hiddenLine xmlns="" xmlns:a14="http://schemas.microsoft.com/office/drawing/2010/main" w="9525">
+                  <a14:hiddenLine xmlns:a14="http://schemas.microsoft.com/office/drawing/2010/main" xmlns="" w="9525">
                     <a:solidFill>
                       <a:srgbClr val="000000"/>
                     </a:solidFill>
@@ -18388,7 +18388,7 @@
               </a:ln>
               <a:extLst>
                 <a:ext uri="{91240B29-F687-4f45-9708-019B960494DF}">
-                  <a14:hiddenLine xmlns="" xmlns:a14="http://schemas.microsoft.com/office/drawing/2010/main" w="9525">
+                  <a14:hiddenLine xmlns:a14="http://schemas.microsoft.com/office/drawing/2010/main" xmlns="" w="9525">
                     <a:solidFill>
                       <a:srgbClr val="000000"/>
                     </a:solidFill>
@@ -18478,7 +18478,7 @@
               </a:ln>
               <a:extLst>
                 <a:ext uri="{91240B29-F687-4f45-9708-019B960494DF}">
-                  <a14:hiddenLine xmlns="" xmlns:a14="http://schemas.microsoft.com/office/drawing/2010/main" w="9525">
+                  <a14:hiddenLine xmlns:a14="http://schemas.microsoft.com/office/drawing/2010/main" xmlns="" w="9525">
                     <a:solidFill>
                       <a:srgbClr val="000000"/>
                     </a:solidFill>
@@ -18543,7 +18543,7 @@
               </a:ln>
               <a:extLst>
                 <a:ext uri="{91240B29-F687-4f45-9708-019B960494DF}">
-                  <a14:hiddenLine xmlns="" xmlns:a14="http://schemas.microsoft.com/office/drawing/2010/main" w="9525">
+                  <a14:hiddenLine xmlns:a14="http://schemas.microsoft.com/office/drawing/2010/main" xmlns="" w="9525">
                     <a:solidFill>
                       <a:srgbClr val="000000"/>
                     </a:solidFill>
@@ -18605,7 +18605,7 @@
               </a:ln>
               <a:extLst>
                 <a:ext uri="{91240B29-F687-4f45-9708-019B960494DF}">
-                  <a14:hiddenLine xmlns="" xmlns:a14="http://schemas.microsoft.com/office/drawing/2010/main" w="9525">
+                  <a14:hiddenLine xmlns:a14="http://schemas.microsoft.com/office/drawing/2010/main" xmlns="" w="9525">
                     <a:solidFill>
                       <a:srgbClr val="000000"/>
                     </a:solidFill>
@@ -18695,7 +18695,7 @@
               </a:ln>
               <a:extLst>
                 <a:ext uri="{91240B29-F687-4f45-9708-019B960494DF}">
-                  <a14:hiddenLine xmlns="" xmlns:a14="http://schemas.microsoft.com/office/drawing/2010/main" w="9525">
+                  <a14:hiddenLine xmlns:a14="http://schemas.microsoft.com/office/drawing/2010/main" xmlns="" w="9525">
                     <a:solidFill>
                       <a:srgbClr val="000000"/>
                     </a:solidFill>
@@ -18785,7 +18785,7 @@
               </a:ln>
               <a:extLst>
                 <a:ext uri="{91240B29-F687-4f45-9708-019B960494DF}">
-                  <a14:hiddenLine xmlns="" xmlns:a14="http://schemas.microsoft.com/office/drawing/2010/main" w="9525">
+                  <a14:hiddenLine xmlns:a14="http://schemas.microsoft.com/office/drawing/2010/main" xmlns="" w="9525">
                     <a:solidFill>
                       <a:srgbClr val="000000"/>
                     </a:solidFill>
@@ -18850,7 +18850,7 @@
               </a:ln>
               <a:extLst>
                 <a:ext uri="{91240B29-F687-4f45-9708-019B960494DF}">
-                  <a14:hiddenLine xmlns="" xmlns:a14="http://schemas.microsoft.com/office/drawing/2010/main" w="9525">
+                  <a14:hiddenLine xmlns:a14="http://schemas.microsoft.com/office/drawing/2010/main" xmlns="" w="9525">
                     <a:solidFill>
                       <a:srgbClr val="000000"/>
                     </a:solidFill>
@@ -18970,7 +18970,7 @@
               </a:ln>
               <a:extLst>
                 <a:ext uri="{91240B29-F687-4f45-9708-019B960494DF}">
-                  <a14:hiddenLine xmlns="" xmlns:a14="http://schemas.microsoft.com/office/drawing/2010/main" w="9525">
+                  <a14:hiddenLine xmlns:a14="http://schemas.microsoft.com/office/drawing/2010/main" xmlns="" w="9525">
                     <a:solidFill>
                       <a:srgbClr val="000000"/>
                     </a:solidFill>
@@ -19068,7 +19068,7 @@
               </a:ln>
               <a:extLst>
                 <a:ext uri="{91240B29-F687-4f45-9708-019B960494DF}">
-                  <a14:hiddenLine xmlns="" xmlns:a14="http://schemas.microsoft.com/office/drawing/2010/main" w="9525">
+                  <a14:hiddenLine xmlns:a14="http://schemas.microsoft.com/office/drawing/2010/main" xmlns="" w="9525">
                     <a:solidFill>
                       <a:srgbClr val="000000"/>
                     </a:solidFill>
@@ -19183,7 +19183,7 @@
               </a:ln>
               <a:extLst>
                 <a:ext uri="{91240B29-F687-4f45-9708-019B960494DF}">
-                  <a14:hiddenLine xmlns="" xmlns:a14="http://schemas.microsoft.com/office/drawing/2010/main" w="9525">
+                  <a14:hiddenLine xmlns:a14="http://schemas.microsoft.com/office/drawing/2010/main" xmlns="" w="9525">
                     <a:solidFill>
                       <a:srgbClr val="000000"/>
                     </a:solidFill>
@@ -19273,7 +19273,7 @@
               </a:ln>
               <a:extLst>
                 <a:ext uri="{91240B29-F687-4f45-9708-019B960494DF}">
-                  <a14:hiddenLine xmlns="" xmlns:a14="http://schemas.microsoft.com/office/drawing/2010/main" w="9525">
+                  <a14:hiddenLine xmlns:a14="http://schemas.microsoft.com/office/drawing/2010/main" xmlns="" w="9525">
                     <a:solidFill>
                       <a:srgbClr val="000000"/>
                     </a:solidFill>
@@ -19338,7 +19338,7 @@
               </a:ln>
               <a:extLst>
                 <a:ext uri="{91240B29-F687-4f45-9708-019B960494DF}">
-                  <a14:hiddenLine xmlns="" xmlns:a14="http://schemas.microsoft.com/office/drawing/2010/main" w="9525">
+                  <a14:hiddenLine xmlns:a14="http://schemas.microsoft.com/office/drawing/2010/main" xmlns="" w="9525">
                     <a:solidFill>
                       <a:srgbClr val="000000"/>
                     </a:solidFill>
@@ -19428,7 +19428,7 @@
               </a:ln>
               <a:extLst>
                 <a:ext uri="{91240B29-F687-4f45-9708-019B960494DF}">
-                  <a14:hiddenLine xmlns="" xmlns:a14="http://schemas.microsoft.com/office/drawing/2010/main" w="9525">
+                  <a14:hiddenLine xmlns:a14="http://schemas.microsoft.com/office/drawing/2010/main" xmlns="" w="9525">
                     <a:solidFill>
                       <a:srgbClr val="000000"/>
                     </a:solidFill>
@@ -19496,7 +19496,7 @@
               </a:ln>
               <a:extLst>
                 <a:ext uri="{91240B29-F687-4f45-9708-019B960494DF}">
-                  <a14:hiddenLine xmlns="" xmlns:a14="http://schemas.microsoft.com/office/drawing/2010/main" w="9525">
+                  <a14:hiddenLine xmlns:a14="http://schemas.microsoft.com/office/drawing/2010/main" xmlns="" w="9525">
                     <a:solidFill>
                       <a:srgbClr val="000000"/>
                     </a:solidFill>
@@ -19586,7 +19586,7 @@
               </a:ln>
               <a:extLst>
                 <a:ext uri="{91240B29-F687-4f45-9708-019B960494DF}">
-                  <a14:hiddenLine xmlns="" xmlns:a14="http://schemas.microsoft.com/office/drawing/2010/main" w="9525">
+                  <a14:hiddenLine xmlns:a14="http://schemas.microsoft.com/office/drawing/2010/main" xmlns="" w="9525">
                     <a:solidFill>
                       <a:srgbClr val="000000"/>
                     </a:solidFill>
@@ -19654,7 +19654,7 @@
               </a:ln>
               <a:extLst>
                 <a:ext uri="{91240B29-F687-4f45-9708-019B960494DF}">
-                  <a14:hiddenLine xmlns="" xmlns:a14="http://schemas.microsoft.com/office/drawing/2010/main" w="9525">
+                  <a14:hiddenLine xmlns:a14="http://schemas.microsoft.com/office/drawing/2010/main" xmlns="" w="9525">
                     <a:solidFill>
                       <a:srgbClr val="000000"/>
                     </a:solidFill>
@@ -19744,7 +19744,7 @@
               </a:ln>
               <a:extLst>
                 <a:ext uri="{91240B29-F687-4f45-9708-019B960494DF}">
-                  <a14:hiddenLine xmlns="" xmlns:a14="http://schemas.microsoft.com/office/drawing/2010/main" w="9525">
+                  <a14:hiddenLine xmlns:a14="http://schemas.microsoft.com/office/drawing/2010/main" xmlns="" w="9525">
                     <a:solidFill>
                       <a:srgbClr val="000000"/>
                     </a:solidFill>
@@ -19778,7 +19778,7 @@
               </a:ln>
               <a:extLst>
                 <a:ext uri="{91240B29-F687-4f45-9708-019B960494DF}">
-                  <a14:hiddenLine xmlns="" xmlns:a14="http://schemas.microsoft.com/office/drawing/2010/main" w="9525">
+                  <a14:hiddenLine xmlns:a14="http://schemas.microsoft.com/office/drawing/2010/main" xmlns="" w="9525">
                     <a:solidFill>
                       <a:srgbClr val="000000"/>
                     </a:solidFill>
@@ -30637,7 +30637,7 @@
             <a:pPr lvl="0"/>
             <a:r>
               <a:rPr lang="en-CA" dirty="0"/>
-              <a:t>CMake implementation: </a:t>
+              <a:t>CMake example: </a:t>
             </a:r>
             <a:r>
               <a:rPr lang="en-CA" dirty="0">
@@ -30650,8 +30650,12 @@
           <a:p>
             <a:pPr lvl="0"/>
             <a:r>
+              <a:rPr lang="en-CA" dirty="0" err="1"/>
+              <a:t>Makefile</a:t>
+            </a:r>
+            <a:r>
               <a:rPr lang="en-CA" dirty="0"/>
-              <a:t>Makefile implementation: </a:t>
+              <a:t> example: </a:t>
             </a:r>
             <a:r>
               <a:rPr lang="en-CA" dirty="0">

--- a/MakeVersionInfo/MakeVersionInfo.pptx
+++ b/MakeVersionInfo/MakeVersionInfo.pptx
@@ -5,7 +5,7 @@
     <p:sldMasterId id="2147483669" r:id="rId1"/>
   </p:sldMasterIdLst>
   <p:notesMasterIdLst>
-    <p:notesMasterId r:id="rId29"/>
+    <p:notesMasterId r:id="rId31"/>
   </p:notesMasterIdLst>
   <p:sldIdLst>
     <p:sldId id="262" r:id="rId2"/>
@@ -13,28 +13,30 @@
     <p:sldId id="260" r:id="rId4"/>
     <p:sldId id="263" r:id="rId5"/>
     <p:sldId id="264" r:id="rId6"/>
-    <p:sldId id="265" r:id="rId7"/>
-    <p:sldId id="266" r:id="rId8"/>
-    <p:sldId id="267" r:id="rId9"/>
-    <p:sldId id="268" r:id="rId10"/>
-    <p:sldId id="269" r:id="rId11"/>
-    <p:sldId id="281" r:id="rId12"/>
-    <p:sldId id="270" r:id="rId13"/>
-    <p:sldId id="271" r:id="rId14"/>
-    <p:sldId id="274" r:id="rId15"/>
-    <p:sldId id="272" r:id="rId16"/>
-    <p:sldId id="273" r:id="rId17"/>
-    <p:sldId id="275" r:id="rId18"/>
-    <p:sldId id="276" r:id="rId19"/>
-    <p:sldId id="282" r:id="rId20"/>
-    <p:sldId id="277" r:id="rId21"/>
-    <p:sldId id="278" r:id="rId22"/>
-    <p:sldId id="283" r:id="rId23"/>
-    <p:sldId id="279" r:id="rId24"/>
-    <p:sldId id="284" r:id="rId25"/>
-    <p:sldId id="285" r:id="rId26"/>
-    <p:sldId id="280" r:id="rId27"/>
-    <p:sldId id="261" r:id="rId28"/>
+    <p:sldId id="286" r:id="rId7"/>
+    <p:sldId id="265" r:id="rId8"/>
+    <p:sldId id="266" r:id="rId9"/>
+    <p:sldId id="267" r:id="rId10"/>
+    <p:sldId id="268" r:id="rId11"/>
+    <p:sldId id="269" r:id="rId12"/>
+    <p:sldId id="281" r:id="rId13"/>
+    <p:sldId id="270" r:id="rId14"/>
+    <p:sldId id="271" r:id="rId15"/>
+    <p:sldId id="274" r:id="rId16"/>
+    <p:sldId id="272" r:id="rId17"/>
+    <p:sldId id="273" r:id="rId18"/>
+    <p:sldId id="275" r:id="rId19"/>
+    <p:sldId id="276" r:id="rId20"/>
+    <p:sldId id="282" r:id="rId21"/>
+    <p:sldId id="277" r:id="rId22"/>
+    <p:sldId id="278" r:id="rId23"/>
+    <p:sldId id="283" r:id="rId24"/>
+    <p:sldId id="279" r:id="rId25"/>
+    <p:sldId id="284" r:id="rId26"/>
+    <p:sldId id="285" r:id="rId27"/>
+    <p:sldId id="287" r:id="rId28"/>
+    <p:sldId id="280" r:id="rId29"/>
+    <p:sldId id="261" r:id="rId30"/>
   </p:sldIdLst>
   <p:sldSz cx="12192000" cy="6858000"/>
   <p:notesSz cx="6858000" cy="9144000"/>
@@ -3347,7 +3349,7 @@
           <a:p>
             <a:fld id="{857CC94D-E614-4874-A919-F25B27309A09}" type="datetimeFigureOut">
               <a:rPr lang="en-CA" smtClean="0"/>
-              <a:t>2025-08-01</a:t>
+              <a:t>2025-08-30</a:t>
             </a:fld>
             <a:endParaRPr lang="en-CA"/>
           </a:p>
@@ -3790,193 +3792,7 @@
           <a:bodyPr/>
           <a:lstStyle/>
           <a:p>
-            <a:pPr marL="0" marR="0" lvl="0" indent="0" algn="l" defTabSz="914400" rtl="0" eaLnBrk="1" fontAlgn="auto" latinLnBrk="0" hangingPunct="1">
-              <a:lnSpc>
-                <a:spcPct val="100000"/>
-              </a:lnSpc>
-              <a:spcBef>
-                <a:spcPts val="0"/>
-              </a:spcBef>
-              <a:spcAft>
-                <a:spcPts val="0"/>
-              </a:spcAft>
-              <a:buClrTx/>
-              <a:buSzTx/>
-              <a:buFontTx/>
-              <a:buNone/>
-              <a:tabLst/>
-              <a:defRPr/>
-            </a:pPr>
-            <a:r>
-              <a:rPr lang="en-CA" dirty="0"/>
-              <a:t>Can’t do everything with </a:t>
-            </a:r>
-            <a:r>
-              <a:rPr lang="en-CA" dirty="0" err="1"/>
-              <a:t>version.h</a:t>
-            </a:r>
-            <a:r>
-              <a:rPr lang="en-CA" dirty="0"/>
-              <a:t> because not everything can use a C++ header file.</a:t>
-            </a:r>
-          </a:p>
-          <a:p>
-            <a:pPr marL="171450" marR="0" lvl="0" indent="-171450" algn="l" defTabSz="914400" rtl="0" eaLnBrk="1" fontAlgn="auto" latinLnBrk="0" hangingPunct="1">
-              <a:lnSpc>
-                <a:spcPct val="100000"/>
-              </a:lnSpc>
-              <a:spcBef>
-                <a:spcPts val="0"/>
-              </a:spcBef>
-              <a:spcAft>
-                <a:spcPts val="0"/>
-              </a:spcAft>
-              <a:buClrTx/>
-              <a:buSzTx/>
-              <a:buFont typeface="Arial" panose="020B0604020202020204" pitchFamily="34" charset="0"/>
-              <a:buChar char="•"/>
-              <a:tabLst/>
-              <a:defRPr/>
-            </a:pPr>
-            <a:r>
-              <a:rPr lang="en-CA" dirty="0"/>
-              <a:t>Examples: multiple languages (e.g. C++ and C#), text files, installer, help files, git tags, etc.</a:t>
-            </a:r>
-          </a:p>
-          <a:p>
-            <a:pPr marL="171450" marR="0" lvl="0" indent="-171450" algn="l" defTabSz="914400" rtl="0" eaLnBrk="1" fontAlgn="auto" latinLnBrk="0" hangingPunct="1">
-              <a:lnSpc>
-                <a:spcPct val="100000"/>
-              </a:lnSpc>
-              <a:spcBef>
-                <a:spcPts val="0"/>
-              </a:spcBef>
-              <a:spcAft>
-                <a:spcPts val="0"/>
-              </a:spcAft>
-              <a:buClrTx/>
-              <a:buSzTx/>
-              <a:buFont typeface="Arial" panose="020B0604020202020204" pitchFamily="34" charset="0"/>
-              <a:buChar char="•"/>
-              <a:tabLst/>
-              <a:defRPr/>
-            </a:pPr>
-            <a:r>
-              <a:rPr lang="en-CA" dirty="0"/>
-              <a:t>Therefore, the version number must be defined redundantly in multiple places</a:t>
-            </a:r>
-          </a:p>
-          <a:p>
-            <a:pPr marL="171450" marR="0" lvl="0" indent="-171450" algn="l" defTabSz="914400" rtl="0" eaLnBrk="1" fontAlgn="auto" latinLnBrk="0" hangingPunct="1">
-              <a:lnSpc>
-                <a:spcPct val="100000"/>
-              </a:lnSpc>
-              <a:spcBef>
-                <a:spcPts val="0"/>
-              </a:spcBef>
-              <a:spcAft>
-                <a:spcPts val="0"/>
-              </a:spcAft>
-              <a:buClrTx/>
-              <a:buSzTx/>
-              <a:buFont typeface="Arial" panose="020B0604020202020204" pitchFamily="34" charset="0"/>
-              <a:buChar char="•"/>
-              <a:tabLst/>
-              <a:defRPr/>
-            </a:pPr>
-            <a:r>
-              <a:rPr lang="en-CA" dirty="0"/>
-              <a:t>That asks for errors</a:t>
-            </a:r>
-          </a:p>
-          <a:p>
-            <a:pPr marL="0" marR="0" lvl="0" indent="0" algn="l" defTabSz="914400" rtl="0" eaLnBrk="1" fontAlgn="auto" latinLnBrk="0" hangingPunct="1">
-              <a:lnSpc>
-                <a:spcPct val="100000"/>
-              </a:lnSpc>
-              <a:spcBef>
-                <a:spcPts val="0"/>
-              </a:spcBef>
-              <a:spcAft>
-                <a:spcPts val="0"/>
-              </a:spcAft>
-              <a:buClrTx/>
-              <a:buSzTx/>
-              <a:buFontTx/>
-              <a:buNone/>
-              <a:tabLst/>
-              <a:defRPr/>
-            </a:pPr>
-            <a:r>
-              <a:rPr lang="en-CA" dirty="0"/>
-              <a:t>Every distinguishable build should have an automatic build number</a:t>
-            </a:r>
-          </a:p>
-          <a:p>
-            <a:pPr marL="171450" lvl="0" indent="-171450">
-              <a:buFont typeface="Arial" panose="020B0604020202020204" pitchFamily="34" charset="0"/>
-              <a:buChar char="•"/>
-            </a:pPr>
-            <a:r>
-              <a:rPr lang="en-CA" dirty="0"/>
-              <a:t>That includes unreleased builds during development and testing, and automated builds</a:t>
-            </a:r>
-          </a:p>
-          <a:p>
-            <a:pPr marL="171450" lvl="0" indent="-171450">
-              <a:buFont typeface="Arial" panose="020B0604020202020204" pitchFamily="34" charset="0"/>
-              <a:buChar char="•"/>
-            </a:pPr>
-            <a:r>
-              <a:rPr lang="en-CA" dirty="0"/>
-              <a:t>That’s a pain!</a:t>
-            </a:r>
-          </a:p>
-          <a:p>
-            <a:pPr marL="0" marR="0" lvl="0" indent="0" algn="l" defTabSz="914400" rtl="0" eaLnBrk="1" fontAlgn="auto" latinLnBrk="0" hangingPunct="1">
-              <a:lnSpc>
-                <a:spcPct val="100000"/>
-              </a:lnSpc>
-              <a:spcBef>
-                <a:spcPts val="0"/>
-              </a:spcBef>
-              <a:spcAft>
-                <a:spcPts val="0"/>
-              </a:spcAft>
-              <a:buClrTx/>
-              <a:buSzTx/>
-              <a:buFont typeface="Arial" panose="020B0604020202020204" pitchFamily="34" charset="0"/>
-              <a:buNone/>
-              <a:tabLst/>
-              <a:defRPr/>
-            </a:pPr>
-            <a:r>
-              <a:rPr lang="en-CA" dirty="0"/>
-              <a:t>There must be an easy way to get consistent version numbers everywhere</a:t>
-            </a:r>
-          </a:p>
-          <a:p>
-            <a:pPr marL="0" marR="0" lvl="0" indent="0" algn="l" defTabSz="914400" rtl="0" eaLnBrk="1" fontAlgn="auto" latinLnBrk="0" hangingPunct="1">
-              <a:lnSpc>
-                <a:spcPct val="100000"/>
-              </a:lnSpc>
-              <a:spcBef>
-                <a:spcPts val="0"/>
-              </a:spcBef>
-              <a:spcAft>
-                <a:spcPts val="0"/>
-              </a:spcAft>
-              <a:buClrTx/>
-              <a:buSzTx/>
-              <a:buFontTx/>
-              <a:buNone/>
-              <a:tabLst/>
-              <a:defRPr/>
-            </a:pPr>
-            <a:endParaRPr lang="en-CA" dirty="0"/>
-          </a:p>
-          <a:p>
-            <a:endParaRPr lang="en-CA" dirty="0"/>
+            <a:endParaRPr lang="en-CA"/>
           </a:p>
         </p:txBody>
       </p:sp>
@@ -4006,7 +3822,7 @@
     </p:spTree>
     <p:extLst>
       <p:ext uri="{BB962C8B-B14F-4D97-AF65-F5344CB8AC3E}">
-        <p14:creationId xmlns:p14="http://schemas.microsoft.com/office/powerpoint/2010/main" val="608481939"/>
+        <p14:creationId xmlns:p14="http://schemas.microsoft.com/office/powerpoint/2010/main" val="254310176"/>
       </p:ext>
     </p:extLst>
   </p:cSld>
@@ -4060,37 +3876,7 @@
           <a:bodyPr/>
           <a:lstStyle/>
           <a:p>
-            <a:pPr marL="171450" indent="-171450">
-              <a:buFont typeface="Arial" panose="020B0604020202020204" pitchFamily="34" charset="0"/>
-              <a:buChar char="•"/>
-            </a:pPr>
-            <a:r>
-              <a:rPr lang="en-CA" dirty="0"/>
-              <a:t>I ran into problems working on commercial software products</a:t>
-            </a:r>
-          </a:p>
-          <a:p>
-            <a:pPr marL="171450" indent="-171450">
-              <a:buFont typeface="Arial" panose="020B0604020202020204" pitchFamily="34" charset="0"/>
-              <a:buChar char="•"/>
-            </a:pPr>
-            <a:r>
-              <a:rPr lang="en-CA" dirty="0"/>
-              <a:t>Version numbers were a pain to maintain properly – error-prone</a:t>
-            </a:r>
-          </a:p>
-          <a:p>
-            <a:pPr marL="171450" indent="-171450">
-              <a:buFont typeface="Arial" panose="020B0604020202020204" pitchFamily="34" charset="0"/>
-              <a:buChar char="•"/>
-            </a:pPr>
-            <a:r>
-              <a:rPr lang="en-CA" i="0" dirty="0"/>
-              <a:t>Every build that is seen by two people needs a version number</a:t>
-            </a:r>
-          </a:p>
-          <a:p>
-            <a:pPr marL="628650" marR="0" lvl="1" indent="-171450" algn="l" defTabSz="914400" rtl="0" eaLnBrk="1" fontAlgn="auto" latinLnBrk="0" hangingPunct="1">
+            <a:pPr marL="0" marR="0" lvl="0" indent="0" algn="l" defTabSz="914400" rtl="0" eaLnBrk="1" fontAlgn="auto" latinLnBrk="0" hangingPunct="1">
               <a:lnSpc>
                 <a:spcPct val="100000"/>
               </a:lnSpc>
@@ -4102,34 +3888,22 @@
               </a:spcAft>
               <a:buClrTx/>
               <a:buSzTx/>
-              <a:buFont typeface="Arial" panose="020B0604020202020204" pitchFamily="34" charset="0"/>
-              <a:buChar char="•"/>
+              <a:buFontTx/>
+              <a:buNone/>
               <a:tabLst/>
               <a:defRPr/>
             </a:pPr>
             <a:r>
-              <a:rPr lang="en-CA" i="0" dirty="0"/>
-              <a:t>Example: Test build sent to a tester to verify a bug fix</a:t>
-            </a:r>
-          </a:p>
-          <a:p>
-            <a:pPr marL="628650" lvl="1" indent="-171450">
-              <a:buFont typeface="Arial" panose="020B0604020202020204" pitchFamily="34" charset="0"/>
-              <a:buChar char="•"/>
-            </a:pPr>
-            <a:r>
-              <a:rPr lang="en-CA" i="0" dirty="0"/>
-              <a:t>I’ve been bitten by this – e.g. “Wasn’t this bug supposed to be fixed in this build?”</a:t>
-            </a:r>
-          </a:p>
-          <a:p>
-            <a:pPr marL="171450" indent="-171450">
-              <a:buFont typeface="Arial" panose="020B0604020202020204" pitchFamily="34" charset="0"/>
-              <a:buChar char="•"/>
-            </a:pPr>
-            <a:r>
               <a:rPr lang="en-CA" dirty="0"/>
-              <a:t>Needed a correct, streamlined build process</a:t>
+              <a:t>Can’t do everything with </a:t>
+            </a:r>
+            <a:r>
+              <a:rPr lang="en-CA" dirty="0" err="1"/>
+              <a:t>version.h</a:t>
+            </a:r>
+            <a:r>
+              <a:rPr lang="en-CA" dirty="0"/>
+              <a:t> because not everything can use a C++ header file.</a:t>
             </a:r>
           </a:p>
           <a:p>
@@ -4152,8 +3926,140 @@
             </a:pPr>
             <a:r>
               <a:rPr lang="en-CA" dirty="0"/>
-              <a:t>These days, I want a good version-numbering system for my open-source hobby projects</a:t>
-            </a:r>
+              <a:t>Examples: multiple languages (e.g. C++ and C#), text files, installer, help files, git tags, etc.</a:t>
+            </a:r>
+          </a:p>
+          <a:p>
+            <a:pPr marL="171450" marR="0" lvl="0" indent="-171450" algn="l" defTabSz="914400" rtl="0" eaLnBrk="1" fontAlgn="auto" latinLnBrk="0" hangingPunct="1">
+              <a:lnSpc>
+                <a:spcPct val="100000"/>
+              </a:lnSpc>
+              <a:spcBef>
+                <a:spcPts val="0"/>
+              </a:spcBef>
+              <a:spcAft>
+                <a:spcPts val="0"/>
+              </a:spcAft>
+              <a:buClrTx/>
+              <a:buSzTx/>
+              <a:buFont typeface="Arial" panose="020B0604020202020204" pitchFamily="34" charset="0"/>
+              <a:buChar char="•"/>
+              <a:tabLst/>
+              <a:defRPr/>
+            </a:pPr>
+            <a:r>
+              <a:rPr lang="en-CA" dirty="0"/>
+              <a:t>Therefore, the version number must be defined redundantly in multiple places</a:t>
+            </a:r>
+          </a:p>
+          <a:p>
+            <a:pPr marL="171450" marR="0" lvl="0" indent="-171450" algn="l" defTabSz="914400" rtl="0" eaLnBrk="1" fontAlgn="auto" latinLnBrk="0" hangingPunct="1">
+              <a:lnSpc>
+                <a:spcPct val="100000"/>
+              </a:lnSpc>
+              <a:spcBef>
+                <a:spcPts val="0"/>
+              </a:spcBef>
+              <a:spcAft>
+                <a:spcPts val="0"/>
+              </a:spcAft>
+              <a:buClrTx/>
+              <a:buSzTx/>
+              <a:buFont typeface="Arial" panose="020B0604020202020204" pitchFamily="34" charset="0"/>
+              <a:buChar char="•"/>
+              <a:tabLst/>
+              <a:defRPr/>
+            </a:pPr>
+            <a:r>
+              <a:rPr lang="en-CA" dirty="0"/>
+              <a:t>That asks for errors</a:t>
+            </a:r>
+          </a:p>
+          <a:p>
+            <a:pPr marL="0" marR="0" lvl="0" indent="0" algn="l" defTabSz="914400" rtl="0" eaLnBrk="1" fontAlgn="auto" latinLnBrk="0" hangingPunct="1">
+              <a:lnSpc>
+                <a:spcPct val="100000"/>
+              </a:lnSpc>
+              <a:spcBef>
+                <a:spcPts val="0"/>
+              </a:spcBef>
+              <a:spcAft>
+                <a:spcPts val="0"/>
+              </a:spcAft>
+              <a:buClrTx/>
+              <a:buSzTx/>
+              <a:buFontTx/>
+              <a:buNone/>
+              <a:tabLst/>
+              <a:defRPr/>
+            </a:pPr>
+            <a:r>
+              <a:rPr lang="en-CA" dirty="0"/>
+              <a:t>Every distinguishable build should have an automatic build number</a:t>
+            </a:r>
+          </a:p>
+          <a:p>
+            <a:pPr marL="171450" lvl="0" indent="-171450">
+              <a:buFont typeface="Arial" panose="020B0604020202020204" pitchFamily="34" charset="0"/>
+              <a:buChar char="•"/>
+            </a:pPr>
+            <a:r>
+              <a:rPr lang="en-CA" dirty="0"/>
+              <a:t>That includes unreleased builds during development and testing, and automated builds</a:t>
+            </a:r>
+          </a:p>
+          <a:p>
+            <a:pPr marL="171450" lvl="0" indent="-171450">
+              <a:buFont typeface="Arial" panose="020B0604020202020204" pitchFamily="34" charset="0"/>
+              <a:buChar char="•"/>
+            </a:pPr>
+            <a:r>
+              <a:rPr lang="en-CA" dirty="0"/>
+              <a:t>That’s a pain!</a:t>
+            </a:r>
+          </a:p>
+          <a:p>
+            <a:pPr marL="0" marR="0" lvl="0" indent="0" algn="l" defTabSz="914400" rtl="0" eaLnBrk="1" fontAlgn="auto" latinLnBrk="0" hangingPunct="1">
+              <a:lnSpc>
+                <a:spcPct val="100000"/>
+              </a:lnSpc>
+              <a:spcBef>
+                <a:spcPts val="0"/>
+              </a:spcBef>
+              <a:spcAft>
+                <a:spcPts val="0"/>
+              </a:spcAft>
+              <a:buClrTx/>
+              <a:buSzTx/>
+              <a:buFont typeface="Arial" panose="020B0604020202020204" pitchFamily="34" charset="0"/>
+              <a:buNone/>
+              <a:tabLst/>
+              <a:defRPr/>
+            </a:pPr>
+            <a:r>
+              <a:rPr lang="en-CA" dirty="0"/>
+              <a:t>There must be an easy way to get consistent version numbers everywhere</a:t>
+            </a:r>
+          </a:p>
+          <a:p>
+            <a:pPr marL="0" marR="0" lvl="0" indent="0" algn="l" defTabSz="914400" rtl="0" eaLnBrk="1" fontAlgn="auto" latinLnBrk="0" hangingPunct="1">
+              <a:lnSpc>
+                <a:spcPct val="100000"/>
+              </a:lnSpc>
+              <a:spcBef>
+                <a:spcPts val="0"/>
+              </a:spcBef>
+              <a:spcAft>
+                <a:spcPts val="0"/>
+              </a:spcAft>
+              <a:buClrTx/>
+              <a:buSzTx/>
+              <a:buFontTx/>
+              <a:buNone/>
+              <a:tabLst/>
+              <a:defRPr/>
+            </a:pPr>
+            <a:endParaRPr lang="en-CA" dirty="0"/>
           </a:p>
           <a:p>
             <a:endParaRPr lang="en-CA" dirty="0"/>
@@ -4186,7 +4092,7 @@
     </p:spTree>
     <p:extLst>
       <p:ext uri="{BB962C8B-B14F-4D97-AF65-F5344CB8AC3E}">
-        <p14:creationId xmlns:p14="http://schemas.microsoft.com/office/powerpoint/2010/main" val="1020891064"/>
+        <p14:creationId xmlns:p14="http://schemas.microsoft.com/office/powerpoint/2010/main" val="608481939"/>
       </p:ext>
     </p:extLst>
   </p:cSld>
@@ -4240,10 +4146,103 @@
           <a:bodyPr/>
           <a:lstStyle/>
           <a:p>
+            <a:pPr marL="171450" indent="-171450">
+              <a:buFont typeface="Arial" panose="020B0604020202020204" pitchFamily="34" charset="0"/>
+              <a:buChar char="•"/>
+            </a:pPr>
             <a:r>
               <a:rPr lang="en-CA" dirty="0"/>
-              <a:t>Your mileage may vary.</a:t>
-            </a:r>
+              <a:t>I ran into problems working on commercial software products</a:t>
+            </a:r>
+          </a:p>
+          <a:p>
+            <a:pPr marL="171450" indent="-171450">
+              <a:buFont typeface="Arial" panose="020B0604020202020204" pitchFamily="34" charset="0"/>
+              <a:buChar char="•"/>
+            </a:pPr>
+            <a:r>
+              <a:rPr lang="en-CA" dirty="0"/>
+              <a:t>Version numbers were a pain to maintain properly – error-prone</a:t>
+            </a:r>
+          </a:p>
+          <a:p>
+            <a:pPr marL="171450" indent="-171450">
+              <a:buFont typeface="Arial" panose="020B0604020202020204" pitchFamily="34" charset="0"/>
+              <a:buChar char="•"/>
+            </a:pPr>
+            <a:r>
+              <a:rPr lang="en-CA" i="0" dirty="0"/>
+              <a:t>Every build that is seen by two people needs a version number</a:t>
+            </a:r>
+          </a:p>
+          <a:p>
+            <a:pPr marL="628650" marR="0" lvl="1" indent="-171450" algn="l" defTabSz="914400" rtl="0" eaLnBrk="1" fontAlgn="auto" latinLnBrk="0" hangingPunct="1">
+              <a:lnSpc>
+                <a:spcPct val="100000"/>
+              </a:lnSpc>
+              <a:spcBef>
+                <a:spcPts val="0"/>
+              </a:spcBef>
+              <a:spcAft>
+                <a:spcPts val="0"/>
+              </a:spcAft>
+              <a:buClrTx/>
+              <a:buSzTx/>
+              <a:buFont typeface="Arial" panose="020B0604020202020204" pitchFamily="34" charset="0"/>
+              <a:buChar char="•"/>
+              <a:tabLst/>
+              <a:defRPr/>
+            </a:pPr>
+            <a:r>
+              <a:rPr lang="en-CA" i="0" dirty="0"/>
+              <a:t>Example: Test build sent to a tester to verify a bug fix</a:t>
+            </a:r>
+          </a:p>
+          <a:p>
+            <a:pPr marL="628650" lvl="1" indent="-171450">
+              <a:buFont typeface="Arial" panose="020B0604020202020204" pitchFamily="34" charset="0"/>
+              <a:buChar char="•"/>
+            </a:pPr>
+            <a:r>
+              <a:rPr lang="en-CA" i="0" dirty="0"/>
+              <a:t>I’ve been bitten by this – e.g. “Wasn’t this bug supposed to be fixed in this build?”</a:t>
+            </a:r>
+          </a:p>
+          <a:p>
+            <a:pPr marL="171450" indent="-171450">
+              <a:buFont typeface="Arial" panose="020B0604020202020204" pitchFamily="34" charset="0"/>
+              <a:buChar char="•"/>
+            </a:pPr>
+            <a:r>
+              <a:rPr lang="en-CA" dirty="0"/>
+              <a:t>Needed a correct, streamlined build process</a:t>
+            </a:r>
+          </a:p>
+          <a:p>
+            <a:pPr marL="171450" marR="0" lvl="0" indent="-171450" algn="l" defTabSz="914400" rtl="0" eaLnBrk="1" fontAlgn="auto" latinLnBrk="0" hangingPunct="1">
+              <a:lnSpc>
+                <a:spcPct val="100000"/>
+              </a:lnSpc>
+              <a:spcBef>
+                <a:spcPts val="0"/>
+              </a:spcBef>
+              <a:spcAft>
+                <a:spcPts val="0"/>
+              </a:spcAft>
+              <a:buClrTx/>
+              <a:buSzTx/>
+              <a:buFont typeface="Arial" panose="020B0604020202020204" pitchFamily="34" charset="0"/>
+              <a:buChar char="•"/>
+              <a:tabLst/>
+              <a:defRPr/>
+            </a:pPr>
+            <a:r>
+              <a:rPr lang="en-CA" dirty="0"/>
+              <a:t>These days, I want a good version-numbering system for my open-source hobby projects</a:t>
+            </a:r>
+          </a:p>
+          <a:p>
+            <a:endParaRPr lang="en-CA" dirty="0"/>
           </a:p>
         </p:txBody>
       </p:sp>
@@ -4273,7 +4272,7 @@
     </p:spTree>
     <p:extLst>
       <p:ext uri="{BB962C8B-B14F-4D97-AF65-F5344CB8AC3E}">
-        <p14:creationId xmlns:p14="http://schemas.microsoft.com/office/powerpoint/2010/main" val="4137596390"/>
+        <p14:creationId xmlns:p14="http://schemas.microsoft.com/office/powerpoint/2010/main" val="1020891064"/>
       </p:ext>
     </p:extLst>
   </p:cSld>
@@ -4327,80 +4326,9 @@
           <a:bodyPr/>
           <a:lstStyle/>
           <a:p>
-            <a:pPr marL="0" marR="0" lvl="0" indent="0" algn="l" defTabSz="914400" rtl="0" eaLnBrk="1" fontAlgn="auto" latinLnBrk="0" hangingPunct="1">
-              <a:lnSpc>
-                <a:spcPct val="100000"/>
-              </a:lnSpc>
-              <a:spcBef>
-                <a:spcPts val="0"/>
-              </a:spcBef>
-              <a:spcAft>
-                <a:spcPts val="0"/>
-              </a:spcAft>
-              <a:buClrTx/>
-              <a:buSzTx/>
-              <a:buFontTx/>
-              <a:buNone/>
-              <a:tabLst/>
-              <a:defRPr/>
-            </a:pPr>
             <a:r>
               <a:rPr lang="en-CA" dirty="0"/>
-              <a:t>Efficient to build means:</a:t>
-            </a:r>
-          </a:p>
-          <a:p>
-            <a:pPr marL="171450" marR="0" lvl="0" indent="-171450" algn="l" defTabSz="914400" rtl="0" eaLnBrk="1" fontAlgn="auto" latinLnBrk="0" hangingPunct="1">
-              <a:lnSpc>
-                <a:spcPct val="100000"/>
-              </a:lnSpc>
-              <a:spcBef>
-                <a:spcPts val="0"/>
-              </a:spcBef>
-              <a:spcAft>
-                <a:spcPts val="0"/>
-              </a:spcAft>
-              <a:buClrTx/>
-              <a:buSzTx/>
-              <a:buFont typeface="Arial" panose="020B0604020202020204" pitchFamily="34" charset="0"/>
-              <a:buChar char="•"/>
-              <a:tabLst/>
-              <a:defRPr/>
-            </a:pPr>
-            <a:r>
-              <a:rPr lang="en-CA" dirty="0"/>
-              <a:t>No appreciable delay added to the code-compile-test loop</a:t>
-            </a:r>
-          </a:p>
-          <a:p>
-            <a:pPr marL="171450" marR="0" lvl="0" indent="-171450" algn="l" defTabSz="914400" rtl="0" eaLnBrk="1" fontAlgn="auto" latinLnBrk="0" hangingPunct="1">
-              <a:lnSpc>
-                <a:spcPct val="100000"/>
-              </a:lnSpc>
-              <a:spcBef>
-                <a:spcPts val="0"/>
-              </a:spcBef>
-              <a:spcAft>
-                <a:spcPts val="0"/>
-              </a:spcAft>
-              <a:buClrTx/>
-              <a:buSzTx/>
-              <a:buFont typeface="Arial" panose="020B0604020202020204" pitchFamily="34" charset="0"/>
-              <a:buChar char="•"/>
-              <a:tabLst/>
-              <a:defRPr/>
-            </a:pPr>
-            <a:r>
-              <a:rPr lang="en-CA" dirty="0"/>
-              <a:t>Minimal rebuild: Don’t re-compile everything that depends on </a:t>
-            </a:r>
-            <a:r>
-              <a:rPr lang="en-CA" dirty="0" err="1"/>
-              <a:t>version.h</a:t>
-            </a:r>
-            <a:r>
-              <a:rPr lang="en-CA" dirty="0"/>
-              <a:t> every time!</a:t>
+              <a:t>Your mileage may vary.</a:t>
             </a:r>
           </a:p>
         </p:txBody>
@@ -4431,7 +4359,7 @@
     </p:spTree>
     <p:extLst>
       <p:ext uri="{BB962C8B-B14F-4D97-AF65-F5344CB8AC3E}">
-        <p14:creationId xmlns:p14="http://schemas.microsoft.com/office/powerpoint/2010/main" val="4158356459"/>
+        <p14:creationId xmlns:p14="http://schemas.microsoft.com/office/powerpoint/2010/main" val="4137596390"/>
       </p:ext>
     </p:extLst>
   </p:cSld>
@@ -4485,9 +4413,80 @@
           <a:bodyPr/>
           <a:lstStyle/>
           <a:p>
+            <a:pPr marL="0" marR="0" lvl="0" indent="0" algn="l" defTabSz="914400" rtl="0" eaLnBrk="1" fontAlgn="auto" latinLnBrk="0" hangingPunct="1">
+              <a:lnSpc>
+                <a:spcPct val="100000"/>
+              </a:lnSpc>
+              <a:spcBef>
+                <a:spcPts val="0"/>
+              </a:spcBef>
+              <a:spcAft>
+                <a:spcPts val="0"/>
+              </a:spcAft>
+              <a:buClrTx/>
+              <a:buSzTx/>
+              <a:buFontTx/>
+              <a:buNone/>
+              <a:tabLst/>
+              <a:defRPr/>
+            </a:pPr>
             <a:r>
               <a:rPr lang="en-CA" dirty="0"/>
-              <a:t>[build] is generated automatically to ensure that different versions of the software have different version numbers, even when I don’t explicitly update the version numbers.</a:t>
+              <a:t>Efficient to build means:</a:t>
+            </a:r>
+          </a:p>
+          <a:p>
+            <a:pPr marL="171450" marR="0" lvl="0" indent="-171450" algn="l" defTabSz="914400" rtl="0" eaLnBrk="1" fontAlgn="auto" latinLnBrk="0" hangingPunct="1">
+              <a:lnSpc>
+                <a:spcPct val="100000"/>
+              </a:lnSpc>
+              <a:spcBef>
+                <a:spcPts val="0"/>
+              </a:spcBef>
+              <a:spcAft>
+                <a:spcPts val="0"/>
+              </a:spcAft>
+              <a:buClrTx/>
+              <a:buSzTx/>
+              <a:buFont typeface="Arial" panose="020B0604020202020204" pitchFamily="34" charset="0"/>
+              <a:buChar char="•"/>
+              <a:tabLst/>
+              <a:defRPr/>
+            </a:pPr>
+            <a:r>
+              <a:rPr lang="en-CA" dirty="0"/>
+              <a:t>No appreciable delay added to the code-compile-test loop</a:t>
+            </a:r>
+          </a:p>
+          <a:p>
+            <a:pPr marL="171450" marR="0" lvl="0" indent="-171450" algn="l" defTabSz="914400" rtl="0" eaLnBrk="1" fontAlgn="auto" latinLnBrk="0" hangingPunct="1">
+              <a:lnSpc>
+                <a:spcPct val="100000"/>
+              </a:lnSpc>
+              <a:spcBef>
+                <a:spcPts val="0"/>
+              </a:spcBef>
+              <a:spcAft>
+                <a:spcPts val="0"/>
+              </a:spcAft>
+              <a:buClrTx/>
+              <a:buSzTx/>
+              <a:buFont typeface="Arial" panose="020B0604020202020204" pitchFamily="34" charset="0"/>
+              <a:buChar char="•"/>
+              <a:tabLst/>
+              <a:defRPr/>
+            </a:pPr>
+            <a:r>
+              <a:rPr lang="en-CA" dirty="0"/>
+              <a:t>Minimal rebuild: Don’t re-compile everything that depends on </a:t>
+            </a:r>
+            <a:r>
+              <a:rPr lang="en-CA" dirty="0" err="1"/>
+              <a:t>version.h</a:t>
+            </a:r>
+            <a:r>
+              <a:rPr lang="en-CA" dirty="0"/>
+              <a:t> every time!</a:t>
             </a:r>
           </a:p>
         </p:txBody>
@@ -4518,7 +4517,7 @@
     </p:spTree>
     <p:extLst>
       <p:ext uri="{BB962C8B-B14F-4D97-AF65-F5344CB8AC3E}">
-        <p14:creationId xmlns:p14="http://schemas.microsoft.com/office/powerpoint/2010/main" val="708516107"/>
+        <p14:creationId xmlns:p14="http://schemas.microsoft.com/office/powerpoint/2010/main" val="4158356459"/>
       </p:ext>
     </p:extLst>
   </p:cSld>
@@ -4572,7 +4571,10 @@
           <a:bodyPr/>
           <a:lstStyle/>
           <a:p>
-            <a:endParaRPr lang="en-CA"/>
+            <a:r>
+              <a:rPr lang="en-CA" dirty="0"/>
+              <a:t>[build] is generated automatically to ensure that different versions of the software have different version numbers, even when I don’t explicitly update the version numbers.</a:t>
+            </a:r>
           </a:p>
         </p:txBody>
       </p:sp>
@@ -4602,7 +4604,7 @@
     </p:spTree>
     <p:extLst>
       <p:ext uri="{BB962C8B-B14F-4D97-AF65-F5344CB8AC3E}">
-        <p14:creationId xmlns:p14="http://schemas.microsoft.com/office/powerpoint/2010/main" val="2061634914"/>
+        <p14:creationId xmlns:p14="http://schemas.microsoft.com/office/powerpoint/2010/main" val="708516107"/>
       </p:ext>
     </p:extLst>
   </p:cSld>
@@ -4686,7 +4688,7 @@
     </p:spTree>
     <p:extLst>
       <p:ext uri="{BB962C8B-B14F-4D97-AF65-F5344CB8AC3E}">
-        <p14:creationId xmlns:p14="http://schemas.microsoft.com/office/powerpoint/2010/main" val="2543466721"/>
+        <p14:creationId xmlns:p14="http://schemas.microsoft.com/office/powerpoint/2010/main" val="2061634914"/>
       </p:ext>
     </p:extLst>
   </p:cSld>
@@ -4770,7 +4772,7 @@
     </p:spTree>
     <p:extLst>
       <p:ext uri="{BB962C8B-B14F-4D97-AF65-F5344CB8AC3E}">
-        <p14:creationId xmlns:p14="http://schemas.microsoft.com/office/powerpoint/2010/main" val="1951611799"/>
+        <p14:creationId xmlns:p14="http://schemas.microsoft.com/office/powerpoint/2010/main" val="2543466721"/>
       </p:ext>
     </p:extLst>
   </p:cSld>
@@ -4824,10 +4826,7 @@
           <a:bodyPr/>
           <a:lstStyle/>
           <a:p>
-            <a:r>
-              <a:rPr lang="en-CA" dirty="0"/>
-              <a:t>This is where it works differently with CMake</a:t>
-            </a:r>
+            <a:endParaRPr lang="en-CA"/>
           </a:p>
         </p:txBody>
       </p:sp>
@@ -4857,7 +4856,7 @@
     </p:spTree>
     <p:extLst>
       <p:ext uri="{BB962C8B-B14F-4D97-AF65-F5344CB8AC3E}">
-        <p14:creationId xmlns:p14="http://schemas.microsoft.com/office/powerpoint/2010/main" val="3728004093"/>
+        <p14:creationId xmlns:p14="http://schemas.microsoft.com/office/powerpoint/2010/main" val="1951611799"/>
       </p:ext>
     </p:extLst>
   </p:cSld>
@@ -4911,23 +4910,9 @@
           <a:bodyPr/>
           <a:lstStyle/>
           <a:p>
-            <a:pPr marL="171450" indent="-171450">
-              <a:buFont typeface="Arial" panose="020B0604020202020204" pitchFamily="34" charset="0"/>
-              <a:buChar char="•"/>
-            </a:pPr>
             <a:r>
               <a:rPr lang="en-CA" dirty="0"/>
-              <a:t>This is a boilerplate file that gets information (the list of files) from the C++ project you’re working on, to MakeVersionInfo</a:t>
-            </a:r>
-          </a:p>
-          <a:p>
-            <a:pPr marL="171450" indent="-171450">
-              <a:buFont typeface="Arial" panose="020B0604020202020204" pitchFamily="34" charset="0"/>
-              <a:buChar char="•"/>
-            </a:pPr>
-            <a:r>
-              <a:rPr lang="en-CA" dirty="0"/>
-              <a:t>Maybe not the cleanest way to do this, but it’s simple and it works</a:t>
+              <a:t>This is where it works differently with CMake</a:t>
             </a:r>
           </a:p>
         </p:txBody>
@@ -4958,7 +4943,7 @@
     </p:spTree>
     <p:extLst>
       <p:ext uri="{BB962C8B-B14F-4D97-AF65-F5344CB8AC3E}">
-        <p14:creationId xmlns:p14="http://schemas.microsoft.com/office/powerpoint/2010/main" val="2379586"/>
+        <p14:creationId xmlns:p14="http://schemas.microsoft.com/office/powerpoint/2010/main" val="3728004093"/>
       </p:ext>
     </p:extLst>
   </p:cSld>
@@ -5121,9 +5106,23 @@
           <a:bodyPr/>
           <a:lstStyle/>
           <a:p>
+            <a:pPr marL="171450" indent="-171450">
+              <a:buFont typeface="Arial" panose="020B0604020202020204" pitchFamily="34" charset="0"/>
+              <a:buChar char="•"/>
+            </a:pPr>
             <a:r>
               <a:rPr lang="en-CA" dirty="0"/>
-              <a:t>The “{{ }}” syntax is annoying for C/C++ files, but it makes the template-processing code much simpler (Python).</a:t>
+              <a:t>This is a boilerplate file that gets information (the list of files) from the C++ project you’re working on, to MakeVersionInfo</a:t>
+            </a:r>
+          </a:p>
+          <a:p>
+            <a:pPr marL="171450" indent="-171450">
+              <a:buFont typeface="Arial" panose="020B0604020202020204" pitchFamily="34" charset="0"/>
+              <a:buChar char="•"/>
+            </a:pPr>
+            <a:r>
+              <a:rPr lang="en-CA" dirty="0"/>
+              <a:t>Maybe not the cleanest way to do this, but it’s simple and it works</a:t>
             </a:r>
           </a:p>
         </p:txBody>
@@ -5154,7 +5153,7 @@
     </p:spTree>
     <p:extLst>
       <p:ext uri="{BB962C8B-B14F-4D97-AF65-F5344CB8AC3E}">
-        <p14:creationId xmlns:p14="http://schemas.microsoft.com/office/powerpoint/2010/main" val="1022309604"/>
+        <p14:creationId xmlns:p14="http://schemas.microsoft.com/office/powerpoint/2010/main" val="2379586"/>
       </p:ext>
     </p:extLst>
   </p:cSld>
@@ -5208,7 +5207,10 @@
           <a:bodyPr/>
           <a:lstStyle/>
           <a:p>
-            <a:endParaRPr lang="en-CA" dirty="0"/>
+            <a:r>
+              <a:rPr lang="en-CA" dirty="0"/>
+              <a:t>The “{{ }}” syntax is annoying for C/C++ files, but it makes the template-processing code much simpler (Python).</a:t>
+            </a:r>
           </a:p>
         </p:txBody>
       </p:sp>
@@ -5238,7 +5240,7 @@
     </p:spTree>
     <p:extLst>
       <p:ext uri="{BB962C8B-B14F-4D97-AF65-F5344CB8AC3E}">
-        <p14:creationId xmlns:p14="http://schemas.microsoft.com/office/powerpoint/2010/main" val="2985591764"/>
+        <p14:creationId xmlns:p14="http://schemas.microsoft.com/office/powerpoint/2010/main" val="1022309604"/>
       </p:ext>
     </p:extLst>
   </p:cSld>
@@ -5292,40 +5294,7 @@
           <a:bodyPr/>
           <a:lstStyle/>
           <a:p>
-            <a:pPr marL="171450" indent="-171450">
-              <a:buFont typeface="Arial" panose="020B0604020202020204" pitchFamily="34" charset="0"/>
-              <a:buChar char="•"/>
-            </a:pPr>
-            <a:r>
-              <a:rPr lang="en-CA" dirty="0"/>
-              <a:t>git </a:t>
-            </a:r>
-            <a:r>
-              <a:rPr lang="en-CA" dirty="0" err="1"/>
-              <a:t>describe’s</a:t>
-            </a:r>
-            <a:r>
-              <a:rPr lang="en-CA" dirty="0"/>
-              <a:t> “number of commits since the tag” gives the auto-incrementing build number.</a:t>
-            </a:r>
-          </a:p>
-          <a:p>
-            <a:pPr marL="171450" indent="-171450">
-              <a:buFont typeface="Arial" panose="020B0604020202020204" pitchFamily="34" charset="0"/>
-              <a:buChar char="•"/>
-            </a:pPr>
-            <a:r>
-              <a:rPr lang="en-CA" dirty="0"/>
-              <a:t>Build number </a:t>
-            </a:r>
-            <a:r>
-              <a:rPr lang="en-CA"/>
-              <a:t>and commit </a:t>
-            </a:r>
-            <a:r>
-              <a:rPr lang="en-CA" dirty="0"/>
-              <a:t>ID do not appear if the tag points at the current commit.</a:t>
-            </a:r>
+            <a:endParaRPr lang="en-CA" dirty="0"/>
           </a:p>
         </p:txBody>
       </p:sp>
@@ -5355,7 +5324,7 @@
     </p:spTree>
     <p:extLst>
       <p:ext uri="{BB962C8B-B14F-4D97-AF65-F5344CB8AC3E}">
-        <p14:creationId xmlns:p14="http://schemas.microsoft.com/office/powerpoint/2010/main" val="3461353195"/>
+        <p14:creationId xmlns:p14="http://schemas.microsoft.com/office/powerpoint/2010/main" val="2985591764"/>
       </p:ext>
     </p:extLst>
   </p:cSld>
@@ -5409,7 +5378,40 @@
           <a:bodyPr/>
           <a:lstStyle/>
           <a:p>
-            <a:endParaRPr lang="en-CA"/>
+            <a:pPr marL="171450" indent="-171450">
+              <a:buFont typeface="Arial" panose="020B0604020202020204" pitchFamily="34" charset="0"/>
+              <a:buChar char="•"/>
+            </a:pPr>
+            <a:r>
+              <a:rPr lang="en-CA" dirty="0"/>
+              <a:t>git </a:t>
+            </a:r>
+            <a:r>
+              <a:rPr lang="en-CA" dirty="0" err="1"/>
+              <a:t>describe’s</a:t>
+            </a:r>
+            <a:r>
+              <a:rPr lang="en-CA" dirty="0"/>
+              <a:t> “number of commits since the tag” gives the auto-incrementing build number.</a:t>
+            </a:r>
+          </a:p>
+          <a:p>
+            <a:pPr marL="171450" indent="-171450">
+              <a:buFont typeface="Arial" panose="020B0604020202020204" pitchFamily="34" charset="0"/>
+              <a:buChar char="•"/>
+            </a:pPr>
+            <a:r>
+              <a:rPr lang="en-CA" dirty="0"/>
+              <a:t>Build number </a:t>
+            </a:r>
+            <a:r>
+              <a:rPr lang="en-CA"/>
+              <a:t>and commit </a:t>
+            </a:r>
+            <a:r>
+              <a:rPr lang="en-CA" dirty="0"/>
+              <a:t>ID do not appear if the tag points at the current commit.</a:t>
+            </a:r>
           </a:p>
         </p:txBody>
       </p:sp>
@@ -5439,7 +5441,7 @@
     </p:spTree>
     <p:extLst>
       <p:ext uri="{BB962C8B-B14F-4D97-AF65-F5344CB8AC3E}">
-        <p14:creationId xmlns:p14="http://schemas.microsoft.com/office/powerpoint/2010/main" val="3587740765"/>
+        <p14:creationId xmlns:p14="http://schemas.microsoft.com/office/powerpoint/2010/main" val="3461353195"/>
       </p:ext>
     </p:extLst>
   </p:cSld>
@@ -5493,44 +5495,7 @@
           <a:bodyPr/>
           <a:lstStyle/>
           <a:p>
-            <a:pPr marL="171450" indent="-171450">
-              <a:buFont typeface="Arial" panose="020B0604020202020204" pitchFamily="34" charset="0"/>
-              <a:buChar char="•"/>
-            </a:pPr>
-            <a:r>
-              <a:rPr lang="en-CA" dirty="0"/>
-              <a:t>MakeVersionInfo overhead includes calling git describe, loading Python, and running update-version-info.py</a:t>
-            </a:r>
-          </a:p>
-          <a:p>
-            <a:pPr marL="171450" indent="-171450">
-              <a:buFont typeface="Arial" panose="020B0604020202020204" pitchFamily="34" charset="0"/>
-              <a:buChar char="•"/>
-            </a:pPr>
-            <a:r>
-              <a:rPr lang="en-CA" dirty="0"/>
-              <a:t>Time to “do nothing” on my old PC: 1.5 secs when run “cold”, fraction of a second when run “hot”</a:t>
-            </a:r>
-          </a:p>
-          <a:p>
-            <a:pPr marL="171450" indent="-171450">
-              <a:buFont typeface="Arial" panose="020B0604020202020204" pitchFamily="34" charset="0"/>
-              <a:buChar char="•"/>
-            </a:pPr>
-            <a:r>
-              <a:rPr lang="en-CA" dirty="0"/>
-              <a:t>I originally implemented this using PowerShell – much slower (a few seconds on first run)</a:t>
-            </a:r>
-          </a:p>
-          <a:p>
-            <a:pPr marL="171450" indent="-171450">
-              <a:buFont typeface="Arial" panose="020B0604020202020204" pitchFamily="34" charset="0"/>
-              <a:buChar char="•"/>
-            </a:pPr>
-            <a:r>
-              <a:rPr lang="en-CA" dirty="0"/>
-              <a:t>Switched to Python for non-Windows projects (cross-development) – faster!</a:t>
-            </a:r>
+            <a:endParaRPr lang="en-CA"/>
           </a:p>
         </p:txBody>
       </p:sp>
@@ -5560,7 +5525,7 @@
     </p:spTree>
     <p:extLst>
       <p:ext uri="{BB962C8B-B14F-4D97-AF65-F5344CB8AC3E}">
-        <p14:creationId xmlns:p14="http://schemas.microsoft.com/office/powerpoint/2010/main" val="2880260835"/>
+        <p14:creationId xmlns:p14="http://schemas.microsoft.com/office/powerpoint/2010/main" val="3587740765"/>
       </p:ext>
     </p:extLst>
   </p:cSld>
@@ -5620,15 +5585,7 @@
             </a:pPr>
             <a:r>
               <a:rPr lang="en-CA" dirty="0"/>
-              <a:t>A C++ program in Visual Studio, with only one templated file (</a:t>
-            </a:r>
-            <a:r>
-              <a:rPr lang="en-CA" dirty="0" err="1"/>
-              <a:t>version.h</a:t>
-            </a:r>
-            <a:r>
-              <a:rPr lang="en-CA" dirty="0"/>
-              <a:t>)</a:t>
+              <a:t>MakeVersionInfo overhead includes calling git describe, loading Python, and running update-version-info.py</a:t>
             </a:r>
           </a:p>
           <a:p>
@@ -5637,12 +5594,28 @@
               <a:buChar char="•"/>
             </a:pPr>
             <a:r>
-              <a:rPr lang="en-CA" dirty="0" err="1"/>
-              <a:t>MakeVersionInfo</a:t>
-            </a:r>
-            <a:r>
               <a:rPr lang="en-CA" dirty="0"/>
-              <a:t> build took a fraction of a second when I created this screenshot</a:t>
+              <a:t>Time to “do nothing” on my (v. old) PC: 1.5 secs when run “cold”, fraction of a second when run “hot”</a:t>
+            </a:r>
+          </a:p>
+          <a:p>
+            <a:pPr marL="171450" indent="-171450">
+              <a:buFont typeface="Arial" panose="020B0604020202020204" pitchFamily="34" charset="0"/>
+              <a:buChar char="•"/>
+            </a:pPr>
+            <a:r>
+              <a:rPr lang="en-CA" dirty="0"/>
+              <a:t>I originally implemented this using PowerShell – much slower (a few seconds on first run)</a:t>
+            </a:r>
+          </a:p>
+          <a:p>
+            <a:pPr marL="171450" indent="-171450">
+              <a:buFont typeface="Arial" panose="020B0604020202020204" pitchFamily="34" charset="0"/>
+              <a:buChar char="•"/>
+            </a:pPr>
+            <a:r>
+              <a:rPr lang="en-CA" dirty="0"/>
+              <a:t>Switched to Python for non-Windows projects (cross-development) – faster!</a:t>
             </a:r>
           </a:p>
         </p:txBody>
@@ -5673,7 +5646,7 @@
     </p:spTree>
     <p:extLst>
       <p:ext uri="{BB962C8B-B14F-4D97-AF65-F5344CB8AC3E}">
-        <p14:creationId xmlns:p14="http://schemas.microsoft.com/office/powerpoint/2010/main" val="2716432938"/>
+        <p14:creationId xmlns:p14="http://schemas.microsoft.com/office/powerpoint/2010/main" val="2880260835"/>
       </p:ext>
     </p:extLst>
   </p:cSld>
@@ -5727,11 +5700,36 @@
           <a:bodyPr/>
           <a:lstStyle/>
           <a:p>
-            <a:r>
-              <a:rPr lang="en-CA"/>
-              <a:t>Open source</a:t>
-            </a:r>
-            <a:endParaRPr lang="en-CA" dirty="0"/>
+            <a:pPr marL="171450" indent="-171450">
+              <a:buFont typeface="Arial" panose="020B0604020202020204" pitchFamily="34" charset="0"/>
+              <a:buChar char="•"/>
+            </a:pPr>
+            <a:r>
+              <a:rPr lang="en-CA" dirty="0"/>
+              <a:t>A C++ program in Visual Studio, with only one templated file (</a:t>
+            </a:r>
+            <a:r>
+              <a:rPr lang="en-CA" dirty="0" err="1"/>
+              <a:t>version.h</a:t>
+            </a:r>
+            <a:r>
+              <a:rPr lang="en-CA" dirty="0"/>
+              <a:t>)</a:t>
+            </a:r>
+          </a:p>
+          <a:p>
+            <a:pPr marL="171450" indent="-171450">
+              <a:buFont typeface="Arial" panose="020B0604020202020204" pitchFamily="34" charset="0"/>
+              <a:buChar char="•"/>
+            </a:pPr>
+            <a:r>
+              <a:rPr lang="en-CA" dirty="0" err="1"/>
+              <a:t>MakeVersionInfo</a:t>
+            </a:r>
+            <a:r>
+              <a:rPr lang="en-CA" dirty="0"/>
+              <a:t> build took a fraction of a second when I created this screenshot</a:t>
+            </a:r>
           </a:p>
         </p:txBody>
       </p:sp>
@@ -5761,7 +5759,7 @@
     </p:spTree>
     <p:extLst>
       <p:ext uri="{BB962C8B-B14F-4D97-AF65-F5344CB8AC3E}">
-        <p14:creationId xmlns:p14="http://schemas.microsoft.com/office/powerpoint/2010/main" val="3750718596"/>
+        <p14:creationId xmlns:p14="http://schemas.microsoft.com/office/powerpoint/2010/main" val="2716432938"/>
       </p:ext>
     </p:extLst>
   </p:cSld>
@@ -5815,6 +5813,10 @@
           <a:bodyPr/>
           <a:lstStyle/>
           <a:p>
+            <a:r>
+              <a:rPr lang="en-CA"/>
+              <a:t>Open source</a:t>
+            </a:r>
             <a:endParaRPr lang="en-CA" dirty="0"/>
           </a:p>
         </p:txBody>
@@ -5836,7 +5838,91 @@
           <a:p>
             <a:fld id="{A2E8EC5D-AF6A-40C0-9969-DE3CD2E745D4}" type="slidenum">
               <a:rPr lang="en-CA" smtClean="0"/>
-              <a:t>27</a:t>
+              <a:t>28</a:t>
+            </a:fld>
+            <a:endParaRPr lang="en-CA"/>
+          </a:p>
+        </p:txBody>
+      </p:sp>
+    </p:spTree>
+    <p:extLst>
+      <p:ext uri="{BB962C8B-B14F-4D97-AF65-F5344CB8AC3E}">
+        <p14:creationId xmlns:p14="http://schemas.microsoft.com/office/powerpoint/2010/main" val="3750718596"/>
+      </p:ext>
+    </p:extLst>
+  </p:cSld>
+  <p:clrMapOvr>
+    <a:masterClrMapping/>
+  </p:clrMapOvr>
+</p:notes>
+</file>
+
+<file path=ppt/notesSlides/notesSlide28.xml><?xml version="1.0" encoding="utf-8"?>
+<p:notes xmlns:a="http://schemas.openxmlformats.org/drawingml/2006/main" xmlns:r="http://schemas.openxmlformats.org/officeDocument/2006/relationships" xmlns:p="http://schemas.openxmlformats.org/presentationml/2006/main">
+  <p:cSld>
+    <p:spTree>
+      <p:nvGrpSpPr>
+        <p:cNvPr id="1" name=""/>
+        <p:cNvGrpSpPr/>
+        <p:nvPr/>
+      </p:nvGrpSpPr>
+      <p:grpSpPr>
+        <a:xfrm>
+          <a:off x="0" y="0"/>
+          <a:ext cx="0" cy="0"/>
+          <a:chOff x="0" y="0"/>
+          <a:chExt cx="0" cy="0"/>
+        </a:xfrm>
+      </p:grpSpPr>
+      <p:sp>
+        <p:nvSpPr>
+          <p:cNvPr id="2" name="Slide Image Placeholder 1"/>
+          <p:cNvSpPr>
+            <a:spLocks noGrp="1" noRot="1" noChangeAspect="1"/>
+          </p:cNvSpPr>
+          <p:nvPr>
+            <p:ph type="sldImg"/>
+          </p:nvPr>
+        </p:nvSpPr>
+        <p:spPr/>
+      </p:sp>
+      <p:sp>
+        <p:nvSpPr>
+          <p:cNvPr id="3" name="Notes Placeholder 2"/>
+          <p:cNvSpPr>
+            <a:spLocks noGrp="1"/>
+          </p:cNvSpPr>
+          <p:nvPr>
+            <p:ph type="body" idx="1"/>
+          </p:nvPr>
+        </p:nvSpPr>
+        <p:spPr/>
+        <p:txBody>
+          <a:bodyPr/>
+          <a:lstStyle/>
+          <a:p>
+            <a:endParaRPr lang="en-CA" dirty="0"/>
+          </a:p>
+        </p:txBody>
+      </p:sp>
+      <p:sp>
+        <p:nvSpPr>
+          <p:cNvPr id="4" name="Slide Number Placeholder 3"/>
+          <p:cNvSpPr>
+            <a:spLocks noGrp="1"/>
+          </p:cNvSpPr>
+          <p:nvPr>
+            <p:ph type="sldNum" sz="quarter" idx="5"/>
+          </p:nvPr>
+        </p:nvSpPr>
+        <p:spPr/>
+        <p:txBody>
+          <a:bodyPr/>
+          <a:lstStyle/>
+          <a:p>
+            <a:fld id="{A2E8EC5D-AF6A-40C0-9969-DE3CD2E745D4}" type="slidenum">
+              <a:rPr lang="en-CA" smtClean="0"/>
+              <a:t>29</a:t>
             </a:fld>
             <a:endParaRPr lang="en-CA"/>
           </a:p>
@@ -6245,37 +6331,70 @@
           <a:bodyPr/>
           <a:lstStyle/>
           <a:p>
-            <a:pPr marL="171450" lvl="0" indent="-171450">
+            <a:r>
+              <a:rPr lang="en-CA" dirty="0"/>
+              <a:t>Examples that are not software:</a:t>
+            </a:r>
+          </a:p>
+          <a:p>
+            <a:pPr marL="171450" indent="-171450">
               <a:buFont typeface="Arial" panose="020B0604020202020204" pitchFamily="34" charset="0"/>
               <a:buChar char="•"/>
             </a:pPr>
             <a:r>
               <a:rPr lang="en-CA" dirty="0"/>
-              <a:t>People want to know which version of software they’re running, for various reasons</a:t>
-            </a:r>
-          </a:p>
-          <a:p>
-            <a:pPr marL="171450" lvl="0" indent="-171450">
+              <a:t>An electronic device</a:t>
+            </a:r>
+          </a:p>
+          <a:p>
+            <a:pPr marL="171450" indent="-171450">
               <a:buFont typeface="Arial" panose="020B0604020202020204" pitchFamily="34" charset="0"/>
               <a:buChar char="•"/>
             </a:pPr>
             <a:r>
-              <a:rPr lang="en-US" dirty="0"/>
-              <a:t>Dependencies – Getting the correct version of a library to run with a particular version of software (manually or automatically)</a:t>
-            </a:r>
-          </a:p>
-          <a:p>
-            <a:pPr marL="171450" lvl="0" indent="-171450">
+              <a:rPr lang="en-CA" dirty="0"/>
+              <a:t>A circuit schematic</a:t>
+            </a:r>
+          </a:p>
+          <a:p>
+            <a:pPr marL="171450" indent="-171450">
               <a:buFont typeface="Arial" panose="020B0604020202020204" pitchFamily="34" charset="0"/>
               <a:buChar char="•"/>
             </a:pPr>
             <a:r>
               <a:rPr lang="en-CA" dirty="0"/>
-              <a:t>Bug reporting/debugging – Need to find the precise version of the source code corresponding to a given executable</a:t>
-            </a:r>
-          </a:p>
-          <a:p>
-            <a:endParaRPr lang="en-CA" dirty="0"/>
+              <a:t>A printed circuit board</a:t>
+            </a:r>
+          </a:p>
+          <a:p>
+            <a:pPr marL="171450" indent="-171450">
+              <a:buFont typeface="Arial" panose="020B0604020202020204" pitchFamily="34" charset="0"/>
+              <a:buChar char="•"/>
+            </a:pPr>
+            <a:r>
+              <a:rPr lang="en-CA" dirty="0"/>
+              <a:t>Firmware</a:t>
+            </a:r>
+          </a:p>
+          <a:p>
+            <a:pPr marL="628650" lvl="1" indent="-171450">
+              <a:buFont typeface="Arial" panose="020B0604020202020204" pitchFamily="34" charset="0"/>
+              <a:buChar char="•"/>
+            </a:pPr>
+            <a:r>
+              <a:rPr lang="en-CA" dirty="0"/>
+              <a:t>This is software, but embedded in hardware</a:t>
+            </a:r>
+          </a:p>
+          <a:p>
+            <a:pPr marL="628650" lvl="1" indent="-171450">
+              <a:buFont typeface="Arial" panose="020B0604020202020204" pitchFamily="34" charset="0"/>
+              <a:buChar char="•"/>
+            </a:pPr>
+            <a:r>
+              <a:rPr lang="en-CA" dirty="0"/>
+              <a:t>Version numbers should have some relation (not necessarily match)</a:t>
+            </a:r>
           </a:p>
         </p:txBody>
       </p:sp>
@@ -6305,7 +6424,7 @@
     </p:spTree>
     <p:extLst>
       <p:ext uri="{BB962C8B-B14F-4D97-AF65-F5344CB8AC3E}">
-        <p14:creationId xmlns:p14="http://schemas.microsoft.com/office/powerpoint/2010/main" val="3507902824"/>
+        <p14:creationId xmlns:p14="http://schemas.microsoft.com/office/powerpoint/2010/main" val="2325292986"/>
       </p:ext>
     </p:extLst>
   </p:cSld>
@@ -6365,7 +6484,7 @@
             </a:pPr>
             <a:r>
               <a:rPr lang="en-CA" dirty="0"/>
-              <a:t>In the code</a:t>
+              <a:t>People want to know which version of software they’re running, for various reasons</a:t>
             </a:r>
           </a:p>
           <a:p>
@@ -6375,7 +6494,7 @@
             </a:pPr>
             <a:r>
               <a:rPr lang="en-US" dirty="0"/>
-              <a:t>EXE file properties (in Windows for example)</a:t>
+              <a:t>Dependencies – Getting the correct version of a library to run with a particular version of software (manually or automatically)</a:t>
             </a:r>
           </a:p>
           <a:p>
@@ -6384,70 +6503,9 @@
               <a:buChar char="•"/>
             </a:pPr>
             <a:r>
-              <a:rPr lang="en-US" dirty="0"/>
-              <a:t>Text files (README)</a:t>
-            </a:r>
-          </a:p>
-          <a:p>
-            <a:pPr marL="171450" lvl="0" indent="-171450">
-              <a:buFont typeface="Arial" panose="020B0604020202020204" pitchFamily="34" charset="0"/>
-              <a:buChar char="•"/>
-            </a:pPr>
-            <a:r>
               <a:rPr lang="en-CA" dirty="0"/>
-              <a:t>Installer – Windows Control Panel list of installed programs shows a version number for each</a:t>
-            </a:r>
-          </a:p>
-          <a:p>
-            <a:pPr marL="171450" lvl="0" indent="-171450">
-              <a:buFont typeface="Arial" panose="020B0604020202020204" pitchFamily="34" charset="0"/>
-              <a:buChar char="•"/>
-            </a:pPr>
-            <a:r>
-              <a:rPr lang="en-US" dirty="0"/>
-              <a:t>Documentation (</a:t>
-            </a:r>
-            <a:r>
-              <a:rPr lang="en-US" dirty="0" err="1"/>
-              <a:t>WinHelp</a:t>
-            </a:r>
-            <a:r>
-              <a:rPr lang="en-US" dirty="0"/>
-              <a:t>, </a:t>
-            </a:r>
-            <a:r>
-              <a:rPr lang="en-US" dirty="0" err="1"/>
-              <a:t>Doxygen</a:t>
-            </a:r>
-            <a:r>
-              <a:rPr lang="en-US" dirty="0"/>
-              <a:t>)</a:t>
-            </a:r>
-          </a:p>
-          <a:p>
-            <a:pPr marL="171450" lvl="0" indent="-171450">
-              <a:buFont typeface="Arial" panose="020B0604020202020204" pitchFamily="34" charset="0"/>
-              <a:buChar char="•"/>
-            </a:pPr>
-            <a:r>
-              <a:rPr lang="en-US" dirty="0"/>
-              <a:t>Version control system – This connects a software release to the source code that made it</a:t>
-            </a:r>
-          </a:p>
-          <a:p>
-            <a:pPr marL="171450" lvl="0" indent="-171450">
-              <a:buFont typeface="Arial" panose="020B0604020202020204" pitchFamily="34" charset="0"/>
-              <a:buChar char="•"/>
-            </a:pPr>
-            <a:r>
-              <a:rPr lang="en-US" i="1" dirty="0"/>
-              <a:t>These should all match</a:t>
-            </a:r>
-            <a:r>
-              <a:rPr lang="en-US" dirty="0"/>
-              <a:t> – I have found that this actually is a problem</a:t>
-            </a:r>
-            <a:endParaRPr lang="en-US" i="1" dirty="0"/>
+              <a:t>Bug reporting/debugging – Need to find the precise version of the source code corresponding to a given executable</a:t>
+            </a:r>
           </a:p>
           <a:p>
             <a:endParaRPr lang="en-CA" dirty="0"/>
@@ -6480,7 +6538,7 @@
     </p:spTree>
     <p:extLst>
       <p:ext uri="{BB962C8B-B14F-4D97-AF65-F5344CB8AC3E}">
-        <p14:creationId xmlns:p14="http://schemas.microsoft.com/office/powerpoint/2010/main" val="299305364"/>
+        <p14:creationId xmlns:p14="http://schemas.microsoft.com/office/powerpoint/2010/main" val="3507902824"/>
       </p:ext>
     </p:extLst>
   </p:cSld>
@@ -6534,14 +6592,97 @@
           <a:bodyPr/>
           <a:lstStyle/>
           <a:p>
+            <a:pPr marL="171450" lvl="0" indent="-171450">
+              <a:buFont typeface="Arial" panose="020B0604020202020204" pitchFamily="34" charset="0"/>
+              <a:buChar char="•"/>
+            </a:pPr>
             <a:r>
               <a:rPr lang="en-CA" dirty="0"/>
-              <a:t>The easy way: Define version number constants in a header file, </a:t>
-            </a:r>
-            <a:r>
-              <a:rPr lang="en-CA" dirty="0" err="1"/>
-              <a:t>version.h</a:t>
-            </a:r>
+              <a:t>In the code</a:t>
+            </a:r>
+          </a:p>
+          <a:p>
+            <a:pPr marL="171450" lvl="0" indent="-171450">
+              <a:buFont typeface="Arial" panose="020B0604020202020204" pitchFamily="34" charset="0"/>
+              <a:buChar char="•"/>
+            </a:pPr>
+            <a:r>
+              <a:rPr lang="en-US" dirty="0"/>
+              <a:t>EXE file properties (in Windows for example)</a:t>
+            </a:r>
+          </a:p>
+          <a:p>
+            <a:pPr marL="171450" lvl="0" indent="-171450">
+              <a:buFont typeface="Arial" panose="020B0604020202020204" pitchFamily="34" charset="0"/>
+              <a:buChar char="•"/>
+            </a:pPr>
+            <a:r>
+              <a:rPr lang="en-US" dirty="0"/>
+              <a:t>Text files (README)</a:t>
+            </a:r>
+          </a:p>
+          <a:p>
+            <a:pPr marL="171450" lvl="0" indent="-171450">
+              <a:buFont typeface="Arial" panose="020B0604020202020204" pitchFamily="34" charset="0"/>
+              <a:buChar char="•"/>
+            </a:pPr>
+            <a:r>
+              <a:rPr lang="en-CA" dirty="0"/>
+              <a:t>Installer – Windows Control Panel list of installed programs shows a version number for each</a:t>
+            </a:r>
+          </a:p>
+          <a:p>
+            <a:pPr marL="171450" lvl="0" indent="-171450">
+              <a:buFont typeface="Arial" panose="020B0604020202020204" pitchFamily="34" charset="0"/>
+              <a:buChar char="•"/>
+            </a:pPr>
+            <a:r>
+              <a:rPr lang="en-US" dirty="0"/>
+              <a:t>Documentation (</a:t>
+            </a:r>
+            <a:r>
+              <a:rPr lang="en-US" dirty="0" err="1"/>
+              <a:t>WinHelp</a:t>
+            </a:r>
+            <a:r>
+              <a:rPr lang="en-US" dirty="0"/>
+              <a:t>, </a:t>
+            </a:r>
+            <a:r>
+              <a:rPr lang="en-US" dirty="0" err="1"/>
+              <a:t>Doxygen</a:t>
+            </a:r>
+            <a:r>
+              <a:rPr lang="en-US" dirty="0"/>
+              <a:t>)</a:t>
+            </a:r>
+          </a:p>
+          <a:p>
+            <a:pPr marL="171450" lvl="0" indent="-171450">
+              <a:buFont typeface="Arial" panose="020B0604020202020204" pitchFamily="34" charset="0"/>
+              <a:buChar char="•"/>
+            </a:pPr>
+            <a:r>
+              <a:rPr lang="en-US" dirty="0"/>
+              <a:t>Version control system – This connects a software release to the source code that made it</a:t>
+            </a:r>
+          </a:p>
+          <a:p>
+            <a:pPr marL="171450" lvl="0" indent="-171450">
+              <a:buFont typeface="Arial" panose="020B0604020202020204" pitchFamily="34" charset="0"/>
+              <a:buChar char="•"/>
+            </a:pPr>
+            <a:r>
+              <a:rPr lang="en-US" i="1" dirty="0"/>
+              <a:t>These should all match</a:t>
+            </a:r>
+            <a:r>
+              <a:rPr lang="en-US" dirty="0"/>
+              <a:t> – I have found that this actually is a problem</a:t>
+            </a:r>
+            <a:endParaRPr lang="en-US" i="1" dirty="0"/>
+          </a:p>
+          <a:p>
             <a:endParaRPr lang="en-CA" dirty="0"/>
           </a:p>
         </p:txBody>
@@ -6572,7 +6713,7 @@
     </p:spTree>
     <p:extLst>
       <p:ext uri="{BB962C8B-B14F-4D97-AF65-F5344CB8AC3E}">
-        <p14:creationId xmlns:p14="http://schemas.microsoft.com/office/powerpoint/2010/main" val="2038071628"/>
+        <p14:creationId xmlns:p14="http://schemas.microsoft.com/office/powerpoint/2010/main" val="299305364"/>
       </p:ext>
     </p:extLst>
   </p:cSld>
@@ -6626,7 +6767,15 @@
           <a:bodyPr/>
           <a:lstStyle/>
           <a:p>
-            <a:endParaRPr lang="en-CA"/>
+            <a:r>
+              <a:rPr lang="en-CA" dirty="0"/>
+              <a:t>The easy way: Define version number constants in a header file, </a:t>
+            </a:r>
+            <a:r>
+              <a:rPr lang="en-CA" dirty="0" err="1"/>
+              <a:t>version.h</a:t>
+            </a:r>
+            <a:endParaRPr lang="en-CA" dirty="0"/>
           </a:p>
         </p:txBody>
       </p:sp>
@@ -6656,7 +6805,7 @@
     </p:spTree>
     <p:extLst>
       <p:ext uri="{BB962C8B-B14F-4D97-AF65-F5344CB8AC3E}">
-        <p14:creationId xmlns:p14="http://schemas.microsoft.com/office/powerpoint/2010/main" val="254310176"/>
+        <p14:creationId xmlns:p14="http://schemas.microsoft.com/office/powerpoint/2010/main" val="2038071628"/>
       </p:ext>
     </p:extLst>
   </p:cSld>
@@ -11019,8 +11168,8 @@
           </a:lstStyle>
           <a:p>
             <a:r>
-              <a:rPr lang="en-CA"/>
-              <a:t>2025-05-15</a:t>
+              <a:rPr lang="en-US"/>
+              <a:t>2025-08-30</a:t>
             </a:r>
             <a:endParaRPr lang="en-US" dirty="0"/>
           </a:p>
@@ -11329,8 +11478,8 @@
           <a:lstStyle/>
           <a:p>
             <a:r>
-              <a:rPr lang="en-CA"/>
-              <a:t>2025-05-15</a:t>
+              <a:rPr lang="en-US"/>
+              <a:t>2025-08-30</a:t>
             </a:r>
             <a:endParaRPr lang="en-US" dirty="0"/>
           </a:p>
@@ -11602,8 +11751,8 @@
           <a:lstStyle/>
           <a:p>
             <a:r>
-              <a:rPr lang="en-CA"/>
-              <a:t>2025-05-15</a:t>
+              <a:rPr lang="en-US"/>
+              <a:t>2025-08-30</a:t>
             </a:r>
             <a:endParaRPr lang="en-US" dirty="0"/>
           </a:p>
@@ -11846,8 +11995,8 @@
           </a:lstStyle>
           <a:p>
             <a:r>
-              <a:rPr lang="en-CA"/>
-              <a:t>2025-05-15</a:t>
+              <a:rPr lang="en-US"/>
+              <a:t>2025-08-30</a:t>
             </a:r>
             <a:endParaRPr lang="en-US" dirty="0"/>
           </a:p>
@@ -12134,8 +12283,8 @@
           <a:lstStyle/>
           <a:p>
             <a:r>
-              <a:rPr lang="en-CA"/>
-              <a:t>2025-05-15</a:t>
+              <a:rPr lang="en-US"/>
+              <a:t>2025-08-30</a:t>
             </a:r>
             <a:endParaRPr lang="en-US" dirty="0"/>
           </a:p>
@@ -12636,8 +12785,8 @@
           <a:lstStyle/>
           <a:p>
             <a:r>
-              <a:rPr lang="en-CA"/>
-              <a:t>2025-05-15</a:t>
+              <a:rPr lang="en-US"/>
+              <a:t>2025-08-30</a:t>
             </a:r>
             <a:endParaRPr lang="en-US" dirty="0"/>
           </a:p>
@@ -13294,8 +13443,8 @@
           <a:lstStyle/>
           <a:p>
             <a:r>
-              <a:rPr lang="en-CA"/>
-              <a:t>2025-05-15</a:t>
+              <a:rPr lang="en-US"/>
+              <a:t>2025-08-30</a:t>
             </a:r>
             <a:endParaRPr lang="en-US" dirty="0"/>
           </a:p>
@@ -14030,8 +14179,8 @@
           <a:lstStyle/>
           <a:p>
             <a:r>
-              <a:rPr lang="en-CA"/>
-              <a:t>2025-05-15</a:t>
+              <a:rPr lang="en-US"/>
+              <a:t>2025-08-30</a:t>
             </a:r>
             <a:endParaRPr lang="en-US" dirty="0"/>
           </a:p>
@@ -14216,8 +14365,8 @@
           <a:lstStyle/>
           <a:p>
             <a:r>
-              <a:rPr lang="en-CA"/>
-              <a:t>2025-05-15</a:t>
+              <a:rPr lang="en-US"/>
+              <a:t>2025-08-30</a:t>
             </a:r>
             <a:endParaRPr lang="en-US" dirty="0"/>
           </a:p>
@@ -14412,8 +14561,8 @@
           <a:lstStyle/>
           <a:p>
             <a:r>
-              <a:rPr lang="en-CA"/>
-              <a:t>2025-05-15</a:t>
+              <a:rPr lang="en-US"/>
+              <a:t>2025-08-30</a:t>
             </a:r>
             <a:endParaRPr lang="en-US" dirty="0"/>
           </a:p>
@@ -14621,9 +14770,10 @@
           <a:lstStyle/>
           <a:p>
             <a:r>
-              <a:rPr lang="en-CA"/>
-              <a:t>2025-05-15</a:t>
-            </a:r>
+              <a:rPr lang="en-US"/>
+              <a:t>2025-08-30</a:t>
+            </a:r>
+            <a:endParaRPr lang="en-CA"/>
           </a:p>
         </p:txBody>
       </p:sp>
@@ -14800,8 +14950,8 @@
           <a:lstStyle/>
           <a:p>
             <a:r>
-              <a:rPr lang="en-CA"/>
-              <a:t>2025-05-15</a:t>
+              <a:rPr lang="en-US"/>
+              <a:t>2025-08-30</a:t>
             </a:r>
             <a:endParaRPr lang="en-US" dirty="0"/>
           </a:p>
@@ -15102,8 +15252,8 @@
           </a:lstStyle>
           <a:p>
             <a:r>
-              <a:rPr lang="en-CA"/>
-              <a:t>2025-05-15</a:t>
+              <a:rPr lang="en-US"/>
+              <a:t>2025-08-30</a:t>
             </a:r>
             <a:endParaRPr lang="en-US" dirty="0"/>
           </a:p>
@@ -15359,8 +15509,8 @@
           <a:lstStyle/>
           <a:p>
             <a:r>
-              <a:rPr lang="en-CA"/>
-              <a:t>2025-05-15</a:t>
+              <a:rPr lang="en-US"/>
+              <a:t>2025-08-30</a:t>
             </a:r>
             <a:endParaRPr lang="en-US" dirty="0"/>
           </a:p>
@@ -15756,8 +15906,8 @@
           <a:lstStyle/>
           <a:p>
             <a:r>
-              <a:rPr lang="en-CA"/>
-              <a:t>2025-05-15</a:t>
+              <a:rPr lang="en-US"/>
+              <a:t>2025-08-30</a:t>
             </a:r>
             <a:endParaRPr lang="en-US" dirty="0"/>
           </a:p>
@@ -15922,8 +16072,8 @@
           </a:lstStyle>
           <a:p>
             <a:r>
-              <a:rPr lang="en-CA"/>
-              <a:t>2025-05-15</a:t>
+              <a:rPr lang="en-US"/>
+              <a:t>2025-08-30</a:t>
             </a:r>
             <a:endParaRPr lang="en-US" dirty="0"/>
           </a:p>
@@ -16042,8 +16192,8 @@
           <a:lstStyle/>
           <a:p>
             <a:r>
-              <a:rPr lang="en-CA"/>
-              <a:t>2025-05-15</a:t>
+              <a:rPr lang="en-US"/>
+              <a:t>2025-08-30</a:t>
             </a:r>
             <a:endParaRPr lang="en-US" dirty="0"/>
           </a:p>
@@ -16307,8 +16457,8 @@
           <a:lstStyle/>
           <a:p>
             <a:r>
-              <a:rPr lang="en-CA"/>
-              <a:t>2025-05-15</a:t>
+              <a:rPr lang="en-US"/>
+              <a:t>2025-08-30</a:t>
             </a:r>
             <a:endParaRPr lang="en-US" dirty="0"/>
           </a:p>
@@ -16671,8 +16821,8 @@
           <a:lstStyle/>
           <a:p>
             <a:r>
-              <a:rPr lang="en-CA"/>
-              <a:t>2025-05-15</a:t>
+              <a:rPr lang="en-US"/>
+              <a:t>2025-08-30</a:t>
             </a:r>
             <a:endParaRPr lang="en-US" dirty="0"/>
           </a:p>
@@ -19953,8 +20103,8 @@
           </a:lstStyle>
           <a:p>
             <a:r>
-              <a:rPr lang="en-CA"/>
-              <a:t>2025-05-15</a:t>
+              <a:rPr lang="en-US"/>
+              <a:t>2025-08-30</a:t>
             </a:r>
             <a:endParaRPr lang="en-US" dirty="0"/>
           </a:p>
@@ -21030,8 +21180,8 @@
           <a:lstStyle/>
           <a:p>
             <a:r>
-              <a:rPr lang="en-CA"/>
-              <a:t>2025-05-15</a:t>
+              <a:rPr lang="en-US"/>
+              <a:t>2025-08-30</a:t>
             </a:r>
             <a:endParaRPr lang="en-US" dirty="0"/>
           </a:p>
@@ -21258,7 +21408,7 @@
 </file>
 
 <file path=ppt/slides/slide10.xml><?xml version="1.0" encoding="utf-8"?>
-<p:sld xmlns:a="http://schemas.openxmlformats.org/drawingml/2006/main" xmlns:r="http://schemas.openxmlformats.org/officeDocument/2006/relationships" xmlns:p="http://schemas.openxmlformats.org/presentationml/2006/main">
+<p:sld xmlns:a="http://schemas.openxmlformats.org/drawingml/2006/main" xmlns:r="http://schemas.openxmlformats.org/officeDocument/2006/relationships" xmlns:p="http://schemas.openxmlformats.org/presentationml/2006/main" showMasterPhAnim="0">
   <p:cSld>
     <p:spTree>
       <p:nvGrpSpPr>
@@ -21279,7 +21429,7 @@
           <p:cNvPr id="2" name="Title 1">
             <a:extLst>
               <a:ext uri="{FF2B5EF4-FFF2-40B4-BE49-F238E27FC236}">
-                <a16:creationId xmlns:a16="http://schemas.microsoft.com/office/drawing/2014/main" id="{2062E257-99A5-5E03-0395-E85625395163}"/>
+                <a16:creationId xmlns:a16="http://schemas.microsoft.com/office/drawing/2014/main" id="{091F7611-175D-D330-92F2-D75DF4278EBB}"/>
               </a:ext>
             </a:extLst>
           </p:cNvPr>
@@ -21287,13 +21437,13 @@
             <a:spLocks noGrp="1"/>
           </p:cNvSpPr>
           <p:nvPr>
-            <p:ph type="title"/>
+            <p:ph type="ctrTitle"/>
           </p:nvPr>
         </p:nvSpPr>
         <p:spPr>
           <a:xfrm>
-            <a:off x="1141413" y="618518"/>
-            <a:ext cx="9905998" cy="1478570"/>
+            <a:off x="1876424" y="1122363"/>
+            <a:ext cx="8791575" cy="2387600"/>
           </a:xfrm>
         </p:spPr>
         <p:txBody>
@@ -21301,18 +21451,18 @@
           <a:lstStyle/>
           <a:p>
             <a:r>
-              <a:rPr lang="en-CA"/>
-              <a:t>Why is this presentation not over?</a:t>
+              <a:rPr lang="en-US" dirty="0"/>
+              <a:t>The End</a:t>
             </a:r>
           </a:p>
         </p:txBody>
       </p:sp>
       <p:sp>
         <p:nvSpPr>
-          <p:cNvPr id="3" name="Text Placeholder 2">
+          <p:cNvPr id="11" name="Subtitle 10">
             <a:extLst>
               <a:ext uri="{FF2B5EF4-FFF2-40B4-BE49-F238E27FC236}">
-                <a16:creationId xmlns:a16="http://schemas.microsoft.com/office/drawing/2014/main" id="{D7F676B7-290A-1CFC-8296-E3530668041B}"/>
+                <a16:creationId xmlns:a16="http://schemas.microsoft.com/office/drawing/2014/main" id="{FBE8FE51-A756-0E88-90B2-6304950DB8C7}"/>
               </a:ext>
             </a:extLst>
           </p:cNvPr>
@@ -21320,72 +21470,15 @@
             <a:spLocks noGrp="1"/>
           </p:cNvSpPr>
           <p:nvPr>
-            <p:ph type="body" idx="1"/>
-          </p:nvPr>
-        </p:nvSpPr>
-        <p:spPr>
-          <a:xfrm>
-            <a:off x="1141412" y="2249487"/>
-            <a:ext cx="9905999" cy="3541714"/>
-          </a:xfrm>
-        </p:spPr>
+            <p:ph type="subTitle" idx="1"/>
+          </p:nvPr>
+        </p:nvSpPr>
+        <p:spPr/>
         <p:txBody>
-          <a:bodyPr>
-            <a:normAutofit lnSpcReduction="10000"/>
-          </a:bodyPr>
+          <a:bodyPr/>
           <a:lstStyle/>
           <a:p>
-            <a:pPr lvl="0"/>
-            <a:r>
-              <a:rPr lang="en-CA" dirty="0"/>
-              <a:t>Can’t do everything with </a:t>
-            </a:r>
-            <a:r>
-              <a:rPr lang="en-CA" dirty="0" err="1"/>
-              <a:t>version.h</a:t>
-            </a:r>
-            <a:endParaRPr lang="en-CA" dirty="0"/>
-          </a:p>
-          <a:p>
-            <a:pPr lvl="1"/>
-            <a:r>
-              <a:rPr lang="en-CA" dirty="0"/>
-              <a:t>Multiple languages (e.g. C++ and C#), text files, installer, help files, git tags, etc.</a:t>
-            </a:r>
-          </a:p>
-          <a:p>
-            <a:pPr lvl="1"/>
-            <a:r>
-              <a:rPr lang="en-CA" dirty="0"/>
-              <a:t>Version info must be duplicated in multiple places</a:t>
-            </a:r>
-          </a:p>
-          <a:p>
-            <a:pPr lvl="0"/>
-            <a:r>
-              <a:rPr lang="en-CA" dirty="0"/>
-              <a:t>Every distinguishable build should have a distinct version number, automatically</a:t>
-            </a:r>
-          </a:p>
-          <a:p>
-            <a:pPr lvl="1"/>
-            <a:r>
-              <a:rPr lang="en-CA" dirty="0"/>
-              <a:t>That includes unreleased builds during development and testing, and automated builds</a:t>
-            </a:r>
-          </a:p>
-          <a:p>
-            <a:pPr lvl="1"/>
-            <a:r>
-              <a:rPr lang="en-CA" dirty="0"/>
-              <a:t>That’s a pain!</a:t>
-            </a:r>
-          </a:p>
-          <a:p>
-            <a:r>
-              <a:rPr lang="en-CA" dirty="0"/>
-              <a:t>There must be an easy way</a:t>
-            </a:r>
+            <a:endParaRPr lang="en-CA"/>
           </a:p>
         </p:txBody>
       </p:sp>
@@ -21394,7 +21487,7 @@
           <p:cNvPr id="7" name="Footer Placeholder 6">
             <a:extLst>
               <a:ext uri="{FF2B5EF4-FFF2-40B4-BE49-F238E27FC236}">
-                <a16:creationId xmlns:a16="http://schemas.microsoft.com/office/drawing/2014/main" id="{568C409B-83D3-ACE2-0E1A-3D14462AA359}"/>
+                <a16:creationId xmlns:a16="http://schemas.microsoft.com/office/drawing/2014/main" id="{D5D36050-052A-166A-1577-663FF95ABE49}"/>
               </a:ext>
             </a:extLst>
           </p:cNvPr>
@@ -21407,8 +21500,8 @@
         </p:nvSpPr>
         <p:spPr>
           <a:xfrm>
-            <a:off x="1141411" y="5883275"/>
-            <a:ext cx="6239309" cy="365125"/>
+            <a:off x="1876424" y="5410201"/>
+            <a:ext cx="5124886" cy="365125"/>
           </a:xfrm>
         </p:spPr>
         <p:txBody>
@@ -21427,7 +21520,7 @@
           <p:cNvPr id="6" name="Date Placeholder 5">
             <a:extLst>
               <a:ext uri="{FF2B5EF4-FFF2-40B4-BE49-F238E27FC236}">
-                <a16:creationId xmlns:a16="http://schemas.microsoft.com/office/drawing/2014/main" id="{A8ABA9E2-7D9C-594A-6FE3-2E0E19AABE4F}"/>
+                <a16:creationId xmlns:a16="http://schemas.microsoft.com/office/drawing/2014/main" id="{18E403D1-1BE3-31B3-C2AD-D29A9BFD344F}"/>
               </a:ext>
             </a:extLst>
           </p:cNvPr>
@@ -21440,7 +21533,7 @@
         </p:nvSpPr>
         <p:spPr>
           <a:xfrm>
-            <a:off x="7456921" y="5883276"/>
+            <a:off x="7077511" y="5410201"/>
             <a:ext cx="2743200" cy="365125"/>
           </a:xfrm>
         </p:spPr>
@@ -21449,9 +21542,10 @@
           <a:lstStyle/>
           <a:p>
             <a:r>
-              <a:rPr lang="en-CA"/>
-              <a:t>2025-05-15</a:t>
-            </a:r>
+              <a:rPr lang="en-US"/>
+              <a:t>2025-08-30</a:t>
+            </a:r>
+            <a:endParaRPr lang="en-CA"/>
           </a:p>
         </p:txBody>
       </p:sp>
@@ -21460,7 +21554,7 @@
           <p:cNvPr id="8" name="Slide Number Placeholder 7">
             <a:extLst>
               <a:ext uri="{FF2B5EF4-FFF2-40B4-BE49-F238E27FC236}">
-                <a16:creationId xmlns:a16="http://schemas.microsoft.com/office/drawing/2014/main" id="{5C2BCAEB-D5E5-B64B-3A37-7279A9D75767}"/>
+                <a16:creationId xmlns:a16="http://schemas.microsoft.com/office/drawing/2014/main" id="{F1F0C4A0-EBFD-B513-629B-4204738B4382}"/>
               </a:ext>
             </a:extLst>
           </p:cNvPr>
@@ -21473,7 +21567,7 @@
         </p:nvSpPr>
         <p:spPr>
           <a:xfrm>
-            <a:off x="10276321" y="5883274"/>
+            <a:off x="9896911" y="5410199"/>
             <a:ext cx="771089" cy="365125"/>
           </a:xfrm>
         </p:spPr>
@@ -21493,13 +21587,25 @@
     </p:spTree>
     <p:extLst>
       <p:ext uri="{BB962C8B-B14F-4D97-AF65-F5344CB8AC3E}">
-        <p14:creationId xmlns:p14="http://schemas.microsoft.com/office/powerpoint/2010/main" val="655701014"/>
+        <p14:creationId xmlns:p14="http://schemas.microsoft.com/office/powerpoint/2010/main" val="3096725110"/>
       </p:ext>
     </p:extLst>
   </p:cSld>
   <p:clrMapOvr>
     <a:masterClrMapping/>
   </p:clrMapOvr>
+  <mc:AlternateContent xmlns:mc="http://schemas.openxmlformats.org/markup-compatibility/2006" xmlns:p14="http://schemas.microsoft.com/office/powerpoint/2010/main">
+    <mc:Choice Requires="p14">
+      <p:transition p14:dur="250">
+        <p:fade/>
+      </p:transition>
+    </mc:Choice>
+    <mc:Fallback xmlns="">
+      <p:transition>
+        <p:fade/>
+      </p:transition>
+    </mc:Fallback>
+  </mc:AlternateContent>
 </p:sld>
 </file>
 
@@ -21525,7 +21631,7 @@
           <p:cNvPr id="2" name="Title 1">
             <a:extLst>
               <a:ext uri="{FF2B5EF4-FFF2-40B4-BE49-F238E27FC236}">
-                <a16:creationId xmlns:a16="http://schemas.microsoft.com/office/drawing/2014/main" id="{D48B9125-2407-66C3-094E-66FEDEF491BF}"/>
+                <a16:creationId xmlns:a16="http://schemas.microsoft.com/office/drawing/2014/main" id="{2062E257-99A5-5E03-0395-E85625395163}"/>
               </a:ext>
             </a:extLst>
           </p:cNvPr>
@@ -21548,6 +21654,253 @@
           <a:p>
             <a:r>
               <a:rPr lang="en-CA" dirty="0"/>
+              <a:t>Why is this presentation not over?</a:t>
+            </a:r>
+          </a:p>
+        </p:txBody>
+      </p:sp>
+      <p:sp>
+        <p:nvSpPr>
+          <p:cNvPr id="3" name="Text Placeholder 2">
+            <a:extLst>
+              <a:ext uri="{FF2B5EF4-FFF2-40B4-BE49-F238E27FC236}">
+                <a16:creationId xmlns:a16="http://schemas.microsoft.com/office/drawing/2014/main" id="{D7F676B7-290A-1CFC-8296-E3530668041B}"/>
+              </a:ext>
+            </a:extLst>
+          </p:cNvPr>
+          <p:cNvSpPr>
+            <a:spLocks noGrp="1"/>
+          </p:cNvSpPr>
+          <p:nvPr>
+            <p:ph type="body" idx="1"/>
+          </p:nvPr>
+        </p:nvSpPr>
+        <p:spPr>
+          <a:xfrm>
+            <a:off x="1141412" y="2249487"/>
+            <a:ext cx="9905999" cy="3541714"/>
+          </a:xfrm>
+        </p:spPr>
+        <p:txBody>
+          <a:bodyPr>
+            <a:normAutofit lnSpcReduction="10000"/>
+          </a:bodyPr>
+          <a:lstStyle/>
+          <a:p>
+            <a:pPr lvl="0"/>
+            <a:r>
+              <a:rPr lang="en-CA" dirty="0"/>
+              <a:t>Can’t do everything with </a:t>
+            </a:r>
+            <a:r>
+              <a:rPr lang="en-CA" dirty="0" err="1"/>
+              <a:t>version.h</a:t>
+            </a:r>
+            <a:endParaRPr lang="en-CA" dirty="0"/>
+          </a:p>
+          <a:p>
+            <a:pPr lvl="1"/>
+            <a:r>
+              <a:rPr lang="en-CA" dirty="0"/>
+              <a:t>Multiple languages (e.g. C++ and C#), text files, installer, help files, git tags, etc.</a:t>
+            </a:r>
+          </a:p>
+          <a:p>
+            <a:pPr lvl="1"/>
+            <a:r>
+              <a:rPr lang="en-CA" dirty="0"/>
+              <a:t>Version info must be duplicated in multiple places</a:t>
+            </a:r>
+          </a:p>
+          <a:p>
+            <a:pPr lvl="0"/>
+            <a:r>
+              <a:rPr lang="en-CA" dirty="0"/>
+              <a:t>Every distinguishable build should have a distinct version number, automatically</a:t>
+            </a:r>
+          </a:p>
+          <a:p>
+            <a:pPr lvl="1"/>
+            <a:r>
+              <a:rPr lang="en-CA" dirty="0"/>
+              <a:t>That includes unreleased builds during development and testing, and automated builds</a:t>
+            </a:r>
+          </a:p>
+          <a:p>
+            <a:pPr lvl="1"/>
+            <a:r>
+              <a:rPr lang="en-CA" dirty="0"/>
+              <a:t>That’s a pain!</a:t>
+            </a:r>
+          </a:p>
+          <a:p>
+            <a:r>
+              <a:rPr lang="en-CA" dirty="0"/>
+              <a:t>There must be an easy way</a:t>
+            </a:r>
+          </a:p>
+        </p:txBody>
+      </p:sp>
+      <p:sp>
+        <p:nvSpPr>
+          <p:cNvPr id="7" name="Footer Placeholder 6">
+            <a:extLst>
+              <a:ext uri="{FF2B5EF4-FFF2-40B4-BE49-F238E27FC236}">
+                <a16:creationId xmlns:a16="http://schemas.microsoft.com/office/drawing/2014/main" id="{568C409B-83D3-ACE2-0E1A-3D14462AA359}"/>
+              </a:ext>
+            </a:extLst>
+          </p:cNvPr>
+          <p:cNvSpPr>
+            <a:spLocks noGrp="1"/>
+          </p:cNvSpPr>
+          <p:nvPr>
+            <p:ph type="ftr" sz="quarter" idx="11"/>
+          </p:nvPr>
+        </p:nvSpPr>
+        <p:spPr>
+          <a:xfrm>
+            <a:off x="1141411" y="5883275"/>
+            <a:ext cx="6239309" cy="365125"/>
+          </a:xfrm>
+        </p:spPr>
+        <p:txBody>
+          <a:bodyPr/>
+          <a:lstStyle/>
+          <a:p>
+            <a:r>
+              <a:rPr lang="en-CA"/>
+              <a:t>Len Popp – https://lenp.net/presentations/</a:t>
+            </a:r>
+          </a:p>
+        </p:txBody>
+      </p:sp>
+      <p:sp>
+        <p:nvSpPr>
+          <p:cNvPr id="6" name="Date Placeholder 5">
+            <a:extLst>
+              <a:ext uri="{FF2B5EF4-FFF2-40B4-BE49-F238E27FC236}">
+                <a16:creationId xmlns:a16="http://schemas.microsoft.com/office/drawing/2014/main" id="{A8ABA9E2-7D9C-594A-6FE3-2E0E19AABE4F}"/>
+              </a:ext>
+            </a:extLst>
+          </p:cNvPr>
+          <p:cNvSpPr>
+            <a:spLocks noGrp="1"/>
+          </p:cNvSpPr>
+          <p:nvPr>
+            <p:ph type="dt" sz="half" idx="10"/>
+          </p:nvPr>
+        </p:nvSpPr>
+        <p:spPr>
+          <a:xfrm>
+            <a:off x="7456921" y="5883276"/>
+            <a:ext cx="2743200" cy="365125"/>
+          </a:xfrm>
+        </p:spPr>
+        <p:txBody>
+          <a:bodyPr/>
+          <a:lstStyle/>
+          <a:p>
+            <a:r>
+              <a:rPr lang="en-US"/>
+              <a:t>2025-08-30</a:t>
+            </a:r>
+            <a:endParaRPr lang="en-CA"/>
+          </a:p>
+        </p:txBody>
+      </p:sp>
+      <p:sp>
+        <p:nvSpPr>
+          <p:cNvPr id="8" name="Slide Number Placeholder 7">
+            <a:extLst>
+              <a:ext uri="{FF2B5EF4-FFF2-40B4-BE49-F238E27FC236}">
+                <a16:creationId xmlns:a16="http://schemas.microsoft.com/office/drawing/2014/main" id="{5C2BCAEB-D5E5-B64B-3A37-7279A9D75767}"/>
+              </a:ext>
+            </a:extLst>
+          </p:cNvPr>
+          <p:cNvSpPr>
+            <a:spLocks noGrp="1"/>
+          </p:cNvSpPr>
+          <p:nvPr>
+            <p:ph type="sldNum" sz="quarter" idx="12"/>
+          </p:nvPr>
+        </p:nvSpPr>
+        <p:spPr>
+          <a:xfrm>
+            <a:off x="10276321" y="5883274"/>
+            <a:ext cx="771089" cy="365125"/>
+          </a:xfrm>
+        </p:spPr>
+        <p:txBody>
+          <a:bodyPr/>
+          <a:lstStyle/>
+          <a:p>
+            <a:fld id="{03CAD6FD-F4AA-4D77-ABCA-ABE0330C7D32}" type="slidenum">
+              <a:rPr lang="en-CA" smtClean="0"/>
+              <a:pPr/>
+              <a:t>11</a:t>
+            </a:fld>
+            <a:endParaRPr lang="en-CA"/>
+          </a:p>
+        </p:txBody>
+      </p:sp>
+    </p:spTree>
+    <p:extLst>
+      <p:ext uri="{BB962C8B-B14F-4D97-AF65-F5344CB8AC3E}">
+        <p14:creationId xmlns:p14="http://schemas.microsoft.com/office/powerpoint/2010/main" val="655701014"/>
+      </p:ext>
+    </p:extLst>
+  </p:cSld>
+  <p:clrMapOvr>
+    <a:masterClrMapping/>
+  </p:clrMapOvr>
+</p:sld>
+</file>
+
+<file path=ppt/slides/slide12.xml><?xml version="1.0" encoding="utf-8"?>
+<p:sld xmlns:a="http://schemas.openxmlformats.org/drawingml/2006/main" xmlns:r="http://schemas.openxmlformats.org/officeDocument/2006/relationships" xmlns:p="http://schemas.openxmlformats.org/presentationml/2006/main">
+  <p:cSld>
+    <p:spTree>
+      <p:nvGrpSpPr>
+        <p:cNvPr id="1" name=""/>
+        <p:cNvGrpSpPr/>
+        <p:nvPr/>
+      </p:nvGrpSpPr>
+      <p:grpSpPr>
+        <a:xfrm>
+          <a:off x="0" y="0"/>
+          <a:ext cx="0" cy="0"/>
+          <a:chOff x="0" y="0"/>
+          <a:chExt cx="0" cy="0"/>
+        </a:xfrm>
+      </p:grpSpPr>
+      <p:sp>
+        <p:nvSpPr>
+          <p:cNvPr id="2" name="Title 1">
+            <a:extLst>
+              <a:ext uri="{FF2B5EF4-FFF2-40B4-BE49-F238E27FC236}">
+                <a16:creationId xmlns:a16="http://schemas.microsoft.com/office/drawing/2014/main" id="{D48B9125-2407-66C3-094E-66FEDEF491BF}"/>
+              </a:ext>
+            </a:extLst>
+          </p:cNvPr>
+          <p:cNvSpPr>
+            <a:spLocks noGrp="1"/>
+          </p:cNvSpPr>
+          <p:nvPr>
+            <p:ph type="title"/>
+          </p:nvPr>
+        </p:nvSpPr>
+        <p:spPr>
+          <a:xfrm>
+            <a:off x="1141413" y="618518"/>
+            <a:ext cx="9905998" cy="1478570"/>
+          </a:xfrm>
+        </p:spPr>
+        <p:txBody>
+          <a:bodyPr/>
+          <a:lstStyle/>
+          <a:p>
+            <a:r>
+              <a:rPr lang="en-CA" dirty="0"/>
               <a:t>My Specific Motivation</a:t>
             </a:r>
           </a:p>
@@ -21674,9 +22027,10 @@
           <a:lstStyle/>
           <a:p>
             <a:r>
-              <a:rPr lang="en-CA"/>
-              <a:t>2025-05-15</a:t>
-            </a:r>
+              <a:rPr lang="en-US"/>
+              <a:t>2025-08-30</a:t>
+            </a:r>
+            <a:endParaRPr lang="en-CA"/>
           </a:p>
         </p:txBody>
       </p:sp>
@@ -21709,7 +22063,7 @@
             <a:fld id="{03CAD6FD-F4AA-4D77-ABCA-ABE0330C7D32}" type="slidenum">
               <a:rPr lang="en-CA" smtClean="0"/>
               <a:pPr/>
-              <a:t>11</a:t>
+              <a:t>12</a:t>
             </a:fld>
             <a:endParaRPr lang="en-CA"/>
           </a:p>
@@ -21728,7 +22082,7 @@
 </p:sld>
 </file>
 
-<file path=ppt/slides/slide12.xml><?xml version="1.0" encoding="utf-8"?>
+<file path=ppt/slides/slide13.xml><?xml version="1.0" encoding="utf-8"?>
 <p:sld xmlns:a="http://schemas.openxmlformats.org/drawingml/2006/main" xmlns:r="http://schemas.openxmlformats.org/officeDocument/2006/relationships" xmlns:p="http://schemas.openxmlformats.org/presentationml/2006/main" showMasterPhAnim="0">
   <p:cSld>
     <p:spTree>
@@ -21866,9 +22220,10 @@
           <a:lstStyle/>
           <a:p>
             <a:r>
-              <a:rPr lang="en-CA"/>
-              <a:t>2025-05-15</a:t>
-            </a:r>
+              <a:rPr lang="en-US"/>
+              <a:t>2025-08-30</a:t>
+            </a:r>
+            <a:endParaRPr lang="en-CA"/>
           </a:p>
         </p:txBody>
       </p:sp>
@@ -21901,7 +22256,7 @@
             <a:fld id="{03CAD6FD-F4AA-4D77-ABCA-ABE0330C7D32}" type="slidenum">
               <a:rPr lang="en-CA" smtClean="0"/>
               <a:pPr/>
-              <a:t>12</a:t>
+              <a:t>13</a:t>
             </a:fld>
             <a:endParaRPr lang="en-CA"/>
           </a:p>
@@ -21932,7 +22287,7 @@
 </p:sld>
 </file>
 
-<file path=ppt/slides/slide13.xml><?xml version="1.0" encoding="utf-8"?>
+<file path=ppt/slides/slide14.xml><?xml version="1.0" encoding="utf-8"?>
 <p:sld xmlns:a="http://schemas.openxmlformats.org/drawingml/2006/main" xmlns:r="http://schemas.openxmlformats.org/officeDocument/2006/relationships" xmlns:p="http://schemas.openxmlformats.org/presentationml/2006/main" showMasterPhAnim="0">
   <p:cSld>
     <p:spTree>
@@ -22120,9 +22475,10 @@
           <a:lstStyle/>
           <a:p>
             <a:r>
-              <a:rPr lang="en-CA"/>
-              <a:t>2025-05-15</a:t>
-            </a:r>
+              <a:rPr lang="en-US"/>
+              <a:t>2025-08-30</a:t>
+            </a:r>
+            <a:endParaRPr lang="en-CA"/>
           </a:p>
         </p:txBody>
       </p:sp>
@@ -22155,7 +22511,7 @@
             <a:fld id="{03CAD6FD-F4AA-4D77-ABCA-ABE0330C7D32}" type="slidenum">
               <a:rPr lang="en-CA" smtClean="0"/>
               <a:pPr/>
-              <a:t>13</a:t>
+              <a:t>14</a:t>
             </a:fld>
             <a:endParaRPr lang="en-CA"/>
           </a:p>
@@ -22616,7 +22972,7 @@
 </p:sld>
 </file>
 
-<file path=ppt/slides/slide14.xml><?xml version="1.0" encoding="utf-8"?>
+<file path=ppt/slides/slide15.xml><?xml version="1.0" encoding="utf-8"?>
 <p:sld xmlns:a="http://schemas.openxmlformats.org/drawingml/2006/main" xmlns:r="http://schemas.openxmlformats.org/officeDocument/2006/relationships" xmlns:p="http://schemas.openxmlformats.org/presentationml/2006/main" showMasterPhAnim="0">
   <p:cSld>
     <p:spTree>
@@ -22889,9 +23245,10 @@
           <a:lstStyle/>
           <a:p>
             <a:r>
-              <a:rPr lang="en-CA"/>
-              <a:t>2025-05-15</a:t>
-            </a:r>
+              <a:rPr lang="en-US"/>
+              <a:t>2025-08-30</a:t>
+            </a:r>
+            <a:endParaRPr lang="en-CA"/>
           </a:p>
         </p:txBody>
       </p:sp>
@@ -22924,7 +23281,7 @@
             <a:fld id="{03CAD6FD-F4AA-4D77-ABCA-ABE0330C7D32}" type="slidenum">
               <a:rPr lang="en-CA" smtClean="0"/>
               <a:pPr/>
-              <a:t>14</a:t>
+              <a:t>15</a:t>
             </a:fld>
             <a:endParaRPr lang="en-CA"/>
           </a:p>
@@ -23471,7 +23828,7 @@
 </p:sld>
 </file>
 
-<file path=ppt/slides/slide15.xml><?xml version="1.0" encoding="utf-8"?>
+<file path=ppt/slides/slide16.xml><?xml version="1.0" encoding="utf-8"?>
 <p:sld xmlns:a="http://schemas.openxmlformats.org/drawingml/2006/main" xmlns:r="http://schemas.openxmlformats.org/officeDocument/2006/relationships" xmlns:p="http://schemas.openxmlformats.org/presentationml/2006/main" showMasterPhAnim="0">
   <p:cSld>
     <p:spTree>
@@ -23610,9 +23967,10 @@
           <a:lstStyle/>
           <a:p>
             <a:r>
-              <a:rPr lang="en-CA"/>
-              <a:t>2025-05-15</a:t>
-            </a:r>
+              <a:rPr lang="en-US"/>
+              <a:t>2025-08-30</a:t>
+            </a:r>
+            <a:endParaRPr lang="en-CA"/>
           </a:p>
         </p:txBody>
       </p:sp>
@@ -23645,7 +24003,7 @@
             <a:fld id="{03CAD6FD-F4AA-4D77-ABCA-ABE0330C7D32}" type="slidenum">
               <a:rPr lang="en-CA" smtClean="0"/>
               <a:pPr/>
-              <a:t>15</a:t>
+              <a:t>16</a:t>
             </a:fld>
             <a:endParaRPr lang="en-CA"/>
           </a:p>
@@ -23676,7 +24034,7 @@
 </p:sld>
 </file>
 
-<file path=ppt/slides/slide16.xml><?xml version="1.0" encoding="utf-8"?>
+<file path=ppt/slides/slide17.xml><?xml version="1.0" encoding="utf-8"?>
 <p:sld xmlns:a="http://schemas.openxmlformats.org/drawingml/2006/main" xmlns:r="http://schemas.openxmlformats.org/officeDocument/2006/relationships" xmlns:p="http://schemas.openxmlformats.org/presentationml/2006/main">
   <p:cSld>
     <p:spTree>
@@ -23869,9 +24227,10 @@
           <a:lstStyle/>
           <a:p>
             <a:r>
-              <a:rPr lang="en-CA"/>
-              <a:t>2025-05-15</a:t>
-            </a:r>
+              <a:rPr lang="en-US"/>
+              <a:t>2025-08-30</a:t>
+            </a:r>
+            <a:endParaRPr lang="en-CA"/>
           </a:p>
         </p:txBody>
       </p:sp>
@@ -23904,7 +24263,7 @@
             <a:fld id="{03CAD6FD-F4AA-4D77-ABCA-ABE0330C7D32}" type="slidenum">
               <a:rPr lang="en-CA" smtClean="0"/>
               <a:pPr/>
-              <a:t>16</a:t>
+              <a:t>17</a:t>
             </a:fld>
             <a:endParaRPr lang="en-CA"/>
           </a:p>
@@ -23923,7 +24282,7 @@
 </p:sld>
 </file>
 
-<file path=ppt/slides/slide17.xml><?xml version="1.0" encoding="utf-8"?>
+<file path=ppt/slides/slide18.xml><?xml version="1.0" encoding="utf-8"?>
 <p:sld xmlns:a="http://schemas.openxmlformats.org/drawingml/2006/main" xmlns:r="http://schemas.openxmlformats.org/officeDocument/2006/relationships" xmlns:p="http://schemas.openxmlformats.org/presentationml/2006/main" showMasterPhAnim="0">
   <p:cSld>
     <p:spTree>
@@ -24102,9 +24461,10 @@
           <a:lstStyle/>
           <a:p>
             <a:r>
-              <a:rPr lang="en-CA"/>
-              <a:t>2025-05-15</a:t>
-            </a:r>
+              <a:rPr lang="en-US"/>
+              <a:t>2025-08-30</a:t>
+            </a:r>
+            <a:endParaRPr lang="en-CA"/>
           </a:p>
         </p:txBody>
       </p:sp>
@@ -24132,7 +24492,7 @@
             <a:fld id="{03CAD6FD-F4AA-4D77-ABCA-ABE0330C7D32}" type="slidenum">
               <a:rPr lang="en-CA" smtClean="0"/>
               <a:pPr/>
-              <a:t>17</a:t>
+              <a:t>18</a:t>
             </a:fld>
             <a:endParaRPr lang="en-CA"/>
           </a:p>
@@ -24896,7 +25256,7 @@
 </p:sld>
 </file>
 
-<file path=ppt/slides/slide18.xml><?xml version="1.0" encoding="utf-8"?>
+<file path=ppt/slides/slide19.xml><?xml version="1.0" encoding="utf-8"?>
 <p:sld xmlns:a="http://schemas.openxmlformats.org/drawingml/2006/main" xmlns:r="http://schemas.openxmlformats.org/officeDocument/2006/relationships" xmlns:p="http://schemas.openxmlformats.org/presentationml/2006/main">
   <p:cSld>
     <p:spTree>
@@ -25107,9 +25467,10 @@
           <a:lstStyle/>
           <a:p>
             <a:r>
-              <a:rPr lang="en-CA"/>
-              <a:t>2025-05-15</a:t>
-            </a:r>
+              <a:rPr lang="en-US"/>
+              <a:t>2025-08-30</a:t>
+            </a:r>
+            <a:endParaRPr lang="en-CA"/>
           </a:p>
         </p:txBody>
       </p:sp>
@@ -25142,7 +25503,7 @@
             <a:fld id="{03CAD6FD-F4AA-4D77-ABCA-ABE0330C7D32}" type="slidenum">
               <a:rPr lang="en-CA" smtClean="0"/>
               <a:pPr/>
-              <a:t>18</a:t>
+              <a:t>19</a:t>
             </a:fld>
             <a:endParaRPr lang="en-CA"/>
           </a:p>
@@ -25161,7 +25522,7 @@
 </p:sld>
 </file>
 
-<file path=ppt/slides/slide19.xml><?xml version="1.0" encoding="utf-8"?>
+<file path=ppt/slides/slide2.xml><?xml version="1.0" encoding="utf-8"?>
 <p:sld xmlns:a="http://schemas.openxmlformats.org/drawingml/2006/main" xmlns:r="http://schemas.openxmlformats.org/officeDocument/2006/relationships" xmlns:p="http://schemas.openxmlformats.org/presentationml/2006/main" showMasterPhAnim="0">
   <p:cSld>
     <p:spTree>
@@ -25180,6 +25541,264 @@
       </p:grpSpPr>
       <p:sp>
         <p:nvSpPr>
+          <p:cNvPr id="7" name="Title 6">
+            <a:extLst>
+              <a:ext uri="{FF2B5EF4-FFF2-40B4-BE49-F238E27FC236}">
+                <a16:creationId xmlns:a16="http://schemas.microsoft.com/office/drawing/2014/main" id="{27F1B507-70EF-E8B3-7029-D5C67E377BA1}"/>
+              </a:ext>
+            </a:extLst>
+          </p:cNvPr>
+          <p:cNvSpPr>
+            <a:spLocks noGrp="1"/>
+          </p:cNvSpPr>
+          <p:nvPr>
+            <p:ph type="title"/>
+          </p:nvPr>
+        </p:nvSpPr>
+        <p:spPr>
+          <a:xfrm>
+            <a:off x="1141412" y="2137893"/>
+            <a:ext cx="6315510" cy="853502"/>
+          </a:xfrm>
+        </p:spPr>
+        <p:txBody>
+          <a:bodyPr/>
+          <a:lstStyle/>
+          <a:p>
+            <a:r>
+              <a:rPr lang="en-CA" dirty="0"/>
+              <a:t>Len Popp</a:t>
+            </a:r>
+          </a:p>
+        </p:txBody>
+      </p:sp>
+      <p:sp>
+        <p:nvSpPr>
+          <p:cNvPr id="8" name="Text Placeholder 7">
+            <a:extLst>
+              <a:ext uri="{FF2B5EF4-FFF2-40B4-BE49-F238E27FC236}">
+                <a16:creationId xmlns:a16="http://schemas.microsoft.com/office/drawing/2014/main" id="{A84DA69B-45B2-174B-2BC4-B9CE006BFF6B}"/>
+              </a:ext>
+            </a:extLst>
+          </p:cNvPr>
+          <p:cNvSpPr>
+            <a:spLocks noGrp="1"/>
+          </p:cNvSpPr>
+          <p:nvPr>
+            <p:ph type="body" sz="half" idx="2"/>
+          </p:nvPr>
+        </p:nvSpPr>
+        <p:spPr>
+          <a:xfrm>
+            <a:off x="1141365" y="3191032"/>
+            <a:ext cx="6315511" cy="2492605"/>
+          </a:xfrm>
+        </p:spPr>
+        <p:txBody>
+          <a:bodyPr/>
+          <a:lstStyle/>
+          <a:p>
+            <a:r>
+              <a:rPr lang="en-CA" dirty="0"/>
+              <a:t>Retired Software Guy,</a:t>
+            </a:r>
+            <a:br>
+              <a:rPr lang="en-CA" dirty="0"/>
+            </a:br>
+            <a:r>
+              <a:rPr lang="en-CA" dirty="0"/>
+              <a:t>Software &amp; Hardware Hobbyist</a:t>
+            </a:r>
+          </a:p>
+          <a:p>
+            <a:r>
+              <a:rPr lang="en-CA" dirty="0">
+                <a:hlinkClick r:id="rId3"/>
+              </a:rPr>
+              <a:t>https://lenp.net/</a:t>
+            </a:r>
+            <a:endParaRPr lang="en-CA" dirty="0"/>
+          </a:p>
+        </p:txBody>
+      </p:sp>
+      <p:sp>
+        <p:nvSpPr>
+          <p:cNvPr id="5" name="Footer Placeholder 4">
+            <a:extLst>
+              <a:ext uri="{FF2B5EF4-FFF2-40B4-BE49-F238E27FC236}">
+                <a16:creationId xmlns:a16="http://schemas.microsoft.com/office/drawing/2014/main" id="{850F3115-32BE-8769-4AF2-BACF793AFF59}"/>
+              </a:ext>
+            </a:extLst>
+          </p:cNvPr>
+          <p:cNvSpPr>
+            <a:spLocks noGrp="1"/>
+          </p:cNvSpPr>
+          <p:nvPr>
+            <p:ph type="ftr" sz="quarter" idx="11"/>
+          </p:nvPr>
+        </p:nvSpPr>
+        <p:spPr>
+          <a:xfrm>
+            <a:off x="1141411" y="5883275"/>
+            <a:ext cx="6239309" cy="365125"/>
+          </a:xfrm>
+        </p:spPr>
+        <p:txBody>
+          <a:bodyPr/>
+          <a:lstStyle/>
+          <a:p>
+            <a:r>
+              <a:rPr lang="en-US"/>
+              <a:t>Len Popp – https://lenp.net/presentations/</a:t>
+            </a:r>
+            <a:endParaRPr lang="en-US" dirty="0"/>
+          </a:p>
+        </p:txBody>
+      </p:sp>
+      <p:sp>
+        <p:nvSpPr>
+          <p:cNvPr id="4" name="Date Placeholder 3">
+            <a:extLst>
+              <a:ext uri="{FF2B5EF4-FFF2-40B4-BE49-F238E27FC236}">
+                <a16:creationId xmlns:a16="http://schemas.microsoft.com/office/drawing/2014/main" id="{FAA81F83-FAC6-84E2-344A-C91DE5622DAA}"/>
+              </a:ext>
+            </a:extLst>
+          </p:cNvPr>
+          <p:cNvSpPr>
+            <a:spLocks noGrp="1"/>
+          </p:cNvSpPr>
+          <p:nvPr>
+            <p:ph type="dt" sz="half" idx="10"/>
+          </p:nvPr>
+        </p:nvSpPr>
+        <p:spPr>
+          <a:xfrm>
+            <a:off x="7456921" y="5883276"/>
+            <a:ext cx="2743200" cy="365125"/>
+          </a:xfrm>
+        </p:spPr>
+        <p:txBody>
+          <a:bodyPr/>
+          <a:lstStyle/>
+          <a:p>
+            <a:r>
+              <a:rPr lang="en-US"/>
+              <a:t>2025-08-30</a:t>
+            </a:r>
+            <a:endParaRPr lang="en-US" dirty="0"/>
+          </a:p>
+        </p:txBody>
+      </p:sp>
+      <p:sp>
+        <p:nvSpPr>
+          <p:cNvPr id="6" name="Slide Number Placeholder 5">
+            <a:extLst>
+              <a:ext uri="{FF2B5EF4-FFF2-40B4-BE49-F238E27FC236}">
+                <a16:creationId xmlns:a16="http://schemas.microsoft.com/office/drawing/2014/main" id="{85FBB39C-4AB8-9090-95AB-CA01F6A4C778}"/>
+              </a:ext>
+            </a:extLst>
+          </p:cNvPr>
+          <p:cNvSpPr>
+            <a:spLocks noGrp="1"/>
+          </p:cNvSpPr>
+          <p:nvPr>
+            <p:ph type="sldNum" sz="quarter" idx="12"/>
+          </p:nvPr>
+        </p:nvSpPr>
+        <p:spPr>
+          <a:xfrm>
+            <a:off x="10276321" y="5883274"/>
+            <a:ext cx="771089" cy="365125"/>
+          </a:xfrm>
+        </p:spPr>
+        <p:txBody>
+          <a:bodyPr/>
+          <a:lstStyle/>
+          <a:p>
+            <a:fld id="{6D22F896-40B5-4ADD-8801-0D06FADFA095}" type="slidenum">
+              <a:rPr lang="en-US" smtClean="0"/>
+              <a:pPr/>
+              <a:t>2</a:t>
+            </a:fld>
+            <a:endParaRPr lang="en-US" dirty="0"/>
+          </a:p>
+        </p:txBody>
+      </p:sp>
+      <p:pic>
+        <p:nvPicPr>
+          <p:cNvPr id="14" name="Picture Placeholder 13">
+            <a:extLst>
+              <a:ext uri="{FF2B5EF4-FFF2-40B4-BE49-F238E27FC236}">
+                <a16:creationId xmlns:a16="http://schemas.microsoft.com/office/drawing/2014/main" id="{6819D260-6640-0D0F-D819-3CE8E747155D}"/>
+              </a:ext>
+              <a:ext uri="{C183D7F6-B498-43B3-948B-1728B52AA6E4}">
+                <adec:decorative xmlns:adec="http://schemas.microsoft.com/office/drawing/2017/decorative" val="1"/>
+              </a:ext>
+            </a:extLst>
+          </p:cNvPr>
+          <p:cNvPicPr>
+            <a:picLocks noGrp="1" noChangeAspect="1"/>
+          </p:cNvPicPr>
+          <p:nvPr>
+            <p:ph type="pic" idx="1"/>
+          </p:nvPr>
+        </p:nvPicPr>
+        <p:blipFill>
+          <a:blip r:embed="rId4"/>
+          <a:srcRect l="1050" r="1050"/>
+          <a:stretch/>
+        </p:blipFill>
+        <p:spPr>
+          <a:xfrm>
+            <a:off x="7549636" y="820197"/>
+            <a:ext cx="3570347" cy="4863439"/>
+          </a:xfrm>
+        </p:spPr>
+      </p:pic>
+    </p:spTree>
+    <p:extLst>
+      <p:ext uri="{BB962C8B-B14F-4D97-AF65-F5344CB8AC3E}">
+        <p14:creationId xmlns:p14="http://schemas.microsoft.com/office/powerpoint/2010/main" val="218761243"/>
+      </p:ext>
+    </p:extLst>
+  </p:cSld>
+  <p:clrMapOvr>
+    <a:masterClrMapping/>
+  </p:clrMapOvr>
+  <mc:AlternateContent xmlns:mc="http://schemas.openxmlformats.org/markup-compatibility/2006" xmlns:p14="http://schemas.microsoft.com/office/powerpoint/2010/main">
+    <mc:Choice Requires="p14">
+      <p:transition p14:dur="250">
+        <p:fade/>
+      </p:transition>
+    </mc:Choice>
+    <mc:Fallback xmlns="">
+      <p:transition>
+        <p:fade/>
+      </p:transition>
+    </mc:Fallback>
+  </mc:AlternateContent>
+</p:sld>
+</file>
+
+<file path=ppt/slides/slide20.xml><?xml version="1.0" encoding="utf-8"?>
+<p:sld xmlns:a="http://schemas.openxmlformats.org/drawingml/2006/main" xmlns:r="http://schemas.openxmlformats.org/officeDocument/2006/relationships" xmlns:p="http://schemas.openxmlformats.org/presentationml/2006/main" showMasterPhAnim="0">
+  <p:cSld>
+    <p:spTree>
+      <p:nvGrpSpPr>
+        <p:cNvPr id="1" name=""/>
+        <p:cNvGrpSpPr/>
+        <p:nvPr/>
+      </p:nvGrpSpPr>
+      <p:grpSpPr>
+        <a:xfrm>
+          <a:off x="0" y="0"/>
+          <a:ext cx="0" cy="0"/>
+          <a:chOff x="0" y="0"/>
+          <a:chExt cx="0" cy="0"/>
+        </a:xfrm>
+      </p:grpSpPr>
+      <p:sp>
+        <p:nvSpPr>
           <p:cNvPr id="2" name="Title 1">
             <a:extLst>
               <a:ext uri="{FF2B5EF4-FFF2-40B4-BE49-F238E27FC236}">
@@ -25417,8 +26036,8 @@
           <a:lstStyle/>
           <a:p>
             <a:r>
-              <a:rPr lang="en-CA"/>
-              <a:t>2025-05-15</a:t>
+              <a:rPr lang="en-US"/>
+              <a:t>2025-08-30</a:t>
             </a:r>
             <a:endParaRPr lang="en-US" dirty="0"/>
           </a:p>
@@ -25447,7 +26066,7 @@
           <a:p>
             <a:fld id="{6D22F896-40B5-4ADD-8801-0D06FADFA095}" type="slidenum">
               <a:rPr lang="en-US" smtClean="0"/>
-              <a:t>19</a:t>
+              <a:t>20</a:t>
             </a:fld>
             <a:endParaRPr lang="en-US" dirty="0"/>
           </a:p>
@@ -25669,7 +26288,7 @@
 </p:sld>
 </file>
 
-<file path=ppt/slides/slide2.xml><?xml version="1.0" encoding="utf-8"?>
+<file path=ppt/slides/slide21.xml><?xml version="1.0" encoding="utf-8"?>
 <p:sld xmlns:a="http://schemas.openxmlformats.org/drawingml/2006/main" xmlns:r="http://schemas.openxmlformats.org/officeDocument/2006/relationships" xmlns:p="http://schemas.openxmlformats.org/presentationml/2006/main" showMasterPhAnim="0">
   <p:cSld>
     <p:spTree>
@@ -25688,265 +26307,6 @@
       </p:grpSpPr>
       <p:sp>
         <p:nvSpPr>
-          <p:cNvPr id="7" name="Title 6">
-            <a:extLst>
-              <a:ext uri="{FF2B5EF4-FFF2-40B4-BE49-F238E27FC236}">
-                <a16:creationId xmlns:a16="http://schemas.microsoft.com/office/drawing/2014/main" id="{27F1B507-70EF-E8B3-7029-D5C67E377BA1}"/>
-              </a:ext>
-            </a:extLst>
-          </p:cNvPr>
-          <p:cNvSpPr>
-            <a:spLocks noGrp="1"/>
-          </p:cNvSpPr>
-          <p:nvPr>
-            <p:ph type="title"/>
-          </p:nvPr>
-        </p:nvSpPr>
-        <p:spPr>
-          <a:xfrm>
-            <a:off x="1141412" y="2137893"/>
-            <a:ext cx="6315510" cy="853502"/>
-          </a:xfrm>
-        </p:spPr>
-        <p:txBody>
-          <a:bodyPr/>
-          <a:lstStyle/>
-          <a:p>
-            <a:r>
-              <a:rPr lang="en-CA"/>
-              <a:t>Len Popp</a:t>
-            </a:r>
-            <a:endParaRPr lang="en-CA" dirty="0"/>
-          </a:p>
-        </p:txBody>
-      </p:sp>
-      <p:sp>
-        <p:nvSpPr>
-          <p:cNvPr id="8" name="Text Placeholder 7">
-            <a:extLst>
-              <a:ext uri="{FF2B5EF4-FFF2-40B4-BE49-F238E27FC236}">
-                <a16:creationId xmlns:a16="http://schemas.microsoft.com/office/drawing/2014/main" id="{A84DA69B-45B2-174B-2BC4-B9CE006BFF6B}"/>
-              </a:ext>
-            </a:extLst>
-          </p:cNvPr>
-          <p:cNvSpPr>
-            <a:spLocks noGrp="1"/>
-          </p:cNvSpPr>
-          <p:nvPr>
-            <p:ph type="body" sz="half" idx="2"/>
-          </p:nvPr>
-        </p:nvSpPr>
-        <p:spPr>
-          <a:xfrm>
-            <a:off x="1141365" y="3191032"/>
-            <a:ext cx="6315511" cy="2492605"/>
-          </a:xfrm>
-        </p:spPr>
-        <p:txBody>
-          <a:bodyPr/>
-          <a:lstStyle/>
-          <a:p>
-            <a:r>
-              <a:rPr lang="en-CA" dirty="0"/>
-              <a:t>Retired Software Guy,</a:t>
-            </a:r>
-            <a:br>
-              <a:rPr lang="en-CA" dirty="0"/>
-            </a:br>
-            <a:r>
-              <a:rPr lang="en-CA" dirty="0"/>
-              <a:t>Software &amp; Hardware Hobbyist</a:t>
-            </a:r>
-          </a:p>
-          <a:p>
-            <a:r>
-              <a:rPr lang="en-CA" dirty="0">
-                <a:hlinkClick r:id="rId3"/>
-              </a:rPr>
-              <a:t>https://lenp.net/</a:t>
-            </a:r>
-            <a:endParaRPr lang="en-CA" dirty="0"/>
-          </a:p>
-        </p:txBody>
-      </p:sp>
-      <p:sp>
-        <p:nvSpPr>
-          <p:cNvPr id="5" name="Footer Placeholder 4">
-            <a:extLst>
-              <a:ext uri="{FF2B5EF4-FFF2-40B4-BE49-F238E27FC236}">
-                <a16:creationId xmlns:a16="http://schemas.microsoft.com/office/drawing/2014/main" id="{850F3115-32BE-8769-4AF2-BACF793AFF59}"/>
-              </a:ext>
-            </a:extLst>
-          </p:cNvPr>
-          <p:cNvSpPr>
-            <a:spLocks noGrp="1"/>
-          </p:cNvSpPr>
-          <p:nvPr>
-            <p:ph type="ftr" sz="quarter" idx="11"/>
-          </p:nvPr>
-        </p:nvSpPr>
-        <p:spPr>
-          <a:xfrm>
-            <a:off x="1141411" y="5883275"/>
-            <a:ext cx="6239309" cy="365125"/>
-          </a:xfrm>
-        </p:spPr>
-        <p:txBody>
-          <a:bodyPr/>
-          <a:lstStyle/>
-          <a:p>
-            <a:r>
-              <a:rPr lang="en-US"/>
-              <a:t>Len Popp – https://lenp.net/presentations/</a:t>
-            </a:r>
-            <a:endParaRPr lang="en-US" dirty="0"/>
-          </a:p>
-        </p:txBody>
-      </p:sp>
-      <p:sp>
-        <p:nvSpPr>
-          <p:cNvPr id="4" name="Date Placeholder 3">
-            <a:extLst>
-              <a:ext uri="{FF2B5EF4-FFF2-40B4-BE49-F238E27FC236}">
-                <a16:creationId xmlns:a16="http://schemas.microsoft.com/office/drawing/2014/main" id="{FAA81F83-FAC6-84E2-344A-C91DE5622DAA}"/>
-              </a:ext>
-            </a:extLst>
-          </p:cNvPr>
-          <p:cNvSpPr>
-            <a:spLocks noGrp="1"/>
-          </p:cNvSpPr>
-          <p:nvPr>
-            <p:ph type="dt" sz="half" idx="10"/>
-          </p:nvPr>
-        </p:nvSpPr>
-        <p:spPr>
-          <a:xfrm>
-            <a:off x="7456921" y="5883276"/>
-            <a:ext cx="2743200" cy="365125"/>
-          </a:xfrm>
-        </p:spPr>
-        <p:txBody>
-          <a:bodyPr/>
-          <a:lstStyle/>
-          <a:p>
-            <a:r>
-              <a:rPr lang="en-CA"/>
-              <a:t>2025-05-15</a:t>
-            </a:r>
-            <a:endParaRPr lang="en-US" dirty="0"/>
-          </a:p>
-        </p:txBody>
-      </p:sp>
-      <p:sp>
-        <p:nvSpPr>
-          <p:cNvPr id="6" name="Slide Number Placeholder 5">
-            <a:extLst>
-              <a:ext uri="{FF2B5EF4-FFF2-40B4-BE49-F238E27FC236}">
-                <a16:creationId xmlns:a16="http://schemas.microsoft.com/office/drawing/2014/main" id="{85FBB39C-4AB8-9090-95AB-CA01F6A4C778}"/>
-              </a:ext>
-            </a:extLst>
-          </p:cNvPr>
-          <p:cNvSpPr>
-            <a:spLocks noGrp="1"/>
-          </p:cNvSpPr>
-          <p:nvPr>
-            <p:ph type="sldNum" sz="quarter" idx="12"/>
-          </p:nvPr>
-        </p:nvSpPr>
-        <p:spPr>
-          <a:xfrm>
-            <a:off x="10276321" y="5883274"/>
-            <a:ext cx="771089" cy="365125"/>
-          </a:xfrm>
-        </p:spPr>
-        <p:txBody>
-          <a:bodyPr/>
-          <a:lstStyle/>
-          <a:p>
-            <a:fld id="{6D22F896-40B5-4ADD-8801-0D06FADFA095}" type="slidenum">
-              <a:rPr lang="en-US" smtClean="0"/>
-              <a:pPr/>
-              <a:t>2</a:t>
-            </a:fld>
-            <a:endParaRPr lang="en-US" dirty="0"/>
-          </a:p>
-        </p:txBody>
-      </p:sp>
-      <p:pic>
-        <p:nvPicPr>
-          <p:cNvPr id="14" name="Picture Placeholder 13">
-            <a:extLst>
-              <a:ext uri="{FF2B5EF4-FFF2-40B4-BE49-F238E27FC236}">
-                <a16:creationId xmlns:a16="http://schemas.microsoft.com/office/drawing/2014/main" id="{6819D260-6640-0D0F-D819-3CE8E747155D}"/>
-              </a:ext>
-              <a:ext uri="{C183D7F6-B498-43B3-948B-1728B52AA6E4}">
-                <adec:decorative xmlns:adec="http://schemas.microsoft.com/office/drawing/2017/decorative" val="1"/>
-              </a:ext>
-            </a:extLst>
-          </p:cNvPr>
-          <p:cNvPicPr>
-            <a:picLocks noGrp="1" noChangeAspect="1"/>
-          </p:cNvPicPr>
-          <p:nvPr>
-            <p:ph type="pic" idx="1"/>
-          </p:nvPr>
-        </p:nvPicPr>
-        <p:blipFill>
-          <a:blip r:embed="rId4"/>
-          <a:srcRect l="1050" r="1050"/>
-          <a:stretch/>
-        </p:blipFill>
-        <p:spPr>
-          <a:xfrm>
-            <a:off x="7549636" y="820197"/>
-            <a:ext cx="3570347" cy="4863439"/>
-          </a:xfrm>
-        </p:spPr>
-      </p:pic>
-    </p:spTree>
-    <p:extLst>
-      <p:ext uri="{BB962C8B-B14F-4D97-AF65-F5344CB8AC3E}">
-        <p14:creationId xmlns:p14="http://schemas.microsoft.com/office/powerpoint/2010/main" val="218761243"/>
-      </p:ext>
-    </p:extLst>
-  </p:cSld>
-  <p:clrMapOvr>
-    <a:masterClrMapping/>
-  </p:clrMapOvr>
-  <mc:AlternateContent xmlns:mc="http://schemas.openxmlformats.org/markup-compatibility/2006" xmlns:p14="http://schemas.microsoft.com/office/powerpoint/2010/main">
-    <mc:Choice Requires="p14">
-      <p:transition p14:dur="250">
-        <p:fade/>
-      </p:transition>
-    </mc:Choice>
-    <mc:Fallback xmlns="">
-      <p:transition>
-        <p:fade/>
-      </p:transition>
-    </mc:Fallback>
-  </mc:AlternateContent>
-</p:sld>
-</file>
-
-<file path=ppt/slides/slide20.xml><?xml version="1.0" encoding="utf-8"?>
-<p:sld xmlns:a="http://schemas.openxmlformats.org/drawingml/2006/main" xmlns:r="http://schemas.openxmlformats.org/officeDocument/2006/relationships" xmlns:p="http://schemas.openxmlformats.org/presentationml/2006/main" showMasterPhAnim="0">
-  <p:cSld>
-    <p:spTree>
-      <p:nvGrpSpPr>
-        <p:cNvPr id="1" name=""/>
-        <p:cNvGrpSpPr/>
-        <p:nvPr/>
-      </p:nvGrpSpPr>
-      <p:grpSpPr>
-        <a:xfrm>
-          <a:off x="0" y="0"/>
-          <a:ext cx="0" cy="0"/>
-          <a:chOff x="0" y="0"/>
-          <a:chExt cx="0" cy="0"/>
-        </a:xfrm>
-      </p:grpSpPr>
-      <p:sp>
-        <p:nvSpPr>
           <p:cNvPr id="2" name="Title 1">
             <a:extLst>
               <a:ext uri="{FF2B5EF4-FFF2-40B4-BE49-F238E27FC236}">
@@ -26370,9 +26730,10 @@
           <a:lstStyle/>
           <a:p>
             <a:r>
-              <a:rPr lang="en-CA"/>
-              <a:t>2025-05-15</a:t>
-            </a:r>
+              <a:rPr lang="en-US"/>
+              <a:t>2025-08-30</a:t>
+            </a:r>
+            <a:endParaRPr lang="en-CA"/>
           </a:p>
         </p:txBody>
       </p:sp>
@@ -26400,7 +26761,7 @@
             <a:fld id="{03CAD6FD-F4AA-4D77-ABCA-ABE0330C7D32}" type="slidenum">
               <a:rPr lang="en-CA" smtClean="0"/>
               <a:pPr/>
-              <a:t>20</a:t>
+              <a:t>21</a:t>
             </a:fld>
             <a:endParaRPr lang="en-CA"/>
           </a:p>
@@ -27086,7 +27447,7 @@
 </p:sld>
 </file>
 
-<file path=ppt/slides/slide21.xml><?xml version="1.0" encoding="utf-8"?>
+<file path=ppt/slides/slide22.xml><?xml version="1.0" encoding="utf-8"?>
 <p:sld xmlns:a="http://schemas.openxmlformats.org/drawingml/2006/main" xmlns:r="http://schemas.openxmlformats.org/officeDocument/2006/relationships" xmlns:p="http://schemas.openxmlformats.org/presentationml/2006/main">
   <p:cSld>
     <p:spTree>
@@ -27380,9 +27741,10 @@
           <a:lstStyle/>
           <a:p>
             <a:r>
-              <a:rPr lang="en-CA"/>
-              <a:t>2025-05-15</a:t>
-            </a:r>
+              <a:rPr lang="en-US"/>
+              <a:t>2025-08-30</a:t>
+            </a:r>
+            <a:endParaRPr lang="en-CA"/>
           </a:p>
         </p:txBody>
       </p:sp>
@@ -27415,7 +27777,7 @@
             <a:fld id="{03CAD6FD-F4AA-4D77-ABCA-ABE0330C7D32}" type="slidenum">
               <a:rPr lang="en-CA" smtClean="0"/>
               <a:pPr/>
-              <a:t>21</a:t>
+              <a:t>22</a:t>
             </a:fld>
             <a:endParaRPr lang="en-CA"/>
           </a:p>
@@ -27434,7 +27796,7 @@
 </p:sld>
 </file>
 
-<file path=ppt/slides/slide22.xml><?xml version="1.0" encoding="utf-8"?>
+<file path=ppt/slides/slide23.xml><?xml version="1.0" encoding="utf-8"?>
 <p:sld xmlns:a="http://schemas.openxmlformats.org/drawingml/2006/main" xmlns:r="http://schemas.openxmlformats.org/officeDocument/2006/relationships" xmlns:p="http://schemas.openxmlformats.org/presentationml/2006/main" showMasterPhAnim="0">
   <p:cSld>
     <p:spTree>
@@ -27861,9 +28223,10 @@
           <a:lstStyle/>
           <a:p>
             <a:r>
-              <a:rPr lang="en-CA"/>
-              <a:t>2025-05-15</a:t>
-            </a:r>
+              <a:rPr lang="en-US"/>
+              <a:t>2025-08-30</a:t>
+            </a:r>
+            <a:endParaRPr lang="en-CA"/>
           </a:p>
         </p:txBody>
       </p:sp>
@@ -27890,7 +28253,7 @@
           <a:p>
             <a:fld id="{03CAD6FD-F4AA-4D77-ABCA-ABE0330C7D32}" type="slidenum">
               <a:rPr lang="en-CA" smtClean="0"/>
-              <a:t>22</a:t>
+              <a:t>23</a:t>
             </a:fld>
             <a:endParaRPr lang="en-CA"/>
           </a:p>
@@ -28957,7 +29320,7 @@
 </p:sld>
 </file>
 
-<file path=ppt/slides/slide23.xml><?xml version="1.0" encoding="utf-8"?>
+<file path=ppt/slides/slide24.xml><?xml version="1.0" encoding="utf-8"?>
 <p:sld xmlns:a="http://schemas.openxmlformats.org/drawingml/2006/main" xmlns:r="http://schemas.openxmlformats.org/officeDocument/2006/relationships" xmlns:p="http://schemas.openxmlformats.org/presentationml/2006/main">
   <p:cSld>
     <p:spTree>
@@ -29001,7 +29364,7 @@
           <a:lstStyle/>
           <a:p>
             <a:r>
-              <a:rPr lang="en-US"/>
+              <a:rPr lang="en-US" dirty="0"/>
               <a:t>How-To Summary</a:t>
             </a:r>
           </a:p>
@@ -29184,9 +29547,10 @@
           <a:lstStyle/>
           <a:p>
             <a:r>
-              <a:rPr lang="en-CA"/>
-              <a:t>2025-05-15</a:t>
-            </a:r>
+              <a:rPr lang="en-US"/>
+              <a:t>2025-08-30</a:t>
+            </a:r>
+            <a:endParaRPr lang="en-CA"/>
           </a:p>
         </p:txBody>
       </p:sp>
@@ -29219,7 +29583,7 @@
             <a:fld id="{03CAD6FD-F4AA-4D77-ABCA-ABE0330C7D32}" type="slidenum">
               <a:rPr lang="en-CA" smtClean="0"/>
               <a:pPr/>
-              <a:t>23</a:t>
+              <a:t>24</a:t>
             </a:fld>
             <a:endParaRPr lang="en-CA"/>
           </a:p>
@@ -29238,7 +29602,7 @@
 </p:sld>
 </file>
 
-<file path=ppt/slides/slide24.xml><?xml version="1.0" encoding="utf-8"?>
+<file path=ppt/slides/slide25.xml><?xml version="1.0" encoding="utf-8"?>
 <p:sld xmlns:a="http://schemas.openxmlformats.org/drawingml/2006/main" xmlns:r="http://schemas.openxmlformats.org/officeDocument/2006/relationships" xmlns:p="http://schemas.openxmlformats.org/presentationml/2006/main" showMasterPhAnim="0">
   <p:cSld>
     <p:spTree>
@@ -29408,9 +29772,10 @@
           <a:lstStyle/>
           <a:p>
             <a:r>
-              <a:rPr lang="en-CA"/>
-              <a:t>2025-05-15</a:t>
-            </a:r>
+              <a:rPr lang="en-US"/>
+              <a:t>2025-08-30</a:t>
+            </a:r>
+            <a:endParaRPr lang="en-CA"/>
           </a:p>
         </p:txBody>
       </p:sp>
@@ -29437,7 +29802,7 @@
           <a:p>
             <a:fld id="{03CAD6FD-F4AA-4D77-ABCA-ABE0330C7D32}" type="slidenum">
               <a:rPr lang="en-CA" smtClean="0"/>
-              <a:t>24</a:t>
+              <a:t>25</a:t>
             </a:fld>
             <a:endParaRPr lang="en-CA"/>
           </a:p>
@@ -29776,7 +30141,7 @@
 </p:sld>
 </file>
 
-<file path=ppt/slides/slide25.xml><?xml version="1.0" encoding="utf-8"?>
+<file path=ppt/slides/slide26.xml><?xml version="1.0" encoding="utf-8"?>
 <p:sld xmlns:a="http://schemas.openxmlformats.org/drawingml/2006/main" xmlns:r="http://schemas.openxmlformats.org/officeDocument/2006/relationships" xmlns:p="http://schemas.openxmlformats.org/presentationml/2006/main" showMasterPhAnim="0">
   <p:cSld>
     <p:spTree>
@@ -29900,9 +30265,10 @@
           <a:lstStyle/>
           <a:p>
             <a:r>
-              <a:rPr lang="en-CA"/>
-              <a:t>2025-05-15</a:t>
-            </a:r>
+              <a:rPr lang="en-US"/>
+              <a:t>2025-08-30</a:t>
+            </a:r>
+            <a:endParaRPr lang="en-CA"/>
           </a:p>
         </p:txBody>
       </p:sp>
@@ -29929,7 +30295,7 @@
           <a:p>
             <a:fld id="{03CAD6FD-F4AA-4D77-ABCA-ABE0330C7D32}" type="slidenum">
               <a:rPr lang="en-CA" smtClean="0"/>
-              <a:t>25</a:t>
+              <a:t>26</a:t>
             </a:fld>
             <a:endParaRPr lang="en-CA"/>
           </a:p>
@@ -30545,7 +30911,7 @@
 </p:sld>
 </file>
 
-<file path=ppt/slides/slide26.xml><?xml version="1.0" encoding="utf-8"?>
+<file path=ppt/slides/slide27.xml><?xml version="1.0" encoding="utf-8"?>
 <p:sld xmlns:a="http://schemas.openxmlformats.org/drawingml/2006/main" xmlns:r="http://schemas.openxmlformats.org/officeDocument/2006/relationships" xmlns:p="http://schemas.openxmlformats.org/presentationml/2006/main">
   <p:cSld>
     <p:spTree>
@@ -30567,6 +30933,240 @@
           <p:cNvPr id="2" name="Title 1">
             <a:extLst>
               <a:ext uri="{FF2B5EF4-FFF2-40B4-BE49-F238E27FC236}">
+                <a16:creationId xmlns:a16="http://schemas.microsoft.com/office/drawing/2014/main" id="{64910CF5-DAD0-BB98-DBE4-A788298042F1}"/>
+              </a:ext>
+            </a:extLst>
+          </p:cNvPr>
+          <p:cNvSpPr>
+            <a:spLocks noGrp="1"/>
+          </p:cNvSpPr>
+          <p:nvPr>
+            <p:ph type="title"/>
+          </p:nvPr>
+        </p:nvSpPr>
+        <p:spPr/>
+        <p:txBody>
+          <a:bodyPr/>
+          <a:lstStyle/>
+          <a:p>
+            <a:r>
+              <a:rPr lang="en-CA" dirty="0"/>
+              <a:t>What’s Wrong With This?</a:t>
+            </a:r>
+          </a:p>
+        </p:txBody>
+      </p:sp>
+      <p:sp>
+        <p:nvSpPr>
+          <p:cNvPr id="3" name="Content Placeholder 2">
+            <a:extLst>
+              <a:ext uri="{FF2B5EF4-FFF2-40B4-BE49-F238E27FC236}">
+                <a16:creationId xmlns:a16="http://schemas.microsoft.com/office/drawing/2014/main" id="{45C4B427-33DB-B0D3-C1D3-D9D43588D728}"/>
+              </a:ext>
+            </a:extLst>
+          </p:cNvPr>
+          <p:cNvSpPr>
+            <a:spLocks noGrp="1"/>
+          </p:cNvSpPr>
+          <p:nvPr>
+            <p:ph idx="1"/>
+          </p:nvPr>
+        </p:nvSpPr>
+        <p:spPr/>
+        <p:txBody>
+          <a:bodyPr>
+            <a:normAutofit lnSpcReduction="10000"/>
+          </a:bodyPr>
+          <a:lstStyle/>
+          <a:p>
+            <a:r>
+              <a:rPr lang="en-CA" dirty="0"/>
+              <a:t>Doesn’t work with files that are not “built”</a:t>
+            </a:r>
+          </a:p>
+          <a:p>
+            <a:pPr lvl="1"/>
+            <a:r>
+              <a:rPr lang="en-CA" dirty="0"/>
+              <a:t>And that can’t easily be post-processed</a:t>
+            </a:r>
+          </a:p>
+          <a:p>
+            <a:pPr lvl="1"/>
+            <a:r>
+              <a:rPr lang="en-CA" dirty="0"/>
+              <a:t>Typically don’t support include files</a:t>
+            </a:r>
+          </a:p>
+          <a:p>
+            <a:r>
+              <a:rPr lang="en-CA" dirty="0"/>
+              <a:t>Examples:</a:t>
+            </a:r>
+          </a:p>
+          <a:p>
+            <a:pPr lvl="1"/>
+            <a:r>
+              <a:rPr lang="en-CA" dirty="0"/>
+              <a:t>Word documents</a:t>
+            </a:r>
+          </a:p>
+          <a:p>
+            <a:pPr lvl="1"/>
+            <a:r>
+              <a:rPr lang="en-CA" dirty="0"/>
+              <a:t>Hardware designs</a:t>
+            </a:r>
+          </a:p>
+          <a:p>
+            <a:pPr lvl="2"/>
+            <a:r>
+              <a:rPr lang="en-CA" dirty="0"/>
+              <a:t>KiCad – Electronics schematic &amp; PCB CAD</a:t>
+            </a:r>
+          </a:p>
+          <a:p>
+            <a:r>
+              <a:rPr lang="en-CA" dirty="0"/>
+              <a:t>Some version numbers must still be updated manually 😥</a:t>
+            </a:r>
+          </a:p>
+        </p:txBody>
+      </p:sp>
+      <p:sp>
+        <p:nvSpPr>
+          <p:cNvPr id="4" name="Footer Placeholder 3">
+            <a:extLst>
+              <a:ext uri="{FF2B5EF4-FFF2-40B4-BE49-F238E27FC236}">
+                <a16:creationId xmlns:a16="http://schemas.microsoft.com/office/drawing/2014/main" id="{A5FF4AB6-4E8A-2BDE-5CAE-1AF120BECFF5}"/>
+              </a:ext>
+            </a:extLst>
+          </p:cNvPr>
+          <p:cNvSpPr>
+            <a:spLocks noGrp="1"/>
+          </p:cNvSpPr>
+          <p:nvPr>
+            <p:ph type="ftr" sz="quarter" idx="11"/>
+          </p:nvPr>
+        </p:nvSpPr>
+        <p:spPr/>
+        <p:txBody>
+          <a:bodyPr/>
+          <a:lstStyle/>
+          <a:p>
+            <a:r>
+              <a:rPr lang="en-US"/>
+              <a:t>Len Popp – https://lenp.net/presentations/</a:t>
+            </a:r>
+            <a:endParaRPr lang="en-US" dirty="0"/>
+          </a:p>
+        </p:txBody>
+      </p:sp>
+      <p:sp>
+        <p:nvSpPr>
+          <p:cNvPr id="5" name="Date Placeholder 4">
+            <a:extLst>
+              <a:ext uri="{FF2B5EF4-FFF2-40B4-BE49-F238E27FC236}">
+                <a16:creationId xmlns:a16="http://schemas.microsoft.com/office/drawing/2014/main" id="{9737F959-5E87-EDFC-816D-140304A8624C}"/>
+              </a:ext>
+            </a:extLst>
+          </p:cNvPr>
+          <p:cNvSpPr>
+            <a:spLocks noGrp="1"/>
+          </p:cNvSpPr>
+          <p:nvPr>
+            <p:ph type="dt" sz="half" idx="10"/>
+          </p:nvPr>
+        </p:nvSpPr>
+        <p:spPr/>
+        <p:txBody>
+          <a:bodyPr/>
+          <a:lstStyle/>
+          <a:p>
+            <a:r>
+              <a:rPr lang="en-US"/>
+              <a:t>2025-08-30</a:t>
+            </a:r>
+            <a:endParaRPr lang="en-US" dirty="0"/>
+          </a:p>
+        </p:txBody>
+      </p:sp>
+      <p:sp>
+        <p:nvSpPr>
+          <p:cNvPr id="6" name="Slide Number Placeholder 5">
+            <a:extLst>
+              <a:ext uri="{FF2B5EF4-FFF2-40B4-BE49-F238E27FC236}">
+                <a16:creationId xmlns:a16="http://schemas.microsoft.com/office/drawing/2014/main" id="{D4244450-AC46-A5CA-1B8C-1758D2E8720A}"/>
+              </a:ext>
+            </a:extLst>
+          </p:cNvPr>
+          <p:cNvSpPr>
+            <a:spLocks noGrp="1"/>
+          </p:cNvSpPr>
+          <p:nvPr>
+            <p:ph type="sldNum" sz="quarter" idx="12"/>
+          </p:nvPr>
+        </p:nvSpPr>
+        <p:spPr/>
+        <p:txBody>
+          <a:bodyPr/>
+          <a:lstStyle/>
+          <a:p>
+            <a:fld id="{6D22F896-40B5-4ADD-8801-0D06FADFA095}" type="slidenum">
+              <a:rPr lang="en-US" smtClean="0"/>
+              <a:t>27</a:t>
+            </a:fld>
+            <a:endParaRPr lang="en-US" dirty="0"/>
+          </a:p>
+        </p:txBody>
+      </p:sp>
+    </p:spTree>
+    <p:extLst>
+      <p:ext uri="{BB962C8B-B14F-4D97-AF65-F5344CB8AC3E}">
+        <p14:creationId xmlns:p14="http://schemas.microsoft.com/office/powerpoint/2010/main" val="3341632573"/>
+      </p:ext>
+    </p:extLst>
+  </p:cSld>
+  <p:clrMapOvr>
+    <a:masterClrMapping/>
+  </p:clrMapOvr>
+  <mc:AlternateContent xmlns:mc="http://schemas.openxmlformats.org/markup-compatibility/2006" xmlns:p14="http://schemas.microsoft.com/office/powerpoint/2010/main">
+    <mc:Choice Requires="p14">
+      <p:transition p14:dur="250">
+        <p:fade/>
+      </p:transition>
+    </mc:Choice>
+    <mc:Fallback xmlns="">
+      <p:transition>
+        <p:fade/>
+      </p:transition>
+    </mc:Fallback>
+  </mc:AlternateContent>
+</p:sld>
+</file>
+
+<file path=ppt/slides/slide28.xml><?xml version="1.0" encoding="utf-8"?>
+<p:sld xmlns:a="http://schemas.openxmlformats.org/drawingml/2006/main" xmlns:r="http://schemas.openxmlformats.org/officeDocument/2006/relationships" xmlns:p="http://schemas.openxmlformats.org/presentationml/2006/main">
+  <p:cSld>
+    <p:spTree>
+      <p:nvGrpSpPr>
+        <p:cNvPr id="1" name=""/>
+        <p:cNvGrpSpPr/>
+        <p:nvPr/>
+      </p:nvGrpSpPr>
+      <p:grpSpPr>
+        <a:xfrm>
+          <a:off x="0" y="0"/>
+          <a:ext cx="0" cy="0"/>
+          <a:chOff x="0" y="0"/>
+          <a:chExt cx="0" cy="0"/>
+        </a:xfrm>
+      </p:grpSpPr>
+      <p:sp>
+        <p:nvSpPr>
+          <p:cNvPr id="2" name="Title 1">
+            <a:extLst>
+              <a:ext uri="{FF2B5EF4-FFF2-40B4-BE49-F238E27FC236}">
                 <a16:creationId xmlns:a16="http://schemas.microsoft.com/office/drawing/2014/main" id="{3D369C91-054E-A36E-C6D5-67A2AD497123}"/>
               </a:ext>
             </a:extLst>
@@ -30741,9 +31341,10 @@
           <a:lstStyle/>
           <a:p>
             <a:r>
-              <a:rPr lang="en-CA"/>
-              <a:t>2025-05-15</a:t>
-            </a:r>
+              <a:rPr lang="en-US"/>
+              <a:t>2025-08-30</a:t>
+            </a:r>
+            <a:endParaRPr lang="en-CA"/>
           </a:p>
         </p:txBody>
       </p:sp>
@@ -30776,7 +31377,7 @@
             <a:fld id="{03CAD6FD-F4AA-4D77-ABCA-ABE0330C7D32}" type="slidenum">
               <a:rPr lang="en-CA" smtClean="0"/>
               <a:pPr/>
-              <a:t>26</a:t>
+              <a:t>28</a:t>
             </a:fld>
             <a:endParaRPr lang="en-CA"/>
           </a:p>
@@ -30795,7 +31396,7 @@
 </p:sld>
 </file>
 
-<file path=ppt/slides/slide27.xml><?xml version="1.0" encoding="utf-8"?>
+<file path=ppt/slides/slide29.xml><?xml version="1.0" encoding="utf-8"?>
 <p:sld xmlns:a="http://schemas.openxmlformats.org/drawingml/2006/main" xmlns:r="http://schemas.openxmlformats.org/officeDocument/2006/relationships" xmlns:p="http://schemas.openxmlformats.org/presentationml/2006/main" showMasterPhAnim="0">
   <p:cSld>
     <p:spTree>
@@ -30939,8 +31540,8 @@
           <a:lstStyle/>
           <a:p>
             <a:r>
-              <a:rPr lang="en-CA"/>
-              <a:t>2025-05-15</a:t>
+              <a:rPr lang="en-US"/>
+              <a:t>2025-08-30</a:t>
             </a:r>
             <a:endParaRPr lang="en-US" dirty="0"/>
           </a:p>
@@ -30975,7 +31576,7 @@
             <a:fld id="{6D22F896-40B5-4ADD-8801-0D06FADFA095}" type="slidenum">
               <a:rPr lang="en-US" smtClean="0"/>
               <a:pPr/>
-              <a:t>27</a:t>
+              <a:t>29</a:t>
             </a:fld>
             <a:endParaRPr lang="en-US" dirty="0"/>
           </a:p>
@@ -31171,8 +31772,8 @@
           <a:lstStyle/>
           <a:p>
             <a:r>
-              <a:rPr lang="en-CA"/>
-              <a:t>2025-05-15</a:t>
+              <a:rPr lang="en-US"/>
+              <a:t>2025-08-30</a:t>
             </a:r>
             <a:endParaRPr lang="en-US" dirty="0"/>
           </a:p>
@@ -31373,9 +31974,10 @@
           <a:lstStyle/>
           <a:p>
             <a:r>
-              <a:rPr lang="en-CA"/>
-              <a:t>2025-05-15</a:t>
-            </a:r>
+              <a:rPr lang="en-US"/>
+              <a:t>2025-08-30</a:t>
+            </a:r>
+            <a:endParaRPr lang="en-CA"/>
           </a:p>
         </p:txBody>
       </p:sp>
@@ -31570,13 +32172,18 @@
           <a:lstStyle/>
           <a:p>
             <a:r>
-              <a:rPr lang="en-CA">
+              <a:rPr lang="en-US">
                 <a:solidFill>
                   <a:schemeClr val="bg2"/>
                 </a:solidFill>
               </a:rPr>
-              <a:t>2025-05-15</a:t>
-            </a:r>
+              <a:t>2025-08-30</a:t>
+            </a:r>
+            <a:endParaRPr lang="en-CA">
+              <a:solidFill>
+                <a:schemeClr val="bg2"/>
+              </a:solidFill>
+            </a:endParaRPr>
           </a:p>
         </p:txBody>
       </p:sp>
@@ -32267,7 +32874,7 @@
           <p:cNvPr id="2" name="Title 1">
             <a:extLst>
               <a:ext uri="{FF2B5EF4-FFF2-40B4-BE49-F238E27FC236}">
-                <a16:creationId xmlns:a16="http://schemas.microsoft.com/office/drawing/2014/main" id="{E3DA287F-5B9B-89CB-73E9-CA94B82A7DE0}"/>
+                <a16:creationId xmlns:a16="http://schemas.microsoft.com/office/drawing/2014/main" id="{C02EF3E6-A9BA-D3DA-2B4B-1A3142406897}"/>
               </a:ext>
             </a:extLst>
           </p:cNvPr>
@@ -32278,29 +32885,24 @@
             <p:ph type="title"/>
           </p:nvPr>
         </p:nvSpPr>
-        <p:spPr>
-          <a:xfrm>
-            <a:off x="1141413" y="618518"/>
-            <a:ext cx="9905998" cy="1478570"/>
-          </a:xfrm>
-        </p:spPr>
+        <p:spPr/>
         <p:txBody>
           <a:bodyPr/>
           <a:lstStyle/>
           <a:p>
             <a:r>
-              <a:rPr lang="en-US" dirty="0"/>
-              <a:t>Why Version Numbers?</a:t>
+              <a:rPr lang="en-CA" dirty="0"/>
+              <a:t>Examples (Not Software)</a:t>
             </a:r>
           </a:p>
         </p:txBody>
       </p:sp>
       <p:sp>
         <p:nvSpPr>
-          <p:cNvPr id="3" name="Text Placeholder 2">
+          <p:cNvPr id="3" name="Footer Placeholder 2">
             <a:extLst>
               <a:ext uri="{FF2B5EF4-FFF2-40B4-BE49-F238E27FC236}">
-                <a16:creationId xmlns:a16="http://schemas.microsoft.com/office/drawing/2014/main" id="{5D935C71-F656-20D0-A777-B484A7F1E179}"/>
+                <a16:creationId xmlns:a16="http://schemas.microsoft.com/office/drawing/2014/main" id="{210AC6DE-B746-460C-C54C-D09DE407797F}"/>
               </a:ext>
             </a:extLst>
           </p:cNvPr>
@@ -32308,54 +32910,28 @@
             <a:spLocks noGrp="1"/>
           </p:cNvSpPr>
           <p:nvPr>
-            <p:ph type="body" idx="1"/>
-          </p:nvPr>
-        </p:nvSpPr>
-        <p:spPr>
-          <a:xfrm>
-            <a:off x="1141412" y="2249487"/>
-            <a:ext cx="9905999" cy="3541714"/>
-          </a:xfrm>
-        </p:spPr>
+            <p:ph type="ftr" sz="quarter" idx="11"/>
+          </p:nvPr>
+        </p:nvSpPr>
+        <p:spPr/>
         <p:txBody>
           <a:bodyPr/>
           <a:lstStyle/>
           <a:p>
-            <a:pPr lvl="0"/>
-            <a:r>
-              <a:rPr lang="en-CA" dirty="0"/>
-              <a:t>Know which version of software you’re running</a:t>
-            </a:r>
-          </a:p>
-          <a:p>
-            <a:pPr lvl="0"/>
-            <a:r>
-              <a:rPr lang="en-US" dirty="0"/>
-              <a:t>Dependencies</a:t>
-            </a:r>
-          </a:p>
-          <a:p>
-            <a:pPr lvl="0"/>
-            <a:r>
-              <a:rPr lang="en-CA" dirty="0"/>
-              <a:t>Bug reporting/debugging</a:t>
-            </a:r>
-          </a:p>
-          <a:p>
-            <a:pPr lvl="1"/>
-            <a:r>
-              <a:rPr lang="en-CA" dirty="0"/>
-              <a:t>Connect an executable to a particular version of the source code</a:t>
-            </a:r>
+            <a:r>
+              <a:rPr lang="en-US"/>
+              <a:t>Len Popp – https://lenp.net/presentations/</a:t>
+            </a:r>
+            <a:endParaRPr lang="en-US" dirty="0"/>
           </a:p>
         </p:txBody>
       </p:sp>
       <p:sp>
         <p:nvSpPr>
-          <p:cNvPr id="7" name="Footer Placeholder 6">
+          <p:cNvPr id="4" name="Date Placeholder 3">
             <a:extLst>
               <a:ext uri="{FF2B5EF4-FFF2-40B4-BE49-F238E27FC236}">
-                <a16:creationId xmlns:a16="http://schemas.microsoft.com/office/drawing/2014/main" id="{C9EFC51A-4E96-4C4B-CDE2-87C4949F0AA1}"/>
+                <a16:creationId xmlns:a16="http://schemas.microsoft.com/office/drawing/2014/main" id="{45097F22-0336-CC97-8566-E6CF13A7886F}"/>
               </a:ext>
             </a:extLst>
           </p:cNvPr>
@@ -32363,32 +32939,28 @@
             <a:spLocks noGrp="1"/>
           </p:cNvSpPr>
           <p:nvPr>
-            <p:ph type="ftr" sz="quarter" idx="11"/>
-          </p:nvPr>
-        </p:nvSpPr>
-        <p:spPr>
-          <a:xfrm>
-            <a:off x="1141411" y="5883275"/>
-            <a:ext cx="6239309" cy="365125"/>
-          </a:xfrm>
-        </p:spPr>
+            <p:ph type="dt" sz="half" idx="10"/>
+          </p:nvPr>
+        </p:nvSpPr>
+        <p:spPr/>
         <p:txBody>
           <a:bodyPr/>
           <a:lstStyle/>
           <a:p>
             <a:r>
-              <a:rPr lang="en-CA"/>
-              <a:t>Len Popp – https://lenp.net/presentations/</a:t>
-            </a:r>
+              <a:rPr lang="en-US"/>
+              <a:t>2025-08-30</a:t>
+            </a:r>
+            <a:endParaRPr lang="en-US" dirty="0"/>
           </a:p>
         </p:txBody>
       </p:sp>
       <p:sp>
         <p:nvSpPr>
-          <p:cNvPr id="6" name="Date Placeholder 5">
+          <p:cNvPr id="5" name="Slide Number Placeholder 4">
             <a:extLst>
               <a:ext uri="{FF2B5EF4-FFF2-40B4-BE49-F238E27FC236}">
-                <a16:creationId xmlns:a16="http://schemas.microsoft.com/office/drawing/2014/main" id="{DE3F22F5-213A-62BE-75C9-77E64E3FC82D}"/>
+                <a16:creationId xmlns:a16="http://schemas.microsoft.com/office/drawing/2014/main" id="{E948274E-AB82-F65E-7607-DC59D689A9EF}"/>
               </a:ext>
             </a:extLst>
           </p:cNvPr>
@@ -32396,71 +32968,635 @@
             <a:spLocks noGrp="1"/>
           </p:cNvSpPr>
           <p:nvPr>
-            <p:ph type="dt" sz="half" idx="10"/>
-          </p:nvPr>
-        </p:nvSpPr>
-        <p:spPr>
-          <a:xfrm>
-            <a:off x="7456921" y="5883276"/>
-            <a:ext cx="2743200" cy="365125"/>
-          </a:xfrm>
-        </p:spPr>
+            <p:ph type="sldNum" sz="quarter" idx="12"/>
+          </p:nvPr>
+        </p:nvSpPr>
+        <p:spPr/>
         <p:txBody>
           <a:bodyPr/>
           <a:lstStyle/>
           <a:p>
-            <a:r>
-              <a:rPr lang="en-CA"/>
-              <a:t>2025-05-15</a:t>
-            </a:r>
+            <a:fld id="{6D22F896-40B5-4ADD-8801-0D06FADFA095}" type="slidenum">
+              <a:rPr lang="en-US" smtClean="0"/>
+              <a:pPr/>
+              <a:t>6</a:t>
+            </a:fld>
+            <a:endParaRPr lang="en-US" dirty="0"/>
           </a:p>
         </p:txBody>
       </p:sp>
-      <p:sp>
-        <p:nvSpPr>
-          <p:cNvPr id="8" name="Slide Number Placeholder 7">
+      <p:grpSp>
+        <p:nvGrpSpPr>
+          <p:cNvPr id="22" name="Group 21">
             <a:extLst>
               <a:ext uri="{FF2B5EF4-FFF2-40B4-BE49-F238E27FC236}">
-                <a16:creationId xmlns:a16="http://schemas.microsoft.com/office/drawing/2014/main" id="{C11D457D-8790-D5B7-34A8-C2773CA36428}"/>
+                <a16:creationId xmlns:a16="http://schemas.microsoft.com/office/drawing/2014/main" id="{61F0C9E7-0B6A-2C54-6A49-75A87441D2B9}"/>
+              </a:ext>
+              <a:ext uri="{C183D7F6-B498-43B3-948B-1728B52AA6E4}">
+                <adec:decorative xmlns:adec="http://schemas.microsoft.com/office/drawing/2017/decorative" val="1"/>
               </a:ext>
             </a:extLst>
           </p:cNvPr>
-          <p:cNvSpPr>
-            <a:spLocks noGrp="1"/>
-          </p:cNvSpPr>
-          <p:nvPr>
-            <p:ph type="sldNum" sz="quarter" idx="12"/>
-          </p:nvPr>
-        </p:nvSpPr>
-        <p:spPr>
+          <p:cNvGrpSpPr/>
+          <p:nvPr/>
+        </p:nvGrpSpPr>
+        <p:grpSpPr>
           <a:xfrm>
-            <a:off x="10276321" y="5883274"/>
-            <a:ext cx="771089" cy="365125"/>
+            <a:off x="2553369" y="2336036"/>
+            <a:ext cx="6574614" cy="3209089"/>
+            <a:chOff x="2553369" y="2336036"/>
+            <a:chExt cx="6574614" cy="3209089"/>
           </a:xfrm>
-        </p:spPr>
-        <p:txBody>
-          <a:bodyPr/>
-          <a:lstStyle/>
-          <a:p>
-            <a:fld id="{03CAD6FD-F4AA-4D77-ABCA-ABE0330C7D32}" type="slidenum">
-              <a:rPr lang="en-CA" smtClean="0"/>
-              <a:pPr/>
-              <a:t>6</a:t>
-            </a:fld>
-            <a:endParaRPr lang="en-CA"/>
-          </a:p>
-        </p:txBody>
-      </p:sp>
+        </p:grpSpPr>
+        <p:pic>
+          <p:nvPicPr>
+            <p:cNvPr id="10" name="Picture 9" descr="A label on a wifi router">
+              <a:extLst>
+                <a:ext uri="{FF2B5EF4-FFF2-40B4-BE49-F238E27FC236}">
+                  <a16:creationId xmlns:a16="http://schemas.microsoft.com/office/drawing/2014/main" id="{D1D0ABC7-24F2-99ED-1A6E-699BBFE0A0FB}"/>
+                </a:ext>
+              </a:extLst>
+            </p:cNvPr>
+            <p:cNvPicPr>
+              <a:picLocks noChangeAspect="1"/>
+            </p:cNvPicPr>
+            <p:nvPr/>
+          </p:nvPicPr>
+          <p:blipFill>
+            <a:blip r:embed="rId3"/>
+            <a:stretch>
+              <a:fillRect/>
+            </a:stretch>
+          </p:blipFill>
+          <p:spPr>
+            <a:xfrm>
+              <a:off x="2553369" y="2336036"/>
+              <a:ext cx="6418178" cy="3209089"/>
+            </a:xfrm>
+            <a:prstGeom prst="rect">
+              <a:avLst/>
+            </a:prstGeom>
+          </p:spPr>
+        </p:pic>
+        <p:pic>
+          <p:nvPicPr>
+            <p:cNvPr id="21" name="Picture 20">
+              <a:extLst>
+                <a:ext uri="{FF2B5EF4-FFF2-40B4-BE49-F238E27FC236}">
+                  <a16:creationId xmlns:a16="http://schemas.microsoft.com/office/drawing/2014/main" id="{843A5312-1099-231E-CED3-5B91B90902A5}"/>
+                </a:ext>
+                <a:ext uri="{C183D7F6-B498-43B3-948B-1728B52AA6E4}">
+                  <adec:decorative xmlns:adec="http://schemas.microsoft.com/office/drawing/2017/decorative" val="1"/>
+                </a:ext>
+              </a:extLst>
+            </p:cNvPr>
+            <p:cNvPicPr>
+              <a:picLocks noChangeAspect="1"/>
+            </p:cNvPicPr>
+            <p:nvPr/>
+          </p:nvPicPr>
+          <p:blipFill>
+            <a:blip r:embed="rId4"/>
+            <a:stretch>
+              <a:fillRect/>
+            </a:stretch>
+          </p:blipFill>
+          <p:spPr>
+            <a:xfrm rot="21113565">
+              <a:off x="6328291" y="4405905"/>
+              <a:ext cx="2799692" cy="810572"/>
+            </a:xfrm>
+            <a:prstGeom prst="rect">
+              <a:avLst/>
+            </a:prstGeom>
+          </p:spPr>
+        </p:pic>
+      </p:grpSp>
+      <p:grpSp>
+        <p:nvGrpSpPr>
+          <p:cNvPr id="24" name="Group 23">
+            <a:extLst>
+              <a:ext uri="{FF2B5EF4-FFF2-40B4-BE49-F238E27FC236}">
+                <a16:creationId xmlns:a16="http://schemas.microsoft.com/office/drawing/2014/main" id="{685EEC7F-FCC5-CA7F-5BD5-FCC19E99CC5D}"/>
+              </a:ext>
+              <a:ext uri="{C183D7F6-B498-43B3-948B-1728B52AA6E4}">
+                <adec:decorative xmlns:adec="http://schemas.microsoft.com/office/drawing/2017/decorative" val="1"/>
+              </a:ext>
+            </a:extLst>
+          </p:cNvPr>
+          <p:cNvGrpSpPr/>
+          <p:nvPr/>
+        </p:nvGrpSpPr>
+        <p:grpSpPr>
+          <a:xfrm>
+            <a:off x="1871069" y="1997885"/>
+            <a:ext cx="5119278" cy="3841533"/>
+            <a:chOff x="1871069" y="1997885"/>
+            <a:chExt cx="5119278" cy="3841533"/>
+          </a:xfrm>
+        </p:grpSpPr>
+        <p:pic>
+          <p:nvPicPr>
+            <p:cNvPr id="14" name="Picture 13" descr="Part of a circuit schematic">
+              <a:extLst>
+                <a:ext uri="{FF2B5EF4-FFF2-40B4-BE49-F238E27FC236}">
+                  <a16:creationId xmlns:a16="http://schemas.microsoft.com/office/drawing/2014/main" id="{7F2F5484-5762-CDDA-C206-87D81BF8490D}"/>
+                </a:ext>
+              </a:extLst>
+            </p:cNvPr>
+            <p:cNvPicPr>
+              <a:picLocks noChangeAspect="1"/>
+            </p:cNvPicPr>
+            <p:nvPr/>
+          </p:nvPicPr>
+          <p:blipFill>
+            <a:blip r:embed="rId5"/>
+            <a:stretch>
+              <a:fillRect/>
+            </a:stretch>
+          </p:blipFill>
+          <p:spPr>
+            <a:xfrm>
+              <a:off x="1871069" y="1997885"/>
+              <a:ext cx="5119278" cy="3841533"/>
+            </a:xfrm>
+            <a:prstGeom prst="rect">
+              <a:avLst/>
+            </a:prstGeom>
+          </p:spPr>
+        </p:pic>
+        <p:pic>
+          <p:nvPicPr>
+            <p:cNvPr id="23" name="Picture 22">
+              <a:extLst>
+                <a:ext uri="{FF2B5EF4-FFF2-40B4-BE49-F238E27FC236}">
+                  <a16:creationId xmlns:a16="http://schemas.microsoft.com/office/drawing/2014/main" id="{5BD3E025-4962-781D-0CAA-7DE51792CEB2}"/>
+                </a:ext>
+                <a:ext uri="{C183D7F6-B498-43B3-948B-1728B52AA6E4}">
+                  <adec:decorative xmlns:adec="http://schemas.microsoft.com/office/drawing/2017/decorative" val="1"/>
+                </a:ext>
+              </a:extLst>
+            </p:cNvPr>
+            <p:cNvPicPr>
+              <a:picLocks noChangeAspect="1"/>
+            </p:cNvPicPr>
+            <p:nvPr/>
+          </p:nvPicPr>
+          <p:blipFill>
+            <a:blip r:embed="rId4"/>
+            <a:stretch>
+              <a:fillRect/>
+            </a:stretch>
+          </p:blipFill>
+          <p:spPr>
+            <a:xfrm rot="21113565">
+              <a:off x="5350670" y="5326937"/>
+              <a:ext cx="1594723" cy="461707"/>
+            </a:xfrm>
+            <a:prstGeom prst="rect">
+              <a:avLst/>
+            </a:prstGeom>
+          </p:spPr>
+        </p:pic>
+      </p:grpSp>
+      <p:grpSp>
+        <p:nvGrpSpPr>
+          <p:cNvPr id="26" name="Group 25">
+            <a:extLst>
+              <a:ext uri="{FF2B5EF4-FFF2-40B4-BE49-F238E27FC236}">
+                <a16:creationId xmlns:a16="http://schemas.microsoft.com/office/drawing/2014/main" id="{7E212A30-BE2C-8E90-55B7-C850A69822F6}"/>
+              </a:ext>
+              <a:ext uri="{C183D7F6-B498-43B3-948B-1728B52AA6E4}">
+                <adec:decorative xmlns:adec="http://schemas.microsoft.com/office/drawing/2017/decorative" val="1"/>
+              </a:ext>
+            </a:extLst>
+          </p:cNvPr>
+          <p:cNvGrpSpPr/>
+          <p:nvPr/>
+        </p:nvGrpSpPr>
+        <p:grpSpPr>
+          <a:xfrm>
+            <a:off x="1141411" y="1699852"/>
+            <a:ext cx="4740015" cy="3555011"/>
+            <a:chOff x="1141411" y="1699852"/>
+            <a:chExt cx="4968520" cy="3726390"/>
+          </a:xfrm>
+        </p:grpSpPr>
+        <p:pic>
+          <p:nvPicPr>
+            <p:cNvPr id="18" name="Picture 17" descr="A close up of a circuit board">
+              <a:extLst>
+                <a:ext uri="{FF2B5EF4-FFF2-40B4-BE49-F238E27FC236}">
+                  <a16:creationId xmlns:a16="http://schemas.microsoft.com/office/drawing/2014/main" id="{E6168AEC-5CD3-6828-D488-1E0638E32843}"/>
+                </a:ext>
+              </a:extLst>
+            </p:cNvPr>
+            <p:cNvPicPr>
+              <a:picLocks noChangeAspect="1"/>
+            </p:cNvPicPr>
+            <p:nvPr/>
+          </p:nvPicPr>
+          <p:blipFill>
+            <a:blip r:embed="rId6"/>
+            <a:stretch>
+              <a:fillRect/>
+            </a:stretch>
+          </p:blipFill>
+          <p:spPr>
+            <a:xfrm>
+              <a:off x="1141411" y="1699852"/>
+              <a:ext cx="4968520" cy="3726390"/>
+            </a:xfrm>
+            <a:prstGeom prst="rect">
+              <a:avLst/>
+            </a:prstGeom>
+          </p:spPr>
+        </p:pic>
+        <p:pic>
+          <p:nvPicPr>
+            <p:cNvPr id="25" name="Picture 24">
+              <a:extLst>
+                <a:ext uri="{FF2B5EF4-FFF2-40B4-BE49-F238E27FC236}">
+                  <a16:creationId xmlns:a16="http://schemas.microsoft.com/office/drawing/2014/main" id="{2AB8DEBF-5A4F-A64E-FB0E-29424C4AFC1E}"/>
+                </a:ext>
+                <a:ext uri="{C183D7F6-B498-43B3-948B-1728B52AA6E4}">
+                  <adec:decorative xmlns:adec="http://schemas.microsoft.com/office/drawing/2017/decorative" val="1"/>
+                </a:ext>
+              </a:extLst>
+            </p:cNvPr>
+            <p:cNvPicPr>
+              <a:picLocks noChangeAspect="1"/>
+            </p:cNvPicPr>
+            <p:nvPr/>
+          </p:nvPicPr>
+          <p:blipFill>
+            <a:blip r:embed="rId4"/>
+            <a:stretch>
+              <a:fillRect/>
+            </a:stretch>
+          </p:blipFill>
+          <p:spPr>
+            <a:xfrm rot="21113565">
+              <a:off x="1359115" y="2664465"/>
+              <a:ext cx="1622303" cy="810572"/>
+            </a:xfrm>
+            <a:prstGeom prst="rect">
+              <a:avLst/>
+            </a:prstGeom>
+          </p:spPr>
+        </p:pic>
+      </p:grpSp>
+      <p:grpSp>
+        <p:nvGrpSpPr>
+          <p:cNvPr id="28" name="Group 27">
+            <a:extLst>
+              <a:ext uri="{FF2B5EF4-FFF2-40B4-BE49-F238E27FC236}">
+                <a16:creationId xmlns:a16="http://schemas.microsoft.com/office/drawing/2014/main" id="{107AE90F-8ED8-6435-795F-0658720097F8}"/>
+              </a:ext>
+              <a:ext uri="{C183D7F6-B498-43B3-948B-1728B52AA6E4}">
+                <adec:decorative xmlns:adec="http://schemas.microsoft.com/office/drawing/2017/decorative" val="1"/>
+              </a:ext>
+            </a:extLst>
+          </p:cNvPr>
+          <p:cNvGrpSpPr/>
+          <p:nvPr/>
+        </p:nvGrpSpPr>
+        <p:grpSpPr>
+          <a:xfrm>
+            <a:off x="7380720" y="893844"/>
+            <a:ext cx="3580858" cy="4760913"/>
+            <a:chOff x="7380720" y="893844"/>
+            <a:chExt cx="3580858" cy="4760913"/>
+          </a:xfrm>
+        </p:grpSpPr>
+        <p:pic>
+          <p:nvPicPr>
+            <p:cNvPr id="20" name="Picture 19" descr="Device boot screen">
+              <a:extLst>
+                <a:ext uri="{FF2B5EF4-FFF2-40B4-BE49-F238E27FC236}">
+                  <a16:creationId xmlns:a16="http://schemas.microsoft.com/office/drawing/2014/main" id="{D4E099D1-3AB3-63F7-7130-D751EE25D3BF}"/>
+                </a:ext>
+              </a:extLst>
+            </p:cNvPr>
+            <p:cNvPicPr>
+              <a:picLocks noChangeAspect="1"/>
+            </p:cNvPicPr>
+            <p:nvPr/>
+          </p:nvPicPr>
+          <p:blipFill>
+            <a:blip r:embed="rId7"/>
+            <a:stretch>
+              <a:fillRect/>
+            </a:stretch>
+          </p:blipFill>
+          <p:spPr>
+            <a:xfrm>
+              <a:off x="7380720" y="893844"/>
+              <a:ext cx="3580858" cy="4760913"/>
+            </a:xfrm>
+            <a:prstGeom prst="rect">
+              <a:avLst/>
+            </a:prstGeom>
+          </p:spPr>
+        </p:pic>
+        <p:pic>
+          <p:nvPicPr>
+            <p:cNvPr id="27" name="Picture 26">
+              <a:extLst>
+                <a:ext uri="{FF2B5EF4-FFF2-40B4-BE49-F238E27FC236}">
+                  <a16:creationId xmlns:a16="http://schemas.microsoft.com/office/drawing/2014/main" id="{870B4AAC-98D2-19B0-FE00-633810B7CDB5}"/>
+                </a:ext>
+                <a:ext uri="{C183D7F6-B498-43B3-948B-1728B52AA6E4}">
+                  <adec:decorative xmlns:adec="http://schemas.microsoft.com/office/drawing/2017/decorative" val="1"/>
+                </a:ext>
+              </a:extLst>
+            </p:cNvPr>
+            <p:cNvPicPr>
+              <a:picLocks noChangeAspect="1"/>
+            </p:cNvPicPr>
+            <p:nvPr/>
+          </p:nvPicPr>
+          <p:blipFill>
+            <a:blip r:embed="rId4"/>
+            <a:stretch>
+              <a:fillRect/>
+            </a:stretch>
+          </p:blipFill>
+          <p:spPr>
+            <a:xfrm rot="21113565">
+              <a:off x="7908094" y="2028433"/>
+              <a:ext cx="2376201" cy="687962"/>
+            </a:xfrm>
+            <a:prstGeom prst="rect">
+              <a:avLst/>
+            </a:prstGeom>
+          </p:spPr>
+        </p:pic>
+      </p:grpSp>
     </p:spTree>
     <p:extLst>
       <p:ext uri="{BB962C8B-B14F-4D97-AF65-F5344CB8AC3E}">
-        <p14:creationId xmlns:p14="http://schemas.microsoft.com/office/powerpoint/2010/main" val="675194883"/>
+        <p14:creationId xmlns:p14="http://schemas.microsoft.com/office/powerpoint/2010/main" val="2073020163"/>
       </p:ext>
     </p:extLst>
   </p:cSld>
   <p:clrMapOvr>
     <a:masterClrMapping/>
   </p:clrMapOvr>
+  <mc:AlternateContent xmlns:mc="http://schemas.openxmlformats.org/markup-compatibility/2006" xmlns:p14="http://schemas.microsoft.com/office/powerpoint/2010/main">
+    <mc:Choice Requires="p14">
+      <p:transition p14:dur="250">
+        <p:fade/>
+      </p:transition>
+    </mc:Choice>
+    <mc:Fallback xmlns="">
+      <p:transition>
+        <p:fade/>
+      </p:transition>
+    </mc:Fallback>
+  </mc:AlternateContent>
+  <p:timing>
+    <p:tnLst>
+      <p:par>
+        <p:cTn id="1" dur="indefinite" restart="never" nodeType="tmRoot">
+          <p:childTnLst>
+            <p:seq concurrent="1" nextAc="seek">
+              <p:cTn id="2" dur="indefinite" nodeType="mainSeq">
+                <p:childTnLst>
+                  <p:par>
+                    <p:cTn id="3" fill="hold">
+                      <p:stCondLst>
+                        <p:cond delay="indefinite"/>
+                      </p:stCondLst>
+                      <p:childTnLst>
+                        <p:par>
+                          <p:cTn id="4" fill="hold">
+                            <p:stCondLst>
+                              <p:cond delay="0"/>
+                            </p:stCondLst>
+                            <p:childTnLst>
+                              <p:par>
+                                <p:cTn id="5" presetID="10" presetClass="entr" presetSubtype="0" fill="hold" nodeType="clickEffect">
+                                  <p:stCondLst>
+                                    <p:cond delay="0"/>
+                                  </p:stCondLst>
+                                  <p:childTnLst>
+                                    <p:set>
+                                      <p:cBhvr>
+                                        <p:cTn id="6" dur="1" fill="hold">
+                                          <p:stCondLst>
+                                            <p:cond delay="0"/>
+                                          </p:stCondLst>
+                                        </p:cTn>
+                                        <p:tgtEl>
+                                          <p:spTgt spid="22"/>
+                                        </p:tgtEl>
+                                        <p:attrNameLst>
+                                          <p:attrName>style.visibility</p:attrName>
+                                        </p:attrNameLst>
+                                      </p:cBhvr>
+                                      <p:to>
+                                        <p:strVal val="visible"/>
+                                      </p:to>
+                                    </p:set>
+                                    <p:animEffect transition="in" filter="fade">
+                                      <p:cBhvr>
+                                        <p:cTn id="7" dur="250"/>
+                                        <p:tgtEl>
+                                          <p:spTgt spid="22"/>
+                                        </p:tgtEl>
+                                      </p:cBhvr>
+                                    </p:animEffect>
+                                  </p:childTnLst>
+                                </p:cTn>
+                              </p:par>
+                            </p:childTnLst>
+                          </p:cTn>
+                        </p:par>
+                      </p:childTnLst>
+                    </p:cTn>
+                  </p:par>
+                  <p:par>
+                    <p:cTn id="8" fill="hold">
+                      <p:stCondLst>
+                        <p:cond delay="indefinite"/>
+                      </p:stCondLst>
+                      <p:childTnLst>
+                        <p:par>
+                          <p:cTn id="9" fill="hold">
+                            <p:stCondLst>
+                              <p:cond delay="0"/>
+                            </p:stCondLst>
+                            <p:childTnLst>
+                              <p:par>
+                                <p:cTn id="10" presetID="10" presetClass="entr" presetSubtype="0" fill="hold" nodeType="clickEffect">
+                                  <p:stCondLst>
+                                    <p:cond delay="0"/>
+                                  </p:stCondLst>
+                                  <p:childTnLst>
+                                    <p:set>
+                                      <p:cBhvr>
+                                        <p:cTn id="11" dur="1" fill="hold">
+                                          <p:stCondLst>
+                                            <p:cond delay="0"/>
+                                          </p:stCondLst>
+                                        </p:cTn>
+                                        <p:tgtEl>
+                                          <p:spTgt spid="24"/>
+                                        </p:tgtEl>
+                                        <p:attrNameLst>
+                                          <p:attrName>style.visibility</p:attrName>
+                                        </p:attrNameLst>
+                                      </p:cBhvr>
+                                      <p:to>
+                                        <p:strVal val="visible"/>
+                                      </p:to>
+                                    </p:set>
+                                    <p:animEffect transition="in" filter="fade">
+                                      <p:cBhvr>
+                                        <p:cTn id="12" dur="250"/>
+                                        <p:tgtEl>
+                                          <p:spTgt spid="24"/>
+                                        </p:tgtEl>
+                                      </p:cBhvr>
+                                    </p:animEffect>
+                                  </p:childTnLst>
+                                </p:cTn>
+                              </p:par>
+                            </p:childTnLst>
+                          </p:cTn>
+                        </p:par>
+                      </p:childTnLst>
+                    </p:cTn>
+                  </p:par>
+                  <p:par>
+                    <p:cTn id="13" fill="hold">
+                      <p:stCondLst>
+                        <p:cond delay="indefinite"/>
+                      </p:stCondLst>
+                      <p:childTnLst>
+                        <p:par>
+                          <p:cTn id="14" fill="hold">
+                            <p:stCondLst>
+                              <p:cond delay="0"/>
+                            </p:stCondLst>
+                            <p:childTnLst>
+                              <p:par>
+                                <p:cTn id="15" presetID="10" presetClass="entr" presetSubtype="0" fill="hold" nodeType="clickEffect">
+                                  <p:stCondLst>
+                                    <p:cond delay="0"/>
+                                  </p:stCondLst>
+                                  <p:childTnLst>
+                                    <p:set>
+                                      <p:cBhvr>
+                                        <p:cTn id="16" dur="1" fill="hold">
+                                          <p:stCondLst>
+                                            <p:cond delay="0"/>
+                                          </p:stCondLst>
+                                        </p:cTn>
+                                        <p:tgtEl>
+                                          <p:spTgt spid="26"/>
+                                        </p:tgtEl>
+                                        <p:attrNameLst>
+                                          <p:attrName>style.visibility</p:attrName>
+                                        </p:attrNameLst>
+                                      </p:cBhvr>
+                                      <p:to>
+                                        <p:strVal val="visible"/>
+                                      </p:to>
+                                    </p:set>
+                                    <p:animEffect transition="in" filter="fade">
+                                      <p:cBhvr>
+                                        <p:cTn id="17" dur="250"/>
+                                        <p:tgtEl>
+                                          <p:spTgt spid="26"/>
+                                        </p:tgtEl>
+                                      </p:cBhvr>
+                                    </p:animEffect>
+                                  </p:childTnLst>
+                                </p:cTn>
+                              </p:par>
+                            </p:childTnLst>
+                          </p:cTn>
+                        </p:par>
+                      </p:childTnLst>
+                    </p:cTn>
+                  </p:par>
+                  <p:par>
+                    <p:cTn id="18" fill="hold">
+                      <p:stCondLst>
+                        <p:cond delay="indefinite"/>
+                      </p:stCondLst>
+                      <p:childTnLst>
+                        <p:par>
+                          <p:cTn id="19" fill="hold">
+                            <p:stCondLst>
+                              <p:cond delay="0"/>
+                            </p:stCondLst>
+                            <p:childTnLst>
+                              <p:par>
+                                <p:cTn id="20" presetID="10" presetClass="entr" presetSubtype="0" fill="hold" nodeType="clickEffect">
+                                  <p:stCondLst>
+                                    <p:cond delay="0"/>
+                                  </p:stCondLst>
+                                  <p:childTnLst>
+                                    <p:set>
+                                      <p:cBhvr>
+                                        <p:cTn id="21" dur="1" fill="hold">
+                                          <p:stCondLst>
+                                            <p:cond delay="0"/>
+                                          </p:stCondLst>
+                                        </p:cTn>
+                                        <p:tgtEl>
+                                          <p:spTgt spid="28"/>
+                                        </p:tgtEl>
+                                        <p:attrNameLst>
+                                          <p:attrName>style.visibility</p:attrName>
+                                        </p:attrNameLst>
+                                      </p:cBhvr>
+                                      <p:to>
+                                        <p:strVal val="visible"/>
+                                      </p:to>
+                                    </p:set>
+                                    <p:animEffect transition="in" filter="fade">
+                                      <p:cBhvr>
+                                        <p:cTn id="22" dur="250"/>
+                                        <p:tgtEl>
+                                          <p:spTgt spid="28"/>
+                                        </p:tgtEl>
+                                      </p:cBhvr>
+                                    </p:animEffect>
+                                  </p:childTnLst>
+                                </p:cTn>
+                              </p:par>
+                            </p:childTnLst>
+                          </p:cTn>
+                        </p:par>
+                      </p:childTnLst>
+                    </p:cTn>
+                  </p:par>
+                </p:childTnLst>
+              </p:cTn>
+              <p:prevCondLst>
+                <p:cond evt="onPrev" delay="0">
+                  <p:tgtEl>
+                    <p:sldTgt/>
+                  </p:tgtEl>
+                </p:cond>
+              </p:prevCondLst>
+              <p:nextCondLst>
+                <p:cond evt="onNext" delay="0">
+                  <p:tgtEl>
+                    <p:sldTgt/>
+                  </p:tgtEl>
+                </p:cond>
+              </p:nextCondLst>
+            </p:seq>
+          </p:childTnLst>
+        </p:cTn>
+      </p:par>
+    </p:tnLst>
+  </p:timing>
 </p:sld>
 </file>
 
@@ -32486,7 +33622,7 @@
           <p:cNvPr id="2" name="Title 1">
             <a:extLst>
               <a:ext uri="{FF2B5EF4-FFF2-40B4-BE49-F238E27FC236}">
-                <a16:creationId xmlns:a16="http://schemas.microsoft.com/office/drawing/2014/main" id="{0AFADAA1-C30B-1F1C-AC65-6BE4341DE371}"/>
+                <a16:creationId xmlns:a16="http://schemas.microsoft.com/office/drawing/2014/main" id="{E3DA287F-5B9B-89CB-73E9-CA94B82A7DE0}"/>
               </a:ext>
             </a:extLst>
           </p:cNvPr>
@@ -32508,8 +33644,8 @@
           <a:lstStyle/>
           <a:p>
             <a:r>
-              <a:rPr lang="en-CA" dirty="0"/>
-              <a:t>Where version numbers Are Used</a:t>
+              <a:rPr lang="en-US" dirty="0"/>
+              <a:t>Why Version Numbers?</a:t>
             </a:r>
           </a:p>
         </p:txBody>
@@ -32519,7 +33655,7 @@
           <p:cNvPr id="3" name="Text Placeholder 2">
             <a:extLst>
               <a:ext uri="{FF2B5EF4-FFF2-40B4-BE49-F238E27FC236}">
-                <a16:creationId xmlns:a16="http://schemas.microsoft.com/office/drawing/2014/main" id="{631FB2B5-1B76-0ADB-A10F-63F115425DBF}"/>
+                <a16:creationId xmlns:a16="http://schemas.microsoft.com/office/drawing/2014/main" id="{5D935C71-F656-20D0-A777-B484A7F1E179}"/>
               </a:ext>
             </a:extLst>
           </p:cNvPr>
@@ -32537,103 +33673,34 @@
           </a:xfrm>
         </p:spPr>
         <p:txBody>
-          <a:bodyPr>
-            <a:normAutofit fontScale="92500" lnSpcReduction="10000"/>
-          </a:bodyPr>
+          <a:bodyPr/>
           <a:lstStyle/>
           <a:p>
             <a:pPr lvl="0"/>
             <a:r>
               <a:rPr lang="en-CA" dirty="0"/>
-              <a:t>In the code, for display (“About…”, </a:t>
-            </a:r>
-            <a:r>
-              <a:rPr lang="en-CA" sz="1700" dirty="0">
-                <a:solidFill>
-                  <a:schemeClr val="bg2"/>
-                </a:solidFill>
-                <a:latin typeface="Hack" panose="020B0609030202020204" pitchFamily="49" charset="0"/>
-                <a:ea typeface="Hack" panose="020B0609030202020204" pitchFamily="49" charset="0"/>
-                <a:cs typeface="Hack" panose="020B0609030202020204" pitchFamily="49" charset="0"/>
-              </a:rPr>
-              <a:t>git -v</a:t>
-            </a:r>
+              <a:t>Know which version of software you’re running</a:t>
+            </a:r>
+          </a:p>
+          <a:p>
+            <a:pPr lvl="0"/>
+            <a:r>
+              <a:rPr lang="en-US" dirty="0"/>
+              <a:t>Dependencies</a:t>
+            </a:r>
+          </a:p>
+          <a:p>
+            <a:pPr lvl="0"/>
             <a:r>
               <a:rPr lang="en-CA" dirty="0"/>
-              <a:t>)</a:t>
-            </a:r>
-          </a:p>
-          <a:p>
-            <a:pPr lvl="0"/>
-            <a:r>
-              <a:rPr lang="en-US" dirty="0"/>
-              <a:t>EXE file properties</a:t>
-            </a:r>
-          </a:p>
-          <a:p>
-            <a:pPr lvl="0"/>
-            <a:r>
-              <a:rPr lang="en-US" dirty="0"/>
-              <a:t>Text files (README)</a:t>
-            </a:r>
-          </a:p>
-          <a:p>
-            <a:pPr lvl="0"/>
+              <a:t>Bug reporting/debugging</a:t>
+            </a:r>
+          </a:p>
+          <a:p>
+            <a:pPr lvl="1"/>
             <a:r>
               <a:rPr lang="en-CA" dirty="0"/>
-              <a:t>Installer (Windows Control Panel)</a:t>
-            </a:r>
-          </a:p>
-          <a:p>
-            <a:pPr lvl="0"/>
-            <a:r>
-              <a:rPr lang="en-US" dirty="0"/>
-              <a:t>Documentation (</a:t>
-            </a:r>
-            <a:r>
-              <a:rPr lang="en-US" dirty="0" err="1"/>
-              <a:t>WinHelp</a:t>
-            </a:r>
-            <a:r>
-              <a:rPr lang="en-US" dirty="0"/>
-              <a:t>, </a:t>
-            </a:r>
-            <a:r>
-              <a:rPr lang="en-US" dirty="0" err="1"/>
-              <a:t>Doxygen</a:t>
-            </a:r>
-            <a:r>
-              <a:rPr lang="en-US" dirty="0"/>
-              <a:t>)</a:t>
-            </a:r>
-          </a:p>
-          <a:p>
-            <a:pPr lvl="0"/>
-            <a:r>
-              <a:rPr lang="en-US" dirty="0"/>
-              <a:t>Version control system (</a:t>
-            </a:r>
-            <a:r>
-              <a:rPr lang="en-US" sz="1700" dirty="0">
-                <a:solidFill>
-                  <a:schemeClr val="bg2"/>
-                </a:solidFill>
-                <a:latin typeface="Hack" panose="020B0609030202020204" pitchFamily="49" charset="0"/>
-                <a:ea typeface="Hack" panose="020B0609030202020204" pitchFamily="49" charset="0"/>
-                <a:cs typeface="Hack" panose="020B0609030202020204" pitchFamily="49" charset="0"/>
-              </a:rPr>
-              <a:t>git tags</a:t>
-            </a:r>
-            <a:r>
-              <a:rPr lang="en-US" dirty="0"/>
-              <a:t>, GitHub releases)</a:t>
-            </a:r>
-          </a:p>
-          <a:p>
-            <a:pPr lvl="0"/>
-            <a:r>
-              <a:rPr lang="en-US" i="1" dirty="0"/>
-              <a:t>These should all match!</a:t>
+              <a:t>Connect an executable to a particular version of the source code</a:t>
             </a:r>
           </a:p>
         </p:txBody>
@@ -32643,7 +33710,7 @@
           <p:cNvPr id="7" name="Footer Placeholder 6">
             <a:extLst>
               <a:ext uri="{FF2B5EF4-FFF2-40B4-BE49-F238E27FC236}">
-                <a16:creationId xmlns:a16="http://schemas.microsoft.com/office/drawing/2014/main" id="{24F25547-CA8A-ACCF-EC40-C6F382B7B505}"/>
+                <a16:creationId xmlns:a16="http://schemas.microsoft.com/office/drawing/2014/main" id="{C9EFC51A-4E96-4C4B-CDE2-87C4949F0AA1}"/>
               </a:ext>
             </a:extLst>
           </p:cNvPr>
@@ -32676,7 +33743,7 @@
           <p:cNvPr id="6" name="Date Placeholder 5">
             <a:extLst>
               <a:ext uri="{FF2B5EF4-FFF2-40B4-BE49-F238E27FC236}">
-                <a16:creationId xmlns:a16="http://schemas.microsoft.com/office/drawing/2014/main" id="{F8465811-80FE-A557-3F55-A2552B47D6A3}"/>
+                <a16:creationId xmlns:a16="http://schemas.microsoft.com/office/drawing/2014/main" id="{DE3F22F5-213A-62BE-75C9-77E64E3FC82D}"/>
               </a:ext>
             </a:extLst>
           </p:cNvPr>
@@ -32698,9 +33765,10 @@
           <a:lstStyle/>
           <a:p>
             <a:r>
-              <a:rPr lang="en-CA"/>
-              <a:t>2025-05-15</a:t>
-            </a:r>
+              <a:rPr lang="en-US"/>
+              <a:t>2025-08-30</a:t>
+            </a:r>
+            <a:endParaRPr lang="en-CA"/>
           </a:p>
         </p:txBody>
       </p:sp>
@@ -32709,7 +33777,7 @@
           <p:cNvPr id="8" name="Slide Number Placeholder 7">
             <a:extLst>
               <a:ext uri="{FF2B5EF4-FFF2-40B4-BE49-F238E27FC236}">
-                <a16:creationId xmlns:a16="http://schemas.microsoft.com/office/drawing/2014/main" id="{CD01489D-97F0-81B7-B005-1F717FD0AB12}"/>
+                <a16:creationId xmlns:a16="http://schemas.microsoft.com/office/drawing/2014/main" id="{C11D457D-8790-D5B7-34A8-C2773CA36428}"/>
               </a:ext>
             </a:extLst>
           </p:cNvPr>
@@ -32742,7 +33810,7 @@
     </p:spTree>
     <p:extLst>
       <p:ext uri="{BB962C8B-B14F-4D97-AF65-F5344CB8AC3E}">
-        <p14:creationId xmlns:p14="http://schemas.microsoft.com/office/powerpoint/2010/main" val="2613919484"/>
+        <p14:creationId xmlns:p14="http://schemas.microsoft.com/office/powerpoint/2010/main" val="675194883"/>
       </p:ext>
     </p:extLst>
   </p:cSld>
@@ -32753,7 +33821,7 @@
 </file>
 
 <file path=ppt/slides/slide8.xml><?xml version="1.0" encoding="utf-8"?>
-<p:sld xmlns:a="http://schemas.openxmlformats.org/drawingml/2006/main" xmlns:r="http://schemas.openxmlformats.org/officeDocument/2006/relationships" xmlns:p="http://schemas.openxmlformats.org/presentationml/2006/main" showMasterPhAnim="0">
+<p:sld xmlns:a="http://schemas.openxmlformats.org/drawingml/2006/main" xmlns:r="http://schemas.openxmlformats.org/officeDocument/2006/relationships" xmlns:p="http://schemas.openxmlformats.org/presentationml/2006/main">
   <p:cSld>
     <p:spTree>
       <p:nvGrpSpPr>
@@ -32774,7 +33842,7 @@
           <p:cNvPr id="2" name="Title 1">
             <a:extLst>
               <a:ext uri="{FF2B5EF4-FFF2-40B4-BE49-F238E27FC236}">
-                <a16:creationId xmlns:a16="http://schemas.microsoft.com/office/drawing/2014/main" id="{38C235B1-76CC-2D41-FDDE-B5B4019D9593}"/>
+                <a16:creationId xmlns:a16="http://schemas.microsoft.com/office/drawing/2014/main" id="{0AFADAA1-C30B-1F1C-AC65-6BE4341DE371}"/>
               </a:ext>
             </a:extLst>
           </p:cNvPr>
@@ -32785,14 +33853,19 @@
             <p:ph type="title"/>
           </p:nvPr>
         </p:nvSpPr>
-        <p:spPr/>
+        <p:spPr>
+          <a:xfrm>
+            <a:off x="1141413" y="618518"/>
+            <a:ext cx="9905998" cy="1478570"/>
+          </a:xfrm>
+        </p:spPr>
         <p:txBody>
           <a:bodyPr/>
           <a:lstStyle/>
           <a:p>
             <a:r>
-              <a:rPr lang="en-US" dirty="0"/>
-              <a:t>The Easy Way</a:t>
+              <a:rPr lang="en-CA" dirty="0"/>
+              <a:t>Where version numbers Are Used</a:t>
             </a:r>
           </a:p>
         </p:txBody>
@@ -32802,7 +33875,7 @@
           <p:cNvPr id="3" name="Text Placeholder 2">
             <a:extLst>
               <a:ext uri="{FF2B5EF4-FFF2-40B4-BE49-F238E27FC236}">
-                <a16:creationId xmlns:a16="http://schemas.microsoft.com/office/drawing/2014/main" id="{108D7905-6AE8-6578-FE3E-DA523C2D7282}"/>
+                <a16:creationId xmlns:a16="http://schemas.microsoft.com/office/drawing/2014/main" id="{631FB2B5-1B76-0ADB-A10F-63F115425DBF}"/>
               </a:ext>
             </a:extLst>
           </p:cNvPr>
@@ -32810,31 +33883,123 @@
             <a:spLocks noGrp="1"/>
           </p:cNvSpPr>
           <p:nvPr>
-            <p:ph type="body" sz="half" idx="2"/>
-          </p:nvPr>
-        </p:nvSpPr>
-        <p:spPr/>
+            <p:ph type="body" idx="1"/>
+          </p:nvPr>
+        </p:nvSpPr>
+        <p:spPr>
+          <a:xfrm>
+            <a:off x="1141412" y="2249487"/>
+            <a:ext cx="9905999" cy="3541714"/>
+          </a:xfrm>
+        </p:spPr>
         <p:txBody>
           <a:bodyPr>
-            <a:normAutofit/>
+            <a:normAutofit fontScale="92500" lnSpcReduction="10000"/>
           </a:bodyPr>
           <a:lstStyle/>
           <a:p>
             <a:pPr lvl="0"/>
             <a:r>
-              <a:rPr lang="en-US" sz="2000" dirty="0" err="1"/>
-              <a:t>version.h</a:t>
-            </a:r>
-            <a:endParaRPr lang="en-US" sz="2000" dirty="0"/>
+              <a:rPr lang="en-CA" dirty="0"/>
+              <a:t>In the code, for display (“About…”, </a:t>
+            </a:r>
+            <a:r>
+              <a:rPr lang="en-CA" sz="1700" dirty="0">
+                <a:solidFill>
+                  <a:schemeClr val="bg2"/>
+                </a:solidFill>
+                <a:latin typeface="Hack" panose="020B0609030202020204" pitchFamily="49" charset="0"/>
+                <a:ea typeface="Hack" panose="020B0609030202020204" pitchFamily="49" charset="0"/>
+                <a:cs typeface="Hack" panose="020B0609030202020204" pitchFamily="49" charset="0"/>
+              </a:rPr>
+              <a:t>git -v</a:t>
+            </a:r>
+            <a:r>
+              <a:rPr lang="en-CA" dirty="0"/>
+              <a:t>)</a:t>
+            </a:r>
+          </a:p>
+          <a:p>
+            <a:pPr lvl="0"/>
+            <a:r>
+              <a:rPr lang="en-US" dirty="0"/>
+              <a:t>EXE file properties</a:t>
+            </a:r>
+          </a:p>
+          <a:p>
+            <a:pPr lvl="0"/>
+            <a:r>
+              <a:rPr lang="en-US" dirty="0"/>
+              <a:t>Text files (README)</a:t>
+            </a:r>
+          </a:p>
+          <a:p>
+            <a:pPr lvl="0"/>
+            <a:r>
+              <a:rPr lang="en-CA" dirty="0"/>
+              <a:t>Installer (Windows Control Panel)</a:t>
+            </a:r>
+          </a:p>
+          <a:p>
+            <a:pPr lvl="0"/>
+            <a:r>
+              <a:rPr lang="en-US" dirty="0"/>
+              <a:t>Documentation (</a:t>
+            </a:r>
+            <a:r>
+              <a:rPr lang="en-US" dirty="0" err="1"/>
+              <a:t>WinHelp</a:t>
+            </a:r>
+            <a:r>
+              <a:rPr lang="en-US" dirty="0"/>
+              <a:t>, </a:t>
+            </a:r>
+            <a:r>
+              <a:rPr lang="en-US" dirty="0" err="1"/>
+              <a:t>Doxygen</a:t>
+            </a:r>
+            <a:r>
+              <a:rPr lang="en-US" dirty="0"/>
+              <a:t>)</a:t>
+            </a:r>
+          </a:p>
+          <a:p>
+            <a:pPr lvl="0"/>
+            <a:r>
+              <a:rPr lang="en-US" dirty="0"/>
+              <a:t>Version control system (</a:t>
+            </a:r>
+            <a:r>
+              <a:rPr lang="en-US" sz="1700" dirty="0">
+                <a:solidFill>
+                  <a:schemeClr val="bg2"/>
+                </a:solidFill>
+                <a:latin typeface="Hack" panose="020B0609030202020204" pitchFamily="49" charset="0"/>
+                <a:ea typeface="Hack" panose="020B0609030202020204" pitchFamily="49" charset="0"/>
+                <a:cs typeface="Hack" panose="020B0609030202020204" pitchFamily="49" charset="0"/>
+              </a:rPr>
+              <a:t>git tags</a:t>
+            </a:r>
+            <a:r>
+              <a:rPr lang="en-US" dirty="0"/>
+              <a:t>, GitHub releases)</a:t>
+            </a:r>
+          </a:p>
+          <a:p>
+            <a:pPr lvl="0"/>
+            <a:r>
+              <a:rPr lang="en-US" i="1" dirty="0"/>
+              <a:t>These should all match!</a:t>
+            </a:r>
           </a:p>
         </p:txBody>
       </p:sp>
       <p:sp>
         <p:nvSpPr>
-          <p:cNvPr id="5" name="Text Placeholder 4">
+          <p:cNvPr id="7" name="Footer Placeholder 6">
             <a:extLst>
               <a:ext uri="{FF2B5EF4-FFF2-40B4-BE49-F238E27FC236}">
-                <a16:creationId xmlns:a16="http://schemas.microsoft.com/office/drawing/2014/main" id="{A093FD80-F93B-0617-0755-C1E3D7009C17}"/>
+                <a16:creationId xmlns:a16="http://schemas.microsoft.com/office/drawing/2014/main" id="{24F25547-CA8A-ACCF-EC40-C6F382B7B505}"/>
               </a:ext>
             </a:extLst>
           </p:cNvPr>
@@ -32842,264 +34007,32 @@
             <a:spLocks noGrp="1"/>
           </p:cNvSpPr>
           <p:nvPr>
-            <p:ph type="body" sz="quarter" idx="13"/>
-          </p:nvPr>
-        </p:nvSpPr>
-        <p:spPr/>
+            <p:ph type="ftr" sz="quarter" idx="11"/>
+          </p:nvPr>
+        </p:nvSpPr>
+        <p:spPr>
+          <a:xfrm>
+            <a:off x="1141411" y="5883275"/>
+            <a:ext cx="6239309" cy="365125"/>
+          </a:xfrm>
+        </p:spPr>
         <p:txBody>
-          <a:bodyPr>
-            <a:normAutofit/>
-          </a:bodyPr>
+          <a:bodyPr/>
           <a:lstStyle/>
           <a:p>
-            <a:endParaRPr lang="en-CA" dirty="0">
-              <a:solidFill>
-                <a:srgbClr val="008000"/>
-              </a:solidFill>
-            </a:endParaRPr>
-          </a:p>
-          <a:p>
-            <a:r>
-              <a:rPr lang="en-CA" dirty="0">
-                <a:solidFill>
-                  <a:srgbClr val="008000"/>
-                </a:solidFill>
-              </a:rPr>
-              <a:t>// Update this whenever a new release is built</a:t>
-            </a:r>
-            <a:endParaRPr lang="en-CA" dirty="0">
-              <a:solidFill>
-                <a:srgbClr val="000000"/>
-              </a:solidFill>
-            </a:endParaRPr>
-          </a:p>
-          <a:p>
-            <a:r>
-              <a:rPr lang="en-CA" dirty="0">
-                <a:solidFill>
-                  <a:srgbClr val="0000FF"/>
-                </a:solidFill>
-              </a:rPr>
-              <a:t>constexpr</a:t>
-            </a:r>
-            <a:r>
-              <a:rPr lang="en-CA" dirty="0">
-                <a:solidFill>
-                  <a:srgbClr val="000000"/>
-                </a:solidFill>
-              </a:rPr>
-              <a:t> </a:t>
-            </a:r>
-            <a:r>
-              <a:rPr lang="en-CA" dirty="0">
-                <a:solidFill>
-                  <a:srgbClr val="0000FF"/>
-                </a:solidFill>
-              </a:rPr>
-              <a:t>unsigned</a:t>
-            </a:r>
-            <a:r>
-              <a:rPr lang="en-CA" dirty="0">
-                <a:solidFill>
-                  <a:srgbClr val="000000"/>
-                </a:solidFill>
-              </a:rPr>
-              <a:t> </a:t>
-            </a:r>
-            <a:r>
-              <a:rPr lang="en-CA" dirty="0" err="1">
-                <a:solidFill>
-                  <a:srgbClr val="000000"/>
-                </a:solidFill>
-              </a:rPr>
-              <a:t>verMajor</a:t>
-            </a:r>
-            <a:r>
-              <a:rPr lang="en-CA" dirty="0">
-                <a:solidFill>
-                  <a:srgbClr val="000000"/>
-                </a:solidFill>
-              </a:rPr>
-              <a:t> = 1;</a:t>
-            </a:r>
-          </a:p>
-          <a:p>
-            <a:r>
-              <a:rPr lang="en-CA" dirty="0">
-                <a:solidFill>
-                  <a:srgbClr val="0000FF"/>
-                </a:solidFill>
-              </a:rPr>
-              <a:t>constexpr</a:t>
-            </a:r>
-            <a:r>
-              <a:rPr lang="en-CA" dirty="0">
-                <a:solidFill>
-                  <a:srgbClr val="000000"/>
-                </a:solidFill>
-              </a:rPr>
-              <a:t> </a:t>
-            </a:r>
-            <a:r>
-              <a:rPr lang="en-CA" dirty="0">
-                <a:solidFill>
-                  <a:srgbClr val="0000FF"/>
-                </a:solidFill>
-              </a:rPr>
-              <a:t>unsigned</a:t>
-            </a:r>
-            <a:r>
-              <a:rPr lang="en-CA" dirty="0">
-                <a:solidFill>
-                  <a:srgbClr val="000000"/>
-                </a:solidFill>
-              </a:rPr>
-              <a:t> </a:t>
-            </a:r>
-            <a:r>
-              <a:rPr lang="en-CA" dirty="0" err="1">
-                <a:solidFill>
-                  <a:srgbClr val="000000"/>
-                </a:solidFill>
-              </a:rPr>
-              <a:t>verMinor</a:t>
-            </a:r>
-            <a:r>
-              <a:rPr lang="en-CA" dirty="0">
-                <a:solidFill>
-                  <a:srgbClr val="000000"/>
-                </a:solidFill>
-              </a:rPr>
-              <a:t> = 0;</a:t>
-            </a:r>
-          </a:p>
-          <a:p>
-            <a:r>
-              <a:rPr lang="en-CA" dirty="0">
-                <a:solidFill>
-                  <a:srgbClr val="0000FF"/>
-                </a:solidFill>
-              </a:rPr>
-              <a:t>constexpr</a:t>
-            </a:r>
-            <a:r>
-              <a:rPr lang="en-CA" dirty="0">
-                <a:solidFill>
-                  <a:srgbClr val="000000"/>
-                </a:solidFill>
-              </a:rPr>
-              <a:t> </a:t>
-            </a:r>
-            <a:r>
-              <a:rPr lang="en-CA" dirty="0">
-                <a:solidFill>
-                  <a:srgbClr val="0000FF"/>
-                </a:solidFill>
-              </a:rPr>
-              <a:t>unsigned</a:t>
-            </a:r>
-            <a:r>
-              <a:rPr lang="en-CA" dirty="0">
-                <a:solidFill>
-                  <a:srgbClr val="000000"/>
-                </a:solidFill>
-              </a:rPr>
-              <a:t> </a:t>
-            </a:r>
-            <a:r>
-              <a:rPr lang="en-CA" dirty="0" err="1">
-                <a:solidFill>
-                  <a:srgbClr val="000000"/>
-                </a:solidFill>
-              </a:rPr>
-              <a:t>verRevision</a:t>
-            </a:r>
-            <a:r>
-              <a:rPr lang="en-CA" dirty="0">
-                <a:solidFill>
-                  <a:srgbClr val="000000"/>
-                </a:solidFill>
-              </a:rPr>
-              <a:t> = 5;</a:t>
-            </a:r>
-          </a:p>
-          <a:p>
-            <a:r>
-              <a:rPr lang="en-CA" dirty="0">
-                <a:solidFill>
-                  <a:srgbClr val="0000FF"/>
-                </a:solidFill>
-              </a:rPr>
-              <a:t>constexpr</a:t>
-            </a:r>
-            <a:r>
-              <a:rPr lang="en-CA" dirty="0">
-                <a:solidFill>
-                  <a:srgbClr val="000000"/>
-                </a:solidFill>
-              </a:rPr>
-              <a:t> </a:t>
-            </a:r>
-            <a:r>
-              <a:rPr lang="en-CA" dirty="0">
-                <a:solidFill>
-                  <a:srgbClr val="0000FF"/>
-                </a:solidFill>
-              </a:rPr>
-              <a:t>char</a:t>
-            </a:r>
-            <a:r>
-              <a:rPr lang="en-CA" dirty="0">
-                <a:solidFill>
-                  <a:srgbClr val="000000"/>
-                </a:solidFill>
-              </a:rPr>
-              <a:t> </a:t>
-            </a:r>
-            <a:r>
-              <a:rPr lang="en-CA" dirty="0" err="1">
-                <a:solidFill>
-                  <a:srgbClr val="000000"/>
-                </a:solidFill>
-              </a:rPr>
-              <a:t>verString</a:t>
-            </a:r>
-            <a:r>
-              <a:rPr lang="en-CA" dirty="0">
-                <a:solidFill>
-                  <a:srgbClr val="000000"/>
-                </a:solidFill>
-              </a:rPr>
-              <a:t>[] = </a:t>
-            </a:r>
-            <a:r>
-              <a:rPr lang="en-CA" dirty="0">
-                <a:solidFill>
-                  <a:srgbClr val="A31515"/>
-                </a:solidFill>
-              </a:rPr>
-              <a:t>"1.0.5"</a:t>
-            </a:r>
-            <a:r>
-              <a:rPr lang="en-CA" dirty="0">
-                <a:solidFill>
-                  <a:srgbClr val="000000"/>
-                </a:solidFill>
-              </a:rPr>
-              <a:t>;</a:t>
-            </a:r>
-          </a:p>
-          <a:p>
-            <a:endParaRPr lang="en-CA" dirty="0"/>
+            <a:r>
+              <a:rPr lang="en-CA"/>
+              <a:t>Len Popp – https://lenp.net/presentations/</a:t>
+            </a:r>
           </a:p>
         </p:txBody>
       </p:sp>
       <p:sp>
         <p:nvSpPr>
-          <p:cNvPr id="7" name="Footer Placeholder 6">
+          <p:cNvPr id="6" name="Date Placeholder 5">
             <a:extLst>
               <a:ext uri="{FF2B5EF4-FFF2-40B4-BE49-F238E27FC236}">
-                <a16:creationId xmlns:a16="http://schemas.microsoft.com/office/drawing/2014/main" id="{C1F60B38-C0E4-5377-777C-BA119A63C3E7}"/>
+                <a16:creationId xmlns:a16="http://schemas.microsoft.com/office/drawing/2014/main" id="{F8465811-80FE-A557-3F55-A2552B47D6A3}"/>
               </a:ext>
             </a:extLst>
           </p:cNvPr>
@@ -33107,27 +34040,33 @@
             <a:spLocks noGrp="1"/>
           </p:cNvSpPr>
           <p:nvPr>
-            <p:ph type="ftr" sz="quarter" idx="11"/>
-          </p:nvPr>
-        </p:nvSpPr>
-        <p:spPr/>
+            <p:ph type="dt" sz="half" idx="10"/>
+          </p:nvPr>
+        </p:nvSpPr>
+        <p:spPr>
+          <a:xfrm>
+            <a:off x="7456921" y="5883276"/>
+            <a:ext cx="2743200" cy="365125"/>
+          </a:xfrm>
+        </p:spPr>
         <p:txBody>
           <a:bodyPr/>
           <a:lstStyle/>
           <a:p>
             <a:r>
-              <a:rPr lang="en-CA"/>
-              <a:t>Len Popp – https://lenp.net/presentations/</a:t>
-            </a:r>
+              <a:rPr lang="en-US"/>
+              <a:t>2025-08-30</a:t>
+            </a:r>
+            <a:endParaRPr lang="en-CA"/>
           </a:p>
         </p:txBody>
       </p:sp>
       <p:sp>
         <p:nvSpPr>
-          <p:cNvPr id="6" name="Date Placeholder 5">
+          <p:cNvPr id="8" name="Slide Number Placeholder 7">
             <a:extLst>
               <a:ext uri="{FF2B5EF4-FFF2-40B4-BE49-F238E27FC236}">
-                <a16:creationId xmlns:a16="http://schemas.microsoft.com/office/drawing/2014/main" id="{1A19ED66-FDD1-D687-2DB0-18738022ABB2}"/>
+                <a16:creationId xmlns:a16="http://schemas.microsoft.com/office/drawing/2014/main" id="{CD01489D-97F0-81B7-B005-1F717FD0AB12}"/>
               </a:ext>
             </a:extLst>
           </p:cNvPr>
@@ -33135,38 +34074,15 @@
             <a:spLocks noGrp="1"/>
           </p:cNvSpPr>
           <p:nvPr>
-            <p:ph type="dt" sz="half" idx="10"/>
-          </p:nvPr>
-        </p:nvSpPr>
-        <p:spPr/>
-        <p:txBody>
-          <a:bodyPr/>
-          <a:lstStyle/>
-          <a:p>
-            <a:r>
-              <a:rPr lang="en-CA"/>
-              <a:t>2025-05-15</a:t>
-            </a:r>
-          </a:p>
-        </p:txBody>
-      </p:sp>
-      <p:sp>
-        <p:nvSpPr>
-          <p:cNvPr id="8" name="Slide Number Placeholder 7">
-            <a:extLst>
-              <a:ext uri="{FF2B5EF4-FFF2-40B4-BE49-F238E27FC236}">
-                <a16:creationId xmlns:a16="http://schemas.microsoft.com/office/drawing/2014/main" id="{0D996FCA-49F6-9BD1-42EC-AB5E7CD94850}"/>
-              </a:ext>
-            </a:extLst>
-          </p:cNvPr>
-          <p:cNvSpPr>
-            <a:spLocks noGrp="1"/>
-          </p:cNvSpPr>
-          <p:nvPr>
             <p:ph type="sldNum" sz="quarter" idx="12"/>
           </p:nvPr>
         </p:nvSpPr>
-        <p:spPr/>
+        <p:spPr>
+          <a:xfrm>
+            <a:off x="10276321" y="5883274"/>
+            <a:ext cx="771089" cy="365125"/>
+          </a:xfrm>
+        </p:spPr>
         <p:txBody>
           <a:bodyPr/>
           <a:lstStyle/>
@@ -33183,25 +34099,13 @@
     </p:spTree>
     <p:extLst>
       <p:ext uri="{BB962C8B-B14F-4D97-AF65-F5344CB8AC3E}">
-        <p14:creationId xmlns:p14="http://schemas.microsoft.com/office/powerpoint/2010/main" val="656706839"/>
+        <p14:creationId xmlns:p14="http://schemas.microsoft.com/office/powerpoint/2010/main" val="2613919484"/>
       </p:ext>
     </p:extLst>
   </p:cSld>
   <p:clrMapOvr>
     <a:masterClrMapping/>
   </p:clrMapOvr>
-  <mc:AlternateContent xmlns:mc="http://schemas.openxmlformats.org/markup-compatibility/2006" xmlns:p14="http://schemas.microsoft.com/office/powerpoint/2010/main">
-    <mc:Choice Requires="p14">
-      <p:transition p14:dur="250">
-        <p:fade/>
-      </p:transition>
-    </mc:Choice>
-    <mc:Fallback xmlns="">
-      <p:transition>
-        <p:fade/>
-      </p:transition>
-    </mc:Fallback>
-  </mc:AlternateContent>
 </p:sld>
 </file>
 
@@ -33227,7 +34131,7 @@
           <p:cNvPr id="2" name="Title 1">
             <a:extLst>
               <a:ext uri="{FF2B5EF4-FFF2-40B4-BE49-F238E27FC236}">
-                <a16:creationId xmlns:a16="http://schemas.microsoft.com/office/drawing/2014/main" id="{091F7611-175D-D330-92F2-D75DF4278EBB}"/>
+                <a16:creationId xmlns:a16="http://schemas.microsoft.com/office/drawing/2014/main" id="{38C235B1-76CC-2D41-FDDE-B5B4019D9593}"/>
               </a:ext>
             </a:extLst>
           </p:cNvPr>
@@ -33235,40 +34139,7 @@
             <a:spLocks noGrp="1"/>
           </p:cNvSpPr>
           <p:nvPr>
-            <p:ph type="ctrTitle"/>
-          </p:nvPr>
-        </p:nvSpPr>
-        <p:spPr>
-          <a:xfrm>
-            <a:off x="1876424" y="1122363"/>
-            <a:ext cx="8791575" cy="2387600"/>
-          </a:xfrm>
-        </p:spPr>
-        <p:txBody>
-          <a:bodyPr/>
-          <a:lstStyle/>
-          <a:p>
-            <a:r>
-              <a:rPr lang="en-US" dirty="0"/>
-              <a:t>The End</a:t>
-            </a:r>
-          </a:p>
-        </p:txBody>
-      </p:sp>
-      <p:sp>
-        <p:nvSpPr>
-          <p:cNvPr id="11" name="Subtitle 10">
-            <a:extLst>
-              <a:ext uri="{FF2B5EF4-FFF2-40B4-BE49-F238E27FC236}">
-                <a16:creationId xmlns:a16="http://schemas.microsoft.com/office/drawing/2014/main" id="{FBE8FE51-A756-0E88-90B2-6304950DB8C7}"/>
-              </a:ext>
-            </a:extLst>
-          </p:cNvPr>
-          <p:cNvSpPr>
-            <a:spLocks noGrp="1"/>
-          </p:cNvSpPr>
-          <p:nvPr>
-            <p:ph type="subTitle" idx="1"/>
+            <p:ph type="title"/>
           </p:nvPr>
         </p:nvSpPr>
         <p:spPr/>
@@ -33276,7 +34147,307 @@
           <a:bodyPr/>
           <a:lstStyle/>
           <a:p>
-            <a:endParaRPr lang="en-CA"/>
+            <a:r>
+              <a:rPr lang="en-US" dirty="0"/>
+              <a:t>The Easy Way</a:t>
+            </a:r>
+          </a:p>
+        </p:txBody>
+      </p:sp>
+      <p:sp>
+        <p:nvSpPr>
+          <p:cNvPr id="3" name="Text Placeholder 2">
+            <a:extLst>
+              <a:ext uri="{FF2B5EF4-FFF2-40B4-BE49-F238E27FC236}">
+                <a16:creationId xmlns:a16="http://schemas.microsoft.com/office/drawing/2014/main" id="{108D7905-6AE8-6578-FE3E-DA523C2D7282}"/>
+              </a:ext>
+            </a:extLst>
+          </p:cNvPr>
+          <p:cNvSpPr>
+            <a:spLocks noGrp="1"/>
+          </p:cNvSpPr>
+          <p:nvPr>
+            <p:ph type="body" sz="half" idx="2"/>
+          </p:nvPr>
+        </p:nvSpPr>
+        <p:spPr/>
+        <p:txBody>
+          <a:bodyPr>
+            <a:normAutofit/>
+          </a:bodyPr>
+          <a:lstStyle/>
+          <a:p>
+            <a:pPr lvl="0"/>
+            <a:r>
+              <a:rPr lang="en-US" sz="2000" dirty="0" err="1"/>
+              <a:t>version.h</a:t>
+            </a:r>
+            <a:endParaRPr lang="en-US" sz="2000" dirty="0"/>
+          </a:p>
+        </p:txBody>
+      </p:sp>
+      <p:sp>
+        <p:nvSpPr>
+          <p:cNvPr id="5" name="Text Placeholder 4">
+            <a:extLst>
+              <a:ext uri="{FF2B5EF4-FFF2-40B4-BE49-F238E27FC236}">
+                <a16:creationId xmlns:a16="http://schemas.microsoft.com/office/drawing/2014/main" id="{A093FD80-F93B-0617-0755-C1E3D7009C17}"/>
+              </a:ext>
+            </a:extLst>
+          </p:cNvPr>
+          <p:cNvSpPr>
+            <a:spLocks noGrp="1"/>
+          </p:cNvSpPr>
+          <p:nvPr>
+            <p:ph type="body" sz="quarter" idx="13"/>
+          </p:nvPr>
+        </p:nvSpPr>
+        <p:spPr/>
+        <p:txBody>
+          <a:bodyPr>
+            <a:normAutofit/>
+          </a:bodyPr>
+          <a:lstStyle/>
+          <a:p>
+            <a:endParaRPr lang="en-CA" dirty="0">
+              <a:solidFill>
+                <a:srgbClr val="008000"/>
+              </a:solidFill>
+            </a:endParaRPr>
+          </a:p>
+          <a:p>
+            <a:r>
+              <a:rPr lang="en-CA" dirty="0">
+                <a:solidFill>
+                  <a:srgbClr val="008000"/>
+                </a:solidFill>
+              </a:rPr>
+              <a:t>// Update this whenever a new release is built</a:t>
+            </a:r>
+            <a:endParaRPr lang="en-CA" dirty="0">
+              <a:solidFill>
+                <a:srgbClr val="000000"/>
+              </a:solidFill>
+            </a:endParaRPr>
+          </a:p>
+          <a:p>
+            <a:r>
+              <a:rPr lang="en-CA" dirty="0">
+                <a:solidFill>
+                  <a:srgbClr val="0000FF"/>
+                </a:solidFill>
+              </a:rPr>
+              <a:t>constexpr</a:t>
+            </a:r>
+            <a:r>
+              <a:rPr lang="en-CA" dirty="0">
+                <a:solidFill>
+                  <a:srgbClr val="000000"/>
+                </a:solidFill>
+              </a:rPr>
+              <a:t> </a:t>
+            </a:r>
+            <a:r>
+              <a:rPr lang="en-CA" dirty="0">
+                <a:solidFill>
+                  <a:srgbClr val="0000FF"/>
+                </a:solidFill>
+              </a:rPr>
+              <a:t>unsigned</a:t>
+            </a:r>
+            <a:r>
+              <a:rPr lang="en-CA" dirty="0">
+                <a:solidFill>
+                  <a:srgbClr val="000000"/>
+                </a:solidFill>
+              </a:rPr>
+              <a:t> </a:t>
+            </a:r>
+            <a:r>
+              <a:rPr lang="en-CA" dirty="0" err="1">
+                <a:solidFill>
+                  <a:srgbClr val="000000"/>
+                </a:solidFill>
+              </a:rPr>
+              <a:t>verMajor</a:t>
+            </a:r>
+            <a:r>
+              <a:rPr lang="en-CA" dirty="0">
+                <a:solidFill>
+                  <a:srgbClr val="000000"/>
+                </a:solidFill>
+              </a:rPr>
+              <a:t> = 1;</a:t>
+            </a:r>
+          </a:p>
+          <a:p>
+            <a:r>
+              <a:rPr lang="en-CA" dirty="0">
+                <a:solidFill>
+                  <a:srgbClr val="0000FF"/>
+                </a:solidFill>
+              </a:rPr>
+              <a:t>constexpr</a:t>
+            </a:r>
+            <a:r>
+              <a:rPr lang="en-CA" dirty="0">
+                <a:solidFill>
+                  <a:srgbClr val="000000"/>
+                </a:solidFill>
+              </a:rPr>
+              <a:t> </a:t>
+            </a:r>
+            <a:r>
+              <a:rPr lang="en-CA" dirty="0">
+                <a:solidFill>
+                  <a:srgbClr val="0000FF"/>
+                </a:solidFill>
+              </a:rPr>
+              <a:t>unsigned</a:t>
+            </a:r>
+            <a:r>
+              <a:rPr lang="en-CA" dirty="0">
+                <a:solidFill>
+                  <a:srgbClr val="000000"/>
+                </a:solidFill>
+              </a:rPr>
+              <a:t> </a:t>
+            </a:r>
+            <a:r>
+              <a:rPr lang="en-CA" dirty="0" err="1">
+                <a:solidFill>
+                  <a:srgbClr val="000000"/>
+                </a:solidFill>
+              </a:rPr>
+              <a:t>verMinor</a:t>
+            </a:r>
+            <a:r>
+              <a:rPr lang="en-CA" dirty="0">
+                <a:solidFill>
+                  <a:srgbClr val="000000"/>
+                </a:solidFill>
+              </a:rPr>
+              <a:t> = 0;</a:t>
+            </a:r>
+          </a:p>
+          <a:p>
+            <a:r>
+              <a:rPr lang="en-CA" dirty="0">
+                <a:solidFill>
+                  <a:srgbClr val="0000FF"/>
+                </a:solidFill>
+              </a:rPr>
+              <a:t>constexpr</a:t>
+            </a:r>
+            <a:r>
+              <a:rPr lang="en-CA" dirty="0">
+                <a:solidFill>
+                  <a:srgbClr val="000000"/>
+                </a:solidFill>
+              </a:rPr>
+              <a:t> </a:t>
+            </a:r>
+            <a:r>
+              <a:rPr lang="en-CA" dirty="0">
+                <a:solidFill>
+                  <a:srgbClr val="0000FF"/>
+                </a:solidFill>
+              </a:rPr>
+              <a:t>unsigned</a:t>
+            </a:r>
+            <a:r>
+              <a:rPr lang="en-CA" dirty="0">
+                <a:solidFill>
+                  <a:srgbClr val="000000"/>
+                </a:solidFill>
+              </a:rPr>
+              <a:t> </a:t>
+            </a:r>
+            <a:r>
+              <a:rPr lang="en-CA" dirty="0" err="1">
+                <a:solidFill>
+                  <a:srgbClr val="000000"/>
+                </a:solidFill>
+              </a:rPr>
+              <a:t>verRevision</a:t>
+            </a:r>
+            <a:r>
+              <a:rPr lang="en-CA" dirty="0">
+                <a:solidFill>
+                  <a:srgbClr val="000000"/>
+                </a:solidFill>
+              </a:rPr>
+              <a:t> = 5;</a:t>
+            </a:r>
+          </a:p>
+          <a:p>
+            <a:r>
+              <a:rPr lang="en-CA" dirty="0">
+                <a:solidFill>
+                  <a:srgbClr val="0000FF"/>
+                </a:solidFill>
+              </a:rPr>
+              <a:t>constexpr</a:t>
+            </a:r>
+            <a:r>
+              <a:rPr lang="en-CA" dirty="0">
+                <a:solidFill>
+                  <a:srgbClr val="000000"/>
+                </a:solidFill>
+              </a:rPr>
+              <a:t> </a:t>
+            </a:r>
+            <a:r>
+              <a:rPr lang="en-CA" dirty="0">
+                <a:solidFill>
+                  <a:srgbClr val="0000FF"/>
+                </a:solidFill>
+              </a:rPr>
+              <a:t>char</a:t>
+            </a:r>
+            <a:r>
+              <a:rPr lang="en-CA" dirty="0">
+                <a:solidFill>
+                  <a:srgbClr val="000000"/>
+                </a:solidFill>
+              </a:rPr>
+              <a:t> </a:t>
+            </a:r>
+            <a:r>
+              <a:rPr lang="en-CA" dirty="0" err="1">
+                <a:solidFill>
+                  <a:srgbClr val="000000"/>
+                </a:solidFill>
+              </a:rPr>
+              <a:t>verString</a:t>
+            </a:r>
+            <a:r>
+              <a:rPr lang="en-CA" dirty="0">
+                <a:solidFill>
+                  <a:srgbClr val="000000"/>
+                </a:solidFill>
+              </a:rPr>
+              <a:t>[] = </a:t>
+            </a:r>
+            <a:r>
+              <a:rPr lang="en-CA" dirty="0">
+                <a:solidFill>
+                  <a:srgbClr val="A31515"/>
+                </a:solidFill>
+              </a:rPr>
+              <a:t>"1.0.5"</a:t>
+            </a:r>
+            <a:r>
+              <a:rPr lang="en-CA" dirty="0">
+                <a:solidFill>
+                  <a:srgbClr val="000000"/>
+                </a:solidFill>
+              </a:rPr>
+              <a:t>;</a:t>
+            </a:r>
+          </a:p>
+          <a:p>
+            <a:endParaRPr lang="en-CA" dirty="0"/>
           </a:p>
         </p:txBody>
       </p:sp>
@@ -33285,7 +34456,7 @@
           <p:cNvPr id="7" name="Footer Placeholder 6">
             <a:extLst>
               <a:ext uri="{FF2B5EF4-FFF2-40B4-BE49-F238E27FC236}">
-                <a16:creationId xmlns:a16="http://schemas.microsoft.com/office/drawing/2014/main" id="{D5D36050-052A-166A-1577-663FF95ABE49}"/>
+                <a16:creationId xmlns:a16="http://schemas.microsoft.com/office/drawing/2014/main" id="{C1F60B38-C0E4-5377-777C-BA119A63C3E7}"/>
               </a:ext>
             </a:extLst>
           </p:cNvPr>
@@ -33296,12 +34467,7 @@
             <p:ph type="ftr" sz="quarter" idx="11"/>
           </p:nvPr>
         </p:nvSpPr>
-        <p:spPr>
-          <a:xfrm>
-            <a:off x="1876424" y="5410201"/>
-            <a:ext cx="5124886" cy="365125"/>
-          </a:xfrm>
-        </p:spPr>
+        <p:spPr/>
         <p:txBody>
           <a:bodyPr/>
           <a:lstStyle/>
@@ -33318,7 +34484,7 @@
           <p:cNvPr id="6" name="Date Placeholder 5">
             <a:extLst>
               <a:ext uri="{FF2B5EF4-FFF2-40B4-BE49-F238E27FC236}">
-                <a16:creationId xmlns:a16="http://schemas.microsoft.com/office/drawing/2014/main" id="{18E403D1-1BE3-31B3-C2AD-D29A9BFD344F}"/>
+                <a16:creationId xmlns:a16="http://schemas.microsoft.com/office/drawing/2014/main" id="{1A19ED66-FDD1-D687-2DB0-18738022ABB2}"/>
               </a:ext>
             </a:extLst>
           </p:cNvPr>
@@ -33329,20 +34495,16 @@
             <p:ph type="dt" sz="half" idx="10"/>
           </p:nvPr>
         </p:nvSpPr>
-        <p:spPr>
-          <a:xfrm>
-            <a:off x="7077511" y="5410201"/>
-            <a:ext cx="2743200" cy="365125"/>
-          </a:xfrm>
-        </p:spPr>
+        <p:spPr/>
         <p:txBody>
           <a:bodyPr/>
           <a:lstStyle/>
           <a:p>
             <a:r>
-              <a:rPr lang="en-CA"/>
-              <a:t>2025-05-15</a:t>
-            </a:r>
+              <a:rPr lang="en-US"/>
+              <a:t>2025-08-30</a:t>
+            </a:r>
+            <a:endParaRPr lang="en-CA"/>
           </a:p>
         </p:txBody>
       </p:sp>
@@ -33351,7 +34513,7 @@
           <p:cNvPr id="8" name="Slide Number Placeholder 7">
             <a:extLst>
               <a:ext uri="{FF2B5EF4-FFF2-40B4-BE49-F238E27FC236}">
-                <a16:creationId xmlns:a16="http://schemas.microsoft.com/office/drawing/2014/main" id="{F1F0C4A0-EBFD-B513-629B-4204738B4382}"/>
+                <a16:creationId xmlns:a16="http://schemas.microsoft.com/office/drawing/2014/main" id="{0D996FCA-49F6-9BD1-42EC-AB5E7CD94850}"/>
               </a:ext>
             </a:extLst>
           </p:cNvPr>
@@ -33362,12 +34524,7 @@
             <p:ph type="sldNum" sz="quarter" idx="12"/>
           </p:nvPr>
         </p:nvSpPr>
-        <p:spPr>
-          <a:xfrm>
-            <a:off x="9896911" y="5410199"/>
-            <a:ext cx="771089" cy="365125"/>
-          </a:xfrm>
-        </p:spPr>
+        <p:spPr/>
         <p:txBody>
           <a:bodyPr/>
           <a:lstStyle/>
@@ -33384,7 +34541,7 @@
     </p:spTree>
     <p:extLst>
       <p:ext uri="{BB962C8B-B14F-4D97-AF65-F5344CB8AC3E}">
-        <p14:creationId xmlns:p14="http://schemas.microsoft.com/office/powerpoint/2010/main" val="3096725110"/>
+        <p14:creationId xmlns:p14="http://schemas.microsoft.com/office/powerpoint/2010/main" val="656706839"/>
       </p:ext>
     </p:extLst>
   </p:cSld>
